--- a/Spring.pptx
+++ b/Spring.pptx
@@ -2,7 +2,7 @@
 <file path=ppt/presentation.xml><?xml version="1.0" encoding="utf-8"?>
 <p:presentation xmlns:a="http://schemas.openxmlformats.org/drawingml/2006/main" xmlns:r="http://schemas.openxmlformats.org/officeDocument/2006/relationships" xmlns:p="http://schemas.openxmlformats.org/presentationml/2006/main" saveSubsetFonts="1">
   <p:sldMasterIdLst>
-    <p:sldMasterId id="2147483768" r:id="rId1"/>
+    <p:sldMasterId id="2147483792" r:id="rId1"/>
   </p:sldMasterIdLst>
   <p:sldIdLst>
     <p:sldId id="256" r:id="rId2"/>
@@ -20,6 +20,7 @@
     <p:sldId id="270" r:id="rId14"/>
     <p:sldId id="269" r:id="rId15"/>
     <p:sldId id="264" r:id="rId16"/>
+    <p:sldId id="271" r:id="rId17"/>
   </p:sldIdLst>
   <p:sldSz cx="9144000" cy="6858000" type="screen4x3"/>
   <p:notesSz cx="6858000" cy="9144000"/>
@@ -4307,17 +4308,17 @@
   </p:cSld>
   <p:clrMap bg1="lt1" tx1="dk1" bg2="lt2" tx2="dk2" accent1="accent1" accent2="accent2" accent3="accent3" accent4="accent4" accent5="accent5" accent6="accent6" hlink="hlink" folHlink="folHlink"/>
   <p:sldLayoutIdLst>
-    <p:sldLayoutId id="2147483769" r:id="rId1"/>
-    <p:sldLayoutId id="2147483770" r:id="rId2"/>
-    <p:sldLayoutId id="2147483771" r:id="rId3"/>
-    <p:sldLayoutId id="2147483772" r:id="rId4"/>
-    <p:sldLayoutId id="2147483773" r:id="rId5"/>
-    <p:sldLayoutId id="2147483774" r:id="rId6"/>
-    <p:sldLayoutId id="2147483775" r:id="rId7"/>
-    <p:sldLayoutId id="2147483776" r:id="rId8"/>
-    <p:sldLayoutId id="2147483777" r:id="rId9"/>
-    <p:sldLayoutId id="2147483778" r:id="rId10"/>
-    <p:sldLayoutId id="2147483779" r:id="rId11"/>
+    <p:sldLayoutId id="2147483793" r:id="rId1"/>
+    <p:sldLayoutId id="2147483794" r:id="rId2"/>
+    <p:sldLayoutId id="2147483795" r:id="rId3"/>
+    <p:sldLayoutId id="2147483796" r:id="rId4"/>
+    <p:sldLayoutId id="2147483797" r:id="rId5"/>
+    <p:sldLayoutId id="2147483798" r:id="rId6"/>
+    <p:sldLayoutId id="2147483799" r:id="rId7"/>
+    <p:sldLayoutId id="2147483800" r:id="rId8"/>
+    <p:sldLayoutId id="2147483801" r:id="rId9"/>
+    <p:sldLayoutId id="2147483802" r:id="rId10"/>
+    <p:sldLayoutId id="2147483803" r:id="rId11"/>
   </p:sldLayoutIdLst>
   <p:txStyles>
     <p:titleStyle>
@@ -4711,52 +4712,6 @@
           <a:chExt cx="0" cy="0"/>
         </a:xfrm>
       </p:grpSpPr>
-      <p:sp>
-        <p:nvSpPr>
-          <p:cNvPr id="2" name="Content Placeholder 1"/>
-          <p:cNvSpPr>
-            <a:spLocks noGrp="1"/>
-          </p:cNvSpPr>
-          <p:nvPr>
-            <p:ph idx="1"/>
-          </p:nvPr>
-        </p:nvSpPr>
-        <p:spPr/>
-        <p:txBody>
-          <a:bodyPr/>
-          <a:lstStyle/>
-          <a:p>
-            <a:r>
-              <a:rPr lang="en-US" dirty="0" smtClean="0"/>
-              <a:t>Detailed flow:</a:t>
-            </a:r>
-            <a:endParaRPr lang="en-US" dirty="0"/>
-          </a:p>
-        </p:txBody>
-      </p:sp>
-      <p:sp>
-        <p:nvSpPr>
-          <p:cNvPr id="3" name="Title 2"/>
-          <p:cNvSpPr>
-            <a:spLocks noGrp="1"/>
-          </p:cNvSpPr>
-          <p:nvPr>
-            <p:ph type="title"/>
-          </p:nvPr>
-        </p:nvSpPr>
-        <p:spPr/>
-        <p:txBody>
-          <a:bodyPr/>
-          <a:lstStyle/>
-          <a:p>
-            <a:r>
-              <a:rPr lang="en-US" dirty="0" smtClean="0"/>
-              <a:t>Spring MVC</a:t>
-            </a:r>
-            <a:endParaRPr lang="en-US" dirty="0"/>
-          </a:p>
-        </p:txBody>
-      </p:sp>
       <p:pic>
         <p:nvPicPr>
           <p:cNvPr id="2053" name="Picture 5" descr="C:\Users\HuanPM\Desktop\spring-mvc-concepts-2.jpg"/>
@@ -4780,8 +4735,8 @@
         </p:blipFill>
         <p:spPr bwMode="auto">
           <a:xfrm>
-            <a:off x="1676400" y="1942648"/>
-            <a:ext cx="5486400" cy="4186760"/>
+            <a:off x="2971800" y="1905000"/>
+            <a:ext cx="5899311" cy="4501858"/>
           </a:xfrm>
           <a:prstGeom prst="rect">
             <a:avLst/>
@@ -4798,6 +4753,87 @@
           </a:extLst>
         </p:spPr>
       </p:pic>
+      <p:sp>
+        <p:nvSpPr>
+          <p:cNvPr id="2" name="Content Placeholder 1"/>
+          <p:cNvSpPr>
+            <a:spLocks noGrp="1"/>
+          </p:cNvSpPr>
+          <p:nvPr>
+            <p:ph idx="1"/>
+          </p:nvPr>
+        </p:nvSpPr>
+        <p:spPr>
+          <a:xfrm>
+            <a:off x="472952" y="1458349"/>
+            <a:ext cx="4632448" cy="5100907"/>
+          </a:xfrm>
+        </p:spPr>
+        <p:txBody>
+          <a:bodyPr>
+            <a:normAutofit/>
+          </a:bodyPr>
+          <a:lstStyle/>
+          <a:p>
+            <a:r>
+              <a:rPr lang="en-US" dirty="0" smtClean="0"/>
+              <a:t>Handler Mapping: map request to a </a:t>
+            </a:r>
+            <a:r>
+              <a:rPr lang="en-US" b="1" dirty="0" smtClean="0"/>
+              <a:t>Controller</a:t>
+            </a:r>
+          </a:p>
+          <a:p>
+            <a:r>
+              <a:rPr lang="en-US" dirty="0" err="1" smtClean="0"/>
+              <a:t>ModelAndView</a:t>
+            </a:r>
+            <a:r>
+              <a:rPr lang="en-US" dirty="0" smtClean="0"/>
+              <a:t>: holder for both Model and View</a:t>
+            </a:r>
+          </a:p>
+          <a:p>
+            <a:r>
+              <a:rPr lang="en-US" dirty="0" smtClean="0"/>
+              <a:t>View Resolver: map view name to a </a:t>
+            </a:r>
+            <a:r>
+              <a:rPr lang="en-US" b="1" dirty="0" smtClean="0"/>
+              <a:t>View</a:t>
+            </a:r>
+            <a:endParaRPr lang="en-US" dirty="0"/>
+          </a:p>
+        </p:txBody>
+      </p:sp>
+      <p:sp>
+        <p:nvSpPr>
+          <p:cNvPr id="3" name="Title 2"/>
+          <p:cNvSpPr>
+            <a:spLocks noGrp="1"/>
+          </p:cNvSpPr>
+          <p:nvPr>
+            <p:ph type="title"/>
+          </p:nvPr>
+        </p:nvSpPr>
+        <p:spPr/>
+        <p:txBody>
+          <a:bodyPr/>
+          <a:lstStyle/>
+          <a:p>
+            <a:r>
+              <a:rPr lang="en-US" dirty="0" smtClean="0"/>
+              <a:t>Spring </a:t>
+            </a:r>
+            <a:r>
+              <a:rPr lang="en-US" dirty="0" smtClean="0"/>
+              <a:t>MVC</a:t>
+            </a:r>
+            <a:endParaRPr lang="en-US" dirty="0"/>
+          </a:p>
+        </p:txBody>
+      </p:sp>
     </p:spTree>
     <p:extLst>
       <p:ext uri="{BB962C8B-B14F-4D97-AF65-F5344CB8AC3E}">
@@ -4914,9 +4950,78 @@
           <a:chExt cx="0" cy="0"/>
         </a:xfrm>
       </p:grpSpPr>
+      <p:sp>
+        <p:nvSpPr>
+          <p:cNvPr id="2" name="Content Placeholder 1"/>
+          <p:cNvSpPr>
+            <a:spLocks noGrp="1"/>
+          </p:cNvSpPr>
+          <p:nvPr>
+            <p:ph idx="1"/>
+          </p:nvPr>
+        </p:nvSpPr>
+        <p:spPr/>
+        <p:txBody>
+          <a:bodyPr/>
+          <a:lstStyle/>
+          <a:p>
+            <a:r>
+              <a:rPr lang="en-US" b="1" dirty="0" smtClean="0"/>
+              <a:t>Hibernate ORM</a:t>
+            </a:r>
+            <a:r>
+              <a:rPr lang="en-US" dirty="0" smtClean="0"/>
+              <a:t> (</a:t>
+            </a:r>
+            <a:r>
+              <a:rPr lang="en-US" b="1" dirty="0" smtClean="0"/>
+              <a:t>Hibernate</a:t>
+            </a:r>
+            <a:r>
+              <a:rPr lang="en-US" dirty="0" smtClean="0"/>
+              <a:t>) is an </a:t>
+            </a:r>
+            <a:r>
+              <a:rPr lang="en-US" b="1" dirty="0" smtClean="0"/>
+              <a:t>ORM</a:t>
+            </a:r>
+            <a:r>
+              <a:rPr lang="en-US" dirty="0"/>
+              <a:t> and persistence framework </a:t>
+            </a:r>
+            <a:r>
+              <a:rPr lang="en-US" dirty="0" smtClean="0"/>
+              <a:t>that allows mapping between objects (even POJOs) and database.</a:t>
+            </a:r>
+          </a:p>
+        </p:txBody>
+      </p:sp>
+      <p:sp>
+        <p:nvSpPr>
+          <p:cNvPr id="3" name="Title 2"/>
+          <p:cNvSpPr>
+            <a:spLocks noGrp="1"/>
+          </p:cNvSpPr>
+          <p:nvPr>
+            <p:ph type="title"/>
+          </p:nvPr>
+        </p:nvSpPr>
+        <p:spPr/>
+        <p:txBody>
+          <a:bodyPr/>
+          <a:lstStyle/>
+          <a:p>
+            <a:r>
+              <a:rPr lang="en-US" dirty="0" smtClean="0"/>
+              <a:t>Hibernate</a:t>
+            </a:r>
+            <a:endParaRPr lang="en-US" dirty="0"/>
+          </a:p>
+        </p:txBody>
+      </p:sp>
       <p:pic>
         <p:nvPicPr>
-          <p:cNvPr id="6146" name="Picture 2" descr="C:\Users\HuanPM\Desktop\hibernate.jpg"/>
+          <p:cNvPr id="2050" name="Picture 2" descr="C:\Users\HuanPM\Desktop\hibernate_position.jpg"/>
           <p:cNvPicPr>
             <a:picLocks noChangeAspect="1" noChangeArrowheads="1"/>
           </p:cNvPicPr>
@@ -4937,8 +5042,8 @@
         </p:blipFill>
         <p:spPr bwMode="auto">
           <a:xfrm>
-            <a:off x="23446" y="3048000"/>
-            <a:ext cx="8382000" cy="2663439"/>
+            <a:off x="762000" y="3200400"/>
+            <a:ext cx="7478091" cy="2209800"/>
           </a:xfrm>
           <a:prstGeom prst="rect">
             <a:avLst/>
@@ -4955,79 +5060,6 @@
           </a:extLst>
         </p:spPr>
       </p:pic>
-      <p:sp>
-        <p:nvSpPr>
-          <p:cNvPr id="2" name="Content Placeholder 1"/>
-          <p:cNvSpPr>
-            <a:spLocks noGrp="1"/>
-          </p:cNvSpPr>
-          <p:nvPr>
-            <p:ph idx="1"/>
-          </p:nvPr>
-        </p:nvSpPr>
-        <p:spPr/>
-        <p:txBody>
-          <a:bodyPr/>
-          <a:lstStyle/>
-          <a:p>
-            <a:r>
-              <a:rPr lang="en-US" b="1" dirty="0" smtClean="0"/>
-              <a:t>Hibernate ORM</a:t>
-            </a:r>
-            <a:r>
-              <a:rPr lang="en-US" dirty="0" smtClean="0"/>
-              <a:t> (</a:t>
-            </a:r>
-            <a:r>
-              <a:rPr lang="en-US" b="1" dirty="0" smtClean="0"/>
-              <a:t>Hibernate</a:t>
-            </a:r>
-            <a:r>
-              <a:rPr lang="en-US" dirty="0" smtClean="0"/>
-              <a:t>) is an </a:t>
-            </a:r>
-            <a:r>
-              <a:rPr lang="en-US" b="1" dirty="0" smtClean="0"/>
-              <a:t>ORM</a:t>
-            </a:r>
-            <a:r>
-              <a:rPr lang="en-US" dirty="0"/>
-              <a:t> and persistence framework </a:t>
-            </a:r>
-            <a:r>
-              <a:rPr lang="en-US" dirty="0" smtClean="0"/>
-              <a:t>that allows mapping between objects (even POJOs) and database</a:t>
-            </a:r>
-            <a:r>
-              <a:rPr lang="en-US" dirty="0" smtClean="0"/>
-              <a:t>.</a:t>
-            </a:r>
-          </a:p>
-        </p:txBody>
-      </p:sp>
-      <p:sp>
-        <p:nvSpPr>
-          <p:cNvPr id="3" name="Title 2"/>
-          <p:cNvSpPr>
-            <a:spLocks noGrp="1"/>
-          </p:cNvSpPr>
-          <p:nvPr>
-            <p:ph type="title"/>
-          </p:nvPr>
-        </p:nvSpPr>
-        <p:spPr/>
-        <p:txBody>
-          <a:bodyPr/>
-          <a:lstStyle/>
-          <a:p>
-            <a:r>
-              <a:rPr lang="en-US" dirty="0" smtClean="0"/>
-              <a:t>Hibernate</a:t>
-            </a:r>
-            <a:endParaRPr lang="en-US" dirty="0"/>
-          </a:p>
-        </p:txBody>
-      </p:sp>
     </p:spTree>
     <p:extLst>
       <p:ext uri="{BB962C8B-B14F-4D97-AF65-F5344CB8AC3E}">
@@ -5088,7 +5120,23 @@
           <a:p>
             <a:r>
               <a:rPr lang="en-US" dirty="0" smtClean="0"/>
-              <a:t>Hibernate generates specific SQL queries based on dialect configuration.</a:t>
+              <a:t>Hibernate </a:t>
+            </a:r>
+            <a:r>
+              <a:rPr lang="en-US" dirty="0" smtClean="0"/>
+              <a:t>generates </a:t>
+            </a:r>
+            <a:r>
+              <a:rPr lang="en-US" dirty="0" smtClean="0"/>
+              <a:t>database-specific </a:t>
+            </a:r>
+            <a:r>
+              <a:rPr lang="en-US" dirty="0" smtClean="0"/>
+              <a:t>SQL </a:t>
+            </a:r>
+            <a:r>
+              <a:rPr lang="en-US" dirty="0" smtClean="0"/>
+              <a:t>queries based on dialect configuration.</a:t>
             </a:r>
             <a:endParaRPr lang="en-US" dirty="0"/>
           </a:p>
@@ -5154,6 +5202,47 @@
           <a:chExt cx="0" cy="0"/>
         </a:xfrm>
       </p:grpSpPr>
+      <p:pic>
+        <p:nvPicPr>
+          <p:cNvPr id="3074" name="Picture 2" descr="C:\Users\HuanPM\Desktop\61dYc.png"/>
+          <p:cNvPicPr>
+            <a:picLocks noChangeAspect="1" noChangeArrowheads="1"/>
+          </p:cNvPicPr>
+          <p:nvPr/>
+        </p:nvPicPr>
+        <p:blipFill>
+          <a:blip r:embed="rId2">
+            <a:extLst>
+              <a:ext uri="{28A0092B-C50C-407E-A947-70E740481C1C}">
+                <a14:useLocalDpi xmlns:a14="http://schemas.microsoft.com/office/drawing/2010/main" val="0"/>
+              </a:ext>
+            </a:extLst>
+          </a:blip>
+          <a:srcRect/>
+          <a:stretch>
+            <a:fillRect/>
+          </a:stretch>
+        </p:blipFill>
+        <p:spPr bwMode="auto">
+          <a:xfrm>
+            <a:off x="5029200" y="914400"/>
+            <a:ext cx="3835685" cy="3200400"/>
+          </a:xfrm>
+          <a:prstGeom prst="rect">
+            <a:avLst/>
+          </a:prstGeom>
+          <a:noFill/>
+          <a:extLst>
+            <a:ext uri="{909E8E84-426E-40DD-AFC4-6F175D3DCCD1}">
+              <a14:hiddenFill xmlns:a14="http://schemas.microsoft.com/office/drawing/2010/main">
+                <a:solidFill>
+                  <a:srgbClr val="FFFFFF"/>
+                </a:solidFill>
+              </a14:hiddenFill>
+            </a:ext>
+          </a:extLst>
+        </p:spPr>
+      </p:pic>
       <p:sp>
         <p:nvSpPr>
           <p:cNvPr id="2" name="Content Placeholder 1"/>
@@ -5164,7 +5253,12 @@
             <p:ph idx="1"/>
           </p:nvPr>
         </p:nvSpPr>
-        <p:spPr/>
+        <p:spPr>
+          <a:xfrm>
+            <a:off x="533400" y="1524000"/>
+            <a:ext cx="5867400" cy="4525963"/>
+          </a:xfrm>
+        </p:spPr>
         <p:txBody>
           <a:bodyPr/>
           <a:lstStyle/>
@@ -5325,6 +5419,14 @@
             <a:pPr lvl="1"/>
             <a:r>
               <a:rPr lang="en-US" dirty="0" smtClean="0"/>
+              <a:t>Work with java objects =&gt; more familiar.</a:t>
+            </a:r>
+            <a:endParaRPr lang="en-US" dirty="0" smtClean="0"/>
+          </a:p>
+          <a:p>
+            <a:pPr lvl="1"/>
+            <a:r>
+              <a:rPr lang="en-US" dirty="0" smtClean="0"/>
               <a:t>Simplify CRUD operation programming.</a:t>
             </a:r>
           </a:p>
@@ -5341,7 +5443,6 @@
               <a:rPr lang="en-US" dirty="0" smtClean="0"/>
               <a:t>Support cache.</a:t>
             </a:r>
-            <a:endParaRPr lang="en-US" dirty="0" smtClean="0"/>
           </a:p>
           <a:p>
             <a:r>
@@ -5413,6 +5514,67 @@
       </p:par>
     </p:tnLst>
   </p:timing>
+</p:sld>
+</file>
+
+<file path=ppt/slides/slide16.xml><?xml version="1.0" encoding="utf-8"?>
+<p:sld xmlns:a="http://schemas.openxmlformats.org/drawingml/2006/main" xmlns:r="http://schemas.openxmlformats.org/officeDocument/2006/relationships" xmlns:p="http://schemas.openxmlformats.org/presentationml/2006/main">
+  <p:cSld>
+    <p:spTree>
+      <p:nvGrpSpPr>
+        <p:cNvPr id="1" name=""/>
+        <p:cNvGrpSpPr/>
+        <p:nvPr/>
+      </p:nvGrpSpPr>
+      <p:grpSpPr>
+        <a:xfrm>
+          <a:off x="0" y="0"/>
+          <a:ext cx="0" cy="0"/>
+          <a:chOff x="0" y="0"/>
+          <a:chExt cx="0" cy="0"/>
+        </a:xfrm>
+      </p:grpSpPr>
+      <p:sp>
+        <p:nvSpPr>
+          <p:cNvPr id="10" name="TextBox 9"/>
+          <p:cNvSpPr txBox="1"/>
+          <p:nvPr/>
+        </p:nvSpPr>
+        <p:spPr>
+          <a:xfrm>
+            <a:off x="1752600" y="2209800"/>
+            <a:ext cx="5715000" cy="1754326"/>
+          </a:xfrm>
+          <a:prstGeom prst="rect">
+            <a:avLst/>
+          </a:prstGeom>
+          <a:noFill/>
+        </p:spPr>
+        <p:txBody>
+          <a:bodyPr wrap="square" rtlCol="0">
+            <a:spAutoFit/>
+          </a:bodyPr>
+          <a:lstStyle/>
+          <a:p>
+            <a:pPr algn="ctr"/>
+            <a:r>
+              <a:rPr lang="en-US" sz="5400" b="1" dirty="0" smtClean="0"/>
+              <a:t>THANK YOU FOR LISTENING!</a:t>
+            </a:r>
+            <a:endParaRPr lang="en-US" sz="5400" b="1" dirty="0"/>
+          </a:p>
+        </p:txBody>
+      </p:sp>
+    </p:spTree>
+    <p:extLst>
+      <p:ext uri="{BB962C8B-B14F-4D97-AF65-F5344CB8AC3E}">
+        <p14:creationId xmlns:p14="http://schemas.microsoft.com/office/powerpoint/2010/main" val="2360340079"/>
+      </p:ext>
+    </p:extLst>
+  </p:cSld>
+  <p:clrMapOvr>
+    <a:masterClrMapping/>
+  </p:clrMapOvr>
 </p:sld>
 </file>
 
@@ -5695,8 +5857,21 @@
           <a:p>
             <a:r>
               <a:rPr lang="en-US" dirty="0" smtClean="0"/>
-              <a:t>Spring is introduced for handling application’s infrastructure.</a:t>
-            </a:r>
+              <a:t>Spring is </a:t>
+            </a:r>
+            <a:r>
+              <a:rPr lang="en-US" dirty="0" smtClean="0"/>
+              <a:t>used for </a:t>
+            </a:r>
+            <a:r>
+              <a:rPr lang="en-US" dirty="0" smtClean="0"/>
+              <a:t>handling application’s </a:t>
+            </a:r>
+            <a:r>
+              <a:rPr lang="en-US" dirty="0" smtClean="0"/>
+              <a:t>infrastructure.</a:t>
+            </a:r>
+            <a:endParaRPr lang="en-US" dirty="0" smtClean="0"/>
           </a:p>
         </p:txBody>
       </p:sp>
@@ -5902,12 +6077,24 @@
           <a:lstStyle/>
           <a:p>
             <a:r>
-              <a:rPr lang="en-US" dirty="0"/>
-              <a:t>The core of Spring </a:t>
-            </a:r>
-            <a:r>
-              <a:rPr lang="en-US" dirty="0" smtClean="0"/>
-              <a:t>is a container which follows </a:t>
+              <a:rPr lang="en-US" dirty="0" smtClean="0"/>
+              <a:t>Spring Core is </a:t>
+            </a:r>
+            <a:r>
+              <a:rPr lang="en-US" dirty="0" smtClean="0"/>
+              <a:t>a </a:t>
+            </a:r>
+            <a:r>
+              <a:rPr lang="en-US" dirty="0" smtClean="0"/>
+              <a:t>container </a:t>
+            </a:r>
+            <a:r>
+              <a:rPr lang="en-US" dirty="0" smtClean="0"/>
+              <a:t>providing</a:t>
+            </a:r>
+            <a:r>
+              <a:rPr lang="en-US" dirty="0" smtClean="0"/>
+              <a:t> </a:t>
             </a:r>
             <a:r>
               <a:rPr lang="en-US" dirty="0"/>
@@ -5923,8 +6110,17 @@
             </a:r>
             <a:r>
               <a:rPr lang="en-US" dirty="0" smtClean="0"/>
-              <a:t>).</a:t>
-            </a:r>
+              <a:t>) </a:t>
+            </a:r>
+            <a:r>
+              <a:rPr lang="en-US" dirty="0"/>
+              <a:t>and Dependency </a:t>
+            </a:r>
+            <a:r>
+              <a:rPr lang="en-US" dirty="0" smtClean="0"/>
+              <a:t>Injection (DI).</a:t>
+            </a:r>
+            <a:endParaRPr lang="en-US" dirty="0" smtClean="0"/>
           </a:p>
           <a:p>
             <a:r>
@@ -6086,25 +6282,52 @@
           <a:lstStyle/>
           <a:p>
             <a:r>
+              <a:rPr lang="en-US" b="1" dirty="0"/>
+              <a:t>Inversion of Control (</a:t>
+            </a:r>
+            <a:r>
+              <a:rPr lang="en-US" b="1" dirty="0" err="1"/>
+              <a:t>IoC</a:t>
+            </a:r>
+            <a:r>
+              <a:rPr lang="en-US" b="1" dirty="0"/>
+              <a:t>) </a:t>
+            </a:r>
+            <a:r>
               <a:rPr lang="en-US" dirty="0"/>
-              <a:t>Inversion of Control (</a:t>
-            </a:r>
-            <a:r>
-              <a:rPr lang="en-US" dirty="0" err="1"/>
+              <a:t>is a design principle describes designs in which </a:t>
+            </a:r>
+            <a:r>
+              <a:rPr lang="en-US" dirty="0" smtClean="0"/>
+              <a:t>inverts control </a:t>
+            </a:r>
+            <a:r>
+              <a:rPr lang="en-US" dirty="0"/>
+              <a:t>flow as compared to traditional </a:t>
+            </a:r>
+            <a:r>
+              <a:rPr lang="en-US" dirty="0" smtClean="0"/>
+              <a:t>procedural programming.</a:t>
+            </a:r>
+          </a:p>
+          <a:p>
+            <a:pPr lvl="1"/>
+            <a:r>
+              <a:rPr lang="en-US" dirty="0" smtClean="0"/>
+              <a:t>Traditional: application code =&gt; framework code.</a:t>
+            </a:r>
+          </a:p>
+          <a:p>
+            <a:pPr lvl="1"/>
+            <a:r>
+              <a:rPr lang="en-US" dirty="0" err="1" smtClean="0"/>
               <a:t>IoC</a:t>
             </a:r>
             <a:r>
-              <a:rPr lang="en-US" dirty="0"/>
-              <a:t>) is a design principle describes designs in which </a:t>
-            </a:r>
-            <a:r>
-              <a:rPr lang="en-US" dirty="0" smtClean="0"/>
-              <a:t>inverts control </a:t>
-            </a:r>
-            <a:r>
-              <a:rPr lang="en-US" dirty="0"/>
-              <a:t>flow as compared to traditional programming.</a:t>
-            </a:r>
+              <a:rPr lang="en-US" dirty="0" smtClean="0"/>
+              <a:t>: framework code =&gt; application code.</a:t>
+            </a:r>
+            <a:endParaRPr lang="en-US" dirty="0"/>
           </a:p>
           <a:p>
             <a:r>
@@ -6183,47 +6406,6 @@
           <a:chExt cx="0" cy="0"/>
         </a:xfrm>
       </p:grpSpPr>
-      <p:pic>
-        <p:nvPicPr>
-          <p:cNvPr id="4098" name="Picture 2" descr="C:\Users\HuanPM\Desktop\ekYdF.png"/>
-          <p:cNvPicPr>
-            <a:picLocks noChangeAspect="1" noChangeArrowheads="1"/>
-          </p:cNvPicPr>
-          <p:nvPr/>
-        </p:nvPicPr>
-        <p:blipFill>
-          <a:blip r:embed="rId2">
-            <a:extLst>
-              <a:ext uri="{28A0092B-C50C-407E-A947-70E740481C1C}">
-                <a14:useLocalDpi xmlns:a14="http://schemas.microsoft.com/office/drawing/2010/main" val="0"/>
-              </a:ext>
-            </a:extLst>
-          </a:blip>
-          <a:srcRect/>
-          <a:stretch>
-            <a:fillRect/>
-          </a:stretch>
-        </p:blipFill>
-        <p:spPr bwMode="auto">
-          <a:xfrm>
-            <a:off x="1371599" y="3962400"/>
-            <a:ext cx="2743201" cy="2133600"/>
-          </a:xfrm>
-          <a:prstGeom prst="rect">
-            <a:avLst/>
-          </a:prstGeom>
-          <a:noFill/>
-          <a:extLst>
-            <a:ext uri="{909E8E84-426E-40DD-AFC4-6F175D3DCCD1}">
-              <a14:hiddenFill xmlns:a14="http://schemas.microsoft.com/office/drawing/2010/main">
-                <a:solidFill>
-                  <a:srgbClr val="FFFFFF"/>
-                </a:solidFill>
-              </a14:hiddenFill>
-            </a:ext>
-          </a:extLst>
-        </p:spPr>
-      </p:pic>
       <p:sp>
         <p:nvSpPr>
           <p:cNvPr id="2" name="Content Placeholder 1"/>
@@ -6240,8 +6422,12 @@
           <a:lstStyle/>
           <a:p>
             <a:r>
-              <a:rPr lang="en-US" dirty="0" smtClean="0"/>
-              <a:t>Dependency Injection (DI) is a way to implement </a:t>
+              <a:rPr lang="en-US" b="1" dirty="0" smtClean="0"/>
+              <a:t>Dependency Injection (DI) </a:t>
+            </a:r>
+            <a:r>
+              <a:rPr lang="en-US" dirty="0" smtClean="0"/>
+              <a:t>is a way to implement </a:t>
             </a:r>
             <a:r>
               <a:rPr lang="en-US" dirty="0" err="1" smtClean="0"/>
@@ -6255,7 +6441,11 @@
           <a:p>
             <a:r>
               <a:rPr lang="en-US" dirty="0" smtClean="0"/>
-              <a:t>In DI:</a:t>
+              <a:t>In </a:t>
+            </a:r>
+            <a:r>
+              <a:rPr lang="en-US" dirty="0" smtClean="0"/>
+              <a:t>DI:</a:t>
             </a:r>
           </a:p>
           <a:p>
@@ -6277,8 +6467,20 @@
             <a:pPr lvl="1"/>
             <a:r>
               <a:rPr lang="en-US" dirty="0" smtClean="0"/>
-              <a:t>Modules communicate via interfaces.</a:t>
-            </a:r>
+              <a:t>Modules communicate via interfaces</a:t>
+            </a:r>
+            <a:r>
+              <a:rPr lang="en-US" dirty="0" smtClean="0"/>
+              <a:t>.</a:t>
+            </a:r>
+          </a:p>
+          <a:p>
+            <a:pPr lvl="1"/>
+            <a:r>
+              <a:rPr lang="en-US" dirty="0" smtClean="0"/>
+              <a:t>Objects are given their dependencies rather than construct them.</a:t>
+            </a:r>
+            <a:endParaRPr lang="en-US" dirty="0" smtClean="0"/>
           </a:p>
           <a:p>
             <a:endParaRPr lang="en-US" dirty="0"/>
@@ -6361,24 +6563,40 @@
           <a:lstStyle/>
           <a:p>
             <a:r>
-              <a:rPr lang="en-US" dirty="0" smtClean="0"/>
-              <a:t>Spring MVC: a MVC framework designed </a:t>
+              <a:rPr lang="en-US" b="1" dirty="0" smtClean="0"/>
+              <a:t>Spring MVC</a:t>
+            </a:r>
+            <a:r>
+              <a:rPr lang="en-US" dirty="0" smtClean="0"/>
+              <a:t>: a MVC framework designed </a:t>
             </a:r>
             <a:r>
               <a:rPr lang="en-US" dirty="0"/>
               <a:t>around a </a:t>
             </a:r>
             <a:r>
+              <a:rPr lang="en-US" dirty="0" smtClean="0"/>
+              <a:t>front </a:t>
+            </a:r>
+            <a:r>
+              <a:rPr lang="en-US" dirty="0"/>
+              <a:t>controller named </a:t>
+            </a:r>
+            <a:r>
               <a:rPr lang="en-US" dirty="0" err="1" smtClean="0"/>
               <a:t>DispatcherServlet</a:t>
             </a:r>
             <a:r>
               <a:rPr lang="en-US" dirty="0" smtClean="0"/>
-              <a:t> (front controller)</a:t>
+              <a:t> </a:t>
+            </a:r>
+            <a:r>
+              <a:rPr lang="en-US" dirty="0" smtClean="0"/>
+              <a:t>that </a:t>
             </a:r>
             <a:r>
               <a:rPr lang="en-US" dirty="0"/>
-              <a:t> that dispatches requests to </a:t>
+              <a:t>dispatches requests to </a:t>
             </a:r>
             <a:r>
               <a:rPr lang="en-US" dirty="0" smtClean="0"/>

--- a/Spring.pptx
+++ b/Spring.pptx
@@ -7,19 +7,19 @@
   <p:sldIdLst>
     <p:sldId id="256" r:id="rId2"/>
     <p:sldId id="257" r:id="rId3"/>
-    <p:sldId id="261" r:id="rId4"/>
-    <p:sldId id="258" r:id="rId5"/>
-    <p:sldId id="263" r:id="rId6"/>
+    <p:sldId id="258" r:id="rId4"/>
+    <p:sldId id="263" r:id="rId5"/>
+    <p:sldId id="273" r:id="rId6"/>
     <p:sldId id="265" r:id="rId7"/>
-    <p:sldId id="267" r:id="rId8"/>
-    <p:sldId id="266" r:id="rId9"/>
-    <p:sldId id="268" r:id="rId10"/>
-    <p:sldId id="260" r:id="rId11"/>
-    <p:sldId id="262" r:id="rId12"/>
-    <p:sldId id="259" r:id="rId13"/>
-    <p:sldId id="270" r:id="rId14"/>
-    <p:sldId id="269" r:id="rId15"/>
-    <p:sldId id="264" r:id="rId16"/>
+    <p:sldId id="274" r:id="rId8"/>
+    <p:sldId id="267" r:id="rId9"/>
+    <p:sldId id="266" r:id="rId10"/>
+    <p:sldId id="272" r:id="rId11"/>
+    <p:sldId id="276" r:id="rId12"/>
+    <p:sldId id="277" r:id="rId13"/>
+    <p:sldId id="275" r:id="rId14"/>
+    <p:sldId id="268" r:id="rId15"/>
+    <p:sldId id="260" r:id="rId16"/>
     <p:sldId id="271" r:id="rId17"/>
   </p:sldIdLst>
   <p:sldSz cx="9144000" cy="6858000" type="screen4x3"/>
@@ -748,7 +748,7 @@
             <a:fld id="{1D8BD707-D9CF-40AE-B4C6-C98DA3205C09}" type="datetimeFigureOut">
               <a:rPr lang="en-US" smtClean="0"/>
               <a:pPr/>
-              <a:t>10/25/2016</a:t>
+              <a:t>10/28/2016</a:t>
             </a:fld>
             <a:endParaRPr lang="en-US"/>
           </a:p>
@@ -946,7 +946,7 @@
             <a:fld id="{1D8BD707-D9CF-40AE-B4C6-C98DA3205C09}" type="datetimeFigureOut">
               <a:rPr lang="en-US" smtClean="0"/>
               <a:pPr/>
-              <a:t>10/25/2016</a:t>
+              <a:t>10/28/2016</a:t>
             </a:fld>
             <a:endParaRPr lang="en-US"/>
           </a:p>
@@ -1133,7 +1133,7 @@
             <a:fld id="{1D8BD707-D9CF-40AE-B4C6-C98DA3205C09}" type="datetimeFigureOut">
               <a:rPr lang="en-US" smtClean="0"/>
               <a:pPr/>
-              <a:t>10/25/2016</a:t>
+              <a:t>10/28/2016</a:t>
             </a:fld>
             <a:endParaRPr lang="en-US"/>
           </a:p>
@@ -1285,7 +1285,7 @@
             <a:fld id="{1D8BD707-D9CF-40AE-B4C6-C98DA3205C09}" type="datetimeFigureOut">
               <a:rPr lang="en-US" smtClean="0"/>
               <a:pPr/>
-              <a:t>10/25/2016</a:t>
+              <a:t>10/28/2016</a:t>
             </a:fld>
             <a:endParaRPr lang="en-US"/>
           </a:p>
@@ -1542,7 +1542,7 @@
             <a:fld id="{1D8BD707-D9CF-40AE-B4C6-C98DA3205C09}" type="datetimeFigureOut">
               <a:rPr lang="en-US" smtClean="0"/>
               <a:pPr/>
-              <a:t>10/25/2016</a:t>
+              <a:t>10/28/2016</a:t>
             </a:fld>
             <a:endParaRPr lang="en-US"/>
           </a:p>
@@ -1953,7 +1953,7 @@
             <a:fld id="{1D8BD707-D9CF-40AE-B4C6-C98DA3205C09}" type="datetimeFigureOut">
               <a:rPr lang="en-US" smtClean="0"/>
               <a:pPr/>
-              <a:t>10/25/2016</a:t>
+              <a:t>10/28/2016</a:t>
             </a:fld>
             <a:endParaRPr lang="en-US"/>
           </a:p>
@@ -2401,7 +2401,7 @@
             <a:fld id="{1D8BD707-D9CF-40AE-B4C6-C98DA3205C09}" type="datetimeFigureOut">
               <a:rPr lang="en-US" smtClean="0"/>
               <a:pPr/>
-              <a:t>10/25/2016</a:t>
+              <a:t>10/28/2016</a:t>
             </a:fld>
             <a:endParaRPr lang="en-US"/>
           </a:p>
@@ -2504,7 +2504,7 @@
             <a:fld id="{1D8BD707-D9CF-40AE-B4C6-C98DA3205C09}" type="datetimeFigureOut">
               <a:rPr lang="en-US" smtClean="0"/>
               <a:pPr/>
-              <a:t>10/25/2016</a:t>
+              <a:t>10/28/2016</a:t>
             </a:fld>
             <a:endParaRPr lang="en-US"/>
           </a:p>
@@ -2627,7 +2627,7 @@
             <a:fld id="{1D8BD707-D9CF-40AE-B4C6-C98DA3205C09}" type="datetimeFigureOut">
               <a:rPr lang="en-US" smtClean="0"/>
               <a:pPr/>
-              <a:t>10/25/2016</a:t>
+              <a:t>10/28/2016</a:t>
             </a:fld>
             <a:endParaRPr lang="en-US"/>
           </a:p>
@@ -2903,7 +2903,7 @@
             <a:fld id="{1D8BD707-D9CF-40AE-B4C6-C98DA3205C09}" type="datetimeFigureOut">
               <a:rPr lang="en-US" smtClean="0"/>
               <a:pPr/>
-              <a:t>10/25/2016</a:t>
+              <a:t>10/28/2016</a:t>
             </a:fld>
             <a:endParaRPr lang="en-US"/>
           </a:p>
@@ -3110,7 +3110,7 @@
             <a:fld id="{1D8BD707-D9CF-40AE-B4C6-C98DA3205C09}" type="datetimeFigureOut">
               <a:rPr lang="en-US" smtClean="0"/>
               <a:pPr/>
-              <a:t>10/25/2016</a:t>
+              <a:t>10/28/2016</a:t>
             </a:fld>
             <a:endParaRPr lang="en-US"/>
           </a:p>
@@ -4221,7 +4221,7 @@
             <a:fld id="{1D8BD707-D9CF-40AE-B4C6-C98DA3205C09}" type="datetimeFigureOut">
               <a:rPr lang="en-US" smtClean="0"/>
               <a:pPr/>
-              <a:t>10/25/2016</a:t>
+              <a:t>10/28/2016</a:t>
             </a:fld>
             <a:endParaRPr lang="en-US"/>
           </a:p>
@@ -4646,7 +4646,7 @@
           <a:p>
             <a:r>
               <a:rPr lang="en-US" dirty="0" smtClean="0"/>
-              <a:t>Spring &amp; Hibernate</a:t>
+              <a:t>Spring</a:t>
             </a:r>
             <a:endParaRPr lang="en-US" dirty="0"/>
           </a:p>
@@ -4696,6 +4696,811 @@
 </file>
 
 <file path=ppt/slides/slide10.xml><?xml version="1.0" encoding="utf-8"?>
+<p:sld xmlns:a="http://schemas.openxmlformats.org/drawingml/2006/main" xmlns:r="http://schemas.openxmlformats.org/officeDocument/2006/relationships" xmlns:p="http://schemas.openxmlformats.org/presentationml/2006/main">
+  <p:cSld>
+    <p:spTree>
+      <p:nvGrpSpPr>
+        <p:cNvPr id="1" name=""/>
+        <p:cNvGrpSpPr/>
+        <p:nvPr/>
+      </p:nvGrpSpPr>
+      <p:grpSpPr>
+        <a:xfrm>
+          <a:off x="0" y="0"/>
+          <a:ext cx="0" cy="0"/>
+          <a:chOff x="0" y="0"/>
+          <a:chExt cx="0" cy="0"/>
+        </a:xfrm>
+      </p:grpSpPr>
+      <p:sp>
+        <p:nvSpPr>
+          <p:cNvPr id="2" name="Content Placeholder 1"/>
+          <p:cNvSpPr>
+            <a:spLocks noGrp="1"/>
+          </p:cNvSpPr>
+          <p:nvPr>
+            <p:ph idx="1"/>
+          </p:nvPr>
+        </p:nvSpPr>
+        <p:spPr/>
+        <p:txBody>
+          <a:bodyPr/>
+          <a:lstStyle/>
+          <a:p>
+            <a:r>
+              <a:rPr lang="en-US" dirty="0" smtClean="0"/>
+              <a:t>There are 2 methods to do a DI in Spring framework:</a:t>
+            </a:r>
+          </a:p>
+          <a:p>
+            <a:pPr lvl="1"/>
+            <a:r>
+              <a:rPr lang="en-US" dirty="0" smtClean="0"/>
+              <a:t>Setter injection</a:t>
+            </a:r>
+          </a:p>
+          <a:p>
+            <a:pPr lvl="1"/>
+            <a:r>
+              <a:rPr lang="en-US" dirty="0" smtClean="0"/>
+              <a:t>Constructor injection</a:t>
+            </a:r>
+          </a:p>
+        </p:txBody>
+      </p:sp>
+      <p:sp>
+        <p:nvSpPr>
+          <p:cNvPr id="3" name="Title 2"/>
+          <p:cNvSpPr>
+            <a:spLocks noGrp="1"/>
+          </p:cNvSpPr>
+          <p:nvPr>
+            <p:ph type="title"/>
+          </p:nvPr>
+        </p:nvSpPr>
+        <p:spPr/>
+        <p:txBody>
+          <a:bodyPr/>
+          <a:lstStyle/>
+          <a:p>
+            <a:r>
+              <a:rPr lang="en-US" dirty="0"/>
+              <a:t>Dependency Injection</a:t>
+            </a:r>
+          </a:p>
+        </p:txBody>
+      </p:sp>
+    </p:spTree>
+    <p:extLst>
+      <p:ext uri="{BB962C8B-B14F-4D97-AF65-F5344CB8AC3E}">
+        <p14:creationId xmlns:p14="http://schemas.microsoft.com/office/powerpoint/2010/main" val="3091580530"/>
+      </p:ext>
+    </p:extLst>
+  </p:cSld>
+  <p:clrMapOvr>
+    <a:masterClrMapping/>
+  </p:clrMapOvr>
+</p:sld>
+</file>
+
+<file path=ppt/slides/slide11.xml><?xml version="1.0" encoding="utf-8"?>
+<p:sld xmlns:a="http://schemas.openxmlformats.org/drawingml/2006/main" xmlns:r="http://schemas.openxmlformats.org/officeDocument/2006/relationships" xmlns:p="http://schemas.openxmlformats.org/presentationml/2006/main">
+  <p:cSld>
+    <p:spTree>
+      <p:nvGrpSpPr>
+        <p:cNvPr id="1" name=""/>
+        <p:cNvGrpSpPr/>
+        <p:nvPr/>
+      </p:nvGrpSpPr>
+      <p:grpSpPr>
+        <a:xfrm>
+          <a:off x="0" y="0"/>
+          <a:ext cx="0" cy="0"/>
+          <a:chOff x="0" y="0"/>
+          <a:chExt cx="0" cy="0"/>
+        </a:xfrm>
+      </p:grpSpPr>
+      <p:sp>
+        <p:nvSpPr>
+          <p:cNvPr id="2" name="Content Placeholder 1"/>
+          <p:cNvSpPr>
+            <a:spLocks noGrp="1"/>
+          </p:cNvSpPr>
+          <p:nvPr>
+            <p:ph idx="1"/>
+          </p:nvPr>
+        </p:nvSpPr>
+        <p:spPr/>
+        <p:txBody>
+          <a:bodyPr/>
+          <a:lstStyle/>
+          <a:p>
+            <a:r>
+              <a:rPr lang="en-US" dirty="0" smtClean="0"/>
+              <a:t>Setter injection</a:t>
+            </a:r>
+            <a:endParaRPr lang="en-US" dirty="0"/>
+          </a:p>
+        </p:txBody>
+      </p:sp>
+      <p:sp>
+        <p:nvSpPr>
+          <p:cNvPr id="3" name="Title 2"/>
+          <p:cNvSpPr>
+            <a:spLocks noGrp="1"/>
+          </p:cNvSpPr>
+          <p:nvPr>
+            <p:ph type="title"/>
+          </p:nvPr>
+        </p:nvSpPr>
+        <p:spPr/>
+        <p:txBody>
+          <a:bodyPr/>
+          <a:lstStyle/>
+          <a:p>
+            <a:r>
+              <a:rPr lang="en-US" dirty="0"/>
+              <a:t>Dependency Injection</a:t>
+            </a:r>
+          </a:p>
+        </p:txBody>
+      </p:sp>
+      <p:pic>
+        <p:nvPicPr>
+          <p:cNvPr id="2052" name="Picture 4" descr="C:\Users\HuanPM\Desktop\Untitled2.jpg"/>
+          <p:cNvPicPr>
+            <a:picLocks noChangeAspect="1" noChangeArrowheads="1"/>
+          </p:cNvPicPr>
+          <p:nvPr/>
+        </p:nvPicPr>
+        <p:blipFill>
+          <a:blip r:embed="rId2">
+            <a:extLst>
+              <a:ext uri="{28A0092B-C50C-407E-A947-70E740481C1C}">
+                <a14:useLocalDpi xmlns:a14="http://schemas.microsoft.com/office/drawing/2010/main" val="0"/>
+              </a:ext>
+            </a:extLst>
+          </a:blip>
+          <a:srcRect/>
+          <a:stretch>
+            <a:fillRect/>
+          </a:stretch>
+        </p:blipFill>
+        <p:spPr bwMode="auto">
+          <a:xfrm>
+            <a:off x="457200" y="1905000"/>
+            <a:ext cx="5743575" cy="2981325"/>
+          </a:xfrm>
+          <a:prstGeom prst="rect">
+            <a:avLst/>
+          </a:prstGeom>
+          <a:noFill/>
+          <a:extLst>
+            <a:ext uri="{909E8E84-426E-40DD-AFC4-6F175D3DCCD1}">
+              <a14:hiddenFill xmlns:a14="http://schemas.microsoft.com/office/drawing/2010/main">
+                <a:solidFill>
+                  <a:srgbClr val="FFFFFF"/>
+                </a:solidFill>
+              </a14:hiddenFill>
+            </a:ext>
+          </a:extLst>
+        </p:spPr>
+      </p:pic>
+      <p:pic>
+        <p:nvPicPr>
+          <p:cNvPr id="2053" name="Picture 5" descr="C:\Users\HuanPM\Desktop\Untitled.jpg"/>
+          <p:cNvPicPr>
+            <a:picLocks noChangeAspect="1" noChangeArrowheads="1"/>
+          </p:cNvPicPr>
+          <p:nvPr/>
+        </p:nvPicPr>
+        <p:blipFill>
+          <a:blip r:embed="rId3">
+            <a:extLst>
+              <a:ext uri="{28A0092B-C50C-407E-A947-70E740481C1C}">
+                <a14:useLocalDpi xmlns:a14="http://schemas.microsoft.com/office/drawing/2010/main" val="0"/>
+              </a:ext>
+            </a:extLst>
+          </a:blip>
+          <a:srcRect/>
+          <a:stretch>
+            <a:fillRect/>
+          </a:stretch>
+        </p:blipFill>
+        <p:spPr bwMode="auto">
+          <a:xfrm>
+            <a:off x="2971800" y="3876368"/>
+            <a:ext cx="5762625" cy="2705100"/>
+          </a:xfrm>
+          <a:prstGeom prst="rect">
+            <a:avLst/>
+          </a:prstGeom>
+          <a:noFill/>
+          <a:extLst>
+            <a:ext uri="{909E8E84-426E-40DD-AFC4-6F175D3DCCD1}">
+              <a14:hiddenFill xmlns:a14="http://schemas.microsoft.com/office/drawing/2010/main">
+                <a:solidFill>
+                  <a:srgbClr val="FFFFFF"/>
+                </a:solidFill>
+              </a14:hiddenFill>
+            </a:ext>
+          </a:extLst>
+        </p:spPr>
+      </p:pic>
+      <p:cxnSp>
+        <p:nvCxnSpPr>
+          <p:cNvPr id="17" name="Curved Connector 16"/>
+          <p:cNvCxnSpPr/>
+          <p:nvPr/>
+        </p:nvCxnSpPr>
+        <p:spPr>
+          <a:xfrm rot="10800000">
+            <a:off x="4419600" y="2971800"/>
+            <a:ext cx="2209800" cy="2133600"/>
+          </a:xfrm>
+          <a:prstGeom prst="curvedConnector3">
+            <a:avLst/>
+          </a:prstGeom>
+          <a:ln>
+            <a:solidFill>
+              <a:schemeClr val="accent2"/>
+            </a:solidFill>
+            <a:tailEnd type="arrow"/>
+          </a:ln>
+        </p:spPr>
+        <p:style>
+          <a:lnRef idx="1">
+            <a:schemeClr val="accent1"/>
+          </a:lnRef>
+          <a:fillRef idx="0">
+            <a:schemeClr val="accent1"/>
+          </a:fillRef>
+          <a:effectRef idx="0">
+            <a:schemeClr val="accent1"/>
+          </a:effectRef>
+          <a:fontRef idx="minor">
+            <a:schemeClr val="tx1"/>
+          </a:fontRef>
+        </p:style>
+      </p:cxnSp>
+      <p:sp>
+        <p:nvSpPr>
+          <p:cNvPr id="18" name="TextBox 17"/>
+          <p:cNvSpPr txBox="1"/>
+          <p:nvPr/>
+        </p:nvSpPr>
+        <p:spPr>
+          <a:xfrm>
+            <a:off x="4838700" y="2295757"/>
+            <a:ext cx="3581400" cy="646331"/>
+          </a:xfrm>
+          <a:prstGeom prst="rect">
+            <a:avLst/>
+          </a:prstGeom>
+          <a:noFill/>
+        </p:spPr>
+        <p:txBody>
+          <a:bodyPr wrap="square" rtlCol="0">
+            <a:spAutoFit/>
+          </a:bodyPr>
+          <a:lstStyle/>
+          <a:p>
+            <a:r>
+              <a:rPr lang="en-US" dirty="0" smtClean="0"/>
+              <a:t>Container injects dependency to parameter of setter method</a:t>
+            </a:r>
+            <a:endParaRPr lang="en-US" dirty="0"/>
+          </a:p>
+        </p:txBody>
+      </p:sp>
+    </p:spTree>
+    <p:extLst>
+      <p:ext uri="{BB962C8B-B14F-4D97-AF65-F5344CB8AC3E}">
+        <p14:creationId xmlns:p14="http://schemas.microsoft.com/office/powerpoint/2010/main" val="1648647525"/>
+      </p:ext>
+    </p:extLst>
+  </p:cSld>
+  <p:clrMapOvr>
+    <a:masterClrMapping/>
+  </p:clrMapOvr>
+</p:sld>
+</file>
+
+<file path=ppt/slides/slide12.xml><?xml version="1.0" encoding="utf-8"?>
+<p:sld xmlns:a="http://schemas.openxmlformats.org/drawingml/2006/main" xmlns:r="http://schemas.openxmlformats.org/officeDocument/2006/relationships" xmlns:p="http://schemas.openxmlformats.org/presentationml/2006/main">
+  <p:cSld>
+    <p:spTree>
+      <p:nvGrpSpPr>
+        <p:cNvPr id="1" name=""/>
+        <p:cNvGrpSpPr/>
+        <p:nvPr/>
+      </p:nvGrpSpPr>
+      <p:grpSpPr>
+        <a:xfrm>
+          <a:off x="0" y="0"/>
+          <a:ext cx="0" cy="0"/>
+          <a:chOff x="0" y="0"/>
+          <a:chExt cx="0" cy="0"/>
+        </a:xfrm>
+      </p:grpSpPr>
+      <p:sp>
+        <p:nvSpPr>
+          <p:cNvPr id="2" name="Content Placeholder 1"/>
+          <p:cNvSpPr>
+            <a:spLocks noGrp="1"/>
+          </p:cNvSpPr>
+          <p:nvPr>
+            <p:ph idx="1"/>
+          </p:nvPr>
+        </p:nvSpPr>
+        <p:spPr/>
+        <p:txBody>
+          <a:bodyPr/>
+          <a:lstStyle/>
+          <a:p>
+            <a:r>
+              <a:rPr lang="en-US" dirty="0" smtClean="0"/>
+              <a:t>Constructor injection</a:t>
+            </a:r>
+            <a:endParaRPr lang="en-US" dirty="0"/>
+          </a:p>
+        </p:txBody>
+      </p:sp>
+      <p:sp>
+        <p:nvSpPr>
+          <p:cNvPr id="3" name="Title 2"/>
+          <p:cNvSpPr>
+            <a:spLocks noGrp="1"/>
+          </p:cNvSpPr>
+          <p:nvPr>
+            <p:ph type="title"/>
+          </p:nvPr>
+        </p:nvSpPr>
+        <p:spPr/>
+        <p:txBody>
+          <a:bodyPr/>
+          <a:lstStyle/>
+          <a:p>
+            <a:r>
+              <a:rPr lang="en-US" dirty="0"/>
+              <a:t>Dependency Injection</a:t>
+            </a:r>
+          </a:p>
+        </p:txBody>
+      </p:sp>
+      <p:pic>
+        <p:nvPicPr>
+          <p:cNvPr id="3075" name="Picture 3" descr="C:\Users\HuanPM\Desktop\Untitled3.png"/>
+          <p:cNvPicPr>
+            <a:picLocks noChangeAspect="1" noChangeArrowheads="1"/>
+          </p:cNvPicPr>
+          <p:nvPr/>
+        </p:nvPicPr>
+        <p:blipFill>
+          <a:blip r:embed="rId2">
+            <a:extLst>
+              <a:ext uri="{28A0092B-C50C-407E-A947-70E740481C1C}">
+                <a14:useLocalDpi xmlns:a14="http://schemas.microsoft.com/office/drawing/2010/main" val="0"/>
+              </a:ext>
+            </a:extLst>
+          </a:blip>
+          <a:srcRect/>
+          <a:stretch>
+            <a:fillRect/>
+          </a:stretch>
+        </p:blipFill>
+        <p:spPr bwMode="auto">
+          <a:xfrm>
+            <a:off x="457200" y="2032710"/>
+            <a:ext cx="5754688" cy="2114550"/>
+          </a:xfrm>
+          <a:prstGeom prst="rect">
+            <a:avLst/>
+          </a:prstGeom>
+          <a:noFill/>
+          <a:extLst>
+            <a:ext uri="{909E8E84-426E-40DD-AFC4-6F175D3DCCD1}">
+              <a14:hiddenFill xmlns:a14="http://schemas.microsoft.com/office/drawing/2010/main">
+                <a:solidFill>
+                  <a:srgbClr val="FFFFFF"/>
+                </a:solidFill>
+              </a14:hiddenFill>
+            </a:ext>
+          </a:extLst>
+        </p:spPr>
+      </p:pic>
+      <p:pic>
+        <p:nvPicPr>
+          <p:cNvPr id="3074" name="Picture 2" descr="C:\Users\HuanPM\Desktop\Untitled4.png"/>
+          <p:cNvPicPr>
+            <a:picLocks noChangeAspect="1" noChangeArrowheads="1"/>
+          </p:cNvPicPr>
+          <p:nvPr/>
+        </p:nvPicPr>
+        <p:blipFill>
+          <a:blip r:embed="rId3">
+            <a:extLst>
+              <a:ext uri="{28A0092B-C50C-407E-A947-70E740481C1C}">
+                <a14:useLocalDpi xmlns:a14="http://schemas.microsoft.com/office/drawing/2010/main" val="0"/>
+              </a:ext>
+            </a:extLst>
+          </a:blip>
+          <a:srcRect/>
+          <a:stretch>
+            <a:fillRect/>
+          </a:stretch>
+        </p:blipFill>
+        <p:spPr bwMode="auto">
+          <a:xfrm>
+            <a:off x="2971800" y="3733800"/>
+            <a:ext cx="5735637" cy="2676525"/>
+          </a:xfrm>
+          <a:prstGeom prst="rect">
+            <a:avLst/>
+          </a:prstGeom>
+          <a:noFill/>
+          <a:extLst>
+            <a:ext uri="{909E8E84-426E-40DD-AFC4-6F175D3DCCD1}">
+              <a14:hiddenFill xmlns:a14="http://schemas.microsoft.com/office/drawing/2010/main">
+                <a:solidFill>
+                  <a:srgbClr val="FFFFFF"/>
+                </a:solidFill>
+              </a14:hiddenFill>
+            </a:ext>
+          </a:extLst>
+        </p:spPr>
+      </p:pic>
+      <p:sp>
+        <p:nvSpPr>
+          <p:cNvPr id="6" name="TextBox 5"/>
+          <p:cNvSpPr txBox="1"/>
+          <p:nvPr/>
+        </p:nvSpPr>
+        <p:spPr>
+          <a:xfrm>
+            <a:off x="4911399" y="2762201"/>
+            <a:ext cx="3581400" cy="646331"/>
+          </a:xfrm>
+          <a:prstGeom prst="rect">
+            <a:avLst/>
+          </a:prstGeom>
+          <a:noFill/>
+        </p:spPr>
+        <p:txBody>
+          <a:bodyPr wrap="square" rtlCol="0">
+            <a:spAutoFit/>
+          </a:bodyPr>
+          <a:lstStyle/>
+          <a:p>
+            <a:r>
+              <a:rPr lang="en-US" dirty="0" smtClean="0"/>
+              <a:t>Container injects dependency to argument of constructor</a:t>
+            </a:r>
+            <a:endParaRPr lang="en-US" dirty="0"/>
+          </a:p>
+        </p:txBody>
+      </p:sp>
+      <p:cxnSp>
+        <p:nvCxnSpPr>
+          <p:cNvPr id="5" name="Curved Connector 4"/>
+          <p:cNvCxnSpPr/>
+          <p:nvPr/>
+        </p:nvCxnSpPr>
+        <p:spPr>
+          <a:xfrm rot="10800000">
+            <a:off x="4038600" y="3505200"/>
+            <a:ext cx="1801018" cy="1676400"/>
+          </a:xfrm>
+          <a:prstGeom prst="curvedConnector3">
+            <a:avLst/>
+          </a:prstGeom>
+          <a:ln>
+            <a:solidFill>
+              <a:schemeClr val="accent2"/>
+            </a:solidFill>
+            <a:tailEnd type="arrow"/>
+          </a:ln>
+        </p:spPr>
+        <p:style>
+          <a:lnRef idx="1">
+            <a:schemeClr val="accent1"/>
+          </a:lnRef>
+          <a:fillRef idx="0">
+            <a:schemeClr val="accent1"/>
+          </a:fillRef>
+          <a:effectRef idx="0">
+            <a:schemeClr val="accent1"/>
+          </a:effectRef>
+          <a:fontRef idx="minor">
+            <a:schemeClr val="tx1"/>
+          </a:fontRef>
+        </p:style>
+      </p:cxnSp>
+    </p:spTree>
+    <p:extLst>
+      <p:ext uri="{BB962C8B-B14F-4D97-AF65-F5344CB8AC3E}">
+        <p14:creationId xmlns:p14="http://schemas.microsoft.com/office/powerpoint/2010/main" val="3597726148"/>
+      </p:ext>
+    </p:extLst>
+  </p:cSld>
+  <p:clrMapOvr>
+    <a:masterClrMapping/>
+  </p:clrMapOvr>
+</p:sld>
+</file>
+
+<file path=ppt/slides/slide13.xml><?xml version="1.0" encoding="utf-8"?>
+<p:sld xmlns:a="http://schemas.openxmlformats.org/drawingml/2006/main" xmlns:r="http://schemas.openxmlformats.org/officeDocument/2006/relationships" xmlns:p="http://schemas.openxmlformats.org/presentationml/2006/main">
+  <p:cSld>
+    <p:spTree>
+      <p:nvGrpSpPr>
+        <p:cNvPr id="1" name=""/>
+        <p:cNvGrpSpPr/>
+        <p:nvPr/>
+      </p:nvGrpSpPr>
+      <p:grpSpPr>
+        <a:xfrm>
+          <a:off x="0" y="0"/>
+          <a:ext cx="0" cy="0"/>
+          <a:chOff x="0" y="0"/>
+          <a:chExt cx="0" cy="0"/>
+        </a:xfrm>
+      </p:grpSpPr>
+      <p:sp>
+        <p:nvSpPr>
+          <p:cNvPr id="2" name="Content Placeholder 1"/>
+          <p:cNvSpPr>
+            <a:spLocks noGrp="1"/>
+          </p:cNvSpPr>
+          <p:nvPr>
+            <p:ph idx="1"/>
+          </p:nvPr>
+        </p:nvSpPr>
+        <p:spPr/>
+        <p:txBody>
+          <a:bodyPr>
+            <a:normAutofit/>
+          </a:bodyPr>
+          <a:lstStyle/>
+          <a:p>
+            <a:r>
+              <a:rPr lang="en-US" b="1" dirty="0" smtClean="0"/>
+              <a:t>Pros:</a:t>
+            </a:r>
+            <a:endParaRPr lang="en-US" b="1" dirty="0"/>
+          </a:p>
+          <a:p>
+            <a:pPr lvl="1"/>
+            <a:r>
+              <a:rPr lang="en-US" dirty="0"/>
+              <a:t>Loosely Coupled</a:t>
+            </a:r>
+          </a:p>
+          <a:p>
+            <a:pPr lvl="1"/>
+            <a:r>
+              <a:rPr lang="en-US" dirty="0"/>
+              <a:t>Much Better Testability</a:t>
+            </a:r>
+          </a:p>
+          <a:p>
+            <a:pPr lvl="1"/>
+            <a:r>
+              <a:rPr lang="en-US" dirty="0" smtClean="0"/>
+              <a:t>Separation </a:t>
+            </a:r>
+            <a:r>
+              <a:rPr lang="en-US" dirty="0"/>
+              <a:t>Of Concerns</a:t>
+            </a:r>
+          </a:p>
+          <a:p>
+            <a:r>
+              <a:rPr lang="en-US" b="1" dirty="0" smtClean="0"/>
+              <a:t>Cons:</a:t>
+            </a:r>
+            <a:endParaRPr lang="en-US" b="1" dirty="0"/>
+          </a:p>
+          <a:p>
+            <a:pPr lvl="1"/>
+            <a:r>
+              <a:rPr lang="en-US" dirty="0"/>
+              <a:t>Difficult to </a:t>
+            </a:r>
+            <a:r>
+              <a:rPr lang="en-US" b="1" u="sng" dirty="0" smtClean="0"/>
+              <a:t>understand</a:t>
+            </a:r>
+            <a:r>
+              <a:rPr lang="en-US" dirty="0"/>
+              <a:t>. </a:t>
+            </a:r>
+            <a:endParaRPr lang="en-US" dirty="0" smtClean="0"/>
+          </a:p>
+          <a:p>
+            <a:pPr lvl="1"/>
+            <a:r>
+              <a:rPr lang="en-US" dirty="0" smtClean="0"/>
+              <a:t>Increase </a:t>
+            </a:r>
+            <a:r>
+              <a:rPr lang="en-US" dirty="0"/>
+              <a:t>c</a:t>
+            </a:r>
+            <a:r>
+              <a:rPr lang="en-US" dirty="0" smtClean="0"/>
+              <a:t>ode complexity.</a:t>
+            </a:r>
+            <a:endParaRPr lang="en-US" dirty="0"/>
+          </a:p>
+          <a:p>
+            <a:pPr lvl="1"/>
+            <a:r>
+              <a:rPr lang="en-US" dirty="0" smtClean="0"/>
+              <a:t>Complicates Debugging &amp; Code Flow. </a:t>
+            </a:r>
+            <a:endParaRPr lang="en-US" dirty="0"/>
+          </a:p>
+        </p:txBody>
+      </p:sp>
+      <p:sp>
+        <p:nvSpPr>
+          <p:cNvPr id="3" name="Title 2"/>
+          <p:cNvSpPr>
+            <a:spLocks noGrp="1"/>
+          </p:cNvSpPr>
+          <p:nvPr>
+            <p:ph type="title"/>
+          </p:nvPr>
+        </p:nvSpPr>
+        <p:spPr/>
+        <p:txBody>
+          <a:bodyPr/>
+          <a:lstStyle/>
+          <a:p>
+            <a:r>
+              <a:rPr lang="en-US" dirty="0"/>
+              <a:t>Dependency Injection</a:t>
+            </a:r>
+          </a:p>
+        </p:txBody>
+      </p:sp>
+    </p:spTree>
+    <p:extLst>
+      <p:ext uri="{BB962C8B-B14F-4D97-AF65-F5344CB8AC3E}">
+        <p14:creationId xmlns:p14="http://schemas.microsoft.com/office/powerpoint/2010/main" val="3352475107"/>
+      </p:ext>
+    </p:extLst>
+  </p:cSld>
+  <p:clrMapOvr>
+    <a:masterClrMapping/>
+  </p:clrMapOvr>
+</p:sld>
+</file>
+
+<file path=ppt/slides/slide14.xml><?xml version="1.0" encoding="utf-8"?>
+<p:sld xmlns:a="http://schemas.openxmlformats.org/drawingml/2006/main" xmlns:r="http://schemas.openxmlformats.org/officeDocument/2006/relationships" xmlns:p="http://schemas.openxmlformats.org/presentationml/2006/main">
+  <p:cSld>
+    <p:spTree>
+      <p:nvGrpSpPr>
+        <p:cNvPr id="1" name=""/>
+        <p:cNvGrpSpPr/>
+        <p:nvPr/>
+      </p:nvGrpSpPr>
+      <p:grpSpPr>
+        <a:xfrm>
+          <a:off x="0" y="0"/>
+          <a:ext cx="0" cy="0"/>
+          <a:chOff x="0" y="0"/>
+          <a:chExt cx="0" cy="0"/>
+        </a:xfrm>
+      </p:grpSpPr>
+      <p:sp>
+        <p:nvSpPr>
+          <p:cNvPr id="2" name="Content Placeholder 1"/>
+          <p:cNvSpPr>
+            <a:spLocks noGrp="1"/>
+          </p:cNvSpPr>
+          <p:nvPr>
+            <p:ph idx="1"/>
+          </p:nvPr>
+        </p:nvSpPr>
+        <p:spPr/>
+        <p:txBody>
+          <a:bodyPr/>
+          <a:lstStyle/>
+          <a:p>
+            <a:r>
+              <a:rPr lang="en-US" b="1" dirty="0" smtClean="0"/>
+              <a:t>Spring MVC</a:t>
+            </a:r>
+            <a:r>
+              <a:rPr lang="en-US" dirty="0" smtClean="0"/>
+              <a:t>: a </a:t>
+            </a:r>
+            <a:r>
+              <a:rPr lang="en-US" dirty="0" smtClean="0"/>
+              <a:t>framework that supports MVC (Model-View-Controller) architecture to support web application developments. </a:t>
+            </a:r>
+          </a:p>
+          <a:p>
+            <a:r>
+              <a:rPr lang="en-US" dirty="0"/>
+              <a:t>Spring MVC </a:t>
+            </a:r>
+            <a:r>
+              <a:rPr lang="en-US" dirty="0" smtClean="0"/>
+              <a:t>is designed </a:t>
+            </a:r>
+            <a:r>
+              <a:rPr lang="en-US" dirty="0"/>
+              <a:t>around a </a:t>
+            </a:r>
+            <a:r>
+              <a:rPr lang="en-US" b="1" dirty="0"/>
+              <a:t>front controller </a:t>
+            </a:r>
+            <a:r>
+              <a:rPr lang="en-US" dirty="0"/>
+              <a:t>(</a:t>
+            </a:r>
+            <a:r>
+              <a:rPr lang="en-US" dirty="0" err="1"/>
+              <a:t>DispatcherServlet</a:t>
+            </a:r>
+            <a:r>
+              <a:rPr lang="en-US" dirty="0"/>
+              <a:t>).</a:t>
+            </a:r>
+          </a:p>
+          <a:p>
+            <a:endParaRPr lang="en-US" dirty="0"/>
+          </a:p>
+        </p:txBody>
+      </p:sp>
+      <p:sp>
+        <p:nvSpPr>
+          <p:cNvPr id="3" name="Title 2"/>
+          <p:cNvSpPr>
+            <a:spLocks noGrp="1"/>
+          </p:cNvSpPr>
+          <p:nvPr>
+            <p:ph type="title"/>
+          </p:nvPr>
+        </p:nvSpPr>
+        <p:spPr/>
+        <p:txBody>
+          <a:bodyPr/>
+          <a:lstStyle/>
+          <a:p>
+            <a:r>
+              <a:rPr lang="en-US" dirty="0"/>
+              <a:t>Spring MVC</a:t>
+            </a:r>
+          </a:p>
+        </p:txBody>
+      </p:sp>
+    </p:spTree>
+    <p:extLst>
+      <p:ext uri="{BB962C8B-B14F-4D97-AF65-F5344CB8AC3E}">
+        <p14:creationId xmlns:p14="http://schemas.microsoft.com/office/powerpoint/2010/main" val="2450254546"/>
+      </p:ext>
+    </p:extLst>
+  </p:cSld>
+  <p:clrMapOvr>
+    <a:masterClrMapping/>
+  </p:clrMapOvr>
+  <p:timing>
+    <p:tnLst>
+      <p:par>
+        <p:cTn id="1" dur="indefinite" restart="never" nodeType="tmRoot"/>
+      </p:par>
+    </p:tnLst>
+  </p:timing>
+</p:sld>
+</file>
+
+<file path=ppt/slides/slide15.xml><?xml version="1.0" encoding="utf-8"?>
 <p:sld xmlns:a="http://schemas.openxmlformats.org/drawingml/2006/main" xmlns:r="http://schemas.openxmlformats.org/officeDocument/2006/relationships" xmlns:p="http://schemas.openxmlformats.org/presentationml/2006/main">
   <p:cSld>
     <p:spTree>
@@ -4735,8 +5540,8 @@
         </p:blipFill>
         <p:spPr bwMode="auto">
           <a:xfrm>
-            <a:off x="2971800" y="1905000"/>
-            <a:ext cx="5899311" cy="4501858"/>
+            <a:off x="533401" y="1371599"/>
+            <a:ext cx="5867400" cy="4477507"/>
           </a:xfrm>
           <a:prstGeom prst="rect">
             <a:avLst/>
@@ -4755,80 +5560,295 @@
       </p:pic>
       <p:sp>
         <p:nvSpPr>
-          <p:cNvPr id="2" name="Content Placeholder 1"/>
-          <p:cNvSpPr>
-            <a:spLocks noGrp="1"/>
-          </p:cNvSpPr>
-          <p:nvPr>
-            <p:ph idx="1"/>
-          </p:nvPr>
+          <p:cNvPr id="3" name="Title 2"/>
+          <p:cNvSpPr>
+            <a:spLocks noGrp="1"/>
+          </p:cNvSpPr>
+          <p:nvPr>
+            <p:ph type="title"/>
+          </p:nvPr>
+        </p:nvSpPr>
+        <p:spPr/>
+        <p:txBody>
+          <a:bodyPr/>
+          <a:lstStyle/>
+          <a:p>
+            <a:r>
+              <a:rPr lang="en-US" dirty="0" smtClean="0"/>
+              <a:t>Spring MVC</a:t>
+            </a:r>
+            <a:endParaRPr lang="en-US" dirty="0"/>
+          </a:p>
+        </p:txBody>
+      </p:sp>
+      <p:sp>
+        <p:nvSpPr>
+          <p:cNvPr id="6" name="Rounded Rectangular Callout 5"/>
+          <p:cNvSpPr/>
+          <p:nvPr/>
         </p:nvSpPr>
         <p:spPr>
           <a:xfrm>
-            <a:off x="472952" y="1458349"/>
-            <a:ext cx="4632448" cy="5100907"/>
+            <a:off x="7010400" y="1143000"/>
+            <a:ext cx="2062316" cy="914400"/>
           </a:xfrm>
+          <a:prstGeom prst="wedgeRoundRectCallout">
+            <a:avLst>
+              <a:gd name="adj1" fmla="val -83654"/>
+              <a:gd name="adj2" fmla="val 30403"/>
+              <a:gd name="adj3" fmla="val 16667"/>
+            </a:avLst>
+          </a:prstGeom>
         </p:spPr>
-        <p:txBody>
-          <a:bodyPr>
-            <a:normAutofit/>
-          </a:bodyPr>
+        <p:style>
+          <a:lnRef idx="2">
+            <a:schemeClr val="accent6"/>
+          </a:lnRef>
+          <a:fillRef idx="1">
+            <a:schemeClr val="lt1"/>
+          </a:fillRef>
+          <a:effectRef idx="0">
+            <a:schemeClr val="accent6"/>
+          </a:effectRef>
+          <a:fontRef idx="minor">
+            <a:schemeClr val="dk1"/>
+          </a:fontRef>
+        </p:style>
+        <p:txBody>
+          <a:bodyPr rtlCol="0" anchor="ctr"/>
           <a:lstStyle/>
           <a:p>
-            <a:r>
-              <a:rPr lang="en-US" dirty="0" smtClean="0"/>
-              <a:t>Handler Mapping: map request to a </a:t>
+            <a:pPr algn="ctr"/>
+            <a:r>
+              <a:rPr lang="en-US" dirty="0" smtClean="0"/>
+              <a:t>Map </a:t>
+            </a:r>
+            <a:r>
+              <a:rPr lang="en-US" b="1" dirty="0" smtClean="0"/>
+              <a:t>Request</a:t>
+            </a:r>
+            <a:r>
+              <a:rPr lang="en-US" dirty="0" smtClean="0"/>
+              <a:t> to </a:t>
             </a:r>
             <a:r>
               <a:rPr lang="en-US" b="1" dirty="0" smtClean="0"/>
               <a:t>Controller</a:t>
             </a:r>
-          </a:p>
-          <a:p>
-            <a:r>
-              <a:rPr lang="en-US" dirty="0" err="1" smtClean="0"/>
-              <a:t>ModelAndView</a:t>
-            </a:r>
-            <a:r>
-              <a:rPr lang="en-US" dirty="0" smtClean="0"/>
-              <a:t>: holder for both Model and View</a:t>
-            </a:r>
-          </a:p>
-          <a:p>
-            <a:r>
-              <a:rPr lang="en-US" dirty="0" smtClean="0"/>
-              <a:t>View Resolver: map view name to a </a:t>
+            <a:endParaRPr lang="en-US" b="1" dirty="0"/>
+          </a:p>
+        </p:txBody>
+      </p:sp>
+      <p:sp>
+        <p:nvSpPr>
+          <p:cNvPr id="8" name="Rounded Rectangular Callout 7"/>
+          <p:cNvSpPr/>
+          <p:nvPr/>
+        </p:nvSpPr>
+        <p:spPr>
+          <a:xfrm>
+            <a:off x="6776884" y="3913239"/>
+            <a:ext cx="2295832" cy="914400"/>
+          </a:xfrm>
+          <a:prstGeom prst="wedgeRoundRectCallout">
+            <a:avLst>
+              <a:gd name="adj1" fmla="val -137967"/>
+              <a:gd name="adj2" fmla="val -42339"/>
+              <a:gd name="adj3" fmla="val 16667"/>
+            </a:avLst>
+          </a:prstGeom>
+        </p:spPr>
+        <p:style>
+          <a:lnRef idx="2">
+            <a:schemeClr val="dk1"/>
+          </a:lnRef>
+          <a:fillRef idx="1">
+            <a:schemeClr val="lt1"/>
+          </a:fillRef>
+          <a:effectRef idx="0">
+            <a:schemeClr val="dk1"/>
+          </a:effectRef>
+          <a:fontRef idx="minor">
+            <a:schemeClr val="dk1"/>
+          </a:fontRef>
+        </p:style>
+        <p:txBody>
+          <a:bodyPr rtlCol="0" anchor="ctr"/>
+          <a:lstStyle/>
+          <a:p>
+            <a:pPr algn="ctr"/>
+            <a:r>
+              <a:rPr lang="en-US" dirty="0" smtClean="0"/>
+              <a:t>Holder </a:t>
+            </a:r>
+            <a:r>
+              <a:rPr lang="en-US" dirty="0"/>
+              <a:t>for both </a:t>
+            </a:r>
+            <a:r>
+              <a:rPr lang="en-US" b="1" dirty="0"/>
+              <a:t>Model</a:t>
+            </a:r>
+            <a:r>
+              <a:rPr lang="en-US" dirty="0"/>
+              <a:t> and </a:t>
             </a:r>
             <a:r>
               <a:rPr lang="en-US" b="1" dirty="0" smtClean="0"/>
               <a:t>View</a:t>
             </a:r>
+            <a:endParaRPr lang="en-US" b="1" dirty="0"/>
+          </a:p>
+        </p:txBody>
+      </p:sp>
+      <p:sp>
+        <p:nvSpPr>
+          <p:cNvPr id="10" name="Rounded Rectangular Callout 9"/>
+          <p:cNvSpPr/>
+          <p:nvPr/>
+        </p:nvSpPr>
+        <p:spPr>
+          <a:xfrm>
+            <a:off x="6629400" y="5257800"/>
+            <a:ext cx="2443316" cy="762000"/>
+          </a:xfrm>
+          <a:prstGeom prst="wedgeRoundRectCallout">
+            <a:avLst>
+              <a:gd name="adj1" fmla="val -62791"/>
+              <a:gd name="adj2" fmla="val -28225"/>
+              <a:gd name="adj3" fmla="val 16667"/>
+            </a:avLst>
+          </a:prstGeom>
+        </p:spPr>
+        <p:style>
+          <a:lnRef idx="2">
+            <a:schemeClr val="accent3"/>
+          </a:lnRef>
+          <a:fillRef idx="1">
+            <a:schemeClr val="lt1"/>
+          </a:fillRef>
+          <a:effectRef idx="0">
+            <a:schemeClr val="accent3"/>
+          </a:effectRef>
+          <a:fontRef idx="minor">
+            <a:schemeClr val="dk1"/>
+          </a:fontRef>
+        </p:style>
+        <p:txBody>
+          <a:bodyPr rtlCol="0" anchor="ctr"/>
+          <a:lstStyle/>
+          <a:p>
+            <a:pPr algn="ctr"/>
+            <a:r>
+              <a:rPr lang="en-US" dirty="0" smtClean="0"/>
+              <a:t>Map </a:t>
+            </a:r>
+            <a:r>
+              <a:rPr lang="en-US" b="1" dirty="0" smtClean="0"/>
+              <a:t>View Name </a:t>
+            </a:r>
+            <a:r>
+              <a:rPr lang="en-US" dirty="0"/>
+              <a:t>to </a:t>
+            </a:r>
+            <a:r>
+              <a:rPr lang="en-US" b="1" dirty="0" smtClean="0"/>
+              <a:t>View</a:t>
+            </a:r>
             <a:endParaRPr lang="en-US" dirty="0"/>
           </a:p>
         </p:txBody>
       </p:sp>
       <p:sp>
         <p:nvSpPr>
-          <p:cNvPr id="3" name="Title 2"/>
-          <p:cNvSpPr>
-            <a:spLocks noGrp="1"/>
-          </p:cNvSpPr>
-          <p:nvPr>
-            <p:ph type="title"/>
-          </p:nvPr>
-        </p:nvSpPr>
-        <p:spPr/>
-        <p:txBody>
-          <a:bodyPr/>
+          <p:cNvPr id="11" name="Rounded Rectangular Callout 10"/>
+          <p:cNvSpPr/>
+          <p:nvPr/>
+        </p:nvSpPr>
+        <p:spPr>
+          <a:xfrm>
+            <a:off x="762000" y="1600200"/>
+            <a:ext cx="2514600" cy="685800"/>
+          </a:xfrm>
+          <a:prstGeom prst="wedgeRoundRectCallout">
+            <a:avLst>
+              <a:gd name="adj1" fmla="val 30164"/>
+              <a:gd name="adj2" fmla="val 187628"/>
+              <a:gd name="adj3" fmla="val 16667"/>
+            </a:avLst>
+          </a:prstGeom>
+        </p:spPr>
+        <p:style>
+          <a:lnRef idx="2">
+            <a:schemeClr val="accent4"/>
+          </a:lnRef>
+          <a:fillRef idx="1">
+            <a:schemeClr val="lt1"/>
+          </a:fillRef>
+          <a:effectRef idx="0">
+            <a:schemeClr val="accent4"/>
+          </a:effectRef>
+          <a:fontRef idx="minor">
+            <a:schemeClr val="dk1"/>
+          </a:fontRef>
+        </p:style>
+        <p:txBody>
+          <a:bodyPr rtlCol="0" anchor="ctr"/>
           <a:lstStyle/>
           <a:p>
-            <a:r>
-              <a:rPr lang="en-US" dirty="0" smtClean="0"/>
-              <a:t>Spring </a:t>
-            </a:r>
-            <a:r>
-              <a:rPr lang="en-US" dirty="0" smtClean="0"/>
-              <a:t>MVC</a:t>
+            <a:pPr algn="ctr"/>
+            <a:r>
+              <a:rPr lang="en-US" dirty="0" smtClean="0"/>
+              <a:t>Dispatch requests </a:t>
+            </a:r>
+            <a:r>
+              <a:rPr lang="en-US" dirty="0"/>
+              <a:t>to handlers.</a:t>
+            </a:r>
+          </a:p>
+        </p:txBody>
+      </p:sp>
+      <p:sp>
+        <p:nvSpPr>
+          <p:cNvPr id="4" name="Rounded Rectangular Callout 3"/>
+          <p:cNvSpPr/>
+          <p:nvPr/>
+        </p:nvSpPr>
+        <p:spPr>
+          <a:xfrm>
+            <a:off x="2971800" y="5973690"/>
+            <a:ext cx="1905000" cy="685800"/>
+          </a:xfrm>
+          <a:prstGeom prst="wedgeRoundRectCallout">
+            <a:avLst>
+              <a:gd name="adj1" fmla="val -37714"/>
+              <a:gd name="adj2" fmla="val -115375"/>
+              <a:gd name="adj3" fmla="val 16667"/>
+            </a:avLst>
+          </a:prstGeom>
+        </p:spPr>
+        <p:style>
+          <a:lnRef idx="2">
+            <a:schemeClr val="accent6"/>
+          </a:lnRef>
+          <a:fillRef idx="1">
+            <a:schemeClr val="lt1"/>
+          </a:fillRef>
+          <a:effectRef idx="0">
+            <a:schemeClr val="accent6"/>
+          </a:effectRef>
+          <a:fontRef idx="minor">
+            <a:schemeClr val="dk1"/>
+          </a:fontRef>
+        </p:style>
+        <p:txBody>
+          <a:bodyPr rtlCol="0" anchor="ctr"/>
+          <a:lstStyle/>
+          <a:p>
+            <a:pPr algn="ctr"/>
+            <a:r>
+              <a:rPr lang="en-US" dirty="0" smtClean="0"/>
+              <a:t>Usually a JSP page</a:t>
             </a:r>
             <a:endParaRPr lang="en-US" dirty="0"/>
           </a:p>
@@ -4838,669 +5858,6 @@
     <p:extLst>
       <p:ext uri="{BB962C8B-B14F-4D97-AF65-F5344CB8AC3E}">
         <p14:creationId xmlns:p14="http://schemas.microsoft.com/office/powerpoint/2010/main" val="1290186735"/>
-      </p:ext>
-    </p:extLst>
-  </p:cSld>
-  <p:clrMapOvr>
-    <a:masterClrMapping/>
-  </p:clrMapOvr>
-  <p:timing>
-    <p:tnLst>
-      <p:par>
-        <p:cTn id="1" dur="indefinite" restart="never" nodeType="tmRoot"/>
-      </p:par>
-    </p:tnLst>
-  </p:timing>
-</p:sld>
-</file>
-
-<file path=ppt/slides/slide11.xml><?xml version="1.0" encoding="utf-8"?>
-<p:sld xmlns:a="http://schemas.openxmlformats.org/drawingml/2006/main" xmlns:r="http://schemas.openxmlformats.org/officeDocument/2006/relationships" xmlns:p="http://schemas.openxmlformats.org/presentationml/2006/main">
-  <p:cSld>
-    <p:spTree>
-      <p:nvGrpSpPr>
-        <p:cNvPr id="1" name=""/>
-        <p:cNvGrpSpPr/>
-        <p:nvPr/>
-      </p:nvGrpSpPr>
-      <p:grpSpPr>
-        <a:xfrm>
-          <a:off x="0" y="0"/>
-          <a:ext cx="0" cy="0"/>
-          <a:chOff x="0" y="0"/>
-          <a:chExt cx="0" cy="0"/>
-        </a:xfrm>
-      </p:grpSpPr>
-      <p:sp>
-        <p:nvSpPr>
-          <p:cNvPr id="4" name="Title 3"/>
-          <p:cNvSpPr>
-            <a:spLocks noGrp="1"/>
-          </p:cNvSpPr>
-          <p:nvPr>
-            <p:ph type="title"/>
-          </p:nvPr>
-        </p:nvSpPr>
-        <p:spPr/>
-        <p:txBody>
-          <a:bodyPr/>
-          <a:lstStyle/>
-          <a:p>
-            <a:r>
-              <a:rPr lang="en-US" dirty="0" smtClean="0"/>
-              <a:t>Hibernate</a:t>
-            </a:r>
-            <a:endParaRPr lang="en-US" dirty="0"/>
-          </a:p>
-        </p:txBody>
-      </p:sp>
-      <p:sp>
-        <p:nvSpPr>
-          <p:cNvPr id="5" name="Text Placeholder 4"/>
-          <p:cNvSpPr>
-            <a:spLocks noGrp="1"/>
-          </p:cNvSpPr>
-          <p:nvPr>
-            <p:ph type="body" idx="1"/>
-          </p:nvPr>
-        </p:nvSpPr>
-        <p:spPr/>
-        <p:txBody>
-          <a:bodyPr/>
-          <a:lstStyle/>
-          <a:p>
-            <a:endParaRPr lang="en-US" dirty="0"/>
-          </a:p>
-        </p:txBody>
-      </p:sp>
-    </p:spTree>
-    <p:extLst>
-      <p:ext uri="{BB962C8B-B14F-4D97-AF65-F5344CB8AC3E}">
-        <p14:creationId xmlns:p14="http://schemas.microsoft.com/office/powerpoint/2010/main" val="3748602081"/>
-      </p:ext>
-    </p:extLst>
-  </p:cSld>
-  <p:clrMapOvr>
-    <a:masterClrMapping/>
-  </p:clrMapOvr>
-  <p:timing>
-    <p:tnLst>
-      <p:par>
-        <p:cTn id="1" dur="indefinite" restart="never" nodeType="tmRoot"/>
-      </p:par>
-    </p:tnLst>
-  </p:timing>
-</p:sld>
-</file>
-
-<file path=ppt/slides/slide12.xml><?xml version="1.0" encoding="utf-8"?>
-<p:sld xmlns:a="http://schemas.openxmlformats.org/drawingml/2006/main" xmlns:r="http://schemas.openxmlformats.org/officeDocument/2006/relationships" xmlns:p="http://schemas.openxmlformats.org/presentationml/2006/main">
-  <p:cSld>
-    <p:spTree>
-      <p:nvGrpSpPr>
-        <p:cNvPr id="1" name=""/>
-        <p:cNvGrpSpPr/>
-        <p:nvPr/>
-      </p:nvGrpSpPr>
-      <p:grpSpPr>
-        <a:xfrm>
-          <a:off x="0" y="0"/>
-          <a:ext cx="0" cy="0"/>
-          <a:chOff x="0" y="0"/>
-          <a:chExt cx="0" cy="0"/>
-        </a:xfrm>
-      </p:grpSpPr>
-      <p:sp>
-        <p:nvSpPr>
-          <p:cNvPr id="2" name="Content Placeholder 1"/>
-          <p:cNvSpPr>
-            <a:spLocks noGrp="1"/>
-          </p:cNvSpPr>
-          <p:nvPr>
-            <p:ph idx="1"/>
-          </p:nvPr>
-        </p:nvSpPr>
-        <p:spPr/>
-        <p:txBody>
-          <a:bodyPr/>
-          <a:lstStyle/>
-          <a:p>
-            <a:r>
-              <a:rPr lang="en-US" b="1" dirty="0" smtClean="0"/>
-              <a:t>Hibernate ORM</a:t>
-            </a:r>
-            <a:r>
-              <a:rPr lang="en-US" dirty="0" smtClean="0"/>
-              <a:t> (</a:t>
-            </a:r>
-            <a:r>
-              <a:rPr lang="en-US" b="1" dirty="0" smtClean="0"/>
-              <a:t>Hibernate</a:t>
-            </a:r>
-            <a:r>
-              <a:rPr lang="en-US" dirty="0" smtClean="0"/>
-              <a:t>) is an </a:t>
-            </a:r>
-            <a:r>
-              <a:rPr lang="en-US" b="1" dirty="0" smtClean="0"/>
-              <a:t>ORM</a:t>
-            </a:r>
-            <a:r>
-              <a:rPr lang="en-US" dirty="0"/>
-              <a:t> and persistence framework </a:t>
-            </a:r>
-            <a:r>
-              <a:rPr lang="en-US" dirty="0" smtClean="0"/>
-              <a:t>that allows mapping between objects (even POJOs) and database.</a:t>
-            </a:r>
-          </a:p>
-        </p:txBody>
-      </p:sp>
-      <p:sp>
-        <p:nvSpPr>
-          <p:cNvPr id="3" name="Title 2"/>
-          <p:cNvSpPr>
-            <a:spLocks noGrp="1"/>
-          </p:cNvSpPr>
-          <p:nvPr>
-            <p:ph type="title"/>
-          </p:nvPr>
-        </p:nvSpPr>
-        <p:spPr/>
-        <p:txBody>
-          <a:bodyPr/>
-          <a:lstStyle/>
-          <a:p>
-            <a:r>
-              <a:rPr lang="en-US" dirty="0" smtClean="0"/>
-              <a:t>Hibernate</a:t>
-            </a:r>
-            <a:endParaRPr lang="en-US" dirty="0"/>
-          </a:p>
-        </p:txBody>
-      </p:sp>
-      <p:pic>
-        <p:nvPicPr>
-          <p:cNvPr id="2050" name="Picture 2" descr="C:\Users\HuanPM\Desktop\hibernate_position.jpg"/>
-          <p:cNvPicPr>
-            <a:picLocks noChangeAspect="1" noChangeArrowheads="1"/>
-          </p:cNvPicPr>
-          <p:nvPr/>
-        </p:nvPicPr>
-        <p:blipFill>
-          <a:blip r:embed="rId2">
-            <a:extLst>
-              <a:ext uri="{28A0092B-C50C-407E-A947-70E740481C1C}">
-                <a14:useLocalDpi xmlns:a14="http://schemas.microsoft.com/office/drawing/2010/main" val="0"/>
-              </a:ext>
-            </a:extLst>
-          </a:blip>
-          <a:srcRect/>
-          <a:stretch>
-            <a:fillRect/>
-          </a:stretch>
-        </p:blipFill>
-        <p:spPr bwMode="auto">
-          <a:xfrm>
-            <a:off x="762000" y="3200400"/>
-            <a:ext cx="7478091" cy="2209800"/>
-          </a:xfrm>
-          <a:prstGeom prst="rect">
-            <a:avLst/>
-          </a:prstGeom>
-          <a:noFill/>
-          <a:extLst>
-            <a:ext uri="{909E8E84-426E-40DD-AFC4-6F175D3DCCD1}">
-              <a14:hiddenFill xmlns:a14="http://schemas.microsoft.com/office/drawing/2010/main">
-                <a:solidFill>
-                  <a:srgbClr val="FFFFFF"/>
-                </a:solidFill>
-              </a14:hiddenFill>
-            </a:ext>
-          </a:extLst>
-        </p:spPr>
-      </p:pic>
-    </p:spTree>
-    <p:extLst>
-      <p:ext uri="{BB962C8B-B14F-4D97-AF65-F5344CB8AC3E}">
-        <p14:creationId xmlns:p14="http://schemas.microsoft.com/office/powerpoint/2010/main" val="271674682"/>
-      </p:ext>
-    </p:extLst>
-  </p:cSld>
-  <p:clrMapOvr>
-    <a:masterClrMapping/>
-  </p:clrMapOvr>
-  <p:timing>
-    <p:tnLst>
-      <p:par>
-        <p:cTn id="1" dur="indefinite" restart="never" nodeType="tmRoot"/>
-      </p:par>
-    </p:tnLst>
-  </p:timing>
-</p:sld>
-</file>
-
-<file path=ppt/slides/slide13.xml><?xml version="1.0" encoding="utf-8"?>
-<p:sld xmlns:a="http://schemas.openxmlformats.org/drawingml/2006/main" xmlns:r="http://schemas.openxmlformats.org/officeDocument/2006/relationships" xmlns:p="http://schemas.openxmlformats.org/presentationml/2006/main">
-  <p:cSld>
-    <p:spTree>
-      <p:nvGrpSpPr>
-        <p:cNvPr id="1" name=""/>
-        <p:cNvGrpSpPr/>
-        <p:nvPr/>
-      </p:nvGrpSpPr>
-      <p:grpSpPr>
-        <a:xfrm>
-          <a:off x="0" y="0"/>
-          <a:ext cx="0" cy="0"/>
-          <a:chOff x="0" y="0"/>
-          <a:chExt cx="0" cy="0"/>
-        </a:xfrm>
-      </p:grpSpPr>
-      <p:sp>
-        <p:nvSpPr>
-          <p:cNvPr id="2" name="Content Placeholder 1"/>
-          <p:cNvSpPr>
-            <a:spLocks noGrp="1"/>
-          </p:cNvSpPr>
-          <p:nvPr>
-            <p:ph idx="1"/>
-          </p:nvPr>
-        </p:nvSpPr>
-        <p:spPr/>
-        <p:txBody>
-          <a:bodyPr/>
-          <a:lstStyle/>
-          <a:p>
-            <a:r>
-              <a:rPr lang="en-US" dirty="0" smtClean="0"/>
-              <a:t>Hibernate uses HQL (Hibernate Query Language) to query Hibernate objects.</a:t>
-            </a:r>
-          </a:p>
-          <a:p>
-            <a:r>
-              <a:rPr lang="en-US" dirty="0" smtClean="0"/>
-              <a:t>Hibernate </a:t>
-            </a:r>
-            <a:r>
-              <a:rPr lang="en-US" dirty="0" smtClean="0"/>
-              <a:t>generates </a:t>
-            </a:r>
-            <a:r>
-              <a:rPr lang="en-US" dirty="0" smtClean="0"/>
-              <a:t>database-specific </a:t>
-            </a:r>
-            <a:r>
-              <a:rPr lang="en-US" dirty="0" smtClean="0"/>
-              <a:t>SQL </a:t>
-            </a:r>
-            <a:r>
-              <a:rPr lang="en-US" dirty="0" smtClean="0"/>
-              <a:t>queries based on dialect configuration.</a:t>
-            </a:r>
-            <a:endParaRPr lang="en-US" dirty="0"/>
-          </a:p>
-        </p:txBody>
-      </p:sp>
-      <p:sp>
-        <p:nvSpPr>
-          <p:cNvPr id="3" name="Title 2"/>
-          <p:cNvSpPr>
-            <a:spLocks noGrp="1"/>
-          </p:cNvSpPr>
-          <p:nvPr>
-            <p:ph type="title"/>
-          </p:nvPr>
-        </p:nvSpPr>
-        <p:spPr/>
-        <p:txBody>
-          <a:bodyPr/>
-          <a:lstStyle/>
-          <a:p>
-            <a:r>
-              <a:rPr lang="en-US" dirty="0" smtClean="0"/>
-              <a:t>Hibernate</a:t>
-            </a:r>
-            <a:endParaRPr lang="en-US" dirty="0"/>
-          </a:p>
-        </p:txBody>
-      </p:sp>
-    </p:spTree>
-    <p:extLst>
-      <p:ext uri="{BB962C8B-B14F-4D97-AF65-F5344CB8AC3E}">
-        <p14:creationId xmlns:p14="http://schemas.microsoft.com/office/powerpoint/2010/main" val="2278853552"/>
-      </p:ext>
-    </p:extLst>
-  </p:cSld>
-  <p:clrMapOvr>
-    <a:masterClrMapping/>
-  </p:clrMapOvr>
-  <p:timing>
-    <p:tnLst>
-      <p:par>
-        <p:cTn id="1" dur="indefinite" restart="never" nodeType="tmRoot"/>
-      </p:par>
-    </p:tnLst>
-  </p:timing>
-</p:sld>
-</file>
-
-<file path=ppt/slides/slide14.xml><?xml version="1.0" encoding="utf-8"?>
-<p:sld xmlns:a="http://schemas.openxmlformats.org/drawingml/2006/main" xmlns:r="http://schemas.openxmlformats.org/officeDocument/2006/relationships" xmlns:p="http://schemas.openxmlformats.org/presentationml/2006/main">
-  <p:cSld>
-    <p:spTree>
-      <p:nvGrpSpPr>
-        <p:cNvPr id="1" name=""/>
-        <p:cNvGrpSpPr/>
-        <p:nvPr/>
-      </p:nvGrpSpPr>
-      <p:grpSpPr>
-        <a:xfrm>
-          <a:off x="0" y="0"/>
-          <a:ext cx="0" cy="0"/>
-          <a:chOff x="0" y="0"/>
-          <a:chExt cx="0" cy="0"/>
-        </a:xfrm>
-      </p:grpSpPr>
-      <p:pic>
-        <p:nvPicPr>
-          <p:cNvPr id="3074" name="Picture 2" descr="C:\Users\HuanPM\Desktop\61dYc.png"/>
-          <p:cNvPicPr>
-            <a:picLocks noChangeAspect="1" noChangeArrowheads="1"/>
-          </p:cNvPicPr>
-          <p:nvPr/>
-        </p:nvPicPr>
-        <p:blipFill>
-          <a:blip r:embed="rId2">
-            <a:extLst>
-              <a:ext uri="{28A0092B-C50C-407E-A947-70E740481C1C}">
-                <a14:useLocalDpi xmlns:a14="http://schemas.microsoft.com/office/drawing/2010/main" val="0"/>
-              </a:ext>
-            </a:extLst>
-          </a:blip>
-          <a:srcRect/>
-          <a:stretch>
-            <a:fillRect/>
-          </a:stretch>
-        </p:blipFill>
-        <p:spPr bwMode="auto">
-          <a:xfrm>
-            <a:off x="5029200" y="914400"/>
-            <a:ext cx="3835685" cy="3200400"/>
-          </a:xfrm>
-          <a:prstGeom prst="rect">
-            <a:avLst/>
-          </a:prstGeom>
-          <a:noFill/>
-          <a:extLst>
-            <a:ext uri="{909E8E84-426E-40DD-AFC4-6F175D3DCCD1}">
-              <a14:hiddenFill xmlns:a14="http://schemas.microsoft.com/office/drawing/2010/main">
-                <a:solidFill>
-                  <a:srgbClr val="FFFFFF"/>
-                </a:solidFill>
-              </a14:hiddenFill>
-            </a:ext>
-          </a:extLst>
-        </p:spPr>
-      </p:pic>
-      <p:sp>
-        <p:nvSpPr>
-          <p:cNvPr id="2" name="Content Placeholder 1"/>
-          <p:cNvSpPr>
-            <a:spLocks noGrp="1"/>
-          </p:cNvSpPr>
-          <p:nvPr>
-            <p:ph idx="1"/>
-          </p:nvPr>
-        </p:nvSpPr>
-        <p:spPr>
-          <a:xfrm>
-            <a:off x="533400" y="1524000"/>
-            <a:ext cx="5867400" cy="4525963"/>
-          </a:xfrm>
-        </p:spPr>
-        <p:txBody>
-          <a:bodyPr/>
-          <a:lstStyle/>
-          <a:p>
-            <a:r>
-              <a:rPr lang="en-US" dirty="0" smtClean="0"/>
-              <a:t>Hibernate object states:</a:t>
-            </a:r>
-          </a:p>
-          <a:p>
-            <a:pPr lvl="1"/>
-            <a:r>
-              <a:rPr lang="en-US" i="1" dirty="0"/>
-              <a:t>Transient</a:t>
-            </a:r>
-            <a:r>
-              <a:rPr lang="en-US" dirty="0"/>
-              <a:t> </a:t>
-            </a:r>
-            <a:r>
-              <a:rPr lang="en-US" dirty="0" smtClean="0"/>
-              <a:t>: has just been instantiated and not associated with a Session.</a:t>
-            </a:r>
-          </a:p>
-          <a:p>
-            <a:pPr lvl="1"/>
-            <a:r>
-              <a:rPr lang="en-US" i="1" dirty="0"/>
-              <a:t>Persistent</a:t>
-            </a:r>
-            <a:r>
-              <a:rPr lang="en-US" dirty="0"/>
-              <a:t> </a:t>
-            </a:r>
-            <a:r>
-              <a:rPr lang="en-US" dirty="0" smtClean="0"/>
-              <a:t>: is associated </a:t>
-            </a:r>
-            <a:r>
-              <a:rPr lang="en-US" dirty="0"/>
-              <a:t>with a </a:t>
-            </a:r>
-            <a:r>
-              <a:rPr lang="en-US" dirty="0" smtClean="0"/>
-              <a:t>Session and has an identifier value.</a:t>
-            </a:r>
-          </a:p>
-          <a:p>
-            <a:pPr lvl="1"/>
-            <a:r>
-              <a:rPr lang="en-US" i="1" dirty="0" smtClean="0"/>
-              <a:t>Detached</a:t>
-            </a:r>
-            <a:r>
-              <a:rPr lang="en-US" dirty="0" smtClean="0"/>
-              <a:t> : has been </a:t>
-            </a:r>
-            <a:r>
-              <a:rPr lang="en-US" i="1" dirty="0" smtClean="0"/>
-              <a:t>persistent</a:t>
-            </a:r>
-            <a:r>
-              <a:rPr lang="en-US" dirty="0"/>
-              <a:t> </a:t>
-            </a:r>
-            <a:r>
-              <a:rPr lang="en-US" dirty="0" smtClean="0"/>
-              <a:t>but its Session has been closed.</a:t>
-            </a:r>
-            <a:endParaRPr lang="en-US" dirty="0"/>
-          </a:p>
-        </p:txBody>
-      </p:sp>
-      <p:sp>
-        <p:nvSpPr>
-          <p:cNvPr id="3" name="Title 2"/>
-          <p:cNvSpPr>
-            <a:spLocks noGrp="1"/>
-          </p:cNvSpPr>
-          <p:nvPr>
-            <p:ph type="title"/>
-          </p:nvPr>
-        </p:nvSpPr>
-        <p:spPr/>
-        <p:txBody>
-          <a:bodyPr/>
-          <a:lstStyle/>
-          <a:p>
-            <a:r>
-              <a:rPr lang="en-US" dirty="0"/>
-              <a:t>Hibernate</a:t>
-            </a:r>
-          </a:p>
-        </p:txBody>
-      </p:sp>
-    </p:spTree>
-    <p:extLst>
-      <p:ext uri="{BB962C8B-B14F-4D97-AF65-F5344CB8AC3E}">
-        <p14:creationId xmlns:p14="http://schemas.microsoft.com/office/powerpoint/2010/main" val="3642476730"/>
-      </p:ext>
-    </p:extLst>
-  </p:cSld>
-  <p:clrMapOvr>
-    <a:masterClrMapping/>
-  </p:clrMapOvr>
-  <p:timing>
-    <p:tnLst>
-      <p:par>
-        <p:cTn id="1" dur="indefinite" restart="never" nodeType="tmRoot"/>
-      </p:par>
-    </p:tnLst>
-  </p:timing>
-</p:sld>
-</file>
-
-<file path=ppt/slides/slide15.xml><?xml version="1.0" encoding="utf-8"?>
-<p:sld xmlns:a="http://schemas.openxmlformats.org/drawingml/2006/main" xmlns:r="http://schemas.openxmlformats.org/officeDocument/2006/relationships" xmlns:p="http://schemas.openxmlformats.org/presentationml/2006/main">
-  <p:cSld>
-    <p:spTree>
-      <p:nvGrpSpPr>
-        <p:cNvPr id="1" name=""/>
-        <p:cNvGrpSpPr/>
-        <p:nvPr/>
-      </p:nvGrpSpPr>
-      <p:grpSpPr>
-        <a:xfrm>
-          <a:off x="0" y="0"/>
-          <a:ext cx="0" cy="0"/>
-          <a:chOff x="0" y="0"/>
-          <a:chExt cx="0" cy="0"/>
-        </a:xfrm>
-      </p:grpSpPr>
-      <p:sp>
-        <p:nvSpPr>
-          <p:cNvPr id="2" name="Content Placeholder 1"/>
-          <p:cNvSpPr>
-            <a:spLocks noGrp="1"/>
-          </p:cNvSpPr>
-          <p:nvPr>
-            <p:ph idx="1"/>
-          </p:nvPr>
-        </p:nvSpPr>
-        <p:spPr/>
-        <p:txBody>
-          <a:bodyPr/>
-          <a:lstStyle/>
-          <a:p>
-            <a:r>
-              <a:rPr lang="en-US" dirty="0" smtClean="0"/>
-              <a:t>Pros</a:t>
-            </a:r>
-            <a:r>
-              <a:rPr lang="en-US" dirty="0" smtClean="0"/>
-              <a:t>:</a:t>
-            </a:r>
-          </a:p>
-          <a:p>
-            <a:pPr lvl="1"/>
-            <a:r>
-              <a:rPr lang="en-US" dirty="0" smtClean="0"/>
-              <a:t>Work with java objects =&gt; more familiar.</a:t>
-            </a:r>
-            <a:endParaRPr lang="en-US" dirty="0" smtClean="0"/>
-          </a:p>
-          <a:p>
-            <a:pPr lvl="1"/>
-            <a:r>
-              <a:rPr lang="en-US" dirty="0" smtClean="0"/>
-              <a:t>Simplify CRUD operation programming.</a:t>
-            </a:r>
-          </a:p>
-          <a:p>
-            <a:pPr lvl="1"/>
-            <a:r>
-              <a:rPr lang="en-US" dirty="0" smtClean="0"/>
-              <a:t>Database independent. =&gt; No SQL queries is required.</a:t>
-            </a:r>
-          </a:p>
-          <a:p>
-            <a:pPr lvl="1"/>
-            <a:r>
-              <a:rPr lang="en-US" dirty="0" smtClean="0"/>
-              <a:t>Support cache.</a:t>
-            </a:r>
-          </a:p>
-          <a:p>
-            <a:r>
-              <a:rPr lang="en-US" dirty="0"/>
-              <a:t>Cons</a:t>
-            </a:r>
-            <a:r>
-              <a:rPr lang="en-US" dirty="0" smtClean="0"/>
-              <a:t>:</a:t>
-            </a:r>
-          </a:p>
-          <a:p>
-            <a:pPr lvl="1"/>
-            <a:r>
-              <a:rPr lang="en-US" dirty="0" smtClean="0"/>
-              <a:t>Lots of APIs =&gt; Hard to learn.</a:t>
-            </a:r>
-          </a:p>
-          <a:p>
-            <a:pPr lvl="1"/>
-            <a:r>
-              <a:rPr lang="en-US" dirty="0" smtClean="0"/>
-              <a:t>Not suitable for Batch processing.</a:t>
-            </a:r>
-          </a:p>
-          <a:p>
-            <a:pPr lvl="1"/>
-            <a:endParaRPr lang="en-US" dirty="0"/>
-          </a:p>
-        </p:txBody>
-      </p:sp>
-      <p:sp>
-        <p:nvSpPr>
-          <p:cNvPr id="3" name="Title 2"/>
-          <p:cNvSpPr>
-            <a:spLocks noGrp="1"/>
-          </p:cNvSpPr>
-          <p:nvPr>
-            <p:ph type="title"/>
-          </p:nvPr>
-        </p:nvSpPr>
-        <p:spPr/>
-        <p:txBody>
-          <a:bodyPr/>
-          <a:lstStyle/>
-          <a:p>
-            <a:r>
-              <a:rPr lang="en-US" dirty="0" smtClean="0"/>
-              <a:t>Hibernate</a:t>
-            </a:r>
-            <a:endParaRPr lang="en-US" dirty="0"/>
-          </a:p>
-        </p:txBody>
-      </p:sp>
-    </p:spTree>
-    <p:extLst>
-      <p:ext uri="{BB962C8B-B14F-4D97-AF65-F5344CB8AC3E}">
-        <p14:creationId xmlns:p14="http://schemas.microsoft.com/office/powerpoint/2010/main" val="351397098"/>
       </p:ext>
     </p:extLst>
   </p:cSld>
@@ -5618,57 +5975,7 @@
               <a:rPr lang="en-US" dirty="0" smtClean="0"/>
               <a:t>Spring</a:t>
             </a:r>
-          </a:p>
-          <a:p>
-            <a:pPr marL="880110" lvl="1" indent="-514350">
-              <a:buFont typeface="+mj-lt"/>
-              <a:buAutoNum type="arabicPeriod"/>
-            </a:pPr>
-            <a:r>
-              <a:rPr lang="en-US" dirty="0" smtClean="0"/>
-              <a:t>Spring</a:t>
-            </a:r>
-          </a:p>
-          <a:p>
-            <a:pPr marL="880110" lvl="1" indent="-514350">
-              <a:buFont typeface="+mj-lt"/>
-              <a:buAutoNum type="arabicPeriod"/>
-            </a:pPr>
-            <a:r>
-              <a:rPr lang="en-US" dirty="0" smtClean="0"/>
-              <a:t>Spring Core</a:t>
-            </a:r>
-          </a:p>
-          <a:p>
-            <a:pPr marL="880110" lvl="1" indent="-514350">
-              <a:buFont typeface="+mj-lt"/>
-              <a:buAutoNum type="arabicPeriod"/>
-            </a:pPr>
-            <a:r>
-              <a:rPr lang="en-US" dirty="0" err="1" smtClean="0"/>
-              <a:t>IoC</a:t>
-            </a:r>
             <a:endParaRPr lang="en-US" dirty="0" smtClean="0"/>
-          </a:p>
-          <a:p>
-            <a:pPr marL="880110" lvl="1" indent="-514350">
-              <a:buFont typeface="+mj-lt"/>
-              <a:buAutoNum type="arabicPeriod"/>
-            </a:pPr>
-            <a:r>
-              <a:rPr lang="en-US" dirty="0" smtClean="0"/>
-              <a:t>DI</a:t>
-            </a:r>
-          </a:p>
-          <a:p>
-            <a:pPr marL="880110" lvl="1" indent="-514350">
-              <a:buFont typeface="+mj-lt"/>
-              <a:buAutoNum type="arabicPeriod"/>
-            </a:pPr>
-            <a:r>
-              <a:rPr lang="en-US" dirty="0" smtClean="0"/>
-              <a:t>Spring MVC</a:t>
-            </a:r>
           </a:p>
           <a:p>
             <a:pPr marL="624078" indent="-514350">
@@ -5677,9 +5984,54 @@
             </a:pPr>
             <a:r>
               <a:rPr lang="en-US" dirty="0" smtClean="0"/>
-              <a:t>Hibernate</a:t>
-            </a:r>
-            <a:endParaRPr lang="en-US" dirty="0"/>
+              <a:t>Spring AOP</a:t>
+            </a:r>
+          </a:p>
+          <a:p>
+            <a:pPr marL="624078" indent="-514350">
+              <a:buFont typeface="+mj-lt"/>
+              <a:buAutoNum type="arabicPeriod"/>
+            </a:pPr>
+            <a:r>
+              <a:rPr lang="en-US" dirty="0" smtClean="0"/>
+              <a:t>Spring Core</a:t>
+            </a:r>
+          </a:p>
+          <a:p>
+            <a:pPr marL="624078" indent="-514350">
+              <a:buFont typeface="+mj-lt"/>
+              <a:buAutoNum type="arabicPeriod"/>
+            </a:pPr>
+            <a:r>
+              <a:rPr lang="en-US" dirty="0" err="1" smtClean="0"/>
+              <a:t>IoC</a:t>
+            </a:r>
+            <a:endParaRPr lang="en-US" dirty="0" smtClean="0"/>
+          </a:p>
+          <a:p>
+            <a:pPr marL="624078" indent="-514350">
+              <a:buFont typeface="+mj-lt"/>
+              <a:buAutoNum type="arabicPeriod"/>
+            </a:pPr>
+            <a:r>
+              <a:rPr lang="en-US" dirty="0" smtClean="0"/>
+              <a:t>DI</a:t>
+            </a:r>
+          </a:p>
+          <a:p>
+            <a:pPr marL="624078" indent="-514350">
+              <a:buFont typeface="+mj-lt"/>
+              <a:buAutoNum type="arabicPeriod"/>
+            </a:pPr>
+            <a:r>
+              <a:rPr lang="en-US" dirty="0" smtClean="0"/>
+              <a:t>Spring </a:t>
+            </a:r>
+            <a:r>
+              <a:rPr lang="en-US" dirty="0" smtClean="0"/>
+              <a:t>MVC</a:t>
+            </a:r>
+            <a:endParaRPr lang="en-US" dirty="0" smtClean="0"/>
           </a:p>
         </p:txBody>
       </p:sp>
@@ -5745,12 +6097,12 @@
       </p:grpSpPr>
       <p:sp>
         <p:nvSpPr>
-          <p:cNvPr id="4" name="Title 3"/>
-          <p:cNvSpPr>
-            <a:spLocks noGrp="1"/>
-          </p:cNvSpPr>
-          <p:nvPr>
-            <p:ph type="title"/>
+          <p:cNvPr id="2" name="Content Placeholder 1"/>
+          <p:cNvSpPr>
+            <a:spLocks noGrp="1"/>
+          </p:cNvSpPr>
+          <p:nvPr>
+            <p:ph idx="1"/>
           </p:nvPr>
         </p:nvSpPr>
         <p:spPr/>
@@ -5759,21 +6111,38 @@
           <a:lstStyle/>
           <a:p>
             <a:r>
-              <a:rPr lang="en-US" dirty="0" smtClean="0"/>
-              <a:t>Spring</a:t>
-            </a:r>
-            <a:endParaRPr lang="en-US" dirty="0"/>
-          </a:p>
-        </p:txBody>
-      </p:sp>
-      <p:sp>
-        <p:nvSpPr>
-          <p:cNvPr id="5" name="Text Placeholder 4"/>
-          <p:cNvSpPr>
-            <a:spLocks noGrp="1"/>
-          </p:cNvSpPr>
-          <p:nvPr>
-            <p:ph type="body" idx="1"/>
+              <a:rPr lang="en-US" b="1" dirty="0" smtClean="0"/>
+              <a:t>Spring framework (Spring) </a:t>
+            </a:r>
+            <a:r>
+              <a:rPr lang="en-US" dirty="0" smtClean="0"/>
+              <a:t>is a lightweight framework that provides </a:t>
+            </a:r>
+            <a:r>
+              <a:rPr lang="en-US" dirty="0"/>
+              <a:t>infrastructural </a:t>
+            </a:r>
+            <a:r>
+              <a:rPr lang="en-US" dirty="0" smtClean="0"/>
+              <a:t>support for any applications including Java EE applications.</a:t>
+            </a:r>
+          </a:p>
+          <a:p>
+            <a:r>
+              <a:rPr lang="en-US" dirty="0" smtClean="0"/>
+              <a:t>Spring is used for handling application’s infrastructure.</a:t>
+            </a:r>
+          </a:p>
+        </p:txBody>
+      </p:sp>
+      <p:sp>
+        <p:nvSpPr>
+          <p:cNvPr id="3" name="Title 2"/>
+          <p:cNvSpPr>
+            <a:spLocks noGrp="1"/>
+          </p:cNvSpPr>
+          <p:nvPr>
+            <p:ph type="title"/>
           </p:nvPr>
         </p:nvSpPr>
         <p:spPr/>
@@ -5781,6 +6150,10 @@
           <a:bodyPr/>
           <a:lstStyle/>
           <a:p>
+            <a:r>
+              <a:rPr lang="en-US" dirty="0" smtClean="0"/>
+              <a:t>Spring</a:t>
+            </a:r>
             <a:endParaRPr lang="en-US" dirty="0"/>
           </a:p>
         </p:txBody>
@@ -5788,7 +6161,7 @@
     </p:spTree>
     <p:extLst>
       <p:ext uri="{BB962C8B-B14F-4D97-AF65-F5344CB8AC3E}">
-        <p14:creationId xmlns:p14="http://schemas.microsoft.com/office/powerpoint/2010/main" val="1452408420"/>
+        <p14:creationId xmlns:p14="http://schemas.microsoft.com/office/powerpoint/2010/main" val="4247118179"/>
       </p:ext>
     </p:extLst>
   </p:cSld>
@@ -5838,121 +6211,8 @@
           <a:lstStyle/>
           <a:p>
             <a:r>
-              <a:rPr lang="en-US" b="1" dirty="0" smtClean="0"/>
-              <a:t>Spring framework (Spring) </a:t>
-            </a:r>
-            <a:r>
-              <a:rPr lang="en-US" dirty="0" smtClean="0"/>
-              <a:t>is a lightweight framework that provides </a:t>
-            </a:r>
-            <a:r>
-              <a:rPr lang="en-US" dirty="0"/>
-              <a:t>infrastructural </a:t>
-            </a:r>
-            <a:r>
-              <a:rPr lang="en-US" dirty="0" smtClean="0"/>
-              <a:t>support for any applications including Java EE applications.</a:t>
-            </a:r>
-          </a:p>
-          <a:p>
-            <a:r>
-              <a:rPr lang="en-US" dirty="0" smtClean="0"/>
-              <a:t>Spring is </a:t>
-            </a:r>
-            <a:r>
-              <a:rPr lang="en-US" dirty="0" smtClean="0"/>
-              <a:t>used for </a:t>
-            </a:r>
-            <a:r>
-              <a:rPr lang="en-US" dirty="0" smtClean="0"/>
-              <a:t>handling application’s </a:t>
-            </a:r>
-            <a:r>
-              <a:rPr lang="en-US" dirty="0" smtClean="0"/>
-              <a:t>infrastructure.</a:t>
-            </a:r>
-            <a:endParaRPr lang="en-US" dirty="0" smtClean="0"/>
-          </a:p>
-        </p:txBody>
-      </p:sp>
-      <p:sp>
-        <p:nvSpPr>
-          <p:cNvPr id="3" name="Title 2"/>
-          <p:cNvSpPr>
-            <a:spLocks noGrp="1"/>
-          </p:cNvSpPr>
-          <p:nvPr>
-            <p:ph type="title"/>
-          </p:nvPr>
-        </p:nvSpPr>
-        <p:spPr/>
-        <p:txBody>
-          <a:bodyPr/>
-          <a:lstStyle/>
-          <a:p>
-            <a:r>
-              <a:rPr lang="en-US" dirty="0" smtClean="0"/>
-              <a:t>Spring</a:t>
-            </a:r>
-            <a:endParaRPr lang="en-US" dirty="0"/>
-          </a:p>
-        </p:txBody>
-      </p:sp>
-    </p:spTree>
-    <p:extLst>
-      <p:ext uri="{BB962C8B-B14F-4D97-AF65-F5344CB8AC3E}">
-        <p14:creationId xmlns:p14="http://schemas.microsoft.com/office/powerpoint/2010/main" val="4247118179"/>
-      </p:ext>
-    </p:extLst>
-  </p:cSld>
-  <p:clrMapOvr>
-    <a:masterClrMapping/>
-  </p:clrMapOvr>
-  <p:timing>
-    <p:tnLst>
-      <p:par>
-        <p:cTn id="1" dur="indefinite" restart="never" nodeType="tmRoot"/>
-      </p:par>
-    </p:tnLst>
-  </p:timing>
-</p:sld>
-</file>
-
-<file path=ppt/slides/slide5.xml><?xml version="1.0" encoding="utf-8"?>
-<p:sld xmlns:a="http://schemas.openxmlformats.org/drawingml/2006/main" xmlns:r="http://schemas.openxmlformats.org/officeDocument/2006/relationships" xmlns:p="http://schemas.openxmlformats.org/presentationml/2006/main">
-  <p:cSld>
-    <p:spTree>
-      <p:nvGrpSpPr>
-        <p:cNvPr id="1" name=""/>
-        <p:cNvGrpSpPr/>
-        <p:nvPr/>
-      </p:nvGrpSpPr>
-      <p:grpSpPr>
-        <a:xfrm>
-          <a:off x="0" y="0"/>
-          <a:ext cx="0" cy="0"/>
-          <a:chOff x="0" y="0"/>
-          <a:chExt cx="0" cy="0"/>
-        </a:xfrm>
-      </p:grpSpPr>
-      <p:sp>
-        <p:nvSpPr>
-          <p:cNvPr id="2" name="Content Placeholder 1"/>
-          <p:cNvSpPr>
-            <a:spLocks noGrp="1"/>
-          </p:cNvSpPr>
-          <p:nvPr>
-            <p:ph idx="1"/>
-          </p:nvPr>
-        </p:nvSpPr>
-        <p:spPr/>
-        <p:txBody>
-          <a:bodyPr/>
-          <a:lstStyle/>
-          <a:p>
-            <a:r>
-              <a:rPr lang="en-US" dirty="0" smtClean="0"/>
-              <a:t>Architecture:</a:t>
+              <a:rPr lang="en-US" dirty="0" smtClean="0"/>
+              <a:t>Spring’s architecture:</a:t>
             </a:r>
             <a:endParaRPr lang="en-US" dirty="0"/>
           </a:p>
@@ -6042,6 +6302,207 @@
 </p:sld>
 </file>
 
+<file path=ppt/slides/slide5.xml><?xml version="1.0" encoding="utf-8"?>
+<p:sld xmlns:a="http://schemas.openxmlformats.org/drawingml/2006/main" xmlns:r="http://schemas.openxmlformats.org/officeDocument/2006/relationships" xmlns:p="http://schemas.openxmlformats.org/presentationml/2006/main">
+  <p:cSld>
+    <p:spTree>
+      <p:nvGrpSpPr>
+        <p:cNvPr id="1" name=""/>
+        <p:cNvGrpSpPr/>
+        <p:nvPr/>
+      </p:nvGrpSpPr>
+      <p:grpSpPr>
+        <a:xfrm>
+          <a:off x="0" y="0"/>
+          <a:ext cx="0" cy="0"/>
+          <a:chOff x="0" y="0"/>
+          <a:chExt cx="0" cy="0"/>
+        </a:xfrm>
+      </p:grpSpPr>
+      <p:pic>
+        <p:nvPicPr>
+          <p:cNvPr id="4098" name="Picture 2" descr="C:\Users\HuanPM\Desktop\AOP terms.jpg"/>
+          <p:cNvPicPr>
+            <a:picLocks noChangeAspect="1" noChangeArrowheads="1"/>
+          </p:cNvPicPr>
+          <p:nvPr/>
+        </p:nvPicPr>
+        <p:blipFill>
+          <a:blip r:embed="rId2">
+            <a:extLst>
+              <a:ext uri="{28A0092B-C50C-407E-A947-70E740481C1C}">
+                <a14:useLocalDpi xmlns:a14="http://schemas.microsoft.com/office/drawing/2010/main" val="0"/>
+              </a:ext>
+            </a:extLst>
+          </a:blip>
+          <a:srcRect/>
+          <a:stretch>
+            <a:fillRect/>
+          </a:stretch>
+        </p:blipFill>
+        <p:spPr bwMode="auto">
+          <a:xfrm>
+            <a:off x="3651250" y="3733800"/>
+            <a:ext cx="5035550" cy="2971800"/>
+          </a:xfrm>
+          <a:prstGeom prst="rect">
+            <a:avLst/>
+          </a:prstGeom>
+          <a:noFill/>
+          <a:extLst>
+            <a:ext uri="{909E8E84-426E-40DD-AFC4-6F175D3DCCD1}">
+              <a14:hiddenFill xmlns:a14="http://schemas.microsoft.com/office/drawing/2010/main">
+                <a:solidFill>
+                  <a:srgbClr val="FFFFFF"/>
+                </a:solidFill>
+              </a14:hiddenFill>
+            </a:ext>
+          </a:extLst>
+        </p:spPr>
+      </p:pic>
+      <p:sp>
+        <p:nvSpPr>
+          <p:cNvPr id="2" name="Content Placeholder 1"/>
+          <p:cNvSpPr>
+            <a:spLocks noGrp="1"/>
+          </p:cNvSpPr>
+          <p:nvPr>
+            <p:ph idx="1"/>
+          </p:nvPr>
+        </p:nvSpPr>
+        <p:spPr/>
+        <p:txBody>
+          <a:bodyPr/>
+          <a:lstStyle/>
+          <a:p>
+            <a:r>
+              <a:rPr lang="en-US" dirty="0" smtClean="0"/>
+              <a:t>AOP (</a:t>
+            </a:r>
+            <a:r>
+              <a:rPr lang="en-US" b="1" dirty="0"/>
+              <a:t>Aspect-oriented </a:t>
+            </a:r>
+            <a:r>
+              <a:rPr lang="en-US" b="1" dirty="0" smtClean="0"/>
+              <a:t>programming)</a:t>
+            </a:r>
+            <a:r>
+              <a:rPr lang="en-US" dirty="0" smtClean="0"/>
+              <a:t>: </a:t>
+            </a:r>
+            <a:r>
+              <a:rPr lang="en-US" dirty="0"/>
+              <a:t>a programming </a:t>
+            </a:r>
+            <a:r>
+              <a:rPr lang="en-US" dirty="0" smtClean="0"/>
+              <a:t>paradigm that entails </a:t>
+            </a:r>
+            <a:r>
+              <a:rPr lang="en-US" dirty="0"/>
+              <a:t>breaking down program logic into distinct </a:t>
+            </a:r>
+            <a:r>
+              <a:rPr lang="en-US" dirty="0" smtClean="0"/>
+              <a:t>parts (called </a:t>
+            </a:r>
+            <a:r>
+              <a:rPr lang="en-US" dirty="0"/>
+              <a:t>concerns)</a:t>
+            </a:r>
+            <a:r>
+              <a:rPr lang="en-US" dirty="0" smtClean="0"/>
+              <a:t>.</a:t>
+            </a:r>
+          </a:p>
+          <a:p>
+            <a:r>
+              <a:rPr lang="en-US" dirty="0"/>
+              <a:t>Spring AOP module provides interceptors to intercept an </a:t>
+            </a:r>
+            <a:r>
+              <a:rPr lang="en-US" dirty="0" smtClean="0"/>
+              <a:t>application by:</a:t>
+            </a:r>
+          </a:p>
+          <a:p>
+            <a:pPr lvl="1"/>
+            <a:r>
+              <a:rPr lang="en-US" dirty="0" smtClean="0"/>
+              <a:t>Spring old style (</a:t>
+            </a:r>
+            <a:r>
+              <a:rPr lang="en-US" dirty="0" err="1" smtClean="0"/>
+              <a:t>dtd</a:t>
+            </a:r>
+            <a:r>
+              <a:rPr lang="en-US" dirty="0" smtClean="0"/>
+              <a:t> based).</a:t>
+            </a:r>
+          </a:p>
+          <a:p>
+            <a:pPr lvl="1"/>
+            <a:r>
+              <a:rPr lang="en-US" dirty="0" err="1" smtClean="0"/>
+              <a:t>AspectJ</a:t>
+            </a:r>
+            <a:endParaRPr lang="en-US" dirty="0" smtClean="0"/>
+          </a:p>
+          <a:p>
+            <a:pPr lvl="1"/>
+            <a:r>
+              <a:rPr lang="en-US" dirty="0" smtClean="0"/>
+              <a:t>Spring XML </a:t>
+            </a:r>
+            <a:r>
+              <a:rPr lang="en-US" dirty="0" smtClean="0"/>
+              <a:t>configuration</a:t>
+            </a:r>
+            <a:endParaRPr lang="en-US" dirty="0" smtClean="0"/>
+          </a:p>
+        </p:txBody>
+      </p:sp>
+      <p:sp>
+        <p:nvSpPr>
+          <p:cNvPr id="3" name="Title 2"/>
+          <p:cNvSpPr>
+            <a:spLocks noGrp="1"/>
+          </p:cNvSpPr>
+          <p:nvPr>
+            <p:ph type="title"/>
+          </p:nvPr>
+        </p:nvSpPr>
+        <p:spPr/>
+        <p:txBody>
+          <a:bodyPr/>
+          <a:lstStyle/>
+          <a:p>
+            <a:r>
+              <a:rPr lang="en-US" dirty="0" smtClean="0"/>
+              <a:t>Spring </a:t>
+            </a:r>
+            <a:r>
+              <a:rPr lang="en-US" dirty="0" smtClean="0"/>
+              <a:t>AOP</a:t>
+            </a:r>
+            <a:endParaRPr lang="en-US" dirty="0"/>
+          </a:p>
+        </p:txBody>
+      </p:sp>
+    </p:spTree>
+    <p:extLst>
+      <p:ext uri="{BB962C8B-B14F-4D97-AF65-F5344CB8AC3E}">
+        <p14:creationId xmlns:p14="http://schemas.microsoft.com/office/powerpoint/2010/main" val="403177181"/>
+      </p:ext>
+    </p:extLst>
+  </p:cSld>
+  <p:clrMapOvr>
+    <a:masterClrMapping/>
+  </p:clrMapOvr>
+</p:sld>
+</file>
+
 <file path=ppt/slides/slide6.xml><?xml version="1.0" encoding="utf-8"?>
 <p:sld xmlns:a="http://schemas.openxmlformats.org/drawingml/2006/main" xmlns:r="http://schemas.openxmlformats.org/officeDocument/2006/relationships" xmlns:p="http://schemas.openxmlformats.org/presentationml/2006/main">
   <p:cSld>
@@ -6078,31 +6539,14 @@
           <a:p>
             <a:r>
               <a:rPr lang="en-US" dirty="0" smtClean="0"/>
-              <a:t>Spring Core is </a:t>
-            </a:r>
-            <a:r>
-              <a:rPr lang="en-US" dirty="0" smtClean="0"/>
-              <a:t>a </a:t>
-            </a:r>
-            <a:r>
-              <a:rPr lang="en-US" dirty="0" smtClean="0"/>
-              <a:t>container </a:t>
-            </a:r>
-            <a:r>
-              <a:rPr lang="en-US" dirty="0" smtClean="0"/>
-              <a:t>providing</a:t>
-            </a:r>
-            <a:r>
-              <a:rPr lang="en-US" dirty="0" smtClean="0"/>
-              <a:t> </a:t>
-            </a:r>
-            <a:r>
-              <a:rPr lang="en-US" dirty="0"/>
-              <a:t>Inversion of Control </a:t>
-            </a:r>
-            <a:r>
-              <a:rPr lang="en-US" dirty="0" smtClean="0"/>
-              <a:t>(</a:t>
+              <a:t>Spring Core components:</a:t>
+            </a:r>
+          </a:p>
+          <a:p>
+            <a:pPr lvl="1"/>
+            <a:r>
+              <a:rPr lang="en-US" dirty="0" smtClean="0"/>
+              <a:t>Spring </a:t>
             </a:r>
             <a:r>
               <a:rPr lang="en-US" dirty="0" err="1" smtClean="0"/>
@@ -6110,99 +6554,39 @@
             </a:r>
             <a:r>
               <a:rPr lang="en-US" dirty="0" smtClean="0"/>
-              <a:t>) </a:t>
+              <a:t> container: </a:t>
+            </a:r>
+          </a:p>
+          <a:p>
+            <a:pPr lvl="1"/>
+            <a:r>
+              <a:rPr lang="en-US" dirty="0" smtClean="0"/>
+              <a:t>Spring Bean:</a:t>
             </a:r>
             <a:r>
               <a:rPr lang="en-US" dirty="0"/>
-              <a:t>and Dependency </a:t>
-            </a:r>
-            <a:r>
-              <a:rPr lang="en-US" dirty="0" smtClean="0"/>
-              <a:t>Injection (DI).</a:t>
-            </a:r>
-            <a:endParaRPr lang="en-US" dirty="0" smtClean="0"/>
-          </a:p>
-          <a:p>
+              <a:t> an object that is instantiated, assembled, and </a:t>
+            </a:r>
+            <a:r>
+              <a:rPr lang="en-US" dirty="0" smtClean="0"/>
+              <a:t>managed </a:t>
+            </a:r>
             <a:r>
               <a:rPr lang="en-US" dirty="0"/>
-              <a:t>The container </a:t>
-            </a:r>
-            <a:r>
-              <a:rPr lang="en-US" dirty="0" smtClean="0"/>
-              <a:t>will:</a:t>
-            </a:r>
-          </a:p>
-          <a:p>
-            <a:pPr lvl="1"/>
+              <a:t>by a Spring </a:t>
+            </a:r>
+            <a:r>
+              <a:rPr lang="en-US" dirty="0" err="1"/>
+              <a:t>IoC</a:t>
+            </a:r>
             <a:r>
               <a:rPr lang="en-US" dirty="0"/>
-              <a:t>C</a:t>
-            </a:r>
-            <a:r>
-              <a:rPr lang="en-US" dirty="0" smtClean="0"/>
-              <a:t>reate </a:t>
-            </a:r>
-            <a:r>
-              <a:rPr lang="en-US" dirty="0"/>
-              <a:t>the </a:t>
-            </a:r>
-            <a:r>
-              <a:rPr lang="en-US" dirty="0" smtClean="0"/>
-              <a:t>objects</a:t>
-            </a:r>
-            <a:r>
-              <a:rPr lang="en-US" dirty="0"/>
-              <a:t>.</a:t>
-            </a:r>
-            <a:endParaRPr lang="en-US" dirty="0" smtClean="0"/>
-          </a:p>
-          <a:p>
-            <a:pPr lvl="1"/>
-            <a:r>
-              <a:rPr lang="en-US" dirty="0" smtClean="0"/>
-              <a:t>Wire </a:t>
-            </a:r>
-            <a:r>
-              <a:rPr lang="en-US" dirty="0"/>
-              <a:t>them </a:t>
-            </a:r>
-            <a:r>
-              <a:rPr lang="en-US" dirty="0" smtClean="0"/>
-              <a:t>together</a:t>
-            </a:r>
-            <a:r>
-              <a:rPr lang="en-US" dirty="0"/>
-              <a:t>.</a:t>
-            </a:r>
-            <a:endParaRPr lang="en-US" dirty="0" smtClean="0"/>
-          </a:p>
-          <a:p>
-            <a:pPr lvl="1"/>
-            <a:r>
-              <a:rPr lang="en-US" dirty="0" smtClean="0"/>
-              <a:t>Configure them</a:t>
-            </a:r>
-            <a:r>
-              <a:rPr lang="en-US" dirty="0"/>
-              <a:t>.</a:t>
-            </a:r>
-            <a:endParaRPr lang="en-US" dirty="0" smtClean="0"/>
-          </a:p>
-          <a:p>
-            <a:pPr lvl="1"/>
-            <a:r>
-              <a:rPr lang="en-US" dirty="0" smtClean="0"/>
-              <a:t>Manage </a:t>
-            </a:r>
-            <a:r>
-              <a:rPr lang="en-US" dirty="0"/>
-              <a:t>their complete </a:t>
-            </a:r>
-            <a:r>
-              <a:rPr lang="en-US" dirty="0" smtClean="0"/>
-              <a:t>lifecycle.</a:t>
-            </a:r>
-            <a:endParaRPr lang="en-US" dirty="0"/>
+              <a:t> </a:t>
+            </a:r>
+            <a:r>
+              <a:rPr lang="en-US" dirty="0" smtClean="0"/>
+              <a:t>container</a:t>
+            </a:r>
           </a:p>
         </p:txBody>
       </p:sp>
@@ -6266,6 +6650,47 @@
           <a:chExt cx="0" cy="0"/>
         </a:xfrm>
       </p:grpSpPr>
+      <p:pic>
+        <p:nvPicPr>
+          <p:cNvPr id="1026" name="Picture 2" descr="C:\Users\HuanPM\Desktop\container-magic.png"/>
+          <p:cNvPicPr>
+            <a:picLocks noChangeAspect="1" noChangeArrowheads="1"/>
+          </p:cNvPicPr>
+          <p:nvPr/>
+        </p:nvPicPr>
+        <p:blipFill>
+          <a:blip r:embed="rId2">
+            <a:extLst>
+              <a:ext uri="{28A0092B-C50C-407E-A947-70E740481C1C}">
+                <a14:useLocalDpi xmlns:a14="http://schemas.microsoft.com/office/drawing/2010/main" val="0"/>
+              </a:ext>
+            </a:extLst>
+          </a:blip>
+          <a:srcRect/>
+          <a:stretch>
+            <a:fillRect/>
+          </a:stretch>
+        </p:blipFill>
+        <p:spPr bwMode="auto">
+          <a:xfrm>
+            <a:off x="4343400" y="1219200"/>
+            <a:ext cx="4743450" cy="2819400"/>
+          </a:xfrm>
+          <a:prstGeom prst="rect">
+            <a:avLst/>
+          </a:prstGeom>
+          <a:noFill/>
+          <a:extLst>
+            <a:ext uri="{909E8E84-426E-40DD-AFC4-6F175D3DCCD1}">
+              <a14:hiddenFill xmlns:a14="http://schemas.microsoft.com/office/drawing/2010/main">
+                <a:solidFill>
+                  <a:srgbClr val="FFFFFF"/>
+                </a:solidFill>
+              </a14:hiddenFill>
+            </a:ext>
+          </a:extLst>
+        </p:spPr>
+      </p:pic>
       <p:sp>
         <p:nvSpPr>
           <p:cNvPr id="2" name="Content Placeholder 1"/>
@@ -6282,88 +6707,109 @@
           <a:lstStyle/>
           <a:p>
             <a:r>
-              <a:rPr lang="en-US" b="1" dirty="0"/>
-              <a:t>Inversion of Control (</a:t>
-            </a:r>
-            <a:r>
-              <a:rPr lang="en-US" b="1" dirty="0" err="1"/>
-              <a:t>IoC</a:t>
-            </a:r>
-            <a:r>
-              <a:rPr lang="en-US" b="1" dirty="0"/>
-              <a:t>) </a:t>
+              <a:rPr lang="en-US" dirty="0" smtClean="0"/>
+              <a:t>The core of Spring framework.</a:t>
+            </a:r>
+          </a:p>
+          <a:p>
+            <a:r>
+              <a:rPr lang="en-US" dirty="0" smtClean="0"/>
+              <a:t>The </a:t>
             </a:r>
             <a:r>
               <a:rPr lang="en-US" dirty="0"/>
-              <a:t>is a design principle describes designs in which </a:t>
-            </a:r>
-            <a:r>
-              <a:rPr lang="en-US" dirty="0" smtClean="0"/>
-              <a:t>inverts control </a:t>
-            </a:r>
+              <a:t>container will:</a:t>
+            </a:r>
+          </a:p>
+          <a:p>
+            <a:pPr lvl="1"/>
             <a:r>
               <a:rPr lang="en-US" dirty="0"/>
-              <a:t>flow as compared to traditional </a:t>
-            </a:r>
-            <a:r>
-              <a:rPr lang="en-US" dirty="0" smtClean="0"/>
-              <a:t>procedural programming.</a:t>
+              <a:t>Create the objects.</a:t>
             </a:r>
           </a:p>
           <a:p>
             <a:pPr lvl="1"/>
             <a:r>
-              <a:rPr lang="en-US" dirty="0" smtClean="0"/>
-              <a:t>Traditional: application code =&gt; framework code.</a:t>
+              <a:rPr lang="en-US" dirty="0"/>
+              <a:t>Wire them together.</a:t>
             </a:r>
           </a:p>
           <a:p>
             <a:pPr lvl="1"/>
+            <a:r>
+              <a:rPr lang="en-US" dirty="0"/>
+              <a:t>Configure them.</a:t>
+            </a:r>
+          </a:p>
+          <a:p>
+            <a:pPr lvl="1"/>
+            <a:r>
+              <a:rPr lang="en-US" dirty="0"/>
+              <a:t>Manage their complete lifecycle.</a:t>
+            </a:r>
+          </a:p>
+          <a:p>
+            <a:r>
+              <a:rPr lang="en-US" dirty="0" smtClean="0"/>
+              <a:t>Spring provide 2 types of container:</a:t>
+            </a:r>
+          </a:p>
+          <a:p>
+            <a:pPr lvl="1"/>
+            <a:r>
+              <a:rPr lang="en-US" dirty="0" err="1"/>
+              <a:t>BeanFactory</a:t>
+            </a:r>
+            <a:r>
+              <a:rPr lang="en-US" dirty="0"/>
+              <a:t> container</a:t>
+            </a:r>
+          </a:p>
+          <a:p>
+            <a:pPr lvl="1"/>
+            <a:r>
+              <a:rPr lang="en-US" dirty="0" err="1"/>
+              <a:t>ApplicationContext</a:t>
+            </a:r>
+            <a:r>
+              <a:rPr lang="en-US" dirty="0"/>
+              <a:t> </a:t>
+            </a:r>
+            <a:r>
+              <a:rPr lang="en-US" dirty="0" smtClean="0"/>
+              <a:t>container</a:t>
+            </a:r>
+            <a:endParaRPr lang="en-US" dirty="0"/>
+          </a:p>
+        </p:txBody>
+      </p:sp>
+      <p:sp>
+        <p:nvSpPr>
+          <p:cNvPr id="3" name="Title 2"/>
+          <p:cNvSpPr>
+            <a:spLocks noGrp="1"/>
+          </p:cNvSpPr>
+          <p:nvPr>
+            <p:ph type="title"/>
+          </p:nvPr>
+        </p:nvSpPr>
+        <p:spPr/>
+        <p:txBody>
+          <a:bodyPr/>
+          <a:lstStyle/>
+          <a:p>
+            <a:r>
+              <a:rPr lang="en-US" dirty="0" smtClean="0"/>
+              <a:t>Spring </a:t>
+            </a:r>
             <a:r>
               <a:rPr lang="en-US" dirty="0" err="1" smtClean="0"/>
               <a:t>IoC</a:t>
             </a:r>
             <a:r>
               <a:rPr lang="en-US" dirty="0" smtClean="0"/>
-              <a:t>: framework code =&gt; application code.</a:t>
-            </a:r>
-            <a:endParaRPr lang="en-US" dirty="0"/>
-          </a:p>
-          <a:p>
-            <a:r>
-              <a:rPr lang="en-US" dirty="0" smtClean="0"/>
-              <a:t>IOC is used </a:t>
-            </a:r>
-            <a:r>
-              <a:rPr lang="en-US" dirty="0"/>
-              <a:t>to increase modularity of the program and make it </a:t>
-            </a:r>
-            <a:r>
-              <a:rPr lang="en-US" dirty="0" smtClean="0"/>
-              <a:t>extensible.</a:t>
-            </a:r>
-            <a:endParaRPr lang="en-US" dirty="0"/>
-          </a:p>
-        </p:txBody>
-      </p:sp>
-      <p:sp>
-        <p:nvSpPr>
-          <p:cNvPr id="3" name="Title 2"/>
-          <p:cNvSpPr>
-            <a:spLocks noGrp="1"/>
-          </p:cNvSpPr>
-          <p:nvPr>
-            <p:ph type="title"/>
-          </p:nvPr>
-        </p:nvSpPr>
-        <p:spPr/>
-        <p:txBody>
-          <a:bodyPr/>
-          <a:lstStyle/>
-          <a:p>
-            <a:r>
-              <a:rPr lang="en-US" dirty="0" smtClean="0"/>
-              <a:t>Inversion of Control</a:t>
+              <a:t> Container</a:t>
             </a:r>
             <a:endParaRPr lang="en-US" dirty="0"/>
           </a:p>
@@ -6372,20 +6818,13 @@
     </p:spTree>
     <p:extLst>
       <p:ext uri="{BB962C8B-B14F-4D97-AF65-F5344CB8AC3E}">
-        <p14:creationId xmlns:p14="http://schemas.microsoft.com/office/powerpoint/2010/main" val="2666727699"/>
+        <p14:creationId xmlns:p14="http://schemas.microsoft.com/office/powerpoint/2010/main" val="983649192"/>
       </p:ext>
     </p:extLst>
   </p:cSld>
   <p:clrMapOvr>
     <a:masterClrMapping/>
   </p:clrMapOvr>
-  <p:timing>
-    <p:tnLst>
-      <p:par>
-        <p:cTn id="1" dur="indefinite" restart="never" nodeType="tmRoot"/>
-      </p:par>
-    </p:tnLst>
-  </p:timing>
 </p:sld>
 </file>
 
@@ -6422,67 +6861,66 @@
           <a:lstStyle/>
           <a:p>
             <a:r>
-              <a:rPr lang="en-US" b="1" dirty="0" smtClean="0"/>
-              <a:t>Dependency Injection (DI) </a:t>
-            </a:r>
-            <a:r>
-              <a:rPr lang="en-US" dirty="0" smtClean="0"/>
-              <a:t>is a way to implement </a:t>
-            </a:r>
+              <a:rPr lang="en-US" b="1" dirty="0"/>
+              <a:t>Inversion of Control (</a:t>
+            </a:r>
+            <a:r>
+              <a:rPr lang="en-US" b="1" dirty="0" err="1"/>
+              <a:t>IoC</a:t>
+            </a:r>
+            <a:r>
+              <a:rPr lang="en-US" b="1" dirty="0"/>
+              <a:t>) </a:t>
+            </a:r>
+            <a:r>
+              <a:rPr lang="en-US" dirty="0"/>
+              <a:t>is a design principle describes designs in which </a:t>
+            </a:r>
+            <a:r>
+              <a:rPr lang="en-US" dirty="0" smtClean="0"/>
+              <a:t>inverts control </a:t>
+            </a:r>
+            <a:r>
+              <a:rPr lang="en-US" dirty="0"/>
+              <a:t>flow as compared to traditional </a:t>
+            </a:r>
+            <a:r>
+              <a:rPr lang="en-US" dirty="0" smtClean="0"/>
+              <a:t>procedural programming.</a:t>
+            </a:r>
+          </a:p>
+          <a:p>
+            <a:pPr lvl="1"/>
+            <a:r>
+              <a:rPr lang="en-US" dirty="0" smtClean="0"/>
+              <a:t>Traditional: application code =&gt; framework code.</a:t>
+            </a:r>
+          </a:p>
+          <a:p>
+            <a:pPr lvl="1"/>
             <a:r>
               <a:rPr lang="en-US" dirty="0" err="1" smtClean="0"/>
               <a:t>IoC</a:t>
             </a:r>
             <a:r>
               <a:rPr lang="en-US" dirty="0" smtClean="0"/>
-              <a:t>.</a:t>
-            </a:r>
-          </a:p>
-          <a:p>
-            <a:r>
-              <a:rPr lang="en-US" dirty="0" smtClean="0"/>
-              <a:t>In </a:t>
-            </a:r>
-            <a:r>
-              <a:rPr lang="en-US" dirty="0" smtClean="0"/>
-              <a:t>DI:</a:t>
-            </a:r>
-          </a:p>
-          <a:p>
-            <a:pPr lvl="1"/>
-            <a:r>
-              <a:rPr lang="en-US" dirty="0" smtClean="0"/>
-              <a:t>Low-level </a:t>
+              <a:t>: framework code =&gt; application code.</a:t>
+            </a:r>
+            <a:endParaRPr lang="en-US" dirty="0"/>
+          </a:p>
+          <a:p>
+            <a:r>
+              <a:rPr lang="en-US" dirty="0" smtClean="0"/>
+              <a:t>IOC is used </a:t>
             </a:r>
             <a:r>
               <a:rPr lang="en-US" dirty="0"/>
-              <a:t>modules (class) will be injected to high-level modules (</a:t>
-            </a:r>
-            <a:r>
-              <a:rPr lang="en-US" dirty="0" smtClean="0"/>
-              <a:t>interface).</a:t>
-            </a:r>
-          </a:p>
-          <a:p>
-            <a:pPr lvl="1"/>
-            <a:r>
-              <a:rPr lang="en-US" dirty="0" smtClean="0"/>
-              <a:t>Modules communicate via interfaces</a:t>
-            </a:r>
-            <a:r>
-              <a:rPr lang="en-US" dirty="0" smtClean="0"/>
-              <a:t>.</a:t>
-            </a:r>
-          </a:p>
-          <a:p>
-            <a:pPr lvl="1"/>
-            <a:r>
-              <a:rPr lang="en-US" dirty="0" smtClean="0"/>
-              <a:t>Objects are given their dependencies rather than construct them.</a:t>
-            </a:r>
-            <a:endParaRPr lang="en-US" dirty="0" smtClean="0"/>
-          </a:p>
-          <a:p>
+              <a:t>to increase modularity of the program and make it </a:t>
+            </a:r>
+            <a:r>
+              <a:rPr lang="en-US" dirty="0" smtClean="0"/>
+              <a:t>extensible.</a:t>
+            </a:r>
             <a:endParaRPr lang="en-US" dirty="0"/>
           </a:p>
         </p:txBody>
@@ -6504,7 +6942,7 @@
           <a:p>
             <a:r>
               <a:rPr lang="en-US" dirty="0" smtClean="0"/>
-              <a:t>Dependency Injection</a:t>
+              <a:t>Inversion of Control</a:t>
             </a:r>
             <a:endParaRPr lang="en-US" dirty="0"/>
           </a:p>
@@ -6513,7 +6951,7 @@
     </p:spTree>
     <p:extLst>
       <p:ext uri="{BB962C8B-B14F-4D97-AF65-F5344CB8AC3E}">
-        <p14:creationId xmlns:p14="http://schemas.microsoft.com/office/powerpoint/2010/main" val="3482522386"/>
+        <p14:creationId xmlns:p14="http://schemas.microsoft.com/office/powerpoint/2010/main" val="2666727699"/>
       </p:ext>
     </p:extLst>
   </p:cSld>
@@ -6564,47 +7002,54 @@
           <a:p>
             <a:r>
               <a:rPr lang="en-US" b="1" dirty="0" smtClean="0"/>
-              <a:t>Spring MVC</a:t>
-            </a:r>
-            <a:r>
-              <a:rPr lang="en-US" dirty="0" smtClean="0"/>
-              <a:t>: a MVC framework designed </a:t>
+              <a:t>Dependency Injection (DI): </a:t>
             </a:r>
             <a:r>
               <a:rPr lang="en-US" dirty="0"/>
-              <a:t>around a </a:t>
-            </a:r>
-            <a:r>
-              <a:rPr lang="en-US" dirty="0" smtClean="0"/>
-              <a:t>front </a:t>
-            </a:r>
+              <a:t> a software design pattern that </a:t>
+            </a:r>
+            <a:r>
+              <a:rPr lang="en-US" dirty="0" smtClean="0"/>
+              <a:t>resolves dependencies from a program.</a:t>
+            </a:r>
+          </a:p>
+          <a:p>
+            <a:r>
+              <a:rPr lang="en-US" dirty="0" smtClean="0"/>
+              <a:t>In DI:</a:t>
+            </a:r>
+          </a:p>
+          <a:p>
+            <a:pPr lvl="1"/>
             <a:r>
               <a:rPr lang="en-US" dirty="0"/>
-              <a:t>controller named </a:t>
-            </a:r>
-            <a:r>
-              <a:rPr lang="en-US" dirty="0" err="1" smtClean="0"/>
-              <a:t>DispatcherServlet</a:t>
-            </a:r>
-            <a:r>
-              <a:rPr lang="en-US" dirty="0" smtClean="0"/>
-              <a:t> </a:t>
-            </a:r>
-            <a:r>
-              <a:rPr lang="en-US" dirty="0" smtClean="0"/>
-              <a:t>that </a:t>
+              <a:t>Container </a:t>
+            </a:r>
+            <a:r>
+              <a:rPr lang="en-US" dirty="0" smtClean="0"/>
+              <a:t>injects dependencies to objects.</a:t>
+            </a:r>
+            <a:endParaRPr lang="en-US" dirty="0" smtClean="0"/>
+          </a:p>
+          <a:p>
+            <a:pPr lvl="1"/>
+            <a:r>
+              <a:rPr lang="en-US" dirty="0" smtClean="0"/>
+              <a:t>Low-level </a:t>
             </a:r>
             <a:r>
               <a:rPr lang="en-US" dirty="0"/>
-              <a:t>dispatches requests to </a:t>
-            </a:r>
-            <a:r>
-              <a:rPr lang="en-US" dirty="0" smtClean="0"/>
-              <a:t>handlers.</a:t>
-            </a:r>
-          </a:p>
-          <a:p>
-            <a:endParaRPr lang="en-US" dirty="0"/>
+              <a:t>modules (class) will be injected to high-level modules (</a:t>
+            </a:r>
+            <a:r>
+              <a:rPr lang="en-US" dirty="0" smtClean="0"/>
+              <a:t>interface</a:t>
+            </a:r>
+            <a:r>
+              <a:rPr lang="en-US" dirty="0" smtClean="0"/>
+              <a:t>).</a:t>
+            </a:r>
+            <a:endParaRPr lang="en-US" dirty="0" smtClean="0"/>
           </a:p>
         </p:txBody>
       </p:sp>
@@ -6624,57 +7069,17 @@
           <a:lstStyle/>
           <a:p>
             <a:r>
-              <a:rPr lang="en-US" dirty="0"/>
-              <a:t>Spring MVC</a:t>
-            </a:r>
-          </a:p>
-        </p:txBody>
-      </p:sp>
-      <p:pic>
-        <p:nvPicPr>
-          <p:cNvPr id="5123" name="Picture 3" descr="C:\Users\HuanPM\Desktop\mvc-architecture-12-638.jpg"/>
-          <p:cNvPicPr>
-            <a:picLocks noChangeAspect="1" noChangeArrowheads="1"/>
-          </p:cNvPicPr>
-          <p:nvPr/>
-        </p:nvPicPr>
-        <p:blipFill>
-          <a:blip r:embed="rId2">
-            <a:extLst>
-              <a:ext uri="{28A0092B-C50C-407E-A947-70E740481C1C}">
-                <a14:useLocalDpi xmlns:a14="http://schemas.microsoft.com/office/drawing/2010/main" val="0"/>
-              </a:ext>
-            </a:extLst>
-          </a:blip>
-          <a:srcRect/>
-          <a:stretch>
-            <a:fillRect/>
-          </a:stretch>
-        </p:blipFill>
-        <p:spPr bwMode="auto">
-          <a:xfrm>
-            <a:off x="2421431" y="2667000"/>
-            <a:ext cx="5893623" cy="3657600"/>
-          </a:xfrm>
-          <a:prstGeom prst="rect">
-            <a:avLst/>
-          </a:prstGeom>
-          <a:noFill/>
-          <a:extLst>
-            <a:ext uri="{909E8E84-426E-40DD-AFC4-6F175D3DCCD1}">
-              <a14:hiddenFill xmlns:a14="http://schemas.microsoft.com/office/drawing/2010/main">
-                <a:solidFill>
-                  <a:srgbClr val="FFFFFF"/>
-                </a:solidFill>
-              </a14:hiddenFill>
-            </a:ext>
-          </a:extLst>
-        </p:spPr>
-      </p:pic>
+              <a:rPr lang="en-US" dirty="0" smtClean="0"/>
+              <a:t>Dependency Injection</a:t>
+            </a:r>
+            <a:endParaRPr lang="en-US" dirty="0"/>
+          </a:p>
+        </p:txBody>
+      </p:sp>
     </p:spTree>
     <p:extLst>
       <p:ext uri="{BB962C8B-B14F-4D97-AF65-F5344CB8AC3E}">
-        <p14:creationId xmlns:p14="http://schemas.microsoft.com/office/powerpoint/2010/main" val="2450254546"/>
+        <p14:creationId xmlns:p14="http://schemas.microsoft.com/office/powerpoint/2010/main" val="3482522386"/>
       </p:ext>
     </p:extLst>
   </p:cSld>

--- a/Spring.pptx
+++ b/Spring.pptx
@@ -2,16 +2,25 @@
 <file path=ppt/presentation.xml><?xml version="1.0" encoding="utf-8"?>
 <p:presentation xmlns:a="http://schemas.openxmlformats.org/drawingml/2006/main" xmlns:r="http://schemas.openxmlformats.org/officeDocument/2006/relationships" xmlns:p="http://schemas.openxmlformats.org/presentationml/2006/main" saveSubsetFonts="1">
   <p:sldMasterIdLst>
-    <p:sldMasterId id="2147483660" r:id="rId1"/>
+    <p:sldMasterId id="2147483792" r:id="rId1"/>
   </p:sldMasterIdLst>
   <p:sldIdLst>
     <p:sldId id="256" r:id="rId2"/>
     <p:sldId id="257" r:id="rId3"/>
     <p:sldId id="258" r:id="rId4"/>
-    <p:sldId id="259" r:id="rId5"/>
-    <p:sldId id="260" r:id="rId6"/>
-    <p:sldId id="261" r:id="rId7"/>
-    <p:sldId id="262" r:id="rId8"/>
+    <p:sldId id="263" r:id="rId5"/>
+    <p:sldId id="273" r:id="rId6"/>
+    <p:sldId id="265" r:id="rId7"/>
+    <p:sldId id="274" r:id="rId8"/>
+    <p:sldId id="267" r:id="rId9"/>
+    <p:sldId id="266" r:id="rId10"/>
+    <p:sldId id="272" r:id="rId11"/>
+    <p:sldId id="276" r:id="rId12"/>
+    <p:sldId id="277" r:id="rId13"/>
+    <p:sldId id="275" r:id="rId14"/>
+    <p:sldId id="268" r:id="rId15"/>
+    <p:sldId id="260" r:id="rId16"/>
+    <p:sldId id="271" r:id="rId17"/>
   </p:sldIdLst>
   <p:sldSz cx="9144000" cy="6858000" type="screen4x3"/>
   <p:notesSz cx="6858000" cy="9144000"/>
@@ -116,11 +125,6 @@
 <file path=ppt/slideLayouts/slideLayout1.xml><?xml version="1.0" encoding="utf-8"?>
 <p:sldLayout xmlns:a="http://schemas.openxmlformats.org/drawingml/2006/main" xmlns:r="http://schemas.openxmlformats.org/officeDocument/2006/relationships" xmlns:p="http://schemas.openxmlformats.org/presentationml/2006/main" showMasterSp="0" type="title" preserve="1">
   <p:cSld name="Title Slide">
-    <p:bg>
-      <p:bgRef idx="1002">
-        <a:schemeClr val="bg2"/>
-      </p:bgRef>
-    </p:bg>
     <p:spTree>
       <p:nvGrpSpPr>
         <p:cNvPr id="1" name=""/>
@@ -137,196 +141,72 @@
       </p:grpSpPr>
       <p:sp>
         <p:nvSpPr>
-          <p:cNvPr id="7" name="Freeform 6"/>
-          <p:cNvSpPr>
-            <a:spLocks/>
-          </p:cNvSpPr>
+          <p:cNvPr id="10" name="Right Triangle 9"/>
+          <p:cNvSpPr/>
           <p:nvPr/>
         </p:nvSpPr>
-        <p:spPr bwMode="auto">
+        <p:spPr>
           <a:xfrm>
-            <a:off x="0" y="4752126"/>
-            <a:ext cx="9144000" cy="2112962"/>
+            <a:off x="-2" y="4664147"/>
+            <a:ext cx="9151089" cy="0"/>
           </a:xfrm>
-          <a:custGeom>
-            <a:avLst>
-              <a:gd name="A1" fmla="val 0"/>
-              <a:gd name="A2" fmla="val 0"/>
-              <a:gd name="A3" fmla="val 0"/>
-              <a:gd name="A4" fmla="val 0"/>
-              <a:gd name="A5" fmla="val 0"/>
-              <a:gd name="A6" fmla="val 0"/>
-              <a:gd name="A7" fmla="val 0"/>
-              <a:gd name="A8" fmla="val 0"/>
-            </a:avLst>
-            <a:gdLst/>
-            <a:ahLst/>
-            <a:cxnLst>
-              <a:cxn ang="0">
-                <a:pos x="0" y="1066"/>
-              </a:cxn>
-              <a:cxn ang="0">
-                <a:pos x="0" y="1331"/>
-              </a:cxn>
-              <a:cxn ang="0">
-                <a:pos x="5760" y="1331"/>
-              </a:cxn>
-              <a:cxn ang="0">
-                <a:pos x="5760" y="0"/>
-              </a:cxn>
-              <a:cxn ang="0">
-                <a:pos x="0" y="1066"/>
-              </a:cxn>
-            </a:cxnLst>
-            <a:rect l="0" t="0" r="0" b="0"/>
-            <a:pathLst>
-              <a:path w="5760" h="1331">
-                <a:moveTo>
-                  <a:pt x="0" y="1066"/>
-                </a:moveTo>
-                <a:lnTo>
-                  <a:pt x="0" y="1331"/>
-                </a:lnTo>
-                <a:lnTo>
-                  <a:pt x="5760" y="1331"/>
-                </a:lnTo>
-                <a:lnTo>
-                  <a:pt x="5760" y="0"/>
-                </a:lnTo>
-                <a:cubicBezTo>
-                  <a:pt x="3220" y="1206"/>
-                  <a:pt x="2250" y="1146"/>
-                  <a:pt x="0" y="1066"/>
-                </a:cubicBezTo>
-                <a:close/>
-              </a:path>
-            </a:pathLst>
-          </a:custGeom>
-          <a:solidFill>
-            <a:schemeClr val="bg1">
-              <a:tint val="80000"/>
-              <a:satMod val="200000"/>
-              <a:alpha val="45000"/>
-            </a:schemeClr>
-          </a:solidFill>
-          <a:ln w="9525" cap="flat" cmpd="sng" algn="ctr">
+          <a:prstGeom prst="rtTriangle">
+            <a:avLst/>
+          </a:prstGeom>
+          <a:gradFill flip="none" rotWithShape="1">
+            <a:gsLst>
+              <a:gs pos="0">
+                <a:schemeClr val="accent1">
+                  <a:shade val="35000"/>
+                  <a:satMod val="170000"/>
+                  <a:alpha val="100000"/>
+                </a:schemeClr>
+              </a:gs>
+              <a:gs pos="55000">
+                <a:schemeClr val="accent1">
+                  <a:tint val="90000"/>
+                  <a:satMod val="150000"/>
+                  <a:alpha val="100000"/>
+                </a:schemeClr>
+              </a:gs>
+              <a:gs pos="100000">
+                <a:schemeClr val="accent1">
+                  <a:shade val="35000"/>
+                  <a:satMod val="170000"/>
+                  <a:alpha val="100000"/>
+                </a:schemeClr>
+              </a:gs>
+            </a:gsLst>
+            <a:lin ang="3000000" scaled="1"/>
+            <a:tileRect/>
+          </a:gradFill>
+          <a:ln w="12700" cap="rnd" cmpd="thickThin" algn="ctr">
             <a:noFill/>
             <a:prstDash val="solid"/>
-            <a:round/>
-            <a:headEnd type="none" w="med" len="med"/>
-            <a:tailEnd type="none" w="med" len="med"/>
           </a:ln>
-          <a:effectLst>
-            <a:outerShdw blurRad="50800" dist="44450" dir="16200000" algn="ctr" rotWithShape="0">
-              <a:prstClr val="black">
-                <a:alpha val="35000"/>
-              </a:prstClr>
-            </a:outerShdw>
-          </a:effectLst>
+          <a:effectLst/>
         </p:spPr>
-        <p:txBody>
-          <a:bodyPr vert="horz" wrap="square" lIns="91440" tIns="45720" rIns="91440" bIns="45720" anchor="t" compatLnSpc="1"/>
-          <a:lstStyle/>
-          <a:p>
-            <a:endParaRPr kumimoji="0" lang="en-US"/>
-          </a:p>
-        </p:txBody>
-      </p:sp>
-      <p:sp>
-        <p:nvSpPr>
-          <p:cNvPr id="8" name="Freeform 7"/>
-          <p:cNvSpPr>
-            <a:spLocks/>
-          </p:cNvSpPr>
-          <p:nvPr/>
-        </p:nvSpPr>
-        <p:spPr bwMode="auto">
-          <a:xfrm>
-            <a:off x="6105525" y="0"/>
-            <a:ext cx="3038475" cy="6858000"/>
-          </a:xfrm>
-          <a:custGeom>
-            <a:avLst/>
-            <a:gdLst>
-              <a:gd name="connsiteX0" fmla="*/ 1914 w 1914"/>
-              <a:gd name="connsiteY0" fmla="*/ 9 h 4329"/>
-              <a:gd name="connsiteX1" fmla="*/ 1914 w 1914"/>
-              <a:gd name="connsiteY1" fmla="*/ 4329 h 4329"/>
-              <a:gd name="connsiteX2" fmla="*/ 204 w 1914"/>
-              <a:gd name="connsiteY2" fmla="*/ 4327 h 4329"/>
-              <a:gd name="connsiteX3" fmla="*/ 0 w 1914"/>
-              <a:gd name="connsiteY3" fmla="*/ 0 h 4329"/>
-              <a:gd name="connsiteX4" fmla="*/ 1914 w 1914"/>
-              <a:gd name="connsiteY4" fmla="*/ 9 h 4329"/>
-            </a:gdLst>
-            <a:ahLst/>
-            <a:cxnLst>
-              <a:cxn ang="0">
-                <a:pos x="connsiteX0" y="connsiteY0"/>
-              </a:cxn>
-              <a:cxn ang="0">
-                <a:pos x="connsiteX1" y="connsiteY1"/>
-              </a:cxn>
-              <a:cxn ang="0">
-                <a:pos x="connsiteX2" y="connsiteY2"/>
-              </a:cxn>
-              <a:cxn ang="0">
-                <a:pos x="connsiteX3" y="connsiteY3"/>
-              </a:cxn>
-              <a:cxn ang="0">
-                <a:pos x="connsiteX4" y="connsiteY4"/>
-              </a:cxn>
-            </a:cxnLst>
-            <a:rect l="l" t="t" r="r" b="b"/>
-            <a:pathLst>
-              <a:path w="1914" h="4329">
-                <a:moveTo>
-                  <a:pt x="1914" y="9"/>
-                </a:moveTo>
-                <a:lnTo>
-                  <a:pt x="1914" y="4329"/>
-                </a:lnTo>
-                <a:lnTo>
-                  <a:pt x="204" y="4327"/>
-                </a:lnTo>
-                <a:cubicBezTo>
-                  <a:pt x="1288" y="3574"/>
-                  <a:pt x="1608" y="1590"/>
-                  <a:pt x="0" y="0"/>
-                </a:cubicBezTo>
-                <a:lnTo>
-                  <a:pt x="1914" y="9"/>
-                </a:lnTo>
-                <a:close/>
-              </a:path>
-            </a:pathLst>
-          </a:custGeom>
-          <a:solidFill>
-            <a:schemeClr val="bg1">
-              <a:tint val="90000"/>
-              <a:satMod val="350000"/>
-              <a:alpha val="40000"/>
-            </a:schemeClr>
-          </a:solidFill>
-          <a:ln w="9525" cap="flat" cmpd="sng" algn="ctr">
-            <a:noFill/>
-            <a:prstDash val="solid"/>
-            <a:round/>
-            <a:headEnd type="none" w="med" len="med"/>
-            <a:tailEnd type="none" w="med" len="med"/>
-          </a:ln>
-          <a:effectLst>
-            <a:outerShdw blurRad="50800" dist="50800" dir="10800000" algn="ctr" rotWithShape="0">
-              <a:prstClr val="black">
-                <a:alpha val="45000"/>
-              </a:prstClr>
-            </a:outerShdw>
-          </a:effectLst>
-        </p:spPr>
-        <p:txBody>
-          <a:bodyPr vert="horz" wrap="square" lIns="91440" tIns="45720" rIns="91440" bIns="45720" anchor="t" compatLnSpc="1"/>
-          <a:lstStyle/>
-          <a:p>
+        <p:style>
+          <a:lnRef idx="3">
+            <a:schemeClr val="lt1"/>
+          </a:lnRef>
+          <a:fillRef idx="1">
+            <a:schemeClr val="accent1"/>
+          </a:fillRef>
+          <a:effectRef idx="1">
+            <a:schemeClr val="accent1"/>
+          </a:effectRef>
+          <a:fontRef idx="minor">
+            <a:schemeClr val="lt1"/>
+          </a:fontRef>
+        </p:style>
+        <p:txBody>
+          <a:bodyPr anchor="ctr"/>
+          <a:lstStyle>
+            <a:extLst/>
+          </a:lstStyle>
+          <a:p>
+            <a:pPr algn="ctr" eaLnBrk="1" latinLnBrk="0" hangingPunct="1"/>
             <a:endParaRPr kumimoji="0" lang="en-US"/>
           </a:p>
         </p:txBody>
@@ -343,69 +223,37 @@
         </p:nvSpPr>
         <p:spPr>
           <a:xfrm>
-            <a:off x="429064" y="3337560"/>
-            <a:ext cx="6480048" cy="2301240"/>
+            <a:off x="685800" y="1752601"/>
+            <a:ext cx="7772400" cy="1829761"/>
           </a:xfrm>
         </p:spPr>
         <p:txBody>
-          <a:bodyPr rIns="45720" anchor="t"/>
+          <a:bodyPr vert="horz" anchor="b">
+            <a:normAutofit/>
+            <a:scene3d>
+              <a:camera prst="orthographicFront"/>
+              <a:lightRig rig="soft" dir="t"/>
+            </a:scene3d>
+            <a:sp3d prstMaterial="softEdge">
+              <a:bevelT w="25400" h="25400"/>
+            </a:sp3d>
+          </a:bodyPr>
           <a:lstStyle>
             <a:lvl1pPr algn="r">
-              <a:defRPr lang="en-US" b="1" cap="all" baseline="0" dirty="0">
-                <a:ln w="5000" cmpd="sng">
-                  <a:solidFill>
-                    <a:schemeClr val="accent1">
-                      <a:tint val="80000"/>
-                      <a:shade val="99000"/>
-                      <a:satMod val="500000"/>
-                    </a:schemeClr>
-                  </a:solidFill>
-                  <a:prstDash val="solid"/>
-                </a:ln>
-                <a:gradFill>
-                  <a:gsLst>
-                    <a:gs pos="0">
-                      <a:schemeClr val="accent1">
-                        <a:tint val="63000"/>
-                        <a:satMod val="255000"/>
-                      </a:schemeClr>
-                    </a:gs>
-                    <a:gs pos="9000">
-                      <a:schemeClr val="accent1">
-                        <a:tint val="63000"/>
-                        <a:satMod val="255000"/>
-                      </a:schemeClr>
-                    </a:gs>
-                    <a:gs pos="53000">
-                      <a:schemeClr val="accent1">
-                        <a:shade val="60000"/>
-                        <a:satMod val="100000"/>
-                      </a:schemeClr>
-                    </a:gs>
-                    <a:gs pos="90000">
-                      <a:schemeClr val="accent1">
-                        <a:tint val="63000"/>
-                        <a:satMod val="255000"/>
-                      </a:schemeClr>
-                    </a:gs>
-                    <a:gs pos="100000">
-                      <a:schemeClr val="accent1">
-                        <a:tint val="63000"/>
-                        <a:satMod val="255000"/>
-                      </a:schemeClr>
-                    </a:gs>
-                  </a:gsLst>
-                  <a:lin ang="5400000"/>
-                </a:gradFill>
+              <a:defRPr sz="4800" b="1">
+                <a:solidFill>
+                  <a:schemeClr val="tx2"/>
+                </a:solidFill>
                 <a:effectLst>
-                  <a:outerShdw blurRad="50800" dist="38100" dir="5400000" algn="t" rotWithShape="0">
-                    <a:prstClr val="black">
-                      <a:alpha val="50000"/>
-                    </a:prstClr>
+                  <a:outerShdw blurRad="31750" dist="25400" dir="5400000" algn="tl" rotWithShape="0">
+                    <a:srgbClr val="000000">
+                      <a:alpha val="25000"/>
+                    </a:srgbClr>
                   </a:outerShdw>
                 </a:effectLst>
               </a:defRPr>
             </a:lvl1pPr>
+            <a:extLst/>
           </a:lstStyle>
           <a:p>
             <a:r>
@@ -428,22 +276,19 @@
         </p:nvSpPr>
         <p:spPr>
           <a:xfrm>
-            <a:off x="433050" y="1544812"/>
-            <a:ext cx="6480048" cy="1752600"/>
+            <a:off x="685800" y="3611607"/>
+            <a:ext cx="7772400" cy="1199704"/>
           </a:xfrm>
         </p:spPr>
         <p:txBody>
-          <a:bodyPr tIns="0" rIns="45720" bIns="0" anchor="b">
-            <a:normAutofit/>
-          </a:bodyPr>
+          <a:bodyPr lIns="45720" rIns="45720"/>
           <a:lstStyle>
-            <a:lvl1pPr marL="0" indent="0" algn="r">
+            <a:lvl1pPr marL="0" marR="64008" indent="0" algn="r">
               <a:buNone/>
-              <a:defRPr sz="2000">
+              <a:defRPr>
                 <a:solidFill>
-                  <a:schemeClr val="tx1"/>
+                  <a:schemeClr val="tx2"/>
                 </a:solidFill>
-                <a:effectLst/>
               </a:defRPr>
             </a:lvl1pPr>
             <a:lvl2pPr marL="457200" indent="0" algn="ctr">
@@ -470,6 +315,7 @@
             <a:lvl9pPr marL="3657600" indent="0" algn="ctr">
               <a:buNone/>
             </a:lvl9pPr>
+            <a:extLst/>
           </a:lstStyle>
           <a:p>
             <a:r>
@@ -480,6 +326,401 @@
           </a:p>
         </p:txBody>
       </p:sp>
+      <p:grpSp>
+        <p:nvGrpSpPr>
+          <p:cNvPr id="2" name="Group 1"/>
+          <p:cNvGrpSpPr/>
+          <p:nvPr/>
+        </p:nvGrpSpPr>
+        <p:grpSpPr>
+          <a:xfrm>
+            <a:off x="-3765" y="4953000"/>
+            <a:ext cx="9147765" cy="1912088"/>
+            <a:chOff x="-3765" y="4832896"/>
+            <a:chExt cx="9147765" cy="2032192"/>
+          </a:xfrm>
+        </p:grpSpPr>
+        <p:sp>
+          <p:nvSpPr>
+            <p:cNvPr id="7" name="Freeform 6"/>
+            <p:cNvSpPr>
+              <a:spLocks/>
+            </p:cNvSpPr>
+            <p:nvPr/>
+          </p:nvSpPr>
+          <p:spPr bwMode="auto">
+            <a:xfrm>
+              <a:off x="1687513" y="4832896"/>
+              <a:ext cx="7456487" cy="518816"/>
+            </a:xfrm>
+            <a:custGeom>
+              <a:avLst>
+                <a:gd name="A1" fmla="val 0"/>
+                <a:gd name="A2" fmla="val 0"/>
+                <a:gd name="A3" fmla="val 0"/>
+                <a:gd name="A4" fmla="val 0"/>
+                <a:gd name="A5" fmla="val 0"/>
+                <a:gd name="A6" fmla="val 0"/>
+                <a:gd name="A7" fmla="val 0"/>
+                <a:gd name="A8" fmla="val 0"/>
+              </a:avLst>
+              <a:gdLst/>
+              <a:ahLst/>
+              <a:cxnLst>
+                <a:cxn ang="0">
+                  <a:pos x="4697" y="0"/>
+                </a:cxn>
+                <a:cxn ang="0">
+                  <a:pos x="4697" y="367"/>
+                </a:cxn>
+                <a:cxn ang="0">
+                  <a:pos x="0" y="218"/>
+                </a:cxn>
+                <a:cxn ang="0">
+                  <a:pos x="4697" y="0"/>
+                </a:cxn>
+              </a:cxnLst>
+              <a:rect l="0" t="0" r="0" b="0"/>
+              <a:pathLst>
+                <a:path w="4697" h="367">
+                  <a:moveTo>
+                    <a:pt x="4697" y="0"/>
+                  </a:moveTo>
+                  <a:lnTo>
+                    <a:pt x="4697" y="367"/>
+                  </a:lnTo>
+                  <a:lnTo>
+                    <a:pt x="0" y="218"/>
+                  </a:lnTo>
+                  <a:lnTo>
+                    <a:pt x="4697" y="0"/>
+                  </a:lnTo>
+                  <a:close/>
+                </a:path>
+              </a:pathLst>
+            </a:custGeom>
+            <a:solidFill>
+              <a:schemeClr val="accent1">
+                <a:tint val="65000"/>
+                <a:satMod val="115000"/>
+                <a:alpha val="40000"/>
+              </a:schemeClr>
+            </a:solidFill>
+            <a:ln w="9525" cap="flat" cmpd="sng" algn="ctr">
+              <a:noFill/>
+              <a:prstDash val="solid"/>
+              <a:round/>
+              <a:headEnd type="none" w="med" len="med"/>
+              <a:tailEnd type="none" w="med" len="med"/>
+            </a:ln>
+            <a:effectLst/>
+          </p:spPr>
+          <p:txBody>
+            <a:bodyPr vert="horz" wrap="square" lIns="91440" tIns="45720" rIns="91440" bIns="45720" anchor="t" compatLnSpc="1"/>
+            <a:lstStyle>
+              <a:extLst/>
+            </a:lstStyle>
+            <a:p>
+              <a:endParaRPr kumimoji="0" lang="en-US"/>
+            </a:p>
+          </p:txBody>
+        </p:sp>
+        <p:sp>
+          <p:nvSpPr>
+            <p:cNvPr id="8" name="Freeform 7"/>
+            <p:cNvSpPr>
+              <a:spLocks/>
+            </p:cNvSpPr>
+            <p:nvPr/>
+          </p:nvSpPr>
+          <p:spPr bwMode="auto">
+            <a:xfrm>
+              <a:off x="35443" y="5135526"/>
+              <a:ext cx="9108557" cy="838200"/>
+            </a:xfrm>
+            <a:custGeom>
+              <a:avLst>
+                <a:gd name="A1" fmla="val 0"/>
+                <a:gd name="A2" fmla="val 0"/>
+                <a:gd name="A3" fmla="val 0"/>
+                <a:gd name="A4" fmla="val 0"/>
+                <a:gd name="A5" fmla="val 0"/>
+                <a:gd name="A6" fmla="val 0"/>
+                <a:gd name="A7" fmla="val 0"/>
+                <a:gd name="A8" fmla="val 0"/>
+              </a:avLst>
+              <a:gdLst/>
+              <a:ahLst/>
+              <a:cxnLst>
+                <a:cxn ang="0">
+                  <a:pos x="0" y="0"/>
+                </a:cxn>
+                <a:cxn ang="0">
+                  <a:pos x="5760" y="0"/>
+                </a:cxn>
+                <a:cxn ang="0">
+                  <a:pos x="5760" y="528"/>
+                </a:cxn>
+                <a:cxn ang="0">
+                  <a:pos x="48" y="0"/>
+                </a:cxn>
+              </a:cxnLst>
+              <a:rect l="0" t="0" r="0" b="0"/>
+              <a:pathLst>
+                <a:path w="5760" h="528">
+                  <a:moveTo>
+                    <a:pt x="0" y="0"/>
+                  </a:moveTo>
+                  <a:lnTo>
+                    <a:pt x="5760" y="0"/>
+                  </a:lnTo>
+                  <a:lnTo>
+                    <a:pt x="5760" y="528"/>
+                  </a:lnTo>
+                  <a:lnTo>
+                    <a:pt x="48" y="0"/>
+                  </a:lnTo>
+                </a:path>
+              </a:pathLst>
+            </a:custGeom>
+            <a:solidFill>
+              <a:srgbClr val="000000">
+                <a:alpha val="100000"/>
+              </a:srgbClr>
+            </a:solidFill>
+            <a:ln w="9525" cap="flat" cmpd="sng" algn="ctr">
+              <a:noFill/>
+              <a:prstDash val="solid"/>
+              <a:round/>
+              <a:headEnd type="none" w="med" len="med"/>
+              <a:tailEnd type="none" w="med" len="med"/>
+            </a:ln>
+            <a:effectLst/>
+          </p:spPr>
+          <p:txBody>
+            <a:bodyPr vert="horz" wrap="square" lIns="91440" tIns="45720" rIns="91440" bIns="45720" anchor="t" compatLnSpc="1"/>
+            <a:lstStyle>
+              <a:extLst/>
+            </a:lstStyle>
+            <a:p>
+              <a:endParaRPr kumimoji="0" lang="en-US"/>
+            </a:p>
+          </p:txBody>
+        </p:sp>
+        <p:sp>
+          <p:nvSpPr>
+            <p:cNvPr id="11" name="Freeform 10"/>
+            <p:cNvSpPr>
+              <a:spLocks/>
+            </p:cNvSpPr>
+            <p:nvPr/>
+          </p:nvSpPr>
+          <p:spPr bwMode="auto">
+            <a:xfrm>
+              <a:off x="0" y="4883888"/>
+              <a:ext cx="9144000" cy="1981200"/>
+            </a:xfrm>
+            <a:custGeom>
+              <a:avLst>
+                <a:gd name="A1" fmla="val 0"/>
+                <a:gd name="A2" fmla="val 0"/>
+                <a:gd name="A3" fmla="val 0"/>
+                <a:gd name="A4" fmla="val 0"/>
+                <a:gd name="A5" fmla="val 0"/>
+                <a:gd name="A6" fmla="val 0"/>
+                <a:gd name="A7" fmla="val 0"/>
+                <a:gd name="A8" fmla="val 0"/>
+              </a:avLst>
+              <a:gdLst/>
+              <a:ahLst/>
+              <a:cxnLst>
+                <a:cxn ang="0">
+                  <a:pos x="0" y="0"/>
+                </a:cxn>
+                <a:cxn ang="0">
+                  <a:pos x="0" y="1248"/>
+                </a:cxn>
+                <a:cxn ang="0">
+                  <a:pos x="5760" y="1248"/>
+                </a:cxn>
+                <a:cxn ang="0">
+                  <a:pos x="5760" y="528"/>
+                </a:cxn>
+                <a:cxn ang="0">
+                  <a:pos x="0" y="0"/>
+                </a:cxn>
+              </a:cxnLst>
+              <a:rect l="0" t="0" r="0" b="0"/>
+              <a:pathLst>
+                <a:path w="5760" h="1248">
+                  <a:moveTo>
+                    <a:pt x="0" y="0"/>
+                  </a:moveTo>
+                  <a:lnTo>
+                    <a:pt x="0" y="1248"/>
+                  </a:lnTo>
+                  <a:lnTo>
+                    <a:pt x="5760" y="1248"/>
+                  </a:lnTo>
+                  <a:lnTo>
+                    <a:pt x="5760" y="528"/>
+                  </a:lnTo>
+                  <a:lnTo>
+                    <a:pt x="0" y="0"/>
+                  </a:lnTo>
+                  <a:close/>
+                </a:path>
+              </a:pathLst>
+            </a:custGeom>
+            <a:blipFill>
+              <a:blip r:embed="rId2">
+                <a:alphaModFix amt="50000"/>
+              </a:blip>
+              <a:tile tx="0" ty="0" sx="50000" sy="50000" flip="none" algn="t"/>
+            </a:blipFill>
+            <a:ln w="12700" cap="rnd" cmpd="thickThin" algn="ctr">
+              <a:noFill/>
+              <a:prstDash val="solid"/>
+            </a:ln>
+            <a:effectLst>
+              <a:fillOverlay blend="mult">
+                <a:gradFill flip="none" rotWithShape="1">
+                  <a:gsLst>
+                    <a:gs pos="0">
+                      <a:schemeClr val="accent1">
+                        <a:shade val="20000"/>
+                        <a:satMod val="176000"/>
+                        <a:alpha val="100000"/>
+                      </a:schemeClr>
+                    </a:gs>
+                    <a:gs pos="18000">
+                      <a:schemeClr val="accent1">
+                        <a:shade val="48000"/>
+                        <a:satMod val="153000"/>
+                        <a:alpha val="100000"/>
+                      </a:schemeClr>
+                    </a:gs>
+                    <a:gs pos="43000">
+                      <a:schemeClr val="accent1">
+                        <a:tint val="86000"/>
+                        <a:satMod val="149000"/>
+                        <a:alpha val="100000"/>
+                      </a:schemeClr>
+                    </a:gs>
+                    <a:gs pos="45000">
+                      <a:schemeClr val="accent1">
+                        <a:tint val="85000"/>
+                        <a:satMod val="150000"/>
+                        <a:alpha val="100000"/>
+                      </a:schemeClr>
+                    </a:gs>
+                    <a:gs pos="50000">
+                      <a:schemeClr val="accent1">
+                        <a:tint val="86000"/>
+                        <a:satMod val="149000"/>
+                        <a:alpha val="100000"/>
+                      </a:schemeClr>
+                    </a:gs>
+                    <a:gs pos="79000">
+                      <a:schemeClr val="accent1">
+                        <a:shade val="53000"/>
+                        <a:satMod val="150000"/>
+                        <a:alpha val="100000"/>
+                      </a:schemeClr>
+                    </a:gs>
+                    <a:gs pos="100000">
+                      <a:schemeClr val="accent1">
+                        <a:shade val="25000"/>
+                        <a:satMod val="170000"/>
+                        <a:alpha val="100000"/>
+                      </a:schemeClr>
+                    </a:gs>
+                  </a:gsLst>
+                  <a:lin ang="450000" scaled="1"/>
+                  <a:tileRect/>
+                </a:gradFill>
+              </a:fillOverlay>
+            </a:effectLst>
+          </p:spPr>
+          <p:style>
+            <a:lnRef idx="3">
+              <a:schemeClr val="lt1"/>
+            </a:lnRef>
+            <a:fillRef idx="1">
+              <a:schemeClr val="accent1"/>
+            </a:fillRef>
+            <a:effectRef idx="1">
+              <a:schemeClr val="accent1"/>
+            </a:effectRef>
+            <a:fontRef idx="minor">
+              <a:schemeClr val="lt1"/>
+            </a:fontRef>
+          </p:style>
+          <p:txBody>
+            <a:bodyPr vert="horz" wrap="square" lIns="91440" tIns="45720" rIns="91440" bIns="45720" anchor="ctr" compatLnSpc="1"/>
+            <a:lstStyle>
+              <a:extLst/>
+            </a:lstStyle>
+            <a:p>
+              <a:pPr algn="ctr" eaLnBrk="1" latinLnBrk="0" hangingPunct="1"/>
+              <a:endParaRPr kumimoji="0" lang="en-US"/>
+            </a:p>
+          </p:txBody>
+        </p:sp>
+        <p:cxnSp>
+          <p:nvCxnSpPr>
+            <p:cNvPr id="12" name="Straight Connector 11"/>
+            <p:cNvCxnSpPr/>
+            <p:nvPr/>
+          </p:nvCxnSpPr>
+          <p:spPr>
+            <a:xfrm>
+              <a:off x="-3765" y="4880373"/>
+              <a:ext cx="9147765" cy="839943"/>
+            </a:xfrm>
+            <a:prstGeom prst="line">
+              <a:avLst/>
+            </a:prstGeom>
+            <a:noFill/>
+            <a:ln w="12065" cap="flat" cmpd="sng" algn="ctr">
+              <a:gradFill>
+                <a:gsLst>
+                  <a:gs pos="45000">
+                    <a:schemeClr val="accent1">
+                      <a:tint val="70000"/>
+                      <a:satMod val="110000"/>
+                    </a:schemeClr>
+                  </a:gs>
+                  <a:gs pos="15000">
+                    <a:schemeClr val="accent1">
+                      <a:shade val="40000"/>
+                      <a:satMod val="110000"/>
+                    </a:schemeClr>
+                  </a:gs>
+                </a:gsLst>
+                <a:lin ang="5400000" scaled="1"/>
+              </a:gradFill>
+              <a:prstDash val="solid"/>
+              <a:miter lim="800000"/>
+            </a:ln>
+            <a:effectLst/>
+          </p:spPr>
+          <p:style>
+            <a:lnRef idx="2">
+              <a:schemeClr val="accent1"/>
+            </a:lnRef>
+            <a:fillRef idx="0">
+              <a:schemeClr val="accent1"/>
+            </a:fillRef>
+            <a:effectRef idx="1">
+              <a:schemeClr val="accent1"/>
+            </a:effectRef>
+            <a:fontRef idx="minor">
+              <a:schemeClr val="tx1"/>
+            </a:fontRef>
+          </p:style>
+        </p:cxnSp>
+      </p:grpSp>
       <p:sp>
         <p:nvSpPr>
           <p:cNvPr id="30" name="Date Placeholder 29"/>
@@ -493,10 +734,20 @@
         <p:spPr/>
         <p:txBody>
           <a:bodyPr/>
-          <a:lstStyle/>
-          <a:p>
-            <a:fld id="{04FCFBAD-AADC-48B3-AAE4-6151E8E40AC9}" type="datetimeFigureOut">
+          <a:lstStyle>
+            <a:lvl1pPr>
+              <a:defRPr>
+                <a:solidFill>
+                  <a:srgbClr val="FFFFFF"/>
+                </a:solidFill>
+              </a:defRPr>
+            </a:lvl1pPr>
+            <a:extLst/>
+          </a:lstStyle>
+          <a:p>
+            <a:fld id="{1D8BD707-D9CF-40AE-B4C6-C98DA3205C09}" type="datetimeFigureOut">
               <a:rPr lang="en-US" smtClean="0"/>
+              <a:pPr/>
               <a:t>10/28/2016</a:t>
             </a:fld>
             <a:endParaRPr lang="en-US"/>
@@ -516,7 +767,18 @@
         <p:spPr/>
         <p:txBody>
           <a:bodyPr/>
-          <a:lstStyle/>
+          <a:lstStyle>
+            <a:lvl1pPr>
+              <a:defRPr>
+                <a:solidFill>
+                  <a:schemeClr val="accent1">
+                    <a:tint val="20000"/>
+                  </a:schemeClr>
+                </a:solidFill>
+              </a:defRPr>
+            </a:lvl1pPr>
+            <a:extLst/>
+          </a:lstStyle>
           <a:p>
             <a:endParaRPr lang="en-US"/>
           </a:p>
@@ -535,10 +797,20 @@
         <p:spPr/>
         <p:txBody>
           <a:bodyPr/>
-          <a:lstStyle/>
-          <a:p>
-            <a:fld id="{1A6AEB80-026E-4392-BB9A-CBAFF5361C7D}" type="slidenum">
+          <a:lstStyle>
+            <a:lvl1pPr>
+              <a:defRPr>
+                <a:solidFill>
+                  <a:srgbClr val="FFFFFF"/>
+                </a:solidFill>
+              </a:defRPr>
+            </a:lvl1pPr>
+            <a:extLst/>
+          </a:lstStyle>
+          <a:p>
+            <a:fld id="{B6F15528-21DE-4FAA-801E-634DDDAF4B2B}" type="slidenum">
               <a:rPr lang="en-US" smtClean="0"/>
+              <a:pPr/>
               <a:t>‹#›</a:t>
             </a:fld>
             <a:endParaRPr lang="en-US"/>
@@ -548,7 +820,7 @@
     </p:spTree>
   </p:cSld>
   <p:clrMapOvr>
-    <a:overrideClrMapping bg1="dk1" tx1="lt1" bg2="dk2" tx2="lt2" accent1="accent1" accent2="accent2" accent3="accent3" accent4="accent4" accent5="accent5" accent6="accent6" hlink="hlink" folHlink="folHlink"/>
+    <a:masterClrMapping/>
   </p:clrMapOvr>
 </p:sldLayout>
 </file>
@@ -583,7 +855,9 @@
         <p:spPr/>
         <p:txBody>
           <a:bodyPr/>
-          <a:lstStyle/>
+          <a:lstStyle>
+            <a:extLst/>
+          </a:lstStyle>
           <a:p>
             <a:r>
               <a:rPr kumimoji="0" lang="en-US" smtClean="0"/>
@@ -603,10 +877,17 @@
             <p:ph type="body" orient="vert" idx="1"/>
           </p:nvPr>
         </p:nvSpPr>
-        <p:spPr/>
+        <p:spPr>
+          <a:xfrm>
+            <a:off x="457200" y="1481329"/>
+            <a:ext cx="8229600" cy="4386071"/>
+          </a:xfrm>
+        </p:spPr>
         <p:txBody>
           <a:bodyPr vert="eaVert"/>
-          <a:lstStyle/>
+          <a:lstStyle>
+            <a:extLst/>
+          </a:lstStyle>
           <a:p>
             <a:pPr lvl="0" eaLnBrk="1" latinLnBrk="0" hangingPunct="1"/>
             <a:r>
@@ -658,10 +939,13 @@
         <p:spPr/>
         <p:txBody>
           <a:bodyPr/>
-          <a:lstStyle/>
-          <a:p>
-            <a:fld id="{04FCFBAD-AADC-48B3-AAE4-6151E8E40AC9}" type="datetimeFigureOut">
+          <a:lstStyle>
+            <a:extLst/>
+          </a:lstStyle>
+          <a:p>
+            <a:fld id="{1D8BD707-D9CF-40AE-B4C6-C98DA3205C09}" type="datetimeFigureOut">
               <a:rPr lang="en-US" smtClean="0"/>
+              <a:pPr/>
               <a:t>10/28/2016</a:t>
             </a:fld>
             <a:endParaRPr lang="en-US"/>
@@ -681,7 +965,9 @@
         <p:spPr/>
         <p:txBody>
           <a:bodyPr/>
-          <a:lstStyle/>
+          <a:lstStyle>
+            <a:extLst/>
+          </a:lstStyle>
           <a:p>
             <a:endParaRPr lang="en-US"/>
           </a:p>
@@ -700,10 +986,13 @@
         <p:spPr/>
         <p:txBody>
           <a:bodyPr/>
-          <a:lstStyle/>
-          <a:p>
-            <a:fld id="{1A6AEB80-026E-4392-BB9A-CBAFF5361C7D}" type="slidenum">
+          <a:lstStyle>
+            <a:extLst/>
+          </a:lstStyle>
+          <a:p>
+            <a:fld id="{B6F15528-21DE-4FAA-801E-634DDDAF4B2B}" type="slidenum">
               <a:rPr lang="en-US" smtClean="0"/>
+              <a:pPr/>
               <a:t>‹#›</a:t>
             </a:fld>
             <a:endParaRPr lang="en-US"/>
@@ -747,13 +1036,15 @@
         </p:nvSpPr>
         <p:spPr>
           <a:xfrm>
-            <a:off x="6629400" y="274638"/>
-            <a:ext cx="2057400" cy="5851525"/>
+            <a:off x="6844013" y="274640"/>
+            <a:ext cx="1777470" cy="5592761"/>
           </a:xfrm>
         </p:spPr>
         <p:txBody>
           <a:bodyPr vert="eaVert"/>
-          <a:lstStyle/>
+          <a:lstStyle>
+            <a:extLst/>
+          </a:lstStyle>
           <a:p>
             <a:r>
               <a:rPr kumimoji="0" lang="en-US" smtClean="0"/>
@@ -775,13 +1066,15 @@
         </p:nvSpPr>
         <p:spPr>
           <a:xfrm>
-            <a:off x="457200" y="274638"/>
-            <a:ext cx="6019800" cy="5851525"/>
+            <a:off x="457200" y="274641"/>
+            <a:ext cx="6324600" cy="5592760"/>
           </a:xfrm>
         </p:spPr>
         <p:txBody>
           <a:bodyPr vert="eaVert"/>
-          <a:lstStyle/>
+          <a:lstStyle>
+            <a:extLst/>
+          </a:lstStyle>
           <a:p>
             <a:pPr lvl="0" eaLnBrk="1" latinLnBrk="0" hangingPunct="1"/>
             <a:r>
@@ -833,10 +1126,13 @@
         <p:spPr/>
         <p:txBody>
           <a:bodyPr/>
-          <a:lstStyle/>
-          <a:p>
-            <a:fld id="{04FCFBAD-AADC-48B3-AAE4-6151E8E40AC9}" type="datetimeFigureOut">
+          <a:lstStyle>
+            <a:extLst/>
+          </a:lstStyle>
+          <a:p>
+            <a:fld id="{1D8BD707-D9CF-40AE-B4C6-C98DA3205C09}" type="datetimeFigureOut">
               <a:rPr lang="en-US" smtClean="0"/>
+              <a:pPr/>
               <a:t>10/28/2016</a:t>
             </a:fld>
             <a:endParaRPr lang="en-US"/>
@@ -856,7 +1152,9 @@
         <p:spPr/>
         <p:txBody>
           <a:bodyPr/>
-          <a:lstStyle/>
+          <a:lstStyle>
+            <a:extLst/>
+          </a:lstStyle>
           <a:p>
             <a:endParaRPr lang="en-US"/>
           </a:p>
@@ -875,10 +1173,13 @@
         <p:spPr/>
         <p:txBody>
           <a:bodyPr/>
-          <a:lstStyle/>
-          <a:p>
-            <a:fld id="{1A6AEB80-026E-4392-BB9A-CBAFF5361C7D}" type="slidenum">
+          <a:lstStyle>
+            <a:extLst/>
+          </a:lstStyle>
+          <a:p>
+            <a:fld id="{B6F15528-21DE-4FAA-801E-634DDDAF4B2B}" type="slidenum">
               <a:rPr lang="en-US" smtClean="0"/>
+              <a:pPr/>
               <a:t>‹#›</a:t>
             </a:fld>
             <a:endParaRPr lang="en-US"/>
@@ -912,45 +1213,20 @@
       </p:grpSpPr>
       <p:sp>
         <p:nvSpPr>
-          <p:cNvPr id="2" name="Title 1"/>
-          <p:cNvSpPr>
-            <a:spLocks noGrp="1"/>
-          </p:cNvSpPr>
-          <p:nvPr>
-            <p:ph type="title"/>
+          <p:cNvPr id="3" name="Content Placeholder 2"/>
+          <p:cNvSpPr>
+            <a:spLocks noGrp="1"/>
+          </p:cNvSpPr>
+          <p:nvPr>
+            <p:ph idx="1"/>
           </p:nvPr>
         </p:nvSpPr>
         <p:spPr/>
         <p:txBody>
           <a:bodyPr/>
           <a:lstStyle>
-            <a:lvl1pPr algn="l">
-              <a:defRPr/>
-            </a:lvl1pPr>
+            <a:extLst/>
           </a:lstStyle>
-          <a:p>
-            <a:r>
-              <a:rPr kumimoji="0" lang="en-US" smtClean="0"/>
-              <a:t>Click to edit Master title style</a:t>
-            </a:r>
-            <a:endParaRPr kumimoji="0" lang="en-US"/>
-          </a:p>
-        </p:txBody>
-      </p:sp>
-      <p:sp>
-        <p:nvSpPr>
-          <p:cNvPr id="3" name="Content Placeholder 2"/>
-          <p:cNvSpPr>
-            <a:spLocks noGrp="1"/>
-          </p:cNvSpPr>
-          <p:nvPr>
-            <p:ph idx="1"/>
-          </p:nvPr>
-        </p:nvSpPr>
-        <p:spPr/>
-        <p:txBody>
-          <a:bodyPr/>
-          <a:lstStyle/>
           <a:p>
             <a:pPr lvl="0" eaLnBrk="1" latinLnBrk="0" hangingPunct="1"/>
             <a:r>
@@ -1002,10 +1278,13 @@
         <p:spPr/>
         <p:txBody>
           <a:bodyPr/>
-          <a:lstStyle/>
-          <a:p>
-            <a:fld id="{04FCFBAD-AADC-48B3-AAE4-6151E8E40AC9}" type="datetimeFigureOut">
+          <a:lstStyle>
+            <a:extLst/>
+          </a:lstStyle>
+          <a:p>
+            <a:fld id="{1D8BD707-D9CF-40AE-B4C6-C98DA3205C09}" type="datetimeFigureOut">
               <a:rPr lang="en-US" smtClean="0"/>
+              <a:pPr/>
               <a:t>10/28/2016</a:t>
             </a:fld>
             <a:endParaRPr lang="en-US"/>
@@ -1025,7 +1304,9 @@
         <p:spPr/>
         <p:txBody>
           <a:bodyPr/>
-          <a:lstStyle/>
+          <a:lstStyle>
+            <a:extLst/>
+          </a:lstStyle>
           <a:p>
             <a:endParaRPr lang="en-US"/>
           </a:p>
@@ -1044,13 +1325,41 @@
         <p:spPr/>
         <p:txBody>
           <a:bodyPr/>
-          <a:lstStyle/>
-          <a:p>
-            <a:fld id="{1A6AEB80-026E-4392-BB9A-CBAFF5361C7D}" type="slidenum">
+          <a:lstStyle>
+            <a:extLst/>
+          </a:lstStyle>
+          <a:p>
+            <a:fld id="{B6F15528-21DE-4FAA-801E-634DDDAF4B2B}" type="slidenum">
               <a:rPr lang="en-US" smtClean="0"/>
+              <a:pPr/>
               <a:t>‹#›</a:t>
             </a:fld>
             <a:endParaRPr lang="en-US"/>
+          </a:p>
+        </p:txBody>
+      </p:sp>
+      <p:sp>
+        <p:nvSpPr>
+          <p:cNvPr id="7" name="Title 6"/>
+          <p:cNvSpPr>
+            <a:spLocks noGrp="1"/>
+          </p:cNvSpPr>
+          <p:nvPr>
+            <p:ph type="title"/>
+          </p:nvPr>
+        </p:nvSpPr>
+        <p:spPr/>
+        <p:txBody>
+          <a:bodyPr rtlCol="0"/>
+          <a:lstStyle>
+            <a:extLst/>
+          </a:lstStyle>
+          <a:p>
+            <a:r>
+              <a:rPr kumimoji="0" lang="en-US" smtClean="0"/>
+              <a:t>Click to edit Master title style</a:t>
+            </a:r>
+            <a:endParaRPr kumimoji="0" lang="en-US"/>
           </a:p>
         </p:txBody>
       </p:sp>
@@ -1063,11 +1372,11 @@
 </file>
 
 <file path=ppt/slideLayouts/slideLayout3.xml><?xml version="1.0" encoding="utf-8"?>
-<p:sldLayout xmlns:a="http://schemas.openxmlformats.org/drawingml/2006/main" xmlns:r="http://schemas.openxmlformats.org/officeDocument/2006/relationships" xmlns:p="http://schemas.openxmlformats.org/presentationml/2006/main" showMasterSp="0" type="secHead" preserve="1">
+<p:sldLayout xmlns:a="http://schemas.openxmlformats.org/drawingml/2006/main" xmlns:r="http://schemas.openxmlformats.org/officeDocument/2006/relationships" xmlns:p="http://schemas.openxmlformats.org/presentationml/2006/main" type="secHead" preserve="1">
   <p:cSld name="Section Header">
     <p:bg>
       <p:bgRef idx="1002">
-        <a:schemeClr val="bg2"/>
+        <a:schemeClr val="bg1"/>
       </p:bgRef>
     </p:bg>
     <p:spTree>
@@ -1086,202 +1395,6 @@
       </p:grpSpPr>
       <p:sp>
         <p:nvSpPr>
-          <p:cNvPr id="7" name="Freeform 6"/>
-          <p:cNvSpPr>
-            <a:spLocks/>
-          </p:cNvSpPr>
-          <p:nvPr/>
-        </p:nvSpPr>
-        <p:spPr bwMode="auto">
-          <a:xfrm>
-            <a:off x="0" y="4752126"/>
-            <a:ext cx="9144000" cy="2112962"/>
-          </a:xfrm>
-          <a:custGeom>
-            <a:avLst>
-              <a:gd name="A1" fmla="val 0"/>
-              <a:gd name="A2" fmla="val 0"/>
-              <a:gd name="A3" fmla="val 0"/>
-              <a:gd name="A4" fmla="val 0"/>
-              <a:gd name="A5" fmla="val 0"/>
-              <a:gd name="A6" fmla="val 0"/>
-              <a:gd name="A7" fmla="val 0"/>
-              <a:gd name="A8" fmla="val 0"/>
-            </a:avLst>
-            <a:gdLst/>
-            <a:ahLst/>
-            <a:cxnLst>
-              <a:cxn ang="0">
-                <a:pos x="0" y="1066"/>
-              </a:cxn>
-              <a:cxn ang="0">
-                <a:pos x="0" y="1331"/>
-              </a:cxn>
-              <a:cxn ang="0">
-                <a:pos x="5760" y="1331"/>
-              </a:cxn>
-              <a:cxn ang="0">
-                <a:pos x="5760" y="0"/>
-              </a:cxn>
-              <a:cxn ang="0">
-                <a:pos x="0" y="1066"/>
-              </a:cxn>
-            </a:cxnLst>
-            <a:rect l="0" t="0" r="0" b="0"/>
-            <a:pathLst>
-              <a:path w="5760" h="1331">
-                <a:moveTo>
-                  <a:pt x="0" y="1066"/>
-                </a:moveTo>
-                <a:lnTo>
-                  <a:pt x="0" y="1331"/>
-                </a:lnTo>
-                <a:lnTo>
-                  <a:pt x="5760" y="1331"/>
-                </a:lnTo>
-                <a:lnTo>
-                  <a:pt x="5760" y="0"/>
-                </a:lnTo>
-                <a:cubicBezTo>
-                  <a:pt x="3220" y="1206"/>
-                  <a:pt x="2250" y="1146"/>
-                  <a:pt x="0" y="1066"/>
-                </a:cubicBezTo>
-                <a:close/>
-              </a:path>
-            </a:pathLst>
-          </a:custGeom>
-          <a:solidFill>
-            <a:schemeClr val="bg1">
-              <a:tint val="80000"/>
-              <a:satMod val="200000"/>
-              <a:alpha val="45000"/>
-            </a:schemeClr>
-          </a:solidFill>
-          <a:ln w="9525" cap="flat" cmpd="sng" algn="ctr">
-            <a:noFill/>
-            <a:prstDash val="solid"/>
-            <a:round/>
-            <a:headEnd type="none" w="med" len="med"/>
-            <a:tailEnd type="none" w="med" len="med"/>
-          </a:ln>
-          <a:effectLst>
-            <a:outerShdw blurRad="50800" dist="44450" dir="16200000" algn="ctr" rotWithShape="0">
-              <a:prstClr val="black">
-                <a:alpha val="35000"/>
-              </a:prstClr>
-            </a:outerShdw>
-          </a:effectLst>
-        </p:spPr>
-        <p:txBody>
-          <a:bodyPr vert="horz" wrap="square" lIns="91440" tIns="45720" rIns="91440" bIns="45720" anchor="t" compatLnSpc="1"/>
-          <a:lstStyle/>
-          <a:p>
-            <a:endParaRPr kumimoji="0" lang="en-US"/>
-          </a:p>
-        </p:txBody>
-      </p:sp>
-      <p:sp>
-        <p:nvSpPr>
-          <p:cNvPr id="9" name="Freeform 8"/>
-          <p:cNvSpPr>
-            <a:spLocks/>
-          </p:cNvSpPr>
-          <p:nvPr/>
-        </p:nvSpPr>
-        <p:spPr bwMode="auto">
-          <a:xfrm>
-            <a:off x="6105525" y="0"/>
-            <a:ext cx="3038475" cy="6858000"/>
-          </a:xfrm>
-          <a:custGeom>
-            <a:avLst/>
-            <a:gdLst>
-              <a:gd name="connsiteX0" fmla="*/ 1914 w 1914"/>
-              <a:gd name="connsiteY0" fmla="*/ 9 h 4329"/>
-              <a:gd name="connsiteX1" fmla="*/ 1914 w 1914"/>
-              <a:gd name="connsiteY1" fmla="*/ 4329 h 4329"/>
-              <a:gd name="connsiteX2" fmla="*/ 204 w 1914"/>
-              <a:gd name="connsiteY2" fmla="*/ 4327 h 4329"/>
-              <a:gd name="connsiteX3" fmla="*/ 0 w 1914"/>
-              <a:gd name="connsiteY3" fmla="*/ 0 h 4329"/>
-              <a:gd name="connsiteX4" fmla="*/ 1914 w 1914"/>
-              <a:gd name="connsiteY4" fmla="*/ 9 h 4329"/>
-            </a:gdLst>
-            <a:ahLst/>
-            <a:cxnLst>
-              <a:cxn ang="0">
-                <a:pos x="connsiteX0" y="connsiteY0"/>
-              </a:cxn>
-              <a:cxn ang="0">
-                <a:pos x="connsiteX1" y="connsiteY1"/>
-              </a:cxn>
-              <a:cxn ang="0">
-                <a:pos x="connsiteX2" y="connsiteY2"/>
-              </a:cxn>
-              <a:cxn ang="0">
-                <a:pos x="connsiteX3" y="connsiteY3"/>
-              </a:cxn>
-              <a:cxn ang="0">
-                <a:pos x="connsiteX4" y="connsiteY4"/>
-              </a:cxn>
-            </a:cxnLst>
-            <a:rect l="l" t="t" r="r" b="b"/>
-            <a:pathLst>
-              <a:path w="1914" h="4329">
-                <a:moveTo>
-                  <a:pt x="1914" y="9"/>
-                </a:moveTo>
-                <a:lnTo>
-                  <a:pt x="1914" y="4329"/>
-                </a:lnTo>
-                <a:lnTo>
-                  <a:pt x="204" y="4327"/>
-                </a:lnTo>
-                <a:cubicBezTo>
-                  <a:pt x="1288" y="3574"/>
-                  <a:pt x="1608" y="1590"/>
-                  <a:pt x="0" y="0"/>
-                </a:cubicBezTo>
-                <a:lnTo>
-                  <a:pt x="1914" y="9"/>
-                </a:lnTo>
-                <a:close/>
-              </a:path>
-            </a:pathLst>
-          </a:custGeom>
-          <a:solidFill>
-            <a:schemeClr val="bg1">
-              <a:tint val="90000"/>
-              <a:satMod val="350000"/>
-              <a:alpha val="40000"/>
-            </a:schemeClr>
-          </a:solidFill>
-          <a:ln w="9525" cap="flat" cmpd="sng" algn="ctr">
-            <a:noFill/>
-            <a:prstDash val="solid"/>
-            <a:round/>
-            <a:headEnd type="none" w="med" len="med"/>
-            <a:tailEnd type="none" w="med" len="med"/>
-          </a:ln>
-          <a:effectLst>
-            <a:outerShdw blurRad="50800" dist="50800" dir="10800000" algn="ctr" rotWithShape="0">
-              <a:prstClr val="black">
-                <a:alpha val="45000"/>
-              </a:prstClr>
-            </a:outerShdw>
-          </a:effectLst>
-        </p:spPr>
-        <p:txBody>
-          <a:bodyPr vert="horz" wrap="square" lIns="91440" tIns="45720" rIns="91440" bIns="45720" anchor="t" compatLnSpc="1"/>
-          <a:lstStyle/>
-          <a:p>
-            <a:endParaRPr kumimoji="0" lang="en-US"/>
-          </a:p>
-        </p:txBody>
-      </p:sp>
-      <p:sp>
-        <p:nvSpPr>
           <p:cNvPr id="2" name="Title 1"/>
           <p:cNvSpPr>
             <a:spLocks noGrp="1"/>
@@ -1292,70 +1405,35 @@
         </p:nvSpPr>
         <p:spPr>
           <a:xfrm>
-            <a:off x="685800" y="3583837"/>
-            <a:ext cx="6629400" cy="1826363"/>
+            <a:off x="722376" y="1059712"/>
+            <a:ext cx="7772400" cy="1828800"/>
           </a:xfrm>
         </p:spPr>
         <p:txBody>
-          <a:bodyPr tIns="0" bIns="0" anchor="t"/>
+          <a:bodyPr vert="horz" anchor="b">
+            <a:normAutofit/>
+            <a:scene3d>
+              <a:camera prst="orthographicFront"/>
+              <a:lightRig rig="soft" dir="t"/>
+            </a:scene3d>
+            <a:sp3d prstMaterial="softEdge">
+              <a:bevelT w="25400" h="25400"/>
+            </a:sp3d>
+          </a:bodyPr>
           <a:lstStyle>
-            <a:lvl1pPr algn="l">
+            <a:lvl1pPr algn="r">
               <a:buNone/>
-              <a:defRPr sz="4200" b="1" cap="none" baseline="0">
-                <a:ln w="5000" cmpd="sng">
-                  <a:solidFill>
-                    <a:schemeClr val="accent1">
-                      <a:tint val="80000"/>
-                      <a:shade val="99000"/>
-                      <a:satMod val="500000"/>
-                    </a:schemeClr>
-                  </a:solidFill>
-                  <a:prstDash val="solid"/>
-                </a:ln>
-                <a:gradFill>
-                  <a:gsLst>
-                    <a:gs pos="0">
-                      <a:schemeClr val="accent1">
-                        <a:tint val="63000"/>
-                        <a:satMod val="255000"/>
-                      </a:schemeClr>
-                    </a:gs>
-                    <a:gs pos="9000">
-                      <a:schemeClr val="accent1">
-                        <a:tint val="63000"/>
-                        <a:satMod val="255000"/>
-                      </a:schemeClr>
-                    </a:gs>
-                    <a:gs pos="53000">
-                      <a:schemeClr val="accent1">
-                        <a:shade val="60000"/>
-                        <a:satMod val="100000"/>
-                      </a:schemeClr>
-                    </a:gs>
-                    <a:gs pos="90000">
-                      <a:schemeClr val="accent1">
-                        <a:tint val="63000"/>
-                        <a:satMod val="255000"/>
-                      </a:schemeClr>
-                    </a:gs>
-                    <a:gs pos="100000">
-                      <a:schemeClr val="accent1">
-                        <a:tint val="63000"/>
-                        <a:satMod val="255000"/>
-                      </a:schemeClr>
-                    </a:gs>
-                  </a:gsLst>
-                  <a:lin ang="5400000"/>
-                </a:gradFill>
+              <a:defRPr sz="4800" b="1" cap="none" baseline="0">
                 <a:effectLst>
-                  <a:outerShdw blurRad="50800" dist="38100" dir="5400000" algn="t" rotWithShape="0">
-                    <a:prstClr val="black">
-                      <a:alpha val="50000"/>
-                    </a:prstClr>
+                  <a:outerShdw blurRad="31750" dist="25400" dir="5400000" algn="tl" rotWithShape="0">
+                    <a:srgbClr val="000000">
+                      <a:alpha val="25000"/>
+                    </a:srgbClr>
                   </a:outerShdw>
                 </a:effectLst>
               </a:defRPr>
             </a:lvl1pPr>
+            <a:extLst/>
           </a:lstStyle>
           <a:p>
             <a:r>
@@ -1378,20 +1456,19 @@
         </p:nvSpPr>
         <p:spPr>
           <a:xfrm>
-            <a:off x="685800" y="2485800"/>
-            <a:ext cx="6629400" cy="1066688"/>
+            <a:off x="3922713" y="2931712"/>
+            <a:ext cx="4572000" cy="1454888"/>
           </a:xfrm>
         </p:spPr>
         <p:txBody>
-          <a:bodyPr lIns="45720" tIns="0" rIns="45720" bIns="0" anchor="b"/>
+          <a:bodyPr lIns="91440" rIns="91440" anchor="t"/>
           <a:lstStyle>
             <a:lvl1pPr marL="0" indent="0" algn="l">
               <a:buNone/>
-              <a:defRPr sz="2000">
+              <a:defRPr sz="2300">
                 <a:solidFill>
                   <a:schemeClr val="tx1"/>
                 </a:solidFill>
-                <a:effectLst/>
               </a:defRPr>
             </a:lvl1pPr>
             <a:lvl2pPr>
@@ -1434,6 +1511,7 @@
                 </a:solidFill>
               </a:defRPr>
             </a:lvl5pPr>
+            <a:extLst/>
           </a:lstStyle>
           <a:p>
             <a:pPr lvl="0" eaLnBrk="1" latinLnBrk="0" hangingPunct="1"/>
@@ -1457,10 +1535,13 @@
         <p:spPr/>
         <p:txBody>
           <a:bodyPr/>
-          <a:lstStyle/>
-          <a:p>
-            <a:fld id="{04FCFBAD-AADC-48B3-AAE4-6151E8E40AC9}" type="datetimeFigureOut">
+          <a:lstStyle>
+            <a:extLst/>
+          </a:lstStyle>
+          <a:p>
+            <a:fld id="{1D8BD707-D9CF-40AE-B4C6-C98DA3205C09}" type="datetimeFigureOut">
               <a:rPr lang="en-US" smtClean="0"/>
+              <a:pPr/>
               <a:t>10/28/2016</a:t>
             </a:fld>
             <a:endParaRPr lang="en-US"/>
@@ -1480,7 +1561,9 @@
         <p:spPr/>
         <p:txBody>
           <a:bodyPr/>
-          <a:lstStyle/>
+          <a:lstStyle>
+            <a:extLst/>
+          </a:lstStyle>
           <a:p>
             <a:endParaRPr lang="en-US"/>
           </a:p>
@@ -1499,13 +1582,176 @@
         <p:spPr/>
         <p:txBody>
           <a:bodyPr/>
-          <a:lstStyle/>
-          <a:p>
-            <a:fld id="{1A6AEB80-026E-4392-BB9A-CBAFF5361C7D}" type="slidenum">
+          <a:lstStyle>
+            <a:extLst/>
+          </a:lstStyle>
+          <a:p>
+            <a:fld id="{B6F15528-21DE-4FAA-801E-634DDDAF4B2B}" type="slidenum">
               <a:rPr lang="en-US" smtClean="0"/>
+              <a:pPr/>
               <a:t>‹#›</a:t>
             </a:fld>
             <a:endParaRPr lang="en-US"/>
+          </a:p>
+        </p:txBody>
+      </p:sp>
+      <p:sp>
+        <p:nvSpPr>
+          <p:cNvPr id="7" name="Chevron 6"/>
+          <p:cNvSpPr/>
+          <p:nvPr/>
+        </p:nvSpPr>
+        <p:spPr>
+          <a:xfrm>
+            <a:off x="3636680" y="3005472"/>
+            <a:ext cx="182880" cy="228600"/>
+          </a:xfrm>
+          <a:prstGeom prst="chevron">
+            <a:avLst>
+              <a:gd name="adj" fmla="val 50000"/>
+            </a:avLst>
+          </a:prstGeom>
+          <a:gradFill flip="none" rotWithShape="1">
+            <a:gsLst>
+              <a:gs pos="0">
+                <a:schemeClr val="accent1">
+                  <a:shade val="60000"/>
+                  <a:satMod val="125000"/>
+                </a:schemeClr>
+              </a:gs>
+              <a:gs pos="72000">
+                <a:schemeClr val="accent1">
+                  <a:tint val="90000"/>
+                  <a:satMod val="138000"/>
+                </a:schemeClr>
+              </a:gs>
+              <a:gs pos="100000">
+                <a:schemeClr val="accent1">
+                  <a:tint val="76000"/>
+                  <a:satMod val="136000"/>
+                </a:schemeClr>
+              </a:gs>
+            </a:gsLst>
+            <a:lin ang="16200000" scaled="0"/>
+          </a:gradFill>
+          <a:ln w="3175" cap="rnd" cmpd="sng" algn="ctr">
+            <a:solidFill>
+              <a:schemeClr val="accent1">
+                <a:shade val="50000"/>
+              </a:schemeClr>
+            </a:solidFill>
+            <a:prstDash val="solid"/>
+          </a:ln>
+          <a:effectLst>
+            <a:outerShdw blurRad="50800" dist="25400" dir="5400000">
+              <a:srgbClr val="000000">
+                <a:alpha val="46000"/>
+              </a:srgbClr>
+            </a:outerShdw>
+          </a:effectLst>
+        </p:spPr>
+        <p:style>
+          <a:lnRef idx="1">
+            <a:schemeClr val="accent1"/>
+          </a:lnRef>
+          <a:fillRef idx="3">
+            <a:schemeClr val="accent1"/>
+          </a:fillRef>
+          <a:effectRef idx="2">
+            <a:schemeClr val="accent1"/>
+          </a:effectRef>
+          <a:fontRef idx="minor">
+            <a:schemeClr val="lt1"/>
+          </a:fontRef>
+        </p:style>
+        <p:txBody>
+          <a:bodyPr anchor="ctr"/>
+          <a:lstStyle>
+            <a:extLst/>
+          </a:lstStyle>
+          <a:p>
+            <a:pPr algn="l" eaLnBrk="1" latinLnBrk="0" hangingPunct="1"/>
+            <a:endParaRPr kumimoji="0" lang="en-US"/>
+          </a:p>
+        </p:txBody>
+      </p:sp>
+      <p:sp>
+        <p:nvSpPr>
+          <p:cNvPr id="8" name="Chevron 7"/>
+          <p:cNvSpPr/>
+          <p:nvPr/>
+        </p:nvSpPr>
+        <p:spPr>
+          <a:xfrm>
+            <a:off x="3450264" y="3005472"/>
+            <a:ext cx="182880" cy="228600"/>
+          </a:xfrm>
+          <a:prstGeom prst="chevron">
+            <a:avLst>
+              <a:gd name="adj" fmla="val 50000"/>
+            </a:avLst>
+          </a:prstGeom>
+          <a:gradFill flip="none" rotWithShape="1">
+            <a:gsLst>
+              <a:gs pos="0">
+                <a:schemeClr val="accent1">
+                  <a:shade val="60000"/>
+                  <a:satMod val="125000"/>
+                </a:schemeClr>
+              </a:gs>
+              <a:gs pos="72000">
+                <a:schemeClr val="accent1">
+                  <a:tint val="90000"/>
+                  <a:satMod val="138000"/>
+                </a:schemeClr>
+              </a:gs>
+              <a:gs pos="100000">
+                <a:schemeClr val="accent1">
+                  <a:tint val="76000"/>
+                  <a:satMod val="136000"/>
+                </a:schemeClr>
+              </a:gs>
+            </a:gsLst>
+            <a:lin ang="16200000" scaled="0"/>
+          </a:gradFill>
+          <a:ln w="3175" cap="rnd" cmpd="sng" algn="ctr">
+            <a:solidFill>
+              <a:schemeClr val="accent1">
+                <a:shade val="50000"/>
+              </a:schemeClr>
+            </a:solidFill>
+            <a:prstDash val="solid"/>
+          </a:ln>
+          <a:effectLst>
+            <a:outerShdw blurRad="50800" dist="25400" dir="5400000">
+              <a:srgbClr val="000000">
+                <a:alpha val="46000"/>
+              </a:srgbClr>
+            </a:outerShdw>
+          </a:effectLst>
+        </p:spPr>
+        <p:style>
+          <a:lnRef idx="1">
+            <a:schemeClr val="accent1"/>
+          </a:lnRef>
+          <a:fillRef idx="3">
+            <a:schemeClr val="accent1"/>
+          </a:fillRef>
+          <a:effectRef idx="2">
+            <a:schemeClr val="accent1"/>
+          </a:effectRef>
+          <a:fontRef idx="minor">
+            <a:schemeClr val="lt1"/>
+          </a:fontRef>
+        </p:style>
+        <p:txBody>
+          <a:bodyPr anchor="ctr"/>
+          <a:lstStyle>
+            <a:extLst/>
+          </a:lstStyle>
+          <a:p>
+            <a:pPr algn="l" eaLnBrk="1" latinLnBrk="0" hangingPunct="1"/>
+            <a:endParaRPr kumimoji="0" lang="en-US"/>
           </a:p>
         </p:txBody>
       </p:sp>
@@ -1520,6 +1766,11 @@
 <file path=ppt/slideLayouts/slideLayout4.xml><?xml version="1.0" encoding="utf-8"?>
 <p:sldLayout xmlns:a="http://schemas.openxmlformats.org/drawingml/2006/main" xmlns:r="http://schemas.openxmlformats.org/officeDocument/2006/relationships" xmlns:p="http://schemas.openxmlformats.org/presentationml/2006/main" type="twoObj" preserve="1">
   <p:cSld name="Two Content">
+    <p:bg>
+      <p:bgRef idx="1002">
+        <a:schemeClr val="bg1"/>
+      </p:bgRef>
+    </p:bg>
     <p:spTree>
       <p:nvGrpSpPr>
         <p:cNvPr id="1" name=""/>
@@ -1536,56 +1787,28 @@
       </p:grpSpPr>
       <p:sp>
         <p:nvSpPr>
-          <p:cNvPr id="2" name="Title 1"/>
-          <p:cNvSpPr>
-            <a:spLocks noGrp="1"/>
-          </p:cNvSpPr>
-          <p:nvPr>
-            <p:ph type="title"/>
+          <p:cNvPr id="3" name="Content Placeholder 2"/>
+          <p:cNvSpPr>
+            <a:spLocks noGrp="1"/>
+          </p:cNvSpPr>
+          <p:nvPr>
+            <p:ph sz="half" idx="1"/>
           </p:nvPr>
         </p:nvSpPr>
         <p:spPr>
           <a:xfrm>
-            <a:off x="457200" y="274638"/>
-            <a:ext cx="7467600" cy="1143000"/>
-          </a:xfrm>
-        </p:spPr>
-        <p:txBody>
-          <a:bodyPr/>
-          <a:lstStyle/>
-          <a:p>
-            <a:r>
-              <a:rPr kumimoji="0" lang="en-US" smtClean="0"/>
-              <a:t>Click to edit Master title style</a:t>
-            </a:r>
-            <a:endParaRPr kumimoji="0" lang="en-US"/>
-          </a:p>
-        </p:txBody>
-      </p:sp>
-      <p:sp>
-        <p:nvSpPr>
-          <p:cNvPr id="3" name="Content Placeholder 2"/>
-          <p:cNvSpPr>
-            <a:spLocks noGrp="1"/>
-          </p:cNvSpPr>
-          <p:nvPr>
-            <p:ph sz="half" idx="1"/>
-          </p:nvPr>
-        </p:nvSpPr>
-        <p:spPr>
-          <a:xfrm>
-            <a:off x="457200" y="1600200"/>
-            <a:ext cx="3657600" cy="4525963"/>
+            <a:off x="457200" y="1481328"/>
+            <a:ext cx="4038600" cy="4525963"/>
           </a:xfrm>
         </p:spPr>
         <p:txBody>
           <a:bodyPr/>
           <a:lstStyle>
             <a:lvl1pPr>
-              <a:defRPr sz="2600"/>
+              <a:defRPr sz="2800"/>
             </a:lvl1pPr>
             <a:lvl2pPr>
-              <a:defRPr sz="2200"/>
+              <a:defRPr sz="2400"/>
             </a:lvl2pPr>
             <a:lvl3pPr>
               <a:defRPr sz="2000"/>
@@ -1596,6 +1819,7 @@
             <a:lvl5pPr>
               <a:defRPr sz="1800"/>
             </a:lvl5pPr>
+            <a:extLst/>
           </a:lstStyle>
           <a:p>
             <a:pPr lvl="0" eaLnBrk="1" latinLnBrk="0" hangingPunct="1"/>
@@ -1647,18 +1871,18 @@
         </p:nvSpPr>
         <p:spPr>
           <a:xfrm>
-            <a:off x="4267200" y="1600200"/>
-            <a:ext cx="3657600" cy="4525963"/>
+            <a:off x="4648200" y="1481328"/>
+            <a:ext cx="4038600" cy="4525963"/>
           </a:xfrm>
         </p:spPr>
         <p:txBody>
           <a:bodyPr/>
           <a:lstStyle>
             <a:lvl1pPr>
-              <a:defRPr sz="2600"/>
+              <a:defRPr sz="2800"/>
             </a:lvl1pPr>
             <a:lvl2pPr>
-              <a:defRPr sz="2200"/>
+              <a:defRPr sz="2400"/>
             </a:lvl2pPr>
             <a:lvl3pPr>
               <a:defRPr sz="2000"/>
@@ -1669,6 +1893,7 @@
             <a:lvl5pPr>
               <a:defRPr sz="1800"/>
             </a:lvl5pPr>
+            <a:extLst/>
           </a:lstStyle>
           <a:p>
             <a:pPr lvl="0" eaLnBrk="1" latinLnBrk="0" hangingPunct="1"/>
@@ -1721,10 +1946,13 @@
         <p:spPr/>
         <p:txBody>
           <a:bodyPr/>
-          <a:lstStyle/>
-          <a:p>
-            <a:fld id="{04FCFBAD-AADC-48B3-AAE4-6151E8E40AC9}" type="datetimeFigureOut">
+          <a:lstStyle>
+            <a:extLst/>
+          </a:lstStyle>
+          <a:p>
+            <a:fld id="{1D8BD707-D9CF-40AE-B4C6-C98DA3205C09}" type="datetimeFigureOut">
               <a:rPr lang="en-US" smtClean="0"/>
+              <a:pPr/>
               <a:t>10/28/2016</a:t>
             </a:fld>
             <a:endParaRPr lang="en-US"/>
@@ -1744,7 +1972,9 @@
         <p:spPr/>
         <p:txBody>
           <a:bodyPr/>
-          <a:lstStyle/>
+          <a:lstStyle>
+            <a:extLst/>
+          </a:lstStyle>
           <a:p>
             <a:endParaRPr lang="en-US"/>
           </a:p>
@@ -1763,20 +1993,48 @@
         <p:spPr/>
         <p:txBody>
           <a:bodyPr/>
-          <a:lstStyle/>
-          <a:p>
-            <a:fld id="{1A6AEB80-026E-4392-BB9A-CBAFF5361C7D}" type="slidenum">
+          <a:lstStyle>
+            <a:extLst/>
+          </a:lstStyle>
+          <a:p>
+            <a:fld id="{B6F15528-21DE-4FAA-801E-634DDDAF4B2B}" type="slidenum">
               <a:rPr lang="en-US" smtClean="0"/>
+              <a:pPr/>
               <a:t>‹#›</a:t>
             </a:fld>
             <a:endParaRPr lang="en-US"/>
           </a:p>
         </p:txBody>
       </p:sp>
+      <p:sp>
+        <p:nvSpPr>
+          <p:cNvPr id="8" name="Title 7"/>
+          <p:cNvSpPr>
+            <a:spLocks noGrp="1"/>
+          </p:cNvSpPr>
+          <p:nvPr>
+            <p:ph type="title"/>
+          </p:nvPr>
+        </p:nvSpPr>
+        <p:spPr/>
+        <p:txBody>
+          <a:bodyPr rtlCol="0"/>
+          <a:lstStyle>
+            <a:extLst/>
+          </a:lstStyle>
+          <a:p>
+            <a:r>
+              <a:rPr kumimoji="0" lang="en-US" smtClean="0"/>
+              <a:t>Click to edit Master title style</a:t>
+            </a:r>
+            <a:endParaRPr kumimoji="0" lang="en-US"/>
+          </a:p>
+        </p:txBody>
+      </p:sp>
     </p:spTree>
   </p:cSld>
   <p:clrMapOvr>
-    <a:masterClrMapping/>
+    <a:overrideClrMapping bg1="dk1" tx1="lt1" bg2="dk2" tx2="lt2" accent1="accent1" accent2="accent2" accent3="accent3" accent4="accent4" accent5="accent5" accent6="accent6" hlink="hlink" folHlink="folHlink"/>
   </p:clrMapOvr>
 </p:sldLayout>
 </file>
@@ -1784,6 +2042,11 @@
 <file path=ppt/slideLayouts/slideLayout5.xml><?xml version="1.0" encoding="utf-8"?>
 <p:sldLayout xmlns:a="http://schemas.openxmlformats.org/drawingml/2006/main" xmlns:r="http://schemas.openxmlformats.org/officeDocument/2006/relationships" xmlns:p="http://schemas.openxmlformats.org/presentationml/2006/main" showMasterSp="0" type="twoTxTwoObj" preserve="1">
   <p:cSld name="Comparison">
+    <p:bg>
+      <p:bgRef idx="1003">
+        <a:schemeClr val="bg1"/>
+      </p:bgRef>
+    </p:bg>
     <p:spTree>
       <p:nvGrpSpPr>
         <p:cNvPr id="1" name=""/>
@@ -1820,6 +2083,7 @@
             <a:lvl1pPr>
               <a:defRPr/>
             </a:lvl1pPr>
+            <a:extLst/>
           </a:lstStyle>
           <a:p>
             <a:r>
@@ -1842,18 +2106,27 @@
         </p:nvSpPr>
         <p:spPr>
           <a:xfrm>
-            <a:off x="457200" y="5486400"/>
-            <a:ext cx="4040188" cy="838200"/>
+            <a:off x="457200" y="5410200"/>
+            <a:ext cx="4040188" cy="762000"/>
           </a:xfrm>
+          <a:solidFill>
+            <a:schemeClr val="accent1"/>
+          </a:solidFill>
+          <a:ln w="9652">
+            <a:solidFill>
+              <a:schemeClr val="accent1"/>
+            </a:solidFill>
+            <a:miter lim="800000"/>
+          </a:ln>
         </p:spPr>
         <p:txBody>
-          <a:bodyPr anchor="t"/>
+          <a:bodyPr lIns="182880" anchor="ctr"/>
           <a:lstStyle>
             <a:lvl1pPr marL="0" indent="0">
               <a:buNone/>
-              <a:defRPr sz="2400" b="1">
+              <a:defRPr sz="2400" b="0">
                 <a:solidFill>
-                  <a:schemeClr val="accent1"/>
+                  <a:schemeClr val="bg1"/>
                 </a:solidFill>
               </a:defRPr>
             </a:lvl1pPr>
@@ -1873,6 +2146,7 @@
               <a:buNone/>
               <a:defRPr sz="1600" b="1"/>
             </a:lvl5pPr>
+            <a:extLst/>
           </a:lstStyle>
           <a:p>
             <a:pPr lvl="0" eaLnBrk="1" latinLnBrk="0" hangingPunct="1"/>
@@ -1895,18 +2169,27 @@
         </p:nvSpPr>
         <p:spPr>
           <a:xfrm>
-            <a:off x="4645025" y="5486400"/>
-            <a:ext cx="4041775" cy="838200"/>
+            <a:off x="4645026" y="5410200"/>
+            <a:ext cx="4041775" cy="762000"/>
           </a:xfrm>
+          <a:solidFill>
+            <a:schemeClr val="accent1"/>
+          </a:solidFill>
+          <a:ln w="9652">
+            <a:solidFill>
+              <a:schemeClr val="accent1"/>
+            </a:solidFill>
+            <a:miter lim="800000"/>
+          </a:ln>
         </p:spPr>
         <p:txBody>
-          <a:bodyPr anchor="t"/>
+          <a:bodyPr lIns="182880" anchor="ctr"/>
           <a:lstStyle>
             <a:lvl1pPr marL="0" indent="0">
               <a:buNone/>
-              <a:defRPr sz="2400" b="1">
+              <a:defRPr sz="2400" b="0">
                 <a:solidFill>
-                  <a:schemeClr val="accent1"/>
+                  <a:schemeClr val="bg1"/>
                 </a:solidFill>
               </a:defRPr>
             </a:lvl1pPr>
@@ -1926,6 +2209,7 @@
               <a:buNone/>
               <a:defRPr sz="1600" b="1"/>
             </a:lvl5pPr>
+            <a:extLst/>
           </a:lstStyle>
           <a:p>
             <a:pPr lvl="0" eaLnBrk="1" latinLnBrk="0" hangingPunct="1"/>
@@ -1948,9 +2232,14 @@
         </p:nvSpPr>
         <p:spPr>
           <a:xfrm>
-            <a:off x="457200" y="1516912"/>
+            <a:off x="457200" y="1444294"/>
             <a:ext cx="4040188" cy="3941763"/>
           </a:xfrm>
+          <a:ln>
+            <a:noFill/>
+            <a:prstDash val="sysDash"/>
+            <a:miter lim="800000"/>
+          </a:ln>
         </p:spPr>
         <p:txBody>
           <a:bodyPr/>
@@ -1970,6 +2259,7 @@
             <a:lvl5pPr>
               <a:defRPr sz="1600"/>
             </a:lvl5pPr>
+            <a:extLst/>
           </a:lstStyle>
           <a:p>
             <a:pPr lvl="0" eaLnBrk="1" latinLnBrk="0" hangingPunct="1"/>
@@ -2021,14 +2311,22 @@
         </p:nvSpPr>
         <p:spPr>
           <a:xfrm>
-            <a:off x="4645025" y="1516912"/>
+            <a:off x="4645025" y="1444294"/>
             <a:ext cx="4041775" cy="3941763"/>
           </a:xfrm>
+          <a:ln>
+            <a:noFill/>
+            <a:prstDash val="sysDash"/>
+            <a:miter lim="800000"/>
+          </a:ln>
         </p:spPr>
         <p:txBody>
           <a:bodyPr/>
           <a:lstStyle>
             <a:lvl1pPr>
+              <a:spcBef>
+                <a:spcPts val="0"/>
+              </a:spcBef>
               <a:defRPr sz="2400"/>
             </a:lvl1pPr>
             <a:lvl2pPr>
@@ -2043,6 +2341,7 @@
             <a:lvl5pPr>
               <a:defRPr sz="1600"/>
             </a:lvl5pPr>
+            <a:extLst/>
           </a:lstStyle>
           <a:p>
             <a:pPr lvl="0" eaLnBrk="1" latinLnBrk="0" hangingPunct="1"/>
@@ -2095,10 +2394,13 @@
         <p:spPr/>
         <p:txBody>
           <a:bodyPr/>
-          <a:lstStyle/>
-          <a:p>
-            <a:fld id="{04FCFBAD-AADC-48B3-AAE4-6151E8E40AC9}" type="datetimeFigureOut">
+          <a:lstStyle>
+            <a:extLst/>
+          </a:lstStyle>
+          <a:p>
+            <a:fld id="{1D8BD707-D9CF-40AE-B4C6-C98DA3205C09}" type="datetimeFigureOut">
               <a:rPr lang="en-US" smtClean="0"/>
+              <a:pPr/>
               <a:t>10/28/2016</a:t>
             </a:fld>
             <a:endParaRPr lang="en-US"/>
@@ -2118,7 +2420,9 @@
         <p:spPr/>
         <p:txBody>
           <a:bodyPr/>
-          <a:lstStyle/>
+          <a:lstStyle>
+            <a:extLst/>
+          </a:lstStyle>
           <a:p>
             <a:endParaRPr lang="en-US"/>
           </a:p>
@@ -2137,10 +2441,13 @@
         <p:spPr/>
         <p:txBody>
           <a:bodyPr/>
-          <a:lstStyle/>
-          <a:p>
-            <a:fld id="{1A6AEB80-026E-4392-BB9A-CBAFF5361C7D}" type="slidenum">
+          <a:lstStyle>
+            <a:extLst/>
+          </a:lstStyle>
+          <a:p>
+            <a:fld id="{B6F15528-21DE-4FAA-801E-634DDDAF4B2B}" type="slidenum">
               <a:rPr lang="en-US" smtClean="0"/>
+              <a:pPr/>
               <a:t>‹#›</a:t>
             </a:fld>
             <a:endParaRPr lang="en-US"/>
@@ -2150,7 +2457,7 @@
     </p:spTree>
   </p:cSld>
   <p:clrMapOvr>
-    <a:masterClrMapping/>
+    <a:overrideClrMapping bg1="lt1" tx1="dk1" bg2="lt2" tx2="dk2" accent1="accent1" accent2="accent2" accent3="accent3" accent4="accent4" accent5="accent5" accent6="accent6" hlink="hlink" folHlink="folHlink"/>
   </p:clrMapOvr>
 </p:sldLayout>
 </file>
@@ -2158,6 +2465,11 @@
 <file path=ppt/slideLayouts/slideLayout6.xml><?xml version="1.0" encoding="utf-8"?>
 <p:sldLayout xmlns:a="http://schemas.openxmlformats.org/drawingml/2006/main" xmlns:r="http://schemas.openxmlformats.org/officeDocument/2006/relationships" xmlns:p="http://schemas.openxmlformats.org/presentationml/2006/main" type="titleOnly" preserve="1">
   <p:cSld name="Title Only">
+    <p:bg>
+      <p:bgRef idx="1002">
+        <a:schemeClr val="bg1"/>
+      </p:bgRef>
+    </p:bg>
     <p:spTree>
       <p:nvGrpSpPr>
         <p:cNvPr id="1" name=""/>
@@ -2174,53 +2486,24 @@
       </p:grpSpPr>
       <p:sp>
         <p:nvSpPr>
-          <p:cNvPr id="2" name="Title 1"/>
-          <p:cNvSpPr>
-            <a:spLocks noGrp="1"/>
-          </p:cNvSpPr>
-          <p:nvPr>
-            <p:ph type="title"/>
-          </p:nvPr>
-        </p:nvSpPr>
-        <p:spPr>
-          <a:xfrm>
-            <a:off x="457200" y="274320"/>
-            <a:ext cx="7470648" cy="1143000"/>
-          </a:xfrm>
-        </p:spPr>
-        <p:txBody>
-          <a:bodyPr anchor="ctr"/>
+          <p:cNvPr id="3" name="Date Placeholder 2"/>
+          <p:cNvSpPr>
+            <a:spLocks noGrp="1"/>
+          </p:cNvSpPr>
+          <p:nvPr>
+            <p:ph type="dt" sz="half" idx="10"/>
+          </p:nvPr>
+        </p:nvSpPr>
+        <p:spPr/>
+        <p:txBody>
+          <a:bodyPr/>
           <a:lstStyle>
-            <a:lvl1pPr algn="l">
-              <a:defRPr sz="4600"/>
-            </a:lvl1pPr>
+            <a:extLst/>
           </a:lstStyle>
           <a:p>
-            <a:r>
-              <a:rPr kumimoji="0" lang="en-US" smtClean="0"/>
-              <a:t>Click to edit Master title style</a:t>
-            </a:r>
-            <a:endParaRPr kumimoji="0" lang="en-US"/>
-          </a:p>
-        </p:txBody>
-      </p:sp>
-      <p:sp>
-        <p:nvSpPr>
-          <p:cNvPr id="7" name="Date Placeholder 6"/>
-          <p:cNvSpPr>
-            <a:spLocks noGrp="1"/>
-          </p:cNvSpPr>
-          <p:nvPr>
-            <p:ph type="dt" sz="half" idx="10"/>
-          </p:nvPr>
-        </p:nvSpPr>
-        <p:spPr/>
-        <p:txBody>
-          <a:bodyPr/>
-          <a:lstStyle/>
-          <a:p>
-            <a:fld id="{04FCFBAD-AADC-48B3-AAE4-6151E8E40AC9}" type="datetimeFigureOut">
+            <a:fld id="{1D8BD707-D9CF-40AE-B4C6-C98DA3205C09}" type="datetimeFigureOut">
               <a:rPr lang="en-US" smtClean="0"/>
+              <a:pPr/>
               <a:t>10/28/2016</a:t>
             </a:fld>
             <a:endParaRPr lang="en-US"/>
@@ -2229,21 +2512,45 @@
       </p:sp>
       <p:sp>
         <p:nvSpPr>
-          <p:cNvPr id="8" name="Slide Number Placeholder 7"/>
-          <p:cNvSpPr>
-            <a:spLocks noGrp="1"/>
-          </p:cNvSpPr>
-          <p:nvPr>
-            <p:ph type="sldNum" sz="quarter" idx="11"/>
+          <p:cNvPr id="4" name="Footer Placeholder 3"/>
+          <p:cNvSpPr>
+            <a:spLocks noGrp="1"/>
+          </p:cNvSpPr>
+          <p:nvPr>
+            <p:ph type="ftr" sz="quarter" idx="11"/>
           </p:nvPr>
         </p:nvSpPr>
         <p:spPr/>
         <p:txBody>
           <a:bodyPr/>
-          <a:lstStyle/>
-          <a:p>
-            <a:fld id="{1A6AEB80-026E-4392-BB9A-CBAFF5361C7D}" type="slidenum">
+          <a:lstStyle>
+            <a:extLst/>
+          </a:lstStyle>
+          <a:p>
+            <a:endParaRPr lang="en-US"/>
+          </a:p>
+        </p:txBody>
+      </p:sp>
+      <p:sp>
+        <p:nvSpPr>
+          <p:cNvPr id="5" name="Slide Number Placeholder 4"/>
+          <p:cNvSpPr>
+            <a:spLocks noGrp="1"/>
+          </p:cNvSpPr>
+          <p:nvPr>
+            <p:ph type="sldNum" sz="quarter" idx="12"/>
+          </p:nvPr>
+        </p:nvSpPr>
+        <p:spPr/>
+        <p:txBody>
+          <a:bodyPr/>
+          <a:lstStyle>
+            <a:extLst/>
+          </a:lstStyle>
+          <a:p>
+            <a:fld id="{B6F15528-21DE-4FAA-801E-634DDDAF4B2B}" type="slidenum">
               <a:rPr lang="en-US" smtClean="0"/>
+              <a:pPr/>
               <a:t>‹#›</a:t>
             </a:fld>
             <a:endParaRPr lang="en-US"/>
@@ -2252,27 +2559,33 @@
       </p:sp>
       <p:sp>
         <p:nvSpPr>
-          <p:cNvPr id="9" name="Footer Placeholder 8"/>
-          <p:cNvSpPr>
-            <a:spLocks noGrp="1"/>
-          </p:cNvSpPr>
-          <p:nvPr>
-            <p:ph type="ftr" sz="quarter" idx="12"/>
+          <p:cNvPr id="6" name="Title 5"/>
+          <p:cNvSpPr>
+            <a:spLocks noGrp="1"/>
+          </p:cNvSpPr>
+          <p:nvPr>
+            <p:ph type="title"/>
           </p:nvPr>
         </p:nvSpPr>
         <p:spPr/>
         <p:txBody>
-          <a:bodyPr/>
-          <a:lstStyle/>
-          <a:p>
-            <a:endParaRPr lang="en-US"/>
+          <a:bodyPr rtlCol="0"/>
+          <a:lstStyle>
+            <a:extLst/>
+          </a:lstStyle>
+          <a:p>
+            <a:r>
+              <a:rPr kumimoji="0" lang="en-US" smtClean="0"/>
+              <a:t>Click to edit Master title style</a:t>
+            </a:r>
+            <a:endParaRPr kumimoji="0" lang="en-US"/>
           </a:p>
         </p:txBody>
       </p:sp>
     </p:spTree>
   </p:cSld>
   <p:clrMapOvr>
-    <a:masterClrMapping/>
+    <a:overrideClrMapping bg1="dk1" tx1="lt1" bg2="dk2" tx2="lt2" accent1="accent1" accent2="accent2" accent3="accent3" accent4="accent4" accent5="accent5" accent6="accent6" hlink="hlink" folHlink="folHlink"/>
   </p:clrMapOvr>
 </p:sldLayout>
 </file>
@@ -2307,10 +2620,13 @@
         <p:spPr/>
         <p:txBody>
           <a:bodyPr/>
-          <a:lstStyle/>
-          <a:p>
-            <a:fld id="{04FCFBAD-AADC-48B3-AAE4-6151E8E40AC9}" type="datetimeFigureOut">
+          <a:lstStyle>
+            <a:extLst/>
+          </a:lstStyle>
+          <a:p>
+            <a:fld id="{1D8BD707-D9CF-40AE-B4C6-C98DA3205C09}" type="datetimeFigureOut">
               <a:rPr lang="en-US" smtClean="0"/>
+              <a:pPr/>
               <a:t>10/28/2016</a:t>
             </a:fld>
             <a:endParaRPr lang="en-US"/>
@@ -2330,7 +2646,9 @@
         <p:spPr/>
         <p:txBody>
           <a:bodyPr/>
-          <a:lstStyle/>
+          <a:lstStyle>
+            <a:extLst/>
+          </a:lstStyle>
           <a:p>
             <a:endParaRPr lang="en-US"/>
           </a:p>
@@ -2349,10 +2667,13 @@
         <p:spPr/>
         <p:txBody>
           <a:bodyPr/>
-          <a:lstStyle/>
-          <a:p>
-            <a:fld id="{1A6AEB80-026E-4392-BB9A-CBAFF5361C7D}" type="slidenum">
+          <a:lstStyle>
+            <a:extLst/>
+          </a:lstStyle>
+          <a:p>
+            <a:fld id="{B6F15528-21DE-4FAA-801E-634DDDAF4B2B}" type="slidenum">
               <a:rPr lang="en-US" smtClean="0"/>
+              <a:pPr/>
               <a:t>‹#›</a:t>
             </a:fld>
             <a:endParaRPr lang="en-US"/>
@@ -2368,8 +2689,13 @@
 </file>
 
 <file path=ppt/slideLayouts/slideLayout8.xml><?xml version="1.0" encoding="utf-8"?>
-<p:sldLayout xmlns:a="http://schemas.openxmlformats.org/drawingml/2006/main" xmlns:r="http://schemas.openxmlformats.org/officeDocument/2006/relationships" xmlns:p="http://schemas.openxmlformats.org/presentationml/2006/main" type="objTx" preserve="1">
+<p:sldLayout xmlns:a="http://schemas.openxmlformats.org/drawingml/2006/main" xmlns:r="http://schemas.openxmlformats.org/officeDocument/2006/relationships" xmlns:p="http://schemas.openxmlformats.org/presentationml/2006/main" showMasterSp="0" type="objTx" preserve="1">
   <p:cSld name="Content with Caption">
+    <p:bg>
+      <p:bgRef idx="1003">
+        <a:schemeClr val="bg1"/>
+      </p:bgRef>
+    </p:bg>
     <p:spTree>
       <p:nvGrpSpPr>
         <p:cNvPr id="1" name=""/>
@@ -2396,21 +2722,28 @@
         </p:nvSpPr>
         <p:spPr>
           <a:xfrm>
-            <a:off x="457200" y="1185528"/>
-            <a:ext cx="3200400" cy="730250"/>
+            <a:off x="914400" y="4876800"/>
+            <a:ext cx="7481776" cy="457200"/>
           </a:xfrm>
         </p:spPr>
         <p:txBody>
-          <a:bodyPr tIns="0" bIns="0" anchor="t"/>
+          <a:bodyPr vert="horz" anchor="t">
+            <a:noAutofit/>
+            <a:sp3d prstMaterial="softEdge">
+              <a:bevelT w="0" h="0"/>
+            </a:sp3d>
+          </a:bodyPr>
           <a:lstStyle>
-            <a:lvl1pPr algn="l">
+            <a:lvl1pPr algn="r">
               <a:buNone/>
-              <a:defRPr sz="1800" b="1">
+              <a:defRPr sz="2500" b="0">
                 <a:solidFill>
                   <a:schemeClr val="accent1"/>
                 </a:solidFill>
+                <a:effectLst/>
               </a:defRPr>
             </a:lvl1pPr>
+            <a:extLst/>
           </a:lstStyle>
           <a:p>
             <a:r>
@@ -2433,16 +2766,16 @@
         </p:nvSpPr>
         <p:spPr>
           <a:xfrm>
-            <a:off x="457200" y="214424"/>
-            <a:ext cx="2743200" cy="914400"/>
+            <a:off x="4419600" y="5355102"/>
+            <a:ext cx="3974592" cy="914400"/>
           </a:xfrm>
         </p:spPr>
         <p:txBody>
-          <a:bodyPr lIns="45720" tIns="0" rIns="45720" bIns="0" anchor="b"/>
+          <a:bodyPr/>
           <a:lstStyle>
-            <a:lvl1pPr marL="0" indent="0" algn="l">
+            <a:lvl1pPr marL="0" indent="0" algn="r">
               <a:buNone/>
-              <a:defRPr sz="1400"/>
+              <a:defRPr sz="1600"/>
             </a:lvl1pPr>
             <a:lvl2pPr>
               <a:buNone/>
@@ -2460,6 +2793,7 @@
               <a:buNone/>
               <a:defRPr sz="900"/>
             </a:lvl5pPr>
+            <a:extLst/>
           </a:lstStyle>
           <a:p>
             <a:pPr lvl="0" eaLnBrk="1" latinLnBrk="0" hangingPunct="1"/>
@@ -2482,21 +2816,21 @@
         </p:nvSpPr>
         <p:spPr>
           <a:xfrm>
-            <a:off x="457200" y="1981200"/>
-            <a:ext cx="7086600" cy="3810000"/>
+            <a:off x="914400" y="274320"/>
+            <a:ext cx="7479792" cy="4572000"/>
           </a:xfrm>
         </p:spPr>
         <p:txBody>
           <a:bodyPr/>
           <a:lstStyle>
             <a:lvl1pPr>
-              <a:defRPr sz="2800"/>
+              <a:defRPr sz="3200"/>
             </a:lvl1pPr>
             <a:lvl2pPr>
-              <a:defRPr sz="2400"/>
+              <a:defRPr sz="2800"/>
             </a:lvl2pPr>
             <a:lvl3pPr>
-              <a:defRPr sz="2200"/>
+              <a:defRPr sz="2400"/>
             </a:lvl3pPr>
             <a:lvl4pPr>
               <a:defRPr sz="2000"/>
@@ -2504,6 +2838,7 @@
             <a:lvl5pPr>
               <a:defRPr sz="2000"/>
             </a:lvl5pPr>
+            <a:extLst/>
           </a:lstStyle>
           <a:p>
             <a:pPr lvl="0" eaLnBrk="1" latinLnBrk="0" hangingPunct="1"/>
@@ -2553,13 +2888,21 @@
             <p:ph type="dt" sz="half" idx="10"/>
           </p:nvPr>
         </p:nvSpPr>
-        <p:spPr/>
+        <p:spPr>
+          <a:xfrm>
+            <a:off x="6727032" y="6407944"/>
+            <a:ext cx="1920240" cy="365760"/>
+          </a:xfrm>
+        </p:spPr>
         <p:txBody>
           <a:bodyPr/>
-          <a:lstStyle/>
-          <a:p>
-            <a:fld id="{04FCFBAD-AADC-48B3-AAE4-6151E8E40AC9}" type="datetimeFigureOut">
+          <a:lstStyle>
+            <a:extLst/>
+          </a:lstStyle>
+          <a:p>
+            <a:fld id="{1D8BD707-D9CF-40AE-B4C6-C98DA3205C09}" type="datetimeFigureOut">
               <a:rPr lang="en-US" smtClean="0"/>
+              <a:pPr/>
               <a:t>10/28/2016</a:t>
             </a:fld>
             <a:endParaRPr lang="en-US"/>
@@ -2579,7 +2922,9 @@
         <p:spPr/>
         <p:txBody>
           <a:bodyPr/>
-          <a:lstStyle/>
+          <a:lstStyle>
+            <a:extLst/>
+          </a:lstStyle>
           <a:p>
             <a:endParaRPr lang="en-US"/>
           </a:p>
@@ -2595,18 +2940,16 @@
             <p:ph type="sldNum" sz="quarter" idx="12"/>
           </p:nvPr>
         </p:nvSpPr>
-        <p:spPr>
-          <a:xfrm>
-            <a:off x="8156448" y="6422064"/>
-            <a:ext cx="762000" cy="365125"/>
-          </a:xfrm>
-        </p:spPr>
+        <p:spPr/>
         <p:txBody>
           <a:bodyPr/>
-          <a:lstStyle/>
-          <a:p>
-            <a:fld id="{1A6AEB80-026E-4392-BB9A-CBAFF5361C7D}" type="slidenum">
+          <a:lstStyle>
+            <a:extLst/>
+          </a:lstStyle>
+          <a:p>
+            <a:fld id="{B6F15528-21DE-4FAA-801E-634DDDAF4B2B}" type="slidenum">
               <a:rPr lang="en-US" smtClean="0"/>
+              <a:pPr/>
               <a:t>‹#›</a:t>
             </a:fld>
             <a:endParaRPr lang="en-US"/>
@@ -2616,7 +2959,7 @@
     </p:spTree>
   </p:cSld>
   <p:clrMapOvr>
-    <a:masterClrMapping/>
+    <a:overrideClrMapping bg1="lt1" tx1="dk1" bg2="lt2" tx2="dk2" accent1="accent1" accent2="accent2" accent3="accent3" accent4="accent4" accent5="accent5" accent6="accent6" hlink="hlink" folHlink="folHlink"/>
   </p:clrMapOvr>
 </p:sldLayout>
 </file>
@@ -2624,263 +2967,9 @@
 <file path=ppt/slideLayouts/slideLayout9.xml><?xml version="1.0" encoding="utf-8"?>
 <p:sldLayout xmlns:a="http://schemas.openxmlformats.org/drawingml/2006/main" xmlns:r="http://schemas.openxmlformats.org/officeDocument/2006/relationships" xmlns:p="http://schemas.openxmlformats.org/presentationml/2006/main" showMasterSp="0" type="picTx" preserve="1">
   <p:cSld name="Picture with Caption">
-    <p:spTree>
-      <p:nvGrpSpPr>
-        <p:cNvPr id="1" name=""/>
-        <p:cNvGrpSpPr/>
-        <p:nvPr/>
-      </p:nvGrpSpPr>
-      <p:grpSpPr>
-        <a:xfrm>
-          <a:off x="0" y="0"/>
-          <a:ext cx="0" cy="0"/>
-          <a:chOff x="0" y="0"/>
-          <a:chExt cx="0" cy="0"/>
-        </a:xfrm>
-      </p:grpSpPr>
-      <p:sp>
-        <p:nvSpPr>
-          <p:cNvPr id="2" name="Title 1"/>
-          <p:cNvSpPr>
-            <a:spLocks noGrp="1"/>
-          </p:cNvSpPr>
-          <p:nvPr>
-            <p:ph type="title"/>
-          </p:nvPr>
-        </p:nvSpPr>
-        <p:spPr>
-          <a:xfrm>
-            <a:off x="5556732" y="1705709"/>
-            <a:ext cx="3053868" cy="1253808"/>
-          </a:xfrm>
-        </p:spPr>
-        <p:txBody>
-          <a:bodyPr anchor="b"/>
-          <a:lstStyle>
-            <a:lvl1pPr algn="l">
-              <a:buNone/>
-              <a:defRPr sz="2200" b="1">
-                <a:solidFill>
-                  <a:schemeClr val="accent1"/>
-                </a:solidFill>
-              </a:defRPr>
-            </a:lvl1pPr>
-          </a:lstStyle>
-          <a:p>
-            <a:r>
-              <a:rPr kumimoji="0" lang="en-US" smtClean="0"/>
-              <a:t>Click to edit Master title style</a:t>
-            </a:r>
-            <a:endParaRPr kumimoji="0" lang="en-US"/>
-          </a:p>
-        </p:txBody>
-      </p:sp>
-      <p:sp>
-        <p:nvSpPr>
-          <p:cNvPr id="3" name="Picture Placeholder 2"/>
-          <p:cNvSpPr>
-            <a:spLocks noGrp="1"/>
-          </p:cNvSpPr>
-          <p:nvPr>
-            <p:ph type="pic" idx="1"/>
-          </p:nvPr>
-        </p:nvSpPr>
-        <p:spPr>
-          <a:xfrm>
-            <a:off x="1065628" y="1019907"/>
-            <a:ext cx="4114800" cy="4114800"/>
-          </a:xfrm>
-          <a:prstGeom prst="ellipse">
-            <a:avLst/>
-          </a:prstGeom>
-          <a:solidFill>
-            <a:schemeClr val="bg2">
-              <a:shade val="50000"/>
-            </a:schemeClr>
-          </a:solidFill>
-          <a:ln w="50800" cap="flat">
-            <a:solidFill>
-              <a:schemeClr val="bg2"/>
-            </a:solidFill>
-            <a:miter lim="800000"/>
-          </a:ln>
-          <a:effectLst>
-            <a:outerShdw blurRad="152000" dist="345000" dir="5400000" sx="-80000" sy="-18000" rotWithShape="0">
-              <a:srgbClr val="000000">
-                <a:alpha val="25000"/>
-              </a:srgbClr>
-            </a:outerShdw>
-          </a:effectLst>
-          <a:scene3d>
-            <a:camera prst="orthographicFront"/>
-            <a:lightRig rig="contrasting" dir="t">
-              <a:rot lat="0" lon="0" rev="2400000"/>
-            </a:lightRig>
-          </a:scene3d>
-          <a:sp3d contourW="7620">
-            <a:bevelT w="63500" h="63500"/>
-            <a:contourClr>
-              <a:schemeClr val="bg2">
-                <a:shade val="50000"/>
-              </a:schemeClr>
-            </a:contourClr>
-          </a:sp3d>
-        </p:spPr>
-        <p:txBody>
-          <a:bodyPr/>
-          <a:lstStyle>
-            <a:lvl1pPr marL="0" indent="0">
-              <a:buNone/>
-              <a:defRPr sz="3200"/>
-            </a:lvl1pPr>
-          </a:lstStyle>
-          <a:p>
-            <a:r>
-              <a:rPr kumimoji="0" lang="en-US" smtClean="0"/>
-              <a:t>Click icon to add picture</a:t>
-            </a:r>
-            <a:endParaRPr kumimoji="0" lang="en-US" dirty="0"/>
-          </a:p>
-        </p:txBody>
-      </p:sp>
-      <p:sp>
-        <p:nvSpPr>
-          <p:cNvPr id="4" name="Text Placeholder 3"/>
-          <p:cNvSpPr>
-            <a:spLocks noGrp="1"/>
-          </p:cNvSpPr>
-          <p:nvPr>
-            <p:ph type="body" sz="half" idx="2"/>
-          </p:nvPr>
-        </p:nvSpPr>
-        <p:spPr>
-          <a:xfrm>
-            <a:off x="5556734" y="2998765"/>
-            <a:ext cx="3053866" cy="2663482"/>
-          </a:xfrm>
-        </p:spPr>
-        <p:txBody>
-          <a:bodyPr lIns="45720" rIns="45720"/>
-          <a:lstStyle>
-            <a:lvl1pPr marL="0" indent="0">
-              <a:buFontTx/>
-              <a:buNone/>
-              <a:defRPr sz="1200"/>
-            </a:lvl1pPr>
-            <a:lvl2pPr>
-              <a:buFontTx/>
-              <a:buNone/>
-              <a:defRPr sz="1200"/>
-            </a:lvl2pPr>
-            <a:lvl3pPr>
-              <a:buFontTx/>
-              <a:buNone/>
-              <a:defRPr sz="1000"/>
-            </a:lvl3pPr>
-            <a:lvl4pPr>
-              <a:buFontTx/>
-              <a:buNone/>
-              <a:defRPr sz="900"/>
-            </a:lvl4pPr>
-            <a:lvl5pPr>
-              <a:buFontTx/>
-              <a:buNone/>
-              <a:defRPr sz="900"/>
-            </a:lvl5pPr>
-          </a:lstStyle>
-          <a:p>
-            <a:pPr lvl="0" eaLnBrk="1" latinLnBrk="0" hangingPunct="1"/>
-            <a:r>
-              <a:rPr kumimoji="0" lang="en-US" smtClean="0"/>
-              <a:t>Click to edit Master text styles</a:t>
-            </a:r>
-          </a:p>
-        </p:txBody>
-      </p:sp>
-      <p:sp>
-        <p:nvSpPr>
-          <p:cNvPr id="5" name="Date Placeholder 4"/>
-          <p:cNvSpPr>
-            <a:spLocks noGrp="1"/>
-          </p:cNvSpPr>
-          <p:nvPr>
-            <p:ph type="dt" sz="half" idx="10"/>
-          </p:nvPr>
-        </p:nvSpPr>
-        <p:spPr>
-          <a:xfrm>
-            <a:off x="457200" y="6422064"/>
-            <a:ext cx="2133600" cy="365125"/>
-          </a:xfrm>
-        </p:spPr>
-        <p:txBody>
-          <a:bodyPr/>
-          <a:lstStyle/>
-          <a:p>
-            <a:fld id="{04FCFBAD-AADC-48B3-AAE4-6151E8E40AC9}" type="datetimeFigureOut">
-              <a:rPr lang="en-US" smtClean="0"/>
-              <a:t>10/28/2016</a:t>
-            </a:fld>
-            <a:endParaRPr lang="en-US"/>
-          </a:p>
-        </p:txBody>
-      </p:sp>
-      <p:sp>
-        <p:nvSpPr>
-          <p:cNvPr id="6" name="Footer Placeholder 5"/>
-          <p:cNvSpPr>
-            <a:spLocks noGrp="1"/>
-          </p:cNvSpPr>
-          <p:nvPr>
-            <p:ph type="ftr" sz="quarter" idx="11"/>
-          </p:nvPr>
-        </p:nvSpPr>
-        <p:spPr/>
-        <p:txBody>
-          <a:bodyPr/>
-          <a:lstStyle/>
-          <a:p>
-            <a:endParaRPr lang="en-US"/>
-          </a:p>
-        </p:txBody>
-      </p:sp>
-      <p:sp>
-        <p:nvSpPr>
-          <p:cNvPr id="7" name="Slide Number Placeholder 6"/>
-          <p:cNvSpPr>
-            <a:spLocks noGrp="1"/>
-          </p:cNvSpPr>
-          <p:nvPr>
-            <p:ph type="sldNum" sz="quarter" idx="12"/>
-          </p:nvPr>
-        </p:nvSpPr>
-        <p:spPr/>
-        <p:txBody>
-          <a:bodyPr/>
-          <a:lstStyle/>
-          <a:p>
-            <a:fld id="{1A6AEB80-026E-4392-BB9A-CBAFF5361C7D}" type="slidenum">
-              <a:rPr lang="en-US" smtClean="0"/>
-              <a:t>‹#›</a:t>
-            </a:fld>
-            <a:endParaRPr lang="en-US"/>
-          </a:p>
-        </p:txBody>
-      </p:sp>
-    </p:spTree>
-  </p:cSld>
-  <p:clrMapOvr>
-    <a:masterClrMapping/>
-  </p:clrMapOvr>
-</p:sldLayout>
-</file>
-
-<file path=ppt/slideMasters/slideMaster1.xml><?xml version="1.0" encoding="utf-8"?>
-<p:sldMaster xmlns:a="http://schemas.openxmlformats.org/drawingml/2006/main" xmlns:r="http://schemas.openxmlformats.org/officeDocument/2006/relationships" xmlns:p="http://schemas.openxmlformats.org/presentationml/2006/main">
-  <p:cSld>
     <p:bg>
-      <p:bgRef idx="1001">
-        <a:schemeClr val="bg2"/>
+      <p:bgRef idx="1002">
+        <a:schemeClr val="bg1"/>
       </p:bgRef>
     </p:bg>
     <p:spTree>
@@ -2899,7 +2988,251 @@
       </p:grpSpPr>
       <p:sp>
         <p:nvSpPr>
-          <p:cNvPr id="12" name="Freeform 11"/>
+          <p:cNvPr id="4" name="Text Placeholder 3"/>
+          <p:cNvSpPr>
+            <a:spLocks noGrp="1"/>
+          </p:cNvSpPr>
+          <p:nvPr>
+            <p:ph type="body" sz="half" idx="2"/>
+          </p:nvPr>
+        </p:nvSpPr>
+        <p:spPr>
+          <a:xfrm>
+            <a:off x="1141232" y="5443402"/>
+            <a:ext cx="7162800" cy="648232"/>
+          </a:xfrm>
+          <a:noFill/>
+        </p:spPr>
+        <p:txBody>
+          <a:bodyPr lIns="91440" tIns="0" rIns="91440" anchor="t"/>
+          <a:lstStyle>
+            <a:lvl1pPr marL="0" marR="18288" indent="0" algn="r">
+              <a:buNone/>
+              <a:defRPr sz="1400"/>
+            </a:lvl1pPr>
+            <a:lvl2pPr>
+              <a:defRPr sz="1200"/>
+            </a:lvl2pPr>
+            <a:lvl3pPr>
+              <a:defRPr sz="1000"/>
+            </a:lvl3pPr>
+            <a:lvl4pPr>
+              <a:defRPr sz="900"/>
+            </a:lvl4pPr>
+            <a:lvl5pPr>
+              <a:defRPr sz="900"/>
+            </a:lvl5pPr>
+            <a:extLst/>
+          </a:lstStyle>
+          <a:p>
+            <a:pPr lvl="0" eaLnBrk="1" latinLnBrk="0" hangingPunct="1"/>
+            <a:r>
+              <a:rPr kumimoji="0" lang="en-US" smtClean="0"/>
+              <a:t>Click to edit Master text styles</a:t>
+            </a:r>
+          </a:p>
+        </p:txBody>
+      </p:sp>
+      <p:sp>
+        <p:nvSpPr>
+          <p:cNvPr id="3" name="Picture Placeholder 2"/>
+          <p:cNvSpPr>
+            <a:spLocks noGrp="1"/>
+          </p:cNvSpPr>
+          <p:nvPr>
+            <p:ph type="pic" idx="1"/>
+          </p:nvPr>
+        </p:nvSpPr>
+        <p:spPr>
+          <a:xfrm>
+            <a:off x="228600" y="189968"/>
+            <a:ext cx="8686800" cy="4389120"/>
+          </a:xfrm>
+          <a:prstGeom prst="rect">
+            <a:avLst/>
+          </a:prstGeom>
+          <a:solidFill>
+            <a:schemeClr val="bg2"/>
+          </a:solidFill>
+          <a:ln>
+            <a:solidFill>
+              <a:schemeClr val="bg1"/>
+            </a:solidFill>
+          </a:ln>
+          <a:effectLst>
+            <a:innerShdw blurRad="95250">
+              <a:srgbClr val="000000"/>
+            </a:innerShdw>
+          </a:effectLst>
+        </p:spPr>
+        <p:txBody>
+          <a:bodyPr/>
+          <a:lstStyle>
+            <a:lvl1pPr marL="0" indent="0">
+              <a:buNone/>
+              <a:defRPr sz="3200"/>
+            </a:lvl1pPr>
+            <a:extLst/>
+          </a:lstStyle>
+          <a:p>
+            <a:r>
+              <a:rPr kumimoji="0" lang="en-US" smtClean="0"/>
+              <a:t>Click icon to add picture</a:t>
+            </a:r>
+            <a:endParaRPr kumimoji="0" lang="en-US" dirty="0"/>
+          </a:p>
+        </p:txBody>
+      </p:sp>
+      <p:sp>
+        <p:nvSpPr>
+          <p:cNvPr id="5" name="Date Placeholder 4"/>
+          <p:cNvSpPr>
+            <a:spLocks noGrp="1"/>
+          </p:cNvSpPr>
+          <p:nvPr>
+            <p:ph type="dt" sz="half" idx="10"/>
+          </p:nvPr>
+        </p:nvSpPr>
+        <p:spPr/>
+        <p:txBody>
+          <a:bodyPr/>
+          <a:lstStyle>
+            <a:lvl1pPr>
+              <a:defRPr>
+                <a:solidFill>
+                  <a:schemeClr val="tx1"/>
+                </a:solidFill>
+              </a:defRPr>
+            </a:lvl1pPr>
+            <a:extLst/>
+          </a:lstStyle>
+          <a:p>
+            <a:fld id="{1D8BD707-D9CF-40AE-B4C6-C98DA3205C09}" type="datetimeFigureOut">
+              <a:rPr lang="en-US" smtClean="0"/>
+              <a:pPr/>
+              <a:t>10/28/2016</a:t>
+            </a:fld>
+            <a:endParaRPr lang="en-US"/>
+          </a:p>
+        </p:txBody>
+      </p:sp>
+      <p:sp>
+        <p:nvSpPr>
+          <p:cNvPr id="6" name="Footer Placeholder 5"/>
+          <p:cNvSpPr>
+            <a:spLocks noGrp="1"/>
+          </p:cNvSpPr>
+          <p:nvPr>
+            <p:ph type="ftr" sz="quarter" idx="11"/>
+          </p:nvPr>
+        </p:nvSpPr>
+        <p:spPr>
+          <a:xfrm>
+            <a:off x="4380072" y="6407944"/>
+            <a:ext cx="2350681" cy="365125"/>
+          </a:xfrm>
+        </p:spPr>
+        <p:txBody>
+          <a:bodyPr/>
+          <a:lstStyle>
+            <a:lvl1pPr>
+              <a:defRPr>
+                <a:solidFill>
+                  <a:schemeClr val="tx1"/>
+                </a:solidFill>
+              </a:defRPr>
+            </a:lvl1pPr>
+            <a:extLst/>
+          </a:lstStyle>
+          <a:p>
+            <a:endParaRPr lang="en-US"/>
+          </a:p>
+        </p:txBody>
+      </p:sp>
+      <p:sp>
+        <p:nvSpPr>
+          <p:cNvPr id="7" name="Slide Number Placeholder 6"/>
+          <p:cNvSpPr>
+            <a:spLocks noGrp="1"/>
+          </p:cNvSpPr>
+          <p:nvPr>
+            <p:ph type="sldNum" sz="quarter" idx="12"/>
+          </p:nvPr>
+        </p:nvSpPr>
+        <p:spPr/>
+        <p:txBody>
+          <a:bodyPr/>
+          <a:lstStyle>
+            <a:lvl1pPr>
+              <a:defRPr>
+                <a:solidFill>
+                  <a:schemeClr val="tx1"/>
+                </a:solidFill>
+              </a:defRPr>
+            </a:lvl1pPr>
+            <a:extLst/>
+          </a:lstStyle>
+          <a:p>
+            <a:fld id="{B6F15528-21DE-4FAA-801E-634DDDAF4B2B}" type="slidenum">
+              <a:rPr lang="en-US" smtClean="0"/>
+              <a:pPr/>
+              <a:t>‹#›</a:t>
+            </a:fld>
+            <a:endParaRPr lang="en-US"/>
+          </a:p>
+        </p:txBody>
+      </p:sp>
+      <p:sp>
+        <p:nvSpPr>
+          <p:cNvPr id="2" name="Title 1"/>
+          <p:cNvSpPr>
+            <a:spLocks noGrp="1"/>
+          </p:cNvSpPr>
+          <p:nvPr>
+            <p:ph type="title"/>
+          </p:nvPr>
+        </p:nvSpPr>
+        <p:spPr>
+          <a:xfrm>
+            <a:off x="228600" y="4865122"/>
+            <a:ext cx="8075432" cy="562672"/>
+          </a:xfrm>
+          <a:noFill/>
+        </p:spPr>
+        <p:txBody>
+          <a:bodyPr anchor="t">
+            <a:sp3d prstMaterial="softEdge"/>
+          </a:bodyPr>
+          <a:lstStyle>
+            <a:lvl1pPr marR="0" algn="r">
+              <a:buNone/>
+              <a:defRPr sz="3000" b="0">
+                <a:solidFill>
+                  <a:schemeClr val="accent1"/>
+                </a:solidFill>
+                <a:effectLst>
+                  <a:outerShdw blurRad="50800" dist="25000" dir="5400000" algn="t" rotWithShape="0">
+                    <a:prstClr val="black">
+                      <a:alpha val="45000"/>
+                    </a:prstClr>
+                  </a:outerShdw>
+                </a:effectLst>
+              </a:defRPr>
+            </a:lvl1pPr>
+            <a:extLst/>
+          </a:lstStyle>
+          <a:p>
+            <a:r>
+              <a:rPr kumimoji="0" lang="en-US" smtClean="0"/>
+              <a:t>Click to edit Master title style</a:t>
+            </a:r>
+            <a:endParaRPr kumimoji="0" lang="en-US"/>
+          </a:p>
+        </p:txBody>
+      </p:sp>
+      <p:sp>
+        <p:nvSpPr>
+          <p:cNvPr id="8" name="Freeform 7"/>
           <p:cNvSpPr>
             <a:spLocks/>
           </p:cNvSpPr>
@@ -2907,8 +3240,8 @@
         </p:nvSpPr>
         <p:spPr bwMode="auto">
           <a:xfrm>
-            <a:off x="0" y="4752126"/>
-            <a:ext cx="9144000" cy="2112962"/>
+            <a:off x="499273" y="5944936"/>
+            <a:ext cx="4940624" cy="921076"/>
           </a:xfrm>
           <a:custGeom>
             <a:avLst>
@@ -2925,148 +3258,40 @@
             <a:ahLst/>
             <a:cxnLst>
               <a:cxn ang="0">
-                <a:pos x="0" y="1066"/>
-              </a:cxn>
-              <a:cxn ang="0">
-                <a:pos x="0" y="1331"/>
-              </a:cxn>
-              <a:cxn ang="0">
-                <a:pos x="5760" y="1331"/>
+                <a:pos x="0" y="0"/>
               </a:cxn>
               <a:cxn ang="0">
                 <a:pos x="5760" y="0"/>
               </a:cxn>
               <a:cxn ang="0">
-                <a:pos x="0" y="1066"/>
+                <a:pos x="5760" y="528"/>
+              </a:cxn>
+              <a:cxn ang="0">
+                <a:pos x="48" y="0"/>
               </a:cxn>
             </a:cxnLst>
             <a:rect l="0" t="0" r="0" b="0"/>
             <a:pathLst>
-              <a:path w="5760" h="1331">
+              <a:path w="7485" h="337">
                 <a:moveTo>
-                  <a:pt x="0" y="1066"/>
+                  <a:pt x="0" y="2"/>
                 </a:moveTo>
                 <a:lnTo>
-                  <a:pt x="0" y="1331"/>
+                  <a:pt x="7485" y="337"/>
                 </a:lnTo>
                 <a:lnTo>
-                  <a:pt x="5760" y="1331"/>
+                  <a:pt x="5558" y="337"/>
                 </a:lnTo>
                 <a:lnTo>
-                  <a:pt x="5760" y="0"/>
+                  <a:pt x="1" y="0"/>
                 </a:lnTo>
-                <a:cubicBezTo>
-                  <a:pt x="3220" y="1206"/>
-                  <a:pt x="2250" y="1146"/>
-                  <a:pt x="0" y="1066"/>
-                </a:cubicBezTo>
-                <a:close/>
               </a:path>
             </a:pathLst>
           </a:custGeom>
           <a:solidFill>
-            <a:schemeClr val="bg1">
-              <a:tint val="80000"/>
-              <a:satMod val="200000"/>
-              <a:alpha val="45000"/>
-            </a:schemeClr>
-          </a:solidFill>
-          <a:ln w="9525" cap="flat" cmpd="sng" algn="ctr">
-            <a:noFill/>
-            <a:prstDash val="solid"/>
-            <a:round/>
-            <a:headEnd type="none" w="med" len="med"/>
-            <a:tailEnd type="none" w="med" len="med"/>
-          </a:ln>
-          <a:effectLst>
-            <a:outerShdw blurRad="50800" dist="44450" dir="16200000" algn="ctr" rotWithShape="0">
-              <a:prstClr val="black">
-                <a:alpha val="35000"/>
-              </a:prstClr>
-            </a:outerShdw>
-          </a:effectLst>
-        </p:spPr>
-        <p:txBody>
-          <a:bodyPr vert="horz" wrap="square" lIns="91440" tIns="45720" rIns="91440" bIns="45720" anchor="t" compatLnSpc="1"/>
-          <a:lstStyle/>
-          <a:p>
-            <a:endParaRPr kumimoji="0" lang="en-US"/>
-          </a:p>
-        </p:txBody>
-      </p:sp>
-      <p:sp>
-        <p:nvSpPr>
-          <p:cNvPr id="16" name="Freeform 15"/>
-          <p:cNvSpPr>
-            <a:spLocks/>
-          </p:cNvSpPr>
-          <p:nvPr/>
-        </p:nvSpPr>
-        <p:spPr bwMode="auto">
-          <a:xfrm>
-            <a:off x="7315200" y="0"/>
-            <a:ext cx="1828800" cy="6858000"/>
-          </a:xfrm>
-          <a:custGeom>
-            <a:avLst/>
-            <a:gdLst>
-              <a:gd name="connsiteX0" fmla="*/ 1914 w 1914"/>
-              <a:gd name="connsiteY0" fmla="*/ 9 h 4329"/>
-              <a:gd name="connsiteX1" fmla="*/ 1914 w 1914"/>
-              <a:gd name="connsiteY1" fmla="*/ 4329 h 4329"/>
-              <a:gd name="connsiteX2" fmla="*/ 204 w 1914"/>
-              <a:gd name="connsiteY2" fmla="*/ 4327 h 4329"/>
-              <a:gd name="connsiteX3" fmla="*/ 0 w 1914"/>
-              <a:gd name="connsiteY3" fmla="*/ 0 h 4329"/>
-              <a:gd name="connsiteX4" fmla="*/ 1914 w 1914"/>
-              <a:gd name="connsiteY4" fmla="*/ 9 h 4329"/>
-            </a:gdLst>
-            <a:ahLst/>
-            <a:cxnLst>
-              <a:cxn ang="0">
-                <a:pos x="connsiteX0" y="connsiteY0"/>
-              </a:cxn>
-              <a:cxn ang="0">
-                <a:pos x="connsiteX1" y="connsiteY1"/>
-              </a:cxn>
-              <a:cxn ang="0">
-                <a:pos x="connsiteX2" y="connsiteY2"/>
-              </a:cxn>
-              <a:cxn ang="0">
-                <a:pos x="connsiteX3" y="connsiteY3"/>
-              </a:cxn>
-              <a:cxn ang="0">
-                <a:pos x="connsiteX4" y="connsiteY4"/>
-              </a:cxn>
-            </a:cxnLst>
-            <a:rect l="l" t="t" r="r" b="b"/>
-            <a:pathLst>
-              <a:path w="1914" h="4329">
-                <a:moveTo>
-                  <a:pt x="1914" y="9"/>
-                </a:moveTo>
-                <a:lnTo>
-                  <a:pt x="1914" y="4329"/>
-                </a:lnTo>
-                <a:lnTo>
-                  <a:pt x="204" y="4327"/>
-                </a:lnTo>
-                <a:cubicBezTo>
-                  <a:pt x="1288" y="3574"/>
-                  <a:pt x="2082" y="1734"/>
-                  <a:pt x="0" y="0"/>
-                </a:cubicBezTo>
-                <a:lnTo>
-                  <a:pt x="1914" y="9"/>
-                </a:lnTo>
-                <a:close/>
-              </a:path>
-            </a:pathLst>
-          </a:custGeom>
-          <a:solidFill>
-            <a:schemeClr val="bg1">
-              <a:tint val="90000"/>
-              <a:satMod val="350000"/>
+            <a:schemeClr val="accent1">
+              <a:tint val="65000"/>
+              <a:satMod val="115000"/>
               <a:alpha val="40000"/>
             </a:schemeClr>
           </a:solidFill>
@@ -3077,22 +3302,784 @@
             <a:headEnd type="none" w="med" len="med"/>
             <a:tailEnd type="none" w="med" len="med"/>
           </a:ln>
+          <a:effectLst/>
+        </p:spPr>
+        <p:txBody>
+          <a:bodyPr vert="horz" wrap="square" lIns="91440" tIns="45720" rIns="91440" bIns="45720" anchor="t" compatLnSpc="1"/>
+          <a:lstStyle>
+            <a:extLst/>
+          </a:lstStyle>
+          <a:p>
+            <a:endParaRPr kumimoji="0" lang="en-US"/>
+          </a:p>
+        </p:txBody>
+      </p:sp>
+      <p:sp>
+        <p:nvSpPr>
+          <p:cNvPr id="9" name="Freeform 8"/>
+          <p:cNvSpPr>
+            <a:spLocks/>
+          </p:cNvSpPr>
+          <p:nvPr/>
+        </p:nvSpPr>
+        <p:spPr bwMode="auto">
+          <a:xfrm>
+            <a:off x="485717" y="5939011"/>
+            <a:ext cx="3690451" cy="933450"/>
+          </a:xfrm>
+          <a:custGeom>
+            <a:avLst>
+              <a:gd name="A1" fmla="val 0"/>
+              <a:gd name="A2" fmla="val 0"/>
+              <a:gd name="A3" fmla="val 0"/>
+              <a:gd name="A4" fmla="val 0"/>
+              <a:gd name="A5" fmla="val 0"/>
+              <a:gd name="A6" fmla="val 0"/>
+              <a:gd name="A7" fmla="val 0"/>
+              <a:gd name="A8" fmla="val 0"/>
+            </a:avLst>
+            <a:gdLst/>
+            <a:ahLst/>
+            <a:cxnLst>
+              <a:cxn ang="0">
+                <a:pos x="0" y="0"/>
+              </a:cxn>
+              <a:cxn ang="0">
+                <a:pos x="5760" y="0"/>
+              </a:cxn>
+              <a:cxn ang="0">
+                <a:pos x="5760" y="528"/>
+              </a:cxn>
+              <a:cxn ang="0">
+                <a:pos x="48" y="0"/>
+              </a:cxn>
+            </a:cxnLst>
+            <a:rect l="0" t="0" r="0" b="0"/>
+            <a:pathLst>
+              <a:path w="5591" h="588">
+                <a:moveTo>
+                  <a:pt x="0" y="0"/>
+                </a:moveTo>
+                <a:lnTo>
+                  <a:pt x="5591" y="585"/>
+                </a:lnTo>
+                <a:lnTo>
+                  <a:pt x="4415" y="588"/>
+                </a:lnTo>
+                <a:lnTo>
+                  <a:pt x="12" y="4"/>
+                </a:lnTo>
+              </a:path>
+            </a:pathLst>
+          </a:custGeom>
+          <a:solidFill>
+            <a:srgbClr val="000000">
+              <a:alpha val="100000"/>
+            </a:srgbClr>
+          </a:solidFill>
+          <a:ln w="9525" cap="flat" cmpd="sng" algn="ctr">
+            <a:noFill/>
+            <a:prstDash val="solid"/>
+            <a:round/>
+            <a:headEnd type="none" w="med" len="med"/>
+            <a:tailEnd type="none" w="med" len="med"/>
+          </a:ln>
+          <a:effectLst/>
+        </p:spPr>
+        <p:txBody>
+          <a:bodyPr vert="horz" wrap="square" lIns="91440" tIns="45720" rIns="91440" bIns="45720" anchor="t" compatLnSpc="1"/>
+          <a:lstStyle>
+            <a:extLst/>
+          </a:lstStyle>
+          <a:p>
+            <a:endParaRPr kumimoji="0" lang="en-US"/>
+          </a:p>
+        </p:txBody>
+      </p:sp>
+      <p:sp>
+        <p:nvSpPr>
+          <p:cNvPr id="10" name="Right Triangle 9"/>
+          <p:cNvSpPr>
+            <a:spLocks/>
+          </p:cNvSpPr>
+          <p:nvPr/>
+        </p:nvSpPr>
+        <p:spPr bwMode="auto">
+          <a:xfrm>
+            <a:off x="-6042" y="5791253"/>
+            <a:ext cx="3402314" cy="1080868"/>
+          </a:xfrm>
+          <a:prstGeom prst="rtTriangle">
+            <a:avLst/>
+          </a:prstGeom>
+          <a:blipFill>
+            <a:blip r:embed="rId2">
+              <a:alphaModFix amt="50000"/>
+            </a:blip>
+            <a:tile tx="0" ty="0" sx="50000" sy="50000" flip="none" algn="t"/>
+          </a:blipFill>
+          <a:ln w="12700" cap="rnd" cmpd="thickThin" algn="ctr">
+            <a:noFill/>
+            <a:prstDash val="solid"/>
+          </a:ln>
           <a:effectLst>
-            <a:outerShdw blurRad="50800" dist="50800" dir="10800000" algn="ctr" rotWithShape="0">
-              <a:prstClr val="black">
-                <a:alpha val="45000"/>
-              </a:prstClr>
+            <a:fillOverlay blend="mult">
+              <a:gradFill flip="none" rotWithShape="1">
+                <a:gsLst>
+                  <a:gs pos="0">
+                    <a:schemeClr val="accent1">
+                      <a:shade val="20000"/>
+                      <a:satMod val="176000"/>
+                      <a:alpha val="100000"/>
+                    </a:schemeClr>
+                  </a:gs>
+                  <a:gs pos="18000">
+                    <a:schemeClr val="accent1">
+                      <a:shade val="48000"/>
+                      <a:satMod val="153000"/>
+                      <a:alpha val="100000"/>
+                    </a:schemeClr>
+                  </a:gs>
+                  <a:gs pos="43000">
+                    <a:schemeClr val="accent1">
+                      <a:tint val="86000"/>
+                      <a:satMod val="149000"/>
+                      <a:alpha val="100000"/>
+                    </a:schemeClr>
+                  </a:gs>
+                  <a:gs pos="45000">
+                    <a:schemeClr val="accent1">
+                      <a:tint val="85000"/>
+                      <a:satMod val="150000"/>
+                      <a:alpha val="100000"/>
+                    </a:schemeClr>
+                  </a:gs>
+                  <a:gs pos="50000">
+                    <a:schemeClr val="accent1">
+                      <a:tint val="86000"/>
+                      <a:satMod val="149000"/>
+                      <a:alpha val="100000"/>
+                    </a:schemeClr>
+                  </a:gs>
+                  <a:gs pos="79000">
+                    <a:schemeClr val="accent1">
+                      <a:shade val="53000"/>
+                      <a:satMod val="150000"/>
+                      <a:alpha val="100000"/>
+                    </a:schemeClr>
+                  </a:gs>
+                  <a:gs pos="100000">
+                    <a:schemeClr val="accent1">
+                      <a:shade val="25000"/>
+                      <a:satMod val="170000"/>
+                      <a:alpha val="100000"/>
+                    </a:schemeClr>
+                  </a:gs>
+                </a:gsLst>
+                <a:lin ang="450000" scaled="1"/>
+                <a:tileRect/>
+              </a:gradFill>
+            </a:fillOverlay>
+          </a:effectLst>
+        </p:spPr>
+        <p:style>
+          <a:lnRef idx="3">
+            <a:schemeClr val="lt1"/>
+          </a:lnRef>
+          <a:fillRef idx="1">
+            <a:schemeClr val="accent1"/>
+          </a:fillRef>
+          <a:effectRef idx="1">
+            <a:schemeClr val="accent1"/>
+          </a:effectRef>
+          <a:fontRef idx="minor">
+            <a:schemeClr val="lt1"/>
+          </a:fontRef>
+        </p:style>
+        <p:txBody>
+          <a:bodyPr vert="horz" wrap="square" lIns="91440" tIns="45720" rIns="91440" bIns="45720" anchor="ctr" compatLnSpc="1"/>
+          <a:lstStyle>
+            <a:extLst/>
+          </a:lstStyle>
+          <a:p>
+            <a:pPr algn="ctr" eaLnBrk="1" latinLnBrk="0" hangingPunct="1"/>
+            <a:endParaRPr kumimoji="0" lang="en-US"/>
+          </a:p>
+        </p:txBody>
+      </p:sp>
+      <p:cxnSp>
+        <p:nvCxnSpPr>
+          <p:cNvPr id="11" name="Straight Connector 10"/>
+          <p:cNvCxnSpPr/>
+          <p:nvPr/>
+        </p:nvCxnSpPr>
+        <p:spPr>
+          <a:xfrm>
+            <a:off x="-9237" y="5787738"/>
+            <a:ext cx="3405509" cy="1084383"/>
+          </a:xfrm>
+          <a:prstGeom prst="line">
+            <a:avLst/>
+          </a:prstGeom>
+          <a:noFill/>
+          <a:ln w="12065" cap="flat" cmpd="sng" algn="ctr">
+            <a:gradFill>
+              <a:gsLst>
+                <a:gs pos="45000">
+                  <a:schemeClr val="accent1">
+                    <a:tint val="70000"/>
+                    <a:satMod val="110000"/>
+                  </a:schemeClr>
+                </a:gs>
+                <a:gs pos="15000">
+                  <a:schemeClr val="accent1">
+                    <a:shade val="40000"/>
+                    <a:satMod val="110000"/>
+                  </a:schemeClr>
+                </a:gs>
+              </a:gsLst>
+              <a:lin ang="5400000" scaled="1"/>
+            </a:gradFill>
+            <a:prstDash val="solid"/>
+            <a:miter lim="800000"/>
+          </a:ln>
+          <a:effectLst/>
+        </p:spPr>
+        <p:style>
+          <a:lnRef idx="2">
+            <a:schemeClr val="accent1"/>
+          </a:lnRef>
+          <a:fillRef idx="0">
+            <a:schemeClr val="accent1"/>
+          </a:fillRef>
+          <a:effectRef idx="1">
+            <a:schemeClr val="accent1"/>
+          </a:effectRef>
+          <a:fontRef idx="minor">
+            <a:schemeClr val="tx1"/>
+          </a:fontRef>
+        </p:style>
+      </p:cxnSp>
+      <p:sp>
+        <p:nvSpPr>
+          <p:cNvPr id="12" name="Chevron 11"/>
+          <p:cNvSpPr/>
+          <p:nvPr/>
+        </p:nvSpPr>
+        <p:spPr>
+          <a:xfrm>
+            <a:off x="8664112" y="4988440"/>
+            <a:ext cx="182880" cy="228600"/>
+          </a:xfrm>
+          <a:prstGeom prst="chevron">
+            <a:avLst>
+              <a:gd name="adj" fmla="val 50000"/>
+            </a:avLst>
+          </a:prstGeom>
+          <a:gradFill flip="none" rotWithShape="1">
+            <a:gsLst>
+              <a:gs pos="0">
+                <a:schemeClr val="accent1">
+                  <a:shade val="60000"/>
+                  <a:satMod val="125000"/>
+                </a:schemeClr>
+              </a:gs>
+              <a:gs pos="72000">
+                <a:schemeClr val="accent1">
+                  <a:tint val="90000"/>
+                  <a:satMod val="138000"/>
+                </a:schemeClr>
+              </a:gs>
+              <a:gs pos="100000">
+                <a:schemeClr val="accent1">
+                  <a:tint val="76000"/>
+                  <a:satMod val="136000"/>
+                </a:schemeClr>
+              </a:gs>
+            </a:gsLst>
+            <a:lin ang="16200000" scaled="0"/>
+          </a:gradFill>
+          <a:ln w="3175" cap="rnd" cmpd="sng" algn="ctr">
+            <a:solidFill>
+              <a:schemeClr val="accent1">
+                <a:shade val="50000"/>
+              </a:schemeClr>
+            </a:solidFill>
+            <a:prstDash val="solid"/>
+          </a:ln>
+          <a:effectLst>
+            <a:outerShdw blurRad="50800" dist="25400" dir="5400000">
+              <a:srgbClr val="000000">
+                <a:alpha val="46000"/>
+              </a:srgbClr>
             </a:outerShdw>
           </a:effectLst>
         </p:spPr>
+        <p:style>
+          <a:lnRef idx="1">
+            <a:schemeClr val="accent1"/>
+          </a:lnRef>
+          <a:fillRef idx="3">
+            <a:schemeClr val="accent1"/>
+          </a:fillRef>
+          <a:effectRef idx="2">
+            <a:schemeClr val="accent1"/>
+          </a:effectRef>
+          <a:fontRef idx="minor">
+            <a:schemeClr val="lt1"/>
+          </a:fontRef>
+        </p:style>
+        <p:txBody>
+          <a:bodyPr anchor="ctr"/>
+          <a:lstStyle>
+            <a:extLst/>
+          </a:lstStyle>
+          <a:p>
+            <a:pPr algn="l" eaLnBrk="1" latinLnBrk="0" hangingPunct="1"/>
+            <a:endParaRPr kumimoji="0" lang="en-US"/>
+          </a:p>
+        </p:txBody>
+      </p:sp>
+      <p:sp>
+        <p:nvSpPr>
+          <p:cNvPr id="13" name="Chevron 12"/>
+          <p:cNvSpPr/>
+          <p:nvPr/>
+        </p:nvSpPr>
+        <p:spPr>
+          <a:xfrm>
+            <a:off x="8477696" y="4988440"/>
+            <a:ext cx="182880" cy="228600"/>
+          </a:xfrm>
+          <a:prstGeom prst="chevron">
+            <a:avLst>
+              <a:gd name="adj" fmla="val 50000"/>
+            </a:avLst>
+          </a:prstGeom>
+          <a:gradFill flip="none" rotWithShape="1">
+            <a:gsLst>
+              <a:gs pos="0">
+                <a:schemeClr val="accent1">
+                  <a:shade val="60000"/>
+                  <a:satMod val="125000"/>
+                </a:schemeClr>
+              </a:gs>
+              <a:gs pos="72000">
+                <a:schemeClr val="accent1">
+                  <a:tint val="90000"/>
+                  <a:satMod val="138000"/>
+                </a:schemeClr>
+              </a:gs>
+              <a:gs pos="100000">
+                <a:schemeClr val="accent1">
+                  <a:tint val="76000"/>
+                  <a:satMod val="136000"/>
+                </a:schemeClr>
+              </a:gs>
+            </a:gsLst>
+            <a:lin ang="16200000" scaled="0"/>
+          </a:gradFill>
+          <a:ln w="3175" cap="rnd" cmpd="sng" algn="ctr">
+            <a:solidFill>
+              <a:schemeClr val="accent1">
+                <a:shade val="50000"/>
+              </a:schemeClr>
+            </a:solidFill>
+            <a:prstDash val="solid"/>
+          </a:ln>
+          <a:effectLst>
+            <a:outerShdw blurRad="50800" dist="25400" dir="5400000">
+              <a:srgbClr val="000000">
+                <a:alpha val="46000"/>
+              </a:srgbClr>
+            </a:outerShdw>
+          </a:effectLst>
+        </p:spPr>
+        <p:style>
+          <a:lnRef idx="1">
+            <a:schemeClr val="accent1"/>
+          </a:lnRef>
+          <a:fillRef idx="3">
+            <a:schemeClr val="accent1"/>
+          </a:fillRef>
+          <a:effectRef idx="2">
+            <a:schemeClr val="accent1"/>
+          </a:effectRef>
+          <a:fontRef idx="minor">
+            <a:schemeClr val="lt1"/>
+          </a:fontRef>
+        </p:style>
+        <p:txBody>
+          <a:bodyPr anchor="ctr"/>
+          <a:lstStyle>
+            <a:extLst/>
+          </a:lstStyle>
+          <a:p>
+            <a:pPr algn="l" eaLnBrk="1" latinLnBrk="0" hangingPunct="1"/>
+            <a:endParaRPr kumimoji="0" lang="en-US"/>
+          </a:p>
+        </p:txBody>
+      </p:sp>
+    </p:spTree>
+  </p:cSld>
+  <p:clrMapOvr>
+    <a:overrideClrMapping bg1="dk1" tx1="lt1" bg2="dk2" tx2="lt2" accent1="accent1" accent2="accent2" accent3="accent3" accent4="accent4" accent5="accent5" accent6="accent6" hlink="hlink" folHlink="folHlink"/>
+  </p:clrMapOvr>
+</p:sldLayout>
+</file>
+
+<file path=ppt/slideMasters/slideMaster1.xml><?xml version="1.0" encoding="utf-8"?>
+<p:sldMaster xmlns:a="http://schemas.openxmlformats.org/drawingml/2006/main" xmlns:r="http://schemas.openxmlformats.org/officeDocument/2006/relationships" xmlns:p="http://schemas.openxmlformats.org/presentationml/2006/main">
+  <p:cSld>
+    <p:bg>
+      <p:bgRef idx="1001">
+        <a:schemeClr val="bg1"/>
+      </p:bgRef>
+    </p:bg>
+    <p:spTree>
+      <p:nvGrpSpPr>
+        <p:cNvPr id="1" name=""/>
+        <p:cNvGrpSpPr/>
+        <p:nvPr/>
+      </p:nvGrpSpPr>
+      <p:grpSpPr>
+        <a:xfrm>
+          <a:off x="0" y="0"/>
+          <a:ext cx="0" cy="0"/>
+          <a:chOff x="0" y="0"/>
+          <a:chExt cx="0" cy="0"/>
+        </a:xfrm>
+      </p:grpSpPr>
+      <p:sp>
+        <p:nvSpPr>
+          <p:cNvPr id="13" name="Freeform 12"/>
+          <p:cNvSpPr>
+            <a:spLocks/>
+          </p:cNvSpPr>
+          <p:nvPr/>
+        </p:nvSpPr>
+        <p:spPr bwMode="auto">
+          <a:xfrm>
+            <a:off x="499273" y="5944936"/>
+            <a:ext cx="4940624" cy="921076"/>
+          </a:xfrm>
+          <a:custGeom>
+            <a:avLst>
+              <a:gd name="A1" fmla="val 0"/>
+              <a:gd name="A2" fmla="val 0"/>
+              <a:gd name="A3" fmla="val 0"/>
+              <a:gd name="A4" fmla="val 0"/>
+              <a:gd name="A5" fmla="val 0"/>
+              <a:gd name="A6" fmla="val 0"/>
+              <a:gd name="A7" fmla="val 0"/>
+              <a:gd name="A8" fmla="val 0"/>
+            </a:avLst>
+            <a:gdLst/>
+            <a:ahLst/>
+            <a:cxnLst>
+              <a:cxn ang="0">
+                <a:pos x="0" y="0"/>
+              </a:cxn>
+              <a:cxn ang="0">
+                <a:pos x="5760" y="0"/>
+              </a:cxn>
+              <a:cxn ang="0">
+                <a:pos x="5760" y="528"/>
+              </a:cxn>
+              <a:cxn ang="0">
+                <a:pos x="48" y="0"/>
+              </a:cxn>
+            </a:cxnLst>
+            <a:rect l="0" t="0" r="0" b="0"/>
+            <a:pathLst>
+              <a:path w="7485" h="337">
+                <a:moveTo>
+                  <a:pt x="0" y="2"/>
+                </a:moveTo>
+                <a:lnTo>
+                  <a:pt x="7485" y="337"/>
+                </a:lnTo>
+                <a:lnTo>
+                  <a:pt x="5558" y="337"/>
+                </a:lnTo>
+                <a:lnTo>
+                  <a:pt x="1" y="0"/>
+                </a:lnTo>
+              </a:path>
+            </a:pathLst>
+          </a:custGeom>
+          <a:solidFill>
+            <a:schemeClr val="accent1">
+              <a:tint val="65000"/>
+              <a:satMod val="115000"/>
+              <a:alpha val="40000"/>
+            </a:schemeClr>
+          </a:solidFill>
+          <a:ln w="9525" cap="flat" cmpd="sng" algn="ctr">
+            <a:noFill/>
+            <a:prstDash val="solid"/>
+            <a:round/>
+            <a:headEnd type="none" w="med" len="med"/>
+            <a:tailEnd type="none" w="med" len="med"/>
+          </a:ln>
+          <a:effectLst/>
+        </p:spPr>
         <p:txBody>
           <a:bodyPr vert="horz" wrap="square" lIns="91440" tIns="45720" rIns="91440" bIns="45720" anchor="t" compatLnSpc="1"/>
-          <a:lstStyle/>
+          <a:lstStyle>
+            <a:extLst/>
+          </a:lstStyle>
           <a:p>
             <a:endParaRPr kumimoji="0" lang="en-US"/>
           </a:p>
         </p:txBody>
       </p:sp>
+      <p:sp>
+        <p:nvSpPr>
+          <p:cNvPr id="12" name="Freeform 11"/>
+          <p:cNvSpPr>
+            <a:spLocks/>
+          </p:cNvSpPr>
+          <p:nvPr/>
+        </p:nvSpPr>
+        <p:spPr bwMode="auto">
+          <a:xfrm>
+            <a:off x="485717" y="5939011"/>
+            <a:ext cx="3690451" cy="933450"/>
+          </a:xfrm>
+          <a:custGeom>
+            <a:avLst>
+              <a:gd name="A1" fmla="val 0"/>
+              <a:gd name="A2" fmla="val 0"/>
+              <a:gd name="A3" fmla="val 0"/>
+              <a:gd name="A4" fmla="val 0"/>
+              <a:gd name="A5" fmla="val 0"/>
+              <a:gd name="A6" fmla="val 0"/>
+              <a:gd name="A7" fmla="val 0"/>
+              <a:gd name="A8" fmla="val 0"/>
+            </a:avLst>
+            <a:gdLst/>
+            <a:ahLst/>
+            <a:cxnLst>
+              <a:cxn ang="0">
+                <a:pos x="0" y="0"/>
+              </a:cxn>
+              <a:cxn ang="0">
+                <a:pos x="5760" y="0"/>
+              </a:cxn>
+              <a:cxn ang="0">
+                <a:pos x="5760" y="528"/>
+              </a:cxn>
+              <a:cxn ang="0">
+                <a:pos x="48" y="0"/>
+              </a:cxn>
+            </a:cxnLst>
+            <a:rect l="0" t="0" r="0" b="0"/>
+            <a:pathLst>
+              <a:path w="5591" h="588">
+                <a:moveTo>
+                  <a:pt x="0" y="0"/>
+                </a:moveTo>
+                <a:lnTo>
+                  <a:pt x="5591" y="585"/>
+                </a:lnTo>
+                <a:lnTo>
+                  <a:pt x="4415" y="588"/>
+                </a:lnTo>
+                <a:lnTo>
+                  <a:pt x="12" y="4"/>
+                </a:lnTo>
+              </a:path>
+            </a:pathLst>
+          </a:custGeom>
+          <a:solidFill>
+            <a:srgbClr val="000000">
+              <a:alpha val="100000"/>
+            </a:srgbClr>
+          </a:solidFill>
+          <a:ln w="9525" cap="flat" cmpd="sng" algn="ctr">
+            <a:noFill/>
+            <a:prstDash val="solid"/>
+            <a:round/>
+            <a:headEnd type="none" w="med" len="med"/>
+            <a:tailEnd type="none" w="med" len="med"/>
+          </a:ln>
+          <a:effectLst/>
+        </p:spPr>
+        <p:txBody>
+          <a:bodyPr vert="horz" wrap="square" lIns="91440" tIns="45720" rIns="91440" bIns="45720" anchor="t" compatLnSpc="1"/>
+          <a:lstStyle>
+            <a:extLst/>
+          </a:lstStyle>
+          <a:p>
+            <a:endParaRPr kumimoji="0" lang="en-US"/>
+          </a:p>
+        </p:txBody>
+      </p:sp>
+      <p:sp>
+        <p:nvSpPr>
+          <p:cNvPr id="14" name="Right Triangle 13"/>
+          <p:cNvSpPr>
+            <a:spLocks/>
+          </p:cNvSpPr>
+          <p:nvPr/>
+        </p:nvSpPr>
+        <p:spPr bwMode="auto">
+          <a:xfrm>
+            <a:off x="-6042" y="5791253"/>
+            <a:ext cx="3402314" cy="1080868"/>
+          </a:xfrm>
+          <a:prstGeom prst="rtTriangle">
+            <a:avLst/>
+          </a:prstGeom>
+          <a:blipFill>
+            <a:blip r:embed="rId13">
+              <a:alphaModFix amt="50000"/>
+            </a:blip>
+            <a:tile tx="0" ty="0" sx="50000" sy="50000" flip="none" algn="t"/>
+          </a:blipFill>
+          <a:ln w="12700" cap="rnd" cmpd="thickThin" algn="ctr">
+            <a:noFill/>
+            <a:prstDash val="solid"/>
+          </a:ln>
+          <a:effectLst>
+            <a:fillOverlay blend="mult">
+              <a:gradFill flip="none" rotWithShape="1">
+                <a:gsLst>
+                  <a:gs pos="0">
+                    <a:schemeClr val="accent1">
+                      <a:shade val="20000"/>
+                      <a:satMod val="176000"/>
+                      <a:alpha val="100000"/>
+                    </a:schemeClr>
+                  </a:gs>
+                  <a:gs pos="18000">
+                    <a:schemeClr val="accent1">
+                      <a:shade val="48000"/>
+                      <a:satMod val="153000"/>
+                      <a:alpha val="100000"/>
+                    </a:schemeClr>
+                  </a:gs>
+                  <a:gs pos="43000">
+                    <a:schemeClr val="accent1">
+                      <a:tint val="86000"/>
+                      <a:satMod val="149000"/>
+                      <a:alpha val="100000"/>
+                    </a:schemeClr>
+                  </a:gs>
+                  <a:gs pos="45000">
+                    <a:schemeClr val="accent1">
+                      <a:tint val="85000"/>
+                      <a:satMod val="150000"/>
+                      <a:alpha val="100000"/>
+                    </a:schemeClr>
+                  </a:gs>
+                  <a:gs pos="50000">
+                    <a:schemeClr val="accent1">
+                      <a:tint val="86000"/>
+                      <a:satMod val="149000"/>
+                      <a:alpha val="100000"/>
+                    </a:schemeClr>
+                  </a:gs>
+                  <a:gs pos="79000">
+                    <a:schemeClr val="accent1">
+                      <a:shade val="53000"/>
+                      <a:satMod val="150000"/>
+                      <a:alpha val="100000"/>
+                    </a:schemeClr>
+                  </a:gs>
+                  <a:gs pos="100000">
+                    <a:schemeClr val="accent1">
+                      <a:shade val="25000"/>
+                      <a:satMod val="170000"/>
+                      <a:alpha val="100000"/>
+                    </a:schemeClr>
+                  </a:gs>
+                </a:gsLst>
+                <a:lin ang="450000" scaled="1"/>
+                <a:tileRect/>
+              </a:gradFill>
+            </a:fillOverlay>
+          </a:effectLst>
+        </p:spPr>
+        <p:style>
+          <a:lnRef idx="3">
+            <a:schemeClr val="lt1"/>
+          </a:lnRef>
+          <a:fillRef idx="1">
+            <a:schemeClr val="accent1"/>
+          </a:fillRef>
+          <a:effectRef idx="1">
+            <a:schemeClr val="accent1"/>
+          </a:effectRef>
+          <a:fontRef idx="minor">
+            <a:schemeClr val="lt1"/>
+          </a:fontRef>
+        </p:style>
+        <p:txBody>
+          <a:bodyPr vert="horz" wrap="square" lIns="91440" tIns="45720" rIns="91440" bIns="45720" anchor="ctr" compatLnSpc="1"/>
+          <a:lstStyle>
+            <a:extLst/>
+          </a:lstStyle>
+          <a:p>
+            <a:pPr algn="ctr" eaLnBrk="1" latinLnBrk="0" hangingPunct="1"/>
+            <a:endParaRPr kumimoji="0" lang="en-US"/>
+          </a:p>
+        </p:txBody>
+      </p:sp>
+      <p:cxnSp>
+        <p:nvCxnSpPr>
+          <p:cNvPr id="15" name="Straight Connector 14"/>
+          <p:cNvCxnSpPr/>
+          <p:nvPr/>
+        </p:nvCxnSpPr>
+        <p:spPr>
+          <a:xfrm>
+            <a:off x="-9237" y="5787738"/>
+            <a:ext cx="3405509" cy="1084383"/>
+          </a:xfrm>
+          <a:prstGeom prst="line">
+            <a:avLst/>
+          </a:prstGeom>
+          <a:noFill/>
+          <a:ln w="12065" cap="flat" cmpd="sng" algn="ctr">
+            <a:gradFill>
+              <a:gsLst>
+                <a:gs pos="45000">
+                  <a:schemeClr val="accent1">
+                    <a:tint val="70000"/>
+                    <a:satMod val="110000"/>
+                  </a:schemeClr>
+                </a:gs>
+                <a:gs pos="15000">
+                  <a:schemeClr val="accent1">
+                    <a:shade val="40000"/>
+                    <a:satMod val="110000"/>
+                  </a:schemeClr>
+                </a:gs>
+              </a:gsLst>
+              <a:lin ang="5400000" scaled="1"/>
+            </a:gradFill>
+            <a:prstDash val="solid"/>
+            <a:miter lim="800000"/>
+          </a:ln>
+          <a:effectLst/>
+        </p:spPr>
+        <p:style>
+          <a:lnRef idx="2">
+            <a:schemeClr val="accent1"/>
+          </a:lnRef>
+          <a:fillRef idx="0">
+            <a:schemeClr val="accent1"/>
+          </a:fillRef>
+          <a:effectRef idx="1">
+            <a:schemeClr val="accent1"/>
+          </a:effectRef>
+          <a:fontRef idx="minor">
+            <a:schemeClr val="tx1"/>
+          </a:fontRef>
+        </p:style>
+      </p:cxnSp>
       <p:sp>
         <p:nvSpPr>
           <p:cNvPr id="9" name="Title Placeholder 8"/>
@@ -3106,17 +4093,26 @@
         <p:spPr>
           <a:xfrm>
             <a:off x="457200" y="274638"/>
-            <a:ext cx="7467600" cy="1143000"/>
+            <a:ext cx="8229600" cy="1143000"/>
           </a:xfrm>
           <a:prstGeom prst="rect">
             <a:avLst/>
           </a:prstGeom>
         </p:spPr>
         <p:txBody>
-          <a:bodyPr vert="horz" lIns="45720" rIns="45720" anchor="ctr">
+          <a:bodyPr vert="horz" anchor="ctr">
             <a:normAutofit/>
+            <a:scene3d>
+              <a:camera prst="orthographicFront"/>
+              <a:lightRig rig="soft" dir="t"/>
+            </a:scene3d>
+            <a:sp3d prstMaterial="softEdge">
+              <a:bevelT w="25400" h="25400"/>
+            </a:sp3d>
           </a:bodyPr>
-          <a:lstStyle/>
+          <a:lstStyle>
+            <a:extLst/>
+          </a:lstStyle>
           <a:p>
             <a:r>
               <a:rPr kumimoji="0" lang="en-US" smtClean="0"/>
@@ -3138,8 +4134,8 @@
         </p:nvSpPr>
         <p:spPr>
           <a:xfrm>
-            <a:off x="457200" y="1600200"/>
-            <a:ext cx="7467600" cy="4525963"/>
+            <a:off x="457200" y="1481328"/>
+            <a:ext cx="8229600" cy="4525963"/>
           </a:xfrm>
           <a:prstGeom prst="rect">
             <a:avLst/>
@@ -3149,7 +4145,9 @@
           <a:bodyPr vert="horz">
             <a:normAutofit/>
           </a:bodyPr>
-          <a:lstStyle/>
+          <a:lstStyle>
+            <a:extLst/>
+          </a:lstStyle>
           <a:p>
             <a:pPr lvl="0" eaLnBrk="1" latinLnBrk="0" hangingPunct="1"/>
             <a:r>
@@ -3200,29 +4198,29 @@
         </p:nvSpPr>
         <p:spPr>
           <a:xfrm>
-            <a:off x="457200" y="6422064"/>
-            <a:ext cx="2133600" cy="365125"/>
+            <a:off x="6727032" y="6407944"/>
+            <a:ext cx="1920240" cy="365760"/>
           </a:xfrm>
           <a:prstGeom prst="rect">
             <a:avLst/>
           </a:prstGeom>
         </p:spPr>
         <p:txBody>
-          <a:bodyPr vert="horz" bIns="0" anchor="b"/>
+          <a:bodyPr vert="horz" anchor="b"/>
           <a:lstStyle>
             <a:lvl1pPr algn="l" eaLnBrk="1" latinLnBrk="0" hangingPunct="1">
               <a:defRPr kumimoji="0" sz="1000">
                 <a:solidFill>
-                  <a:schemeClr val="tx2">
-                    <a:shade val="50000"/>
-                  </a:schemeClr>
+                  <a:schemeClr val="tx1"/>
                 </a:solidFill>
               </a:defRPr>
             </a:lvl1pPr>
+            <a:extLst/>
           </a:lstStyle>
           <a:p>
-            <a:fld id="{04FCFBAD-AADC-48B3-AAE4-6151E8E40AC9}" type="datetimeFigureOut">
+            <a:fld id="{1D8BD707-D9CF-40AE-B4C6-C98DA3205C09}" type="datetimeFigureOut">
               <a:rPr lang="en-US" smtClean="0"/>
+              <a:pPr/>
               <a:t>10/28/2016</a:t>
             </a:fld>
             <a:endParaRPr lang="en-US"/>
@@ -3241,25 +4239,24 @@
         </p:nvSpPr>
         <p:spPr>
           <a:xfrm>
-            <a:off x="3124200" y="6422064"/>
-            <a:ext cx="2895600" cy="365125"/>
+            <a:off x="4380072" y="6407944"/>
+            <a:ext cx="2350681" cy="365125"/>
           </a:xfrm>
           <a:prstGeom prst="rect">
             <a:avLst/>
           </a:prstGeom>
         </p:spPr>
         <p:txBody>
-          <a:bodyPr vert="horz" lIns="0" rIns="0" bIns="0" anchor="b"/>
+          <a:bodyPr vert="horz" anchor="b"/>
           <a:lstStyle>
-            <a:lvl1pPr algn="ctr" eaLnBrk="1" latinLnBrk="0" hangingPunct="1">
+            <a:lvl1pPr algn="r" eaLnBrk="1" latinLnBrk="0" hangingPunct="1">
               <a:defRPr kumimoji="0" sz="1000">
                 <a:solidFill>
-                  <a:schemeClr val="tx2">
-                    <a:shade val="50000"/>
-                  </a:schemeClr>
+                  <a:schemeClr val="tx1"/>
                 </a:solidFill>
               </a:defRPr>
             </a:lvl1pPr>
+            <a:extLst/>
           </a:lstStyle>
           <a:p>
             <a:endParaRPr lang="en-US"/>
@@ -3278,29 +4275,29 @@
         </p:nvSpPr>
         <p:spPr>
           <a:xfrm>
-            <a:off x="8153400" y="6422064"/>
-            <a:ext cx="762000" cy="365125"/>
+            <a:off x="8647272" y="6407944"/>
+            <a:ext cx="365760" cy="365125"/>
           </a:xfrm>
           <a:prstGeom prst="rect">
             <a:avLst/>
           </a:prstGeom>
         </p:spPr>
         <p:txBody>
-          <a:bodyPr vert="horz" lIns="0" tIns="0" rIns="0" bIns="0" anchor="b"/>
+          <a:bodyPr vert="horz" anchor="b"/>
           <a:lstStyle>
             <a:lvl1pPr algn="r" eaLnBrk="1" latinLnBrk="0" hangingPunct="1">
-              <a:defRPr kumimoji="0" sz="1000">
+              <a:defRPr kumimoji="0" sz="1000" b="0">
                 <a:solidFill>
-                  <a:schemeClr val="tx2">
-                    <a:shade val="50000"/>
-                  </a:schemeClr>
+                  <a:schemeClr val="tx1"/>
                 </a:solidFill>
               </a:defRPr>
             </a:lvl1pPr>
+            <a:extLst/>
           </a:lstStyle>
           <a:p>
-            <a:fld id="{1A6AEB80-026E-4392-BB9A-CBAFF5361C7D}" type="slidenum">
+            <a:fld id="{B6F15528-21DE-4FAA-801E-634DDDAF4B2B}" type="slidenum">
               <a:rPr lang="en-US" smtClean="0"/>
+              <a:pPr/>
               <a:t>‹#›</a:t>
             </a:fld>
             <a:endParaRPr lang="en-US"/>
@@ -3309,19 +4306,19 @@
       </p:sp>
     </p:spTree>
   </p:cSld>
-  <p:clrMap bg1="dk1" tx1="lt1" bg2="dk2" tx2="lt2" accent1="accent1" accent2="accent2" accent3="accent3" accent4="accent4" accent5="accent5" accent6="accent6" hlink="hlink" folHlink="folHlink"/>
+  <p:clrMap bg1="lt1" tx1="dk1" bg2="lt2" tx2="dk2" accent1="accent1" accent2="accent2" accent3="accent3" accent4="accent4" accent5="accent5" accent6="accent6" hlink="hlink" folHlink="folHlink"/>
   <p:sldLayoutIdLst>
-    <p:sldLayoutId id="2147483661" r:id="rId1"/>
-    <p:sldLayoutId id="2147483662" r:id="rId2"/>
-    <p:sldLayoutId id="2147483663" r:id="rId3"/>
-    <p:sldLayoutId id="2147483664" r:id="rId4"/>
-    <p:sldLayoutId id="2147483665" r:id="rId5"/>
-    <p:sldLayoutId id="2147483666" r:id="rId6"/>
-    <p:sldLayoutId id="2147483667" r:id="rId7"/>
-    <p:sldLayoutId id="2147483668" r:id="rId8"/>
-    <p:sldLayoutId id="2147483669" r:id="rId9"/>
-    <p:sldLayoutId id="2147483670" r:id="rId10"/>
-    <p:sldLayoutId id="2147483671" r:id="rId11"/>
+    <p:sldLayoutId id="2147483793" r:id="rId1"/>
+    <p:sldLayoutId id="2147483794" r:id="rId2"/>
+    <p:sldLayoutId id="2147483795" r:id="rId3"/>
+    <p:sldLayoutId id="2147483796" r:id="rId4"/>
+    <p:sldLayoutId id="2147483797" r:id="rId5"/>
+    <p:sldLayoutId id="2147483798" r:id="rId6"/>
+    <p:sldLayoutId id="2147483799" r:id="rId7"/>
+    <p:sldLayoutId id="2147483800" r:id="rId8"/>
+    <p:sldLayoutId id="2147483801" r:id="rId9"/>
+    <p:sldLayoutId id="2147483802" r:id="rId10"/>
+    <p:sldLayoutId id="2147483803" r:id="rId11"/>
   </p:sldLayoutIdLst>
   <p:txStyles>
     <p:titleStyle>
@@ -3330,28 +4327,39 @@
           <a:spcPct val="0"/>
         </a:spcBef>
         <a:buNone/>
-        <a:defRPr kumimoji="0" sz="4600" kern="1200">
+        <a:defRPr kumimoji="0" sz="4100" b="1" kern="1200">
           <a:solidFill>
-            <a:schemeClr val="tx1"/>
+            <a:schemeClr val="tx2"/>
           </a:solidFill>
+          <a:effectLst>
+            <a:outerShdw blurRad="31750" dist="25400" dir="5400000" algn="tl" rotWithShape="0">
+              <a:srgbClr val="000000">
+                <a:alpha val="25000"/>
+              </a:srgbClr>
+            </a:outerShdw>
+          </a:effectLst>
           <a:latin typeface="+mj-lt"/>
           <a:ea typeface="+mj-ea"/>
           <a:cs typeface="+mj-cs"/>
         </a:defRPr>
       </a:lvl1pPr>
+      <a:extLst/>
     </p:titleStyle>
     <p:bodyStyle>
-      <a:lvl1pPr marL="420624" indent="-384048" algn="l" rtl="0" eaLnBrk="1" latinLnBrk="0" hangingPunct="1">
+      <a:lvl1pPr marL="365760" indent="-256032" algn="l" rtl="0" eaLnBrk="1" latinLnBrk="0" hangingPunct="1">
         <a:spcBef>
-          <a:spcPct val="20000"/>
+          <a:spcPts val="400"/>
         </a:spcBef>
+        <a:spcAft>
+          <a:spcPts val="0"/>
+        </a:spcAft>
         <a:buClr>
           <a:schemeClr val="accent1"/>
         </a:buClr>
-        <a:buSzPct val="80000"/>
-        <a:buFont typeface="Wingdings 2"/>
-        <a:buChar char=""/>
-        <a:defRPr kumimoji="0" sz="3000" kern="1200">
+        <a:buSzPct val="68000"/>
+        <a:buFont typeface="Wingdings 3"/>
+        <a:buChar char=""/>
+        <a:defRPr kumimoji="0" sz="2700" kern="1200">
           <a:solidFill>
             <a:schemeClr val="tx1"/>
           </a:solidFill>
@@ -3360,17 +4368,16 @@
           <a:cs typeface="+mn-cs"/>
         </a:defRPr>
       </a:lvl1pPr>
-      <a:lvl2pPr marL="722376" indent="-274320" algn="l" rtl="0" eaLnBrk="1" latinLnBrk="0" hangingPunct="1">
+      <a:lvl2pPr marL="621792" indent="-228600" algn="l" rtl="0" eaLnBrk="1" latinLnBrk="0" hangingPunct="1">
         <a:spcBef>
-          <a:spcPct val="20000"/>
+          <a:spcPts val="324"/>
         </a:spcBef>
         <a:buClr>
           <a:schemeClr val="accent1"/>
         </a:buClr>
-        <a:buSzPct val="90000"/>
-        <a:buFont typeface="Wingdings 2"/>
-        <a:buChar char=""/>
-        <a:defRPr kumimoji="0" sz="2600" kern="1200">
+        <a:buFont typeface="Verdana"/>
+        <a:buChar char="◦"/>
+        <a:defRPr kumimoji="0" sz="2300" kern="1200">
           <a:solidFill>
             <a:schemeClr val="tx1"/>
           </a:solidFill>
@@ -3379,17 +4386,17 @@
           <a:cs typeface="+mn-cs"/>
         </a:defRPr>
       </a:lvl2pPr>
-      <a:lvl3pPr marL="1005840" indent="-256032" algn="l" rtl="0" eaLnBrk="1" latinLnBrk="0" hangingPunct="1">
+      <a:lvl3pPr marL="859536" indent="-228600" algn="l" rtl="0" eaLnBrk="1" latinLnBrk="0" hangingPunct="1">
         <a:spcBef>
-          <a:spcPct val="20000"/>
+          <a:spcPts val="350"/>
         </a:spcBef>
         <a:buClr>
           <a:schemeClr val="accent2"/>
         </a:buClr>
-        <a:buSzPct val="85000"/>
-        <a:buFont typeface="Arial"/>
-        <a:buChar char="○"/>
-        <a:defRPr kumimoji="0" sz="2400" kern="1200">
+        <a:buSzPct val="100000"/>
+        <a:buFont typeface="Wingdings 2"/>
+        <a:buChar char=""/>
+        <a:defRPr kumimoji="0" sz="2100" kern="1200">
           <a:solidFill>
             <a:schemeClr val="tx1"/>
           </a:solidFill>
@@ -3398,17 +4405,16 @@
           <a:cs typeface="+mn-cs"/>
         </a:defRPr>
       </a:lvl3pPr>
-      <a:lvl4pPr marL="1280160" indent="-237744" algn="l" rtl="0" eaLnBrk="1" latinLnBrk="0" hangingPunct="1">
+      <a:lvl4pPr marL="1143000" indent="-228600" algn="l" rtl="0" eaLnBrk="1" latinLnBrk="0" hangingPunct="1">
         <a:spcBef>
-          <a:spcPct val="20000"/>
+          <a:spcPts val="350"/>
         </a:spcBef>
         <a:buClr>
-          <a:schemeClr val="accent3"/>
+          <a:schemeClr val="accent2"/>
         </a:buClr>
-        <a:buSzPct val="90000"/>
         <a:buFont typeface="Wingdings 2"/>
-        <a:buChar char=""/>
-        <a:defRPr kumimoji="0" sz="2000" kern="1200">
+        <a:buChar char=""/>
+        <a:defRPr kumimoji="0" sz="1900" kern="1200">
           <a:solidFill>
             <a:schemeClr val="tx1"/>
           </a:solidFill>
@@ -3417,17 +4423,16 @@
           <a:cs typeface="+mn-cs"/>
         </a:defRPr>
       </a:lvl4pPr>
-      <a:lvl5pPr marL="1490472" indent="-182880" algn="l" rtl="0" eaLnBrk="1" latinLnBrk="0" hangingPunct="1">
+      <a:lvl5pPr marL="1371600" indent="-228600" algn="l" rtl="0" eaLnBrk="1" latinLnBrk="0" hangingPunct="1">
         <a:spcBef>
-          <a:spcPct val="20000"/>
+          <a:spcPts val="350"/>
         </a:spcBef>
         <a:buClr>
-          <a:schemeClr val="accent4"/>
+          <a:schemeClr val="accent2"/>
         </a:buClr>
-        <a:buSzPct val="100000"/>
-        <a:buFont typeface="Arial"/>
-        <a:buChar char="-"/>
-        <a:defRPr kumimoji="0" sz="2000" kern="1200">
+        <a:buFont typeface="Wingdings 2"/>
+        <a:buChar char=""/>
+        <a:defRPr kumimoji="0" sz="1800" kern="1200">
           <a:solidFill>
             <a:schemeClr val="tx1"/>
           </a:solidFill>
@@ -3436,16 +4441,16 @@
           <a:cs typeface="+mn-cs"/>
         </a:defRPr>
       </a:lvl5pPr>
-      <a:lvl6pPr marL="1700784" indent="-182880" algn="l" rtl="0" eaLnBrk="1" latinLnBrk="0" hangingPunct="1">
+      <a:lvl6pPr marL="1600200" indent="-228600" algn="l" rtl="0" eaLnBrk="1" latinLnBrk="0" hangingPunct="1">
         <a:spcBef>
-          <a:spcPct val="20000"/>
+          <a:spcPts val="350"/>
         </a:spcBef>
         <a:buClr>
-          <a:schemeClr val="accent5"/>
+          <a:schemeClr val="accent3"/>
         </a:buClr>
-        <a:buFont typeface="Arial"/>
-        <a:buChar char="-"/>
-        <a:defRPr kumimoji="0" sz="2000" kern="1200" baseline="0">
+        <a:buFont typeface="Wingdings 2"/>
+        <a:buChar char=""/>
+        <a:defRPr kumimoji="0" sz="1800" kern="1200">
           <a:solidFill>
             <a:schemeClr val="tx1"/>
           </a:solidFill>
@@ -3454,17 +4459,16 @@
           <a:cs typeface="+mn-cs"/>
         </a:defRPr>
       </a:lvl6pPr>
-      <a:lvl7pPr marL="1920240" indent="-182880" algn="l" rtl="0" eaLnBrk="1" latinLnBrk="0" hangingPunct="1">
+      <a:lvl7pPr marL="1828800" indent="-228600" algn="l" rtl="0" eaLnBrk="1" latinLnBrk="0" hangingPunct="1">
         <a:spcBef>
-          <a:spcPct val="20000"/>
+          <a:spcPts val="350"/>
         </a:spcBef>
         <a:buClr>
-          <a:schemeClr val="accent6"/>
+          <a:schemeClr val="accent3"/>
         </a:buClr>
-        <a:buSzPct val="100000"/>
-        <a:buFont typeface="Arial"/>
-        <a:buChar char="•"/>
-        <a:defRPr kumimoji="0" sz="1800" kern="1200" baseline="0">
+        <a:buFont typeface="Wingdings 2"/>
+        <a:buChar char=""/>
+        <a:defRPr kumimoji="0" sz="1600" kern="1200">
           <a:solidFill>
             <a:schemeClr val="tx1"/>
           </a:solidFill>
@@ -3473,15 +4477,15 @@
           <a:cs typeface="+mn-cs"/>
         </a:defRPr>
       </a:lvl7pPr>
-      <a:lvl8pPr marL="2139696" indent="-182880" algn="l" rtl="0" eaLnBrk="1" latinLnBrk="0" hangingPunct="1">
+      <a:lvl8pPr marL="2057400" indent="-228600" algn="l" rtl="0" eaLnBrk="1" latinLnBrk="0" hangingPunct="1">
         <a:spcBef>
-          <a:spcPct val="20000"/>
+          <a:spcPts val="350"/>
         </a:spcBef>
         <a:buClr>
-          <a:schemeClr val="accent6"/>
+          <a:schemeClr val="accent3"/>
         </a:buClr>
-        <a:buFont typeface="Arial"/>
-        <a:buChar char="▪"/>
+        <a:buFont typeface="Wingdings 2"/>
+        <a:buChar char=""/>
         <a:defRPr kumimoji="0" sz="1600" kern="1200">
           <a:solidFill>
             <a:schemeClr val="tx1"/>
@@ -3491,16 +4495,16 @@
           <a:cs typeface="+mn-cs"/>
         </a:defRPr>
       </a:lvl8pPr>
-      <a:lvl9pPr marL="2331720" indent="-182880" algn="l" rtl="0" eaLnBrk="1" latinLnBrk="0" hangingPunct="1">
+      <a:lvl9pPr marL="2286000" indent="-228600" algn="l" rtl="0" eaLnBrk="1" latinLnBrk="0" hangingPunct="1">
         <a:spcBef>
-          <a:spcPct val="20000"/>
+          <a:spcPts val="350"/>
         </a:spcBef>
         <a:buClr>
-          <a:schemeClr val="accent6"/>
+          <a:schemeClr val="accent3"/>
         </a:buClr>
-        <a:buFont typeface="Arial"/>
-        <a:buChar char="•"/>
-        <a:defRPr kumimoji="0" sz="1600" kern="1200">
+        <a:buFont typeface="Wingdings 2"/>
+        <a:buChar char=""/>
+        <a:defRPr kumimoji="0" sz="1600" kern="1200" baseline="0">
           <a:solidFill>
             <a:schemeClr val="tx1"/>
           </a:solidFill>
@@ -3509,6 +4513,7 @@
           <a:cs typeface="+mn-cs"/>
         </a:defRPr>
       </a:lvl9pPr>
+      <a:extLst/>
     </p:bodyStyle>
     <p:otherStyle>
       <a:lvl1pPr marL="0" algn="l" rtl="0" eaLnBrk="1" latinLnBrk="0" hangingPunct="1">
@@ -3601,6 +4606,7 @@
           <a:cs typeface="+mn-cs"/>
         </a:defRPr>
       </a:lvl9pPr>
+      <a:extLst/>
     </p:otherStyle>
   </p:txStyles>
 </p:sldMaster>
@@ -3640,7 +4646,7 @@
           <a:p>
             <a:r>
               <a:rPr lang="en-US" dirty="0" smtClean="0"/>
-              <a:t>JAVA</a:t>
+              <a:t>Spring</a:t>
             </a:r>
             <a:endParaRPr lang="en-US" dirty="0"/>
           </a:p>
@@ -3658,23 +4664,21 @@
         </p:nvSpPr>
         <p:spPr/>
         <p:txBody>
-          <a:bodyPr>
-            <a:normAutofit/>
-          </a:bodyPr>
+          <a:bodyPr/>
           <a:lstStyle/>
           <a:p>
             <a:r>
-              <a:rPr lang="en-US" sz="4400" b="1" dirty="0" smtClean="0"/>
-              <a:t>SPRING FRAMEWORK</a:t>
-            </a:r>
-            <a:endParaRPr lang="en-US" sz="4400" b="1" dirty="0"/>
+              <a:rPr lang="en-US" dirty="0" smtClean="0"/>
+              <a:t>Java</a:t>
+            </a:r>
+            <a:endParaRPr lang="en-US" dirty="0"/>
           </a:p>
         </p:txBody>
       </p:sp>
     </p:spTree>
     <p:extLst>
       <p:ext uri="{BB962C8B-B14F-4D97-AF65-F5344CB8AC3E}">
-        <p14:creationId xmlns:p14="http://schemas.microsoft.com/office/powerpoint/2010/main" val="1737136743"/>
+        <p14:creationId xmlns:p14="http://schemas.microsoft.com/office/powerpoint/2010/main" val="3945001671"/>
       </p:ext>
     </p:extLst>
   </p:cSld>
@@ -3688,6 +4692,1246 @@
       </p:par>
     </p:tnLst>
   </p:timing>
+</p:sld>
+</file>
+
+<file path=ppt/slides/slide10.xml><?xml version="1.0" encoding="utf-8"?>
+<p:sld xmlns:a="http://schemas.openxmlformats.org/drawingml/2006/main" xmlns:r="http://schemas.openxmlformats.org/officeDocument/2006/relationships" xmlns:p="http://schemas.openxmlformats.org/presentationml/2006/main">
+  <p:cSld>
+    <p:spTree>
+      <p:nvGrpSpPr>
+        <p:cNvPr id="1" name=""/>
+        <p:cNvGrpSpPr/>
+        <p:nvPr/>
+      </p:nvGrpSpPr>
+      <p:grpSpPr>
+        <a:xfrm>
+          <a:off x="0" y="0"/>
+          <a:ext cx="0" cy="0"/>
+          <a:chOff x="0" y="0"/>
+          <a:chExt cx="0" cy="0"/>
+        </a:xfrm>
+      </p:grpSpPr>
+      <p:sp>
+        <p:nvSpPr>
+          <p:cNvPr id="2" name="Content Placeholder 1"/>
+          <p:cNvSpPr>
+            <a:spLocks noGrp="1"/>
+          </p:cNvSpPr>
+          <p:nvPr>
+            <p:ph idx="1"/>
+          </p:nvPr>
+        </p:nvSpPr>
+        <p:spPr/>
+        <p:txBody>
+          <a:bodyPr/>
+          <a:lstStyle/>
+          <a:p>
+            <a:r>
+              <a:rPr lang="en-US" dirty="0" smtClean="0"/>
+              <a:t>There are 2 methods to do a DI in Spring framework:</a:t>
+            </a:r>
+          </a:p>
+          <a:p>
+            <a:pPr lvl="1"/>
+            <a:r>
+              <a:rPr lang="en-US" dirty="0" smtClean="0"/>
+              <a:t>Setter injection</a:t>
+            </a:r>
+          </a:p>
+          <a:p>
+            <a:pPr lvl="1"/>
+            <a:r>
+              <a:rPr lang="en-US" dirty="0" smtClean="0"/>
+              <a:t>Constructor injection</a:t>
+            </a:r>
+          </a:p>
+        </p:txBody>
+      </p:sp>
+      <p:sp>
+        <p:nvSpPr>
+          <p:cNvPr id="3" name="Title 2"/>
+          <p:cNvSpPr>
+            <a:spLocks noGrp="1"/>
+          </p:cNvSpPr>
+          <p:nvPr>
+            <p:ph type="title"/>
+          </p:nvPr>
+        </p:nvSpPr>
+        <p:spPr/>
+        <p:txBody>
+          <a:bodyPr/>
+          <a:lstStyle/>
+          <a:p>
+            <a:r>
+              <a:rPr lang="en-US" dirty="0"/>
+              <a:t>Dependency Injection</a:t>
+            </a:r>
+          </a:p>
+        </p:txBody>
+      </p:sp>
+    </p:spTree>
+    <p:extLst>
+      <p:ext uri="{BB962C8B-B14F-4D97-AF65-F5344CB8AC3E}">
+        <p14:creationId xmlns:p14="http://schemas.microsoft.com/office/powerpoint/2010/main" val="3091580530"/>
+      </p:ext>
+    </p:extLst>
+  </p:cSld>
+  <p:clrMapOvr>
+    <a:masterClrMapping/>
+  </p:clrMapOvr>
+</p:sld>
+</file>
+
+<file path=ppt/slides/slide11.xml><?xml version="1.0" encoding="utf-8"?>
+<p:sld xmlns:a="http://schemas.openxmlformats.org/drawingml/2006/main" xmlns:r="http://schemas.openxmlformats.org/officeDocument/2006/relationships" xmlns:p="http://schemas.openxmlformats.org/presentationml/2006/main">
+  <p:cSld>
+    <p:spTree>
+      <p:nvGrpSpPr>
+        <p:cNvPr id="1" name=""/>
+        <p:cNvGrpSpPr/>
+        <p:nvPr/>
+      </p:nvGrpSpPr>
+      <p:grpSpPr>
+        <a:xfrm>
+          <a:off x="0" y="0"/>
+          <a:ext cx="0" cy="0"/>
+          <a:chOff x="0" y="0"/>
+          <a:chExt cx="0" cy="0"/>
+        </a:xfrm>
+      </p:grpSpPr>
+      <p:sp>
+        <p:nvSpPr>
+          <p:cNvPr id="2" name="Content Placeholder 1"/>
+          <p:cNvSpPr>
+            <a:spLocks noGrp="1"/>
+          </p:cNvSpPr>
+          <p:nvPr>
+            <p:ph idx="1"/>
+          </p:nvPr>
+        </p:nvSpPr>
+        <p:spPr/>
+        <p:txBody>
+          <a:bodyPr/>
+          <a:lstStyle/>
+          <a:p>
+            <a:r>
+              <a:rPr lang="en-US" dirty="0" smtClean="0"/>
+              <a:t>Setter injection</a:t>
+            </a:r>
+            <a:endParaRPr lang="en-US" dirty="0"/>
+          </a:p>
+        </p:txBody>
+      </p:sp>
+      <p:sp>
+        <p:nvSpPr>
+          <p:cNvPr id="3" name="Title 2"/>
+          <p:cNvSpPr>
+            <a:spLocks noGrp="1"/>
+          </p:cNvSpPr>
+          <p:nvPr>
+            <p:ph type="title"/>
+          </p:nvPr>
+        </p:nvSpPr>
+        <p:spPr/>
+        <p:txBody>
+          <a:bodyPr/>
+          <a:lstStyle/>
+          <a:p>
+            <a:r>
+              <a:rPr lang="en-US" dirty="0"/>
+              <a:t>Dependency Injection</a:t>
+            </a:r>
+          </a:p>
+        </p:txBody>
+      </p:sp>
+      <p:pic>
+        <p:nvPicPr>
+          <p:cNvPr id="2052" name="Picture 4" descr="C:\Users\HuanPM\Desktop\Untitled2.jpg"/>
+          <p:cNvPicPr>
+            <a:picLocks noChangeAspect="1" noChangeArrowheads="1"/>
+          </p:cNvPicPr>
+          <p:nvPr/>
+        </p:nvPicPr>
+        <p:blipFill>
+          <a:blip r:embed="rId2">
+            <a:extLst>
+              <a:ext uri="{28A0092B-C50C-407E-A947-70E740481C1C}">
+                <a14:useLocalDpi xmlns:a14="http://schemas.microsoft.com/office/drawing/2010/main" val="0"/>
+              </a:ext>
+            </a:extLst>
+          </a:blip>
+          <a:srcRect/>
+          <a:stretch>
+            <a:fillRect/>
+          </a:stretch>
+        </p:blipFill>
+        <p:spPr bwMode="auto">
+          <a:xfrm>
+            <a:off x="457200" y="1905000"/>
+            <a:ext cx="5743575" cy="2981325"/>
+          </a:xfrm>
+          <a:prstGeom prst="rect">
+            <a:avLst/>
+          </a:prstGeom>
+          <a:noFill/>
+          <a:extLst>
+            <a:ext uri="{909E8E84-426E-40DD-AFC4-6F175D3DCCD1}">
+              <a14:hiddenFill xmlns:a14="http://schemas.microsoft.com/office/drawing/2010/main">
+                <a:solidFill>
+                  <a:srgbClr val="FFFFFF"/>
+                </a:solidFill>
+              </a14:hiddenFill>
+            </a:ext>
+          </a:extLst>
+        </p:spPr>
+      </p:pic>
+      <p:pic>
+        <p:nvPicPr>
+          <p:cNvPr id="2053" name="Picture 5" descr="C:\Users\HuanPM\Desktop\Untitled.jpg"/>
+          <p:cNvPicPr>
+            <a:picLocks noChangeAspect="1" noChangeArrowheads="1"/>
+          </p:cNvPicPr>
+          <p:nvPr/>
+        </p:nvPicPr>
+        <p:blipFill>
+          <a:blip r:embed="rId3">
+            <a:extLst>
+              <a:ext uri="{28A0092B-C50C-407E-A947-70E740481C1C}">
+                <a14:useLocalDpi xmlns:a14="http://schemas.microsoft.com/office/drawing/2010/main" val="0"/>
+              </a:ext>
+            </a:extLst>
+          </a:blip>
+          <a:srcRect/>
+          <a:stretch>
+            <a:fillRect/>
+          </a:stretch>
+        </p:blipFill>
+        <p:spPr bwMode="auto">
+          <a:xfrm>
+            <a:off x="2971800" y="3876368"/>
+            <a:ext cx="5762625" cy="2705100"/>
+          </a:xfrm>
+          <a:prstGeom prst="rect">
+            <a:avLst/>
+          </a:prstGeom>
+          <a:noFill/>
+          <a:extLst>
+            <a:ext uri="{909E8E84-426E-40DD-AFC4-6F175D3DCCD1}">
+              <a14:hiddenFill xmlns:a14="http://schemas.microsoft.com/office/drawing/2010/main">
+                <a:solidFill>
+                  <a:srgbClr val="FFFFFF"/>
+                </a:solidFill>
+              </a14:hiddenFill>
+            </a:ext>
+          </a:extLst>
+        </p:spPr>
+      </p:pic>
+      <p:cxnSp>
+        <p:nvCxnSpPr>
+          <p:cNvPr id="17" name="Curved Connector 16"/>
+          <p:cNvCxnSpPr/>
+          <p:nvPr/>
+        </p:nvCxnSpPr>
+        <p:spPr>
+          <a:xfrm rot="10800000">
+            <a:off x="4419600" y="2971800"/>
+            <a:ext cx="2209800" cy="2133600"/>
+          </a:xfrm>
+          <a:prstGeom prst="curvedConnector3">
+            <a:avLst/>
+          </a:prstGeom>
+          <a:ln>
+            <a:solidFill>
+              <a:schemeClr val="accent2"/>
+            </a:solidFill>
+            <a:tailEnd type="arrow"/>
+          </a:ln>
+        </p:spPr>
+        <p:style>
+          <a:lnRef idx="1">
+            <a:schemeClr val="accent1"/>
+          </a:lnRef>
+          <a:fillRef idx="0">
+            <a:schemeClr val="accent1"/>
+          </a:fillRef>
+          <a:effectRef idx="0">
+            <a:schemeClr val="accent1"/>
+          </a:effectRef>
+          <a:fontRef idx="minor">
+            <a:schemeClr val="tx1"/>
+          </a:fontRef>
+        </p:style>
+      </p:cxnSp>
+      <p:sp>
+        <p:nvSpPr>
+          <p:cNvPr id="18" name="TextBox 17"/>
+          <p:cNvSpPr txBox="1"/>
+          <p:nvPr/>
+        </p:nvSpPr>
+        <p:spPr>
+          <a:xfrm>
+            <a:off x="4838700" y="2295757"/>
+            <a:ext cx="3581400" cy="646331"/>
+          </a:xfrm>
+          <a:prstGeom prst="rect">
+            <a:avLst/>
+          </a:prstGeom>
+          <a:noFill/>
+        </p:spPr>
+        <p:txBody>
+          <a:bodyPr wrap="square" rtlCol="0">
+            <a:spAutoFit/>
+          </a:bodyPr>
+          <a:lstStyle/>
+          <a:p>
+            <a:r>
+              <a:rPr lang="en-US" dirty="0" smtClean="0"/>
+              <a:t>Container injects dependency to parameter of setter method</a:t>
+            </a:r>
+            <a:endParaRPr lang="en-US" dirty="0"/>
+          </a:p>
+        </p:txBody>
+      </p:sp>
+    </p:spTree>
+    <p:extLst>
+      <p:ext uri="{BB962C8B-B14F-4D97-AF65-F5344CB8AC3E}">
+        <p14:creationId xmlns:p14="http://schemas.microsoft.com/office/powerpoint/2010/main" val="1648647525"/>
+      </p:ext>
+    </p:extLst>
+  </p:cSld>
+  <p:clrMapOvr>
+    <a:masterClrMapping/>
+  </p:clrMapOvr>
+</p:sld>
+</file>
+
+<file path=ppt/slides/slide12.xml><?xml version="1.0" encoding="utf-8"?>
+<p:sld xmlns:a="http://schemas.openxmlformats.org/drawingml/2006/main" xmlns:r="http://schemas.openxmlformats.org/officeDocument/2006/relationships" xmlns:p="http://schemas.openxmlformats.org/presentationml/2006/main">
+  <p:cSld>
+    <p:spTree>
+      <p:nvGrpSpPr>
+        <p:cNvPr id="1" name=""/>
+        <p:cNvGrpSpPr/>
+        <p:nvPr/>
+      </p:nvGrpSpPr>
+      <p:grpSpPr>
+        <a:xfrm>
+          <a:off x="0" y="0"/>
+          <a:ext cx="0" cy="0"/>
+          <a:chOff x="0" y="0"/>
+          <a:chExt cx="0" cy="0"/>
+        </a:xfrm>
+      </p:grpSpPr>
+      <p:sp>
+        <p:nvSpPr>
+          <p:cNvPr id="2" name="Content Placeholder 1"/>
+          <p:cNvSpPr>
+            <a:spLocks noGrp="1"/>
+          </p:cNvSpPr>
+          <p:nvPr>
+            <p:ph idx="1"/>
+          </p:nvPr>
+        </p:nvSpPr>
+        <p:spPr/>
+        <p:txBody>
+          <a:bodyPr/>
+          <a:lstStyle/>
+          <a:p>
+            <a:r>
+              <a:rPr lang="en-US" dirty="0" smtClean="0"/>
+              <a:t>Constructor injection</a:t>
+            </a:r>
+            <a:endParaRPr lang="en-US" dirty="0"/>
+          </a:p>
+        </p:txBody>
+      </p:sp>
+      <p:sp>
+        <p:nvSpPr>
+          <p:cNvPr id="3" name="Title 2"/>
+          <p:cNvSpPr>
+            <a:spLocks noGrp="1"/>
+          </p:cNvSpPr>
+          <p:nvPr>
+            <p:ph type="title"/>
+          </p:nvPr>
+        </p:nvSpPr>
+        <p:spPr/>
+        <p:txBody>
+          <a:bodyPr/>
+          <a:lstStyle/>
+          <a:p>
+            <a:r>
+              <a:rPr lang="en-US" dirty="0"/>
+              <a:t>Dependency Injection</a:t>
+            </a:r>
+          </a:p>
+        </p:txBody>
+      </p:sp>
+      <p:pic>
+        <p:nvPicPr>
+          <p:cNvPr id="3075" name="Picture 3" descr="C:\Users\HuanPM\Desktop\Untitled3.png"/>
+          <p:cNvPicPr>
+            <a:picLocks noChangeAspect="1" noChangeArrowheads="1"/>
+          </p:cNvPicPr>
+          <p:nvPr/>
+        </p:nvPicPr>
+        <p:blipFill>
+          <a:blip r:embed="rId2">
+            <a:extLst>
+              <a:ext uri="{28A0092B-C50C-407E-A947-70E740481C1C}">
+                <a14:useLocalDpi xmlns:a14="http://schemas.microsoft.com/office/drawing/2010/main" val="0"/>
+              </a:ext>
+            </a:extLst>
+          </a:blip>
+          <a:srcRect/>
+          <a:stretch>
+            <a:fillRect/>
+          </a:stretch>
+        </p:blipFill>
+        <p:spPr bwMode="auto">
+          <a:xfrm>
+            <a:off x="457200" y="2032710"/>
+            <a:ext cx="5754688" cy="2114550"/>
+          </a:xfrm>
+          <a:prstGeom prst="rect">
+            <a:avLst/>
+          </a:prstGeom>
+          <a:noFill/>
+          <a:extLst>
+            <a:ext uri="{909E8E84-426E-40DD-AFC4-6F175D3DCCD1}">
+              <a14:hiddenFill xmlns:a14="http://schemas.microsoft.com/office/drawing/2010/main">
+                <a:solidFill>
+                  <a:srgbClr val="FFFFFF"/>
+                </a:solidFill>
+              </a14:hiddenFill>
+            </a:ext>
+          </a:extLst>
+        </p:spPr>
+      </p:pic>
+      <p:pic>
+        <p:nvPicPr>
+          <p:cNvPr id="3074" name="Picture 2" descr="C:\Users\HuanPM\Desktop\Untitled4.png"/>
+          <p:cNvPicPr>
+            <a:picLocks noChangeAspect="1" noChangeArrowheads="1"/>
+          </p:cNvPicPr>
+          <p:nvPr/>
+        </p:nvPicPr>
+        <p:blipFill>
+          <a:blip r:embed="rId3">
+            <a:extLst>
+              <a:ext uri="{28A0092B-C50C-407E-A947-70E740481C1C}">
+                <a14:useLocalDpi xmlns:a14="http://schemas.microsoft.com/office/drawing/2010/main" val="0"/>
+              </a:ext>
+            </a:extLst>
+          </a:blip>
+          <a:srcRect/>
+          <a:stretch>
+            <a:fillRect/>
+          </a:stretch>
+        </p:blipFill>
+        <p:spPr bwMode="auto">
+          <a:xfrm>
+            <a:off x="2971800" y="3733800"/>
+            <a:ext cx="5735637" cy="2676525"/>
+          </a:xfrm>
+          <a:prstGeom prst="rect">
+            <a:avLst/>
+          </a:prstGeom>
+          <a:noFill/>
+          <a:extLst>
+            <a:ext uri="{909E8E84-426E-40DD-AFC4-6F175D3DCCD1}">
+              <a14:hiddenFill xmlns:a14="http://schemas.microsoft.com/office/drawing/2010/main">
+                <a:solidFill>
+                  <a:srgbClr val="FFFFFF"/>
+                </a:solidFill>
+              </a14:hiddenFill>
+            </a:ext>
+          </a:extLst>
+        </p:spPr>
+      </p:pic>
+      <p:sp>
+        <p:nvSpPr>
+          <p:cNvPr id="6" name="TextBox 5"/>
+          <p:cNvSpPr txBox="1"/>
+          <p:nvPr/>
+        </p:nvSpPr>
+        <p:spPr>
+          <a:xfrm>
+            <a:off x="4911399" y="2762201"/>
+            <a:ext cx="3581400" cy="646331"/>
+          </a:xfrm>
+          <a:prstGeom prst="rect">
+            <a:avLst/>
+          </a:prstGeom>
+          <a:noFill/>
+        </p:spPr>
+        <p:txBody>
+          <a:bodyPr wrap="square" rtlCol="0">
+            <a:spAutoFit/>
+          </a:bodyPr>
+          <a:lstStyle/>
+          <a:p>
+            <a:r>
+              <a:rPr lang="en-US" dirty="0" smtClean="0"/>
+              <a:t>Container injects dependency to argument of constructor</a:t>
+            </a:r>
+            <a:endParaRPr lang="en-US" dirty="0"/>
+          </a:p>
+        </p:txBody>
+      </p:sp>
+      <p:cxnSp>
+        <p:nvCxnSpPr>
+          <p:cNvPr id="5" name="Curved Connector 4"/>
+          <p:cNvCxnSpPr/>
+          <p:nvPr/>
+        </p:nvCxnSpPr>
+        <p:spPr>
+          <a:xfrm rot="10800000">
+            <a:off x="4038600" y="3505200"/>
+            <a:ext cx="1801018" cy="1676400"/>
+          </a:xfrm>
+          <a:prstGeom prst="curvedConnector3">
+            <a:avLst/>
+          </a:prstGeom>
+          <a:ln>
+            <a:solidFill>
+              <a:schemeClr val="accent2"/>
+            </a:solidFill>
+            <a:tailEnd type="arrow"/>
+          </a:ln>
+        </p:spPr>
+        <p:style>
+          <a:lnRef idx="1">
+            <a:schemeClr val="accent1"/>
+          </a:lnRef>
+          <a:fillRef idx="0">
+            <a:schemeClr val="accent1"/>
+          </a:fillRef>
+          <a:effectRef idx="0">
+            <a:schemeClr val="accent1"/>
+          </a:effectRef>
+          <a:fontRef idx="minor">
+            <a:schemeClr val="tx1"/>
+          </a:fontRef>
+        </p:style>
+      </p:cxnSp>
+    </p:spTree>
+    <p:extLst>
+      <p:ext uri="{BB962C8B-B14F-4D97-AF65-F5344CB8AC3E}">
+        <p14:creationId xmlns:p14="http://schemas.microsoft.com/office/powerpoint/2010/main" val="3597726148"/>
+      </p:ext>
+    </p:extLst>
+  </p:cSld>
+  <p:clrMapOvr>
+    <a:masterClrMapping/>
+  </p:clrMapOvr>
+</p:sld>
+</file>
+
+<file path=ppt/slides/slide13.xml><?xml version="1.0" encoding="utf-8"?>
+<p:sld xmlns:a="http://schemas.openxmlformats.org/drawingml/2006/main" xmlns:r="http://schemas.openxmlformats.org/officeDocument/2006/relationships" xmlns:p="http://schemas.openxmlformats.org/presentationml/2006/main">
+  <p:cSld>
+    <p:spTree>
+      <p:nvGrpSpPr>
+        <p:cNvPr id="1" name=""/>
+        <p:cNvGrpSpPr/>
+        <p:nvPr/>
+      </p:nvGrpSpPr>
+      <p:grpSpPr>
+        <a:xfrm>
+          <a:off x="0" y="0"/>
+          <a:ext cx="0" cy="0"/>
+          <a:chOff x="0" y="0"/>
+          <a:chExt cx="0" cy="0"/>
+        </a:xfrm>
+      </p:grpSpPr>
+      <p:sp>
+        <p:nvSpPr>
+          <p:cNvPr id="2" name="Content Placeholder 1"/>
+          <p:cNvSpPr>
+            <a:spLocks noGrp="1"/>
+          </p:cNvSpPr>
+          <p:nvPr>
+            <p:ph idx="1"/>
+          </p:nvPr>
+        </p:nvSpPr>
+        <p:spPr/>
+        <p:txBody>
+          <a:bodyPr>
+            <a:normAutofit/>
+          </a:bodyPr>
+          <a:lstStyle/>
+          <a:p>
+            <a:r>
+              <a:rPr lang="en-US" b="1" dirty="0" smtClean="0"/>
+              <a:t>Pros:</a:t>
+            </a:r>
+            <a:endParaRPr lang="en-US" b="1" dirty="0"/>
+          </a:p>
+          <a:p>
+            <a:pPr lvl="1"/>
+            <a:r>
+              <a:rPr lang="en-US" dirty="0"/>
+              <a:t>Loosely Coupled</a:t>
+            </a:r>
+          </a:p>
+          <a:p>
+            <a:pPr lvl="1"/>
+            <a:r>
+              <a:rPr lang="en-US" dirty="0"/>
+              <a:t>Much Better Testability</a:t>
+            </a:r>
+          </a:p>
+          <a:p>
+            <a:pPr lvl="1"/>
+            <a:r>
+              <a:rPr lang="en-US" dirty="0" smtClean="0"/>
+              <a:t>Separation </a:t>
+            </a:r>
+            <a:r>
+              <a:rPr lang="en-US" dirty="0"/>
+              <a:t>Of Concerns</a:t>
+            </a:r>
+          </a:p>
+          <a:p>
+            <a:r>
+              <a:rPr lang="en-US" b="1" dirty="0" smtClean="0"/>
+              <a:t>Cons:</a:t>
+            </a:r>
+            <a:endParaRPr lang="en-US" b="1" dirty="0"/>
+          </a:p>
+          <a:p>
+            <a:pPr lvl="1"/>
+            <a:r>
+              <a:rPr lang="en-US" dirty="0"/>
+              <a:t>Difficult to </a:t>
+            </a:r>
+            <a:r>
+              <a:rPr lang="en-US" b="1" u="sng" dirty="0" smtClean="0"/>
+              <a:t>understand</a:t>
+            </a:r>
+            <a:r>
+              <a:rPr lang="en-US" dirty="0"/>
+              <a:t>. </a:t>
+            </a:r>
+            <a:endParaRPr lang="en-US" dirty="0" smtClean="0"/>
+          </a:p>
+          <a:p>
+            <a:pPr lvl="1"/>
+            <a:r>
+              <a:rPr lang="en-US" dirty="0" smtClean="0"/>
+              <a:t>Increase </a:t>
+            </a:r>
+            <a:r>
+              <a:rPr lang="en-US" dirty="0"/>
+              <a:t>c</a:t>
+            </a:r>
+            <a:r>
+              <a:rPr lang="en-US" dirty="0" smtClean="0"/>
+              <a:t>ode complexity.</a:t>
+            </a:r>
+            <a:endParaRPr lang="en-US" dirty="0"/>
+          </a:p>
+          <a:p>
+            <a:pPr lvl="1"/>
+            <a:r>
+              <a:rPr lang="en-US" dirty="0" smtClean="0"/>
+              <a:t>Complicates Debugging &amp; Code Flow. </a:t>
+            </a:r>
+            <a:endParaRPr lang="en-US" dirty="0"/>
+          </a:p>
+        </p:txBody>
+      </p:sp>
+      <p:sp>
+        <p:nvSpPr>
+          <p:cNvPr id="3" name="Title 2"/>
+          <p:cNvSpPr>
+            <a:spLocks noGrp="1"/>
+          </p:cNvSpPr>
+          <p:nvPr>
+            <p:ph type="title"/>
+          </p:nvPr>
+        </p:nvSpPr>
+        <p:spPr/>
+        <p:txBody>
+          <a:bodyPr/>
+          <a:lstStyle/>
+          <a:p>
+            <a:r>
+              <a:rPr lang="en-US" dirty="0"/>
+              <a:t>Dependency Injection</a:t>
+            </a:r>
+          </a:p>
+        </p:txBody>
+      </p:sp>
+    </p:spTree>
+    <p:extLst>
+      <p:ext uri="{BB962C8B-B14F-4D97-AF65-F5344CB8AC3E}">
+        <p14:creationId xmlns:p14="http://schemas.microsoft.com/office/powerpoint/2010/main" val="3352475107"/>
+      </p:ext>
+    </p:extLst>
+  </p:cSld>
+  <p:clrMapOvr>
+    <a:masterClrMapping/>
+  </p:clrMapOvr>
+</p:sld>
+</file>
+
+<file path=ppt/slides/slide14.xml><?xml version="1.0" encoding="utf-8"?>
+<p:sld xmlns:a="http://schemas.openxmlformats.org/drawingml/2006/main" xmlns:r="http://schemas.openxmlformats.org/officeDocument/2006/relationships" xmlns:p="http://schemas.openxmlformats.org/presentationml/2006/main">
+  <p:cSld>
+    <p:spTree>
+      <p:nvGrpSpPr>
+        <p:cNvPr id="1" name=""/>
+        <p:cNvGrpSpPr/>
+        <p:nvPr/>
+      </p:nvGrpSpPr>
+      <p:grpSpPr>
+        <a:xfrm>
+          <a:off x="0" y="0"/>
+          <a:ext cx="0" cy="0"/>
+          <a:chOff x="0" y="0"/>
+          <a:chExt cx="0" cy="0"/>
+        </a:xfrm>
+      </p:grpSpPr>
+      <p:sp>
+        <p:nvSpPr>
+          <p:cNvPr id="2" name="Content Placeholder 1"/>
+          <p:cNvSpPr>
+            <a:spLocks noGrp="1"/>
+          </p:cNvSpPr>
+          <p:nvPr>
+            <p:ph idx="1"/>
+          </p:nvPr>
+        </p:nvSpPr>
+        <p:spPr/>
+        <p:txBody>
+          <a:bodyPr/>
+          <a:lstStyle/>
+          <a:p>
+            <a:r>
+              <a:rPr lang="en-US" b="1" dirty="0" smtClean="0"/>
+              <a:t>Spring MVC</a:t>
+            </a:r>
+            <a:r>
+              <a:rPr lang="en-US" dirty="0" smtClean="0"/>
+              <a:t>: a </a:t>
+            </a:r>
+            <a:r>
+              <a:rPr lang="en-US" dirty="0" smtClean="0"/>
+              <a:t>framework that supports MVC (Model-View-Controller) architecture to support web application developments. </a:t>
+            </a:r>
+          </a:p>
+          <a:p>
+            <a:r>
+              <a:rPr lang="en-US" dirty="0"/>
+              <a:t>Spring MVC </a:t>
+            </a:r>
+            <a:r>
+              <a:rPr lang="en-US" dirty="0" smtClean="0"/>
+              <a:t>is designed </a:t>
+            </a:r>
+            <a:r>
+              <a:rPr lang="en-US" dirty="0"/>
+              <a:t>around a </a:t>
+            </a:r>
+            <a:r>
+              <a:rPr lang="en-US" b="1" dirty="0"/>
+              <a:t>front controller </a:t>
+            </a:r>
+            <a:r>
+              <a:rPr lang="en-US" dirty="0"/>
+              <a:t>(</a:t>
+            </a:r>
+            <a:r>
+              <a:rPr lang="en-US" dirty="0" err="1"/>
+              <a:t>DispatcherServlet</a:t>
+            </a:r>
+            <a:r>
+              <a:rPr lang="en-US" dirty="0"/>
+              <a:t>).</a:t>
+            </a:r>
+          </a:p>
+          <a:p>
+            <a:endParaRPr lang="en-US" dirty="0"/>
+          </a:p>
+        </p:txBody>
+      </p:sp>
+      <p:sp>
+        <p:nvSpPr>
+          <p:cNvPr id="3" name="Title 2"/>
+          <p:cNvSpPr>
+            <a:spLocks noGrp="1"/>
+          </p:cNvSpPr>
+          <p:nvPr>
+            <p:ph type="title"/>
+          </p:nvPr>
+        </p:nvSpPr>
+        <p:spPr/>
+        <p:txBody>
+          <a:bodyPr/>
+          <a:lstStyle/>
+          <a:p>
+            <a:r>
+              <a:rPr lang="en-US" dirty="0"/>
+              <a:t>Spring MVC</a:t>
+            </a:r>
+          </a:p>
+        </p:txBody>
+      </p:sp>
+    </p:spTree>
+    <p:extLst>
+      <p:ext uri="{BB962C8B-B14F-4D97-AF65-F5344CB8AC3E}">
+        <p14:creationId xmlns:p14="http://schemas.microsoft.com/office/powerpoint/2010/main" val="2450254546"/>
+      </p:ext>
+    </p:extLst>
+  </p:cSld>
+  <p:clrMapOvr>
+    <a:masterClrMapping/>
+  </p:clrMapOvr>
+  <p:timing>
+    <p:tnLst>
+      <p:par>
+        <p:cTn id="1" dur="indefinite" restart="never" nodeType="tmRoot"/>
+      </p:par>
+    </p:tnLst>
+  </p:timing>
+</p:sld>
+</file>
+
+<file path=ppt/slides/slide15.xml><?xml version="1.0" encoding="utf-8"?>
+<p:sld xmlns:a="http://schemas.openxmlformats.org/drawingml/2006/main" xmlns:r="http://schemas.openxmlformats.org/officeDocument/2006/relationships" xmlns:p="http://schemas.openxmlformats.org/presentationml/2006/main">
+  <p:cSld>
+    <p:spTree>
+      <p:nvGrpSpPr>
+        <p:cNvPr id="1" name=""/>
+        <p:cNvGrpSpPr/>
+        <p:nvPr/>
+      </p:nvGrpSpPr>
+      <p:grpSpPr>
+        <a:xfrm>
+          <a:off x="0" y="0"/>
+          <a:ext cx="0" cy="0"/>
+          <a:chOff x="0" y="0"/>
+          <a:chExt cx="0" cy="0"/>
+        </a:xfrm>
+      </p:grpSpPr>
+      <p:pic>
+        <p:nvPicPr>
+          <p:cNvPr id="2053" name="Picture 5" descr="C:\Users\HuanPM\Desktop\spring-mvc-concepts-2.jpg"/>
+          <p:cNvPicPr>
+            <a:picLocks noChangeAspect="1" noChangeArrowheads="1"/>
+          </p:cNvPicPr>
+          <p:nvPr/>
+        </p:nvPicPr>
+        <p:blipFill>
+          <a:blip r:embed="rId2">
+            <a:extLst>
+              <a:ext uri="{28A0092B-C50C-407E-A947-70E740481C1C}">
+                <a14:useLocalDpi xmlns:a14="http://schemas.microsoft.com/office/drawing/2010/main" val="0"/>
+              </a:ext>
+            </a:extLst>
+          </a:blip>
+          <a:srcRect/>
+          <a:stretch>
+            <a:fillRect/>
+          </a:stretch>
+        </p:blipFill>
+        <p:spPr bwMode="auto">
+          <a:xfrm>
+            <a:off x="533401" y="1371599"/>
+            <a:ext cx="5867400" cy="4477507"/>
+          </a:xfrm>
+          <a:prstGeom prst="rect">
+            <a:avLst/>
+          </a:prstGeom>
+          <a:noFill/>
+          <a:extLst>
+            <a:ext uri="{909E8E84-426E-40DD-AFC4-6F175D3DCCD1}">
+              <a14:hiddenFill xmlns:a14="http://schemas.microsoft.com/office/drawing/2010/main">
+                <a:solidFill>
+                  <a:srgbClr val="FFFFFF"/>
+                </a:solidFill>
+              </a14:hiddenFill>
+            </a:ext>
+          </a:extLst>
+        </p:spPr>
+      </p:pic>
+      <p:sp>
+        <p:nvSpPr>
+          <p:cNvPr id="3" name="Title 2"/>
+          <p:cNvSpPr>
+            <a:spLocks noGrp="1"/>
+          </p:cNvSpPr>
+          <p:nvPr>
+            <p:ph type="title"/>
+          </p:nvPr>
+        </p:nvSpPr>
+        <p:spPr/>
+        <p:txBody>
+          <a:bodyPr/>
+          <a:lstStyle/>
+          <a:p>
+            <a:r>
+              <a:rPr lang="en-US" dirty="0" smtClean="0"/>
+              <a:t>Spring MVC</a:t>
+            </a:r>
+            <a:endParaRPr lang="en-US" dirty="0"/>
+          </a:p>
+        </p:txBody>
+      </p:sp>
+      <p:sp>
+        <p:nvSpPr>
+          <p:cNvPr id="6" name="Rounded Rectangular Callout 5"/>
+          <p:cNvSpPr/>
+          <p:nvPr/>
+        </p:nvSpPr>
+        <p:spPr>
+          <a:xfrm>
+            <a:off x="7010400" y="1143000"/>
+            <a:ext cx="2062316" cy="914400"/>
+          </a:xfrm>
+          <a:prstGeom prst="wedgeRoundRectCallout">
+            <a:avLst>
+              <a:gd name="adj1" fmla="val -83654"/>
+              <a:gd name="adj2" fmla="val 30403"/>
+              <a:gd name="adj3" fmla="val 16667"/>
+            </a:avLst>
+          </a:prstGeom>
+        </p:spPr>
+        <p:style>
+          <a:lnRef idx="2">
+            <a:schemeClr val="accent6"/>
+          </a:lnRef>
+          <a:fillRef idx="1">
+            <a:schemeClr val="lt1"/>
+          </a:fillRef>
+          <a:effectRef idx="0">
+            <a:schemeClr val="accent6"/>
+          </a:effectRef>
+          <a:fontRef idx="minor">
+            <a:schemeClr val="dk1"/>
+          </a:fontRef>
+        </p:style>
+        <p:txBody>
+          <a:bodyPr rtlCol="0" anchor="ctr"/>
+          <a:lstStyle/>
+          <a:p>
+            <a:pPr algn="ctr"/>
+            <a:r>
+              <a:rPr lang="en-US" dirty="0" smtClean="0"/>
+              <a:t>Map </a:t>
+            </a:r>
+            <a:r>
+              <a:rPr lang="en-US" b="1" dirty="0" smtClean="0"/>
+              <a:t>Request</a:t>
+            </a:r>
+            <a:r>
+              <a:rPr lang="en-US" dirty="0" smtClean="0"/>
+              <a:t> to </a:t>
+            </a:r>
+            <a:r>
+              <a:rPr lang="en-US" b="1" dirty="0" smtClean="0"/>
+              <a:t>Controller</a:t>
+            </a:r>
+            <a:endParaRPr lang="en-US" b="1" dirty="0"/>
+          </a:p>
+        </p:txBody>
+      </p:sp>
+      <p:sp>
+        <p:nvSpPr>
+          <p:cNvPr id="8" name="Rounded Rectangular Callout 7"/>
+          <p:cNvSpPr/>
+          <p:nvPr/>
+        </p:nvSpPr>
+        <p:spPr>
+          <a:xfrm>
+            <a:off x="6776884" y="3913239"/>
+            <a:ext cx="2295832" cy="914400"/>
+          </a:xfrm>
+          <a:prstGeom prst="wedgeRoundRectCallout">
+            <a:avLst>
+              <a:gd name="adj1" fmla="val -137967"/>
+              <a:gd name="adj2" fmla="val -42339"/>
+              <a:gd name="adj3" fmla="val 16667"/>
+            </a:avLst>
+          </a:prstGeom>
+        </p:spPr>
+        <p:style>
+          <a:lnRef idx="2">
+            <a:schemeClr val="dk1"/>
+          </a:lnRef>
+          <a:fillRef idx="1">
+            <a:schemeClr val="lt1"/>
+          </a:fillRef>
+          <a:effectRef idx="0">
+            <a:schemeClr val="dk1"/>
+          </a:effectRef>
+          <a:fontRef idx="minor">
+            <a:schemeClr val="dk1"/>
+          </a:fontRef>
+        </p:style>
+        <p:txBody>
+          <a:bodyPr rtlCol="0" anchor="ctr"/>
+          <a:lstStyle/>
+          <a:p>
+            <a:pPr algn="ctr"/>
+            <a:r>
+              <a:rPr lang="en-US" dirty="0" smtClean="0"/>
+              <a:t>Holder </a:t>
+            </a:r>
+            <a:r>
+              <a:rPr lang="en-US" dirty="0"/>
+              <a:t>for both </a:t>
+            </a:r>
+            <a:r>
+              <a:rPr lang="en-US" b="1" dirty="0"/>
+              <a:t>Model</a:t>
+            </a:r>
+            <a:r>
+              <a:rPr lang="en-US" dirty="0"/>
+              <a:t> and </a:t>
+            </a:r>
+            <a:r>
+              <a:rPr lang="en-US" b="1" dirty="0" smtClean="0"/>
+              <a:t>View</a:t>
+            </a:r>
+            <a:endParaRPr lang="en-US" b="1" dirty="0"/>
+          </a:p>
+        </p:txBody>
+      </p:sp>
+      <p:sp>
+        <p:nvSpPr>
+          <p:cNvPr id="10" name="Rounded Rectangular Callout 9"/>
+          <p:cNvSpPr/>
+          <p:nvPr/>
+        </p:nvSpPr>
+        <p:spPr>
+          <a:xfrm>
+            <a:off x="6629400" y="5257800"/>
+            <a:ext cx="2443316" cy="762000"/>
+          </a:xfrm>
+          <a:prstGeom prst="wedgeRoundRectCallout">
+            <a:avLst>
+              <a:gd name="adj1" fmla="val -62791"/>
+              <a:gd name="adj2" fmla="val -28225"/>
+              <a:gd name="adj3" fmla="val 16667"/>
+            </a:avLst>
+          </a:prstGeom>
+        </p:spPr>
+        <p:style>
+          <a:lnRef idx="2">
+            <a:schemeClr val="accent3"/>
+          </a:lnRef>
+          <a:fillRef idx="1">
+            <a:schemeClr val="lt1"/>
+          </a:fillRef>
+          <a:effectRef idx="0">
+            <a:schemeClr val="accent3"/>
+          </a:effectRef>
+          <a:fontRef idx="minor">
+            <a:schemeClr val="dk1"/>
+          </a:fontRef>
+        </p:style>
+        <p:txBody>
+          <a:bodyPr rtlCol="0" anchor="ctr"/>
+          <a:lstStyle/>
+          <a:p>
+            <a:pPr algn="ctr"/>
+            <a:r>
+              <a:rPr lang="en-US" dirty="0" smtClean="0"/>
+              <a:t>Map </a:t>
+            </a:r>
+            <a:r>
+              <a:rPr lang="en-US" b="1" dirty="0" smtClean="0"/>
+              <a:t>View Name </a:t>
+            </a:r>
+            <a:r>
+              <a:rPr lang="en-US" dirty="0"/>
+              <a:t>to </a:t>
+            </a:r>
+            <a:r>
+              <a:rPr lang="en-US" b="1" dirty="0" smtClean="0"/>
+              <a:t>View</a:t>
+            </a:r>
+            <a:endParaRPr lang="en-US" dirty="0"/>
+          </a:p>
+        </p:txBody>
+      </p:sp>
+      <p:sp>
+        <p:nvSpPr>
+          <p:cNvPr id="11" name="Rounded Rectangular Callout 10"/>
+          <p:cNvSpPr/>
+          <p:nvPr/>
+        </p:nvSpPr>
+        <p:spPr>
+          <a:xfrm>
+            <a:off x="762000" y="1600200"/>
+            <a:ext cx="2514600" cy="685800"/>
+          </a:xfrm>
+          <a:prstGeom prst="wedgeRoundRectCallout">
+            <a:avLst>
+              <a:gd name="adj1" fmla="val 30164"/>
+              <a:gd name="adj2" fmla="val 187628"/>
+              <a:gd name="adj3" fmla="val 16667"/>
+            </a:avLst>
+          </a:prstGeom>
+        </p:spPr>
+        <p:style>
+          <a:lnRef idx="2">
+            <a:schemeClr val="accent4"/>
+          </a:lnRef>
+          <a:fillRef idx="1">
+            <a:schemeClr val="lt1"/>
+          </a:fillRef>
+          <a:effectRef idx="0">
+            <a:schemeClr val="accent4"/>
+          </a:effectRef>
+          <a:fontRef idx="minor">
+            <a:schemeClr val="dk1"/>
+          </a:fontRef>
+        </p:style>
+        <p:txBody>
+          <a:bodyPr rtlCol="0" anchor="ctr"/>
+          <a:lstStyle/>
+          <a:p>
+            <a:pPr algn="ctr"/>
+            <a:r>
+              <a:rPr lang="en-US" dirty="0" smtClean="0"/>
+              <a:t>Dispatch requests </a:t>
+            </a:r>
+            <a:r>
+              <a:rPr lang="en-US" dirty="0"/>
+              <a:t>to handlers.</a:t>
+            </a:r>
+          </a:p>
+        </p:txBody>
+      </p:sp>
+      <p:sp>
+        <p:nvSpPr>
+          <p:cNvPr id="4" name="Rounded Rectangular Callout 3"/>
+          <p:cNvSpPr/>
+          <p:nvPr/>
+        </p:nvSpPr>
+        <p:spPr>
+          <a:xfrm>
+            <a:off x="2971800" y="5973690"/>
+            <a:ext cx="1905000" cy="685800"/>
+          </a:xfrm>
+          <a:prstGeom prst="wedgeRoundRectCallout">
+            <a:avLst>
+              <a:gd name="adj1" fmla="val -37714"/>
+              <a:gd name="adj2" fmla="val -115375"/>
+              <a:gd name="adj3" fmla="val 16667"/>
+            </a:avLst>
+          </a:prstGeom>
+        </p:spPr>
+        <p:style>
+          <a:lnRef idx="2">
+            <a:schemeClr val="accent6"/>
+          </a:lnRef>
+          <a:fillRef idx="1">
+            <a:schemeClr val="lt1"/>
+          </a:fillRef>
+          <a:effectRef idx="0">
+            <a:schemeClr val="accent6"/>
+          </a:effectRef>
+          <a:fontRef idx="minor">
+            <a:schemeClr val="dk1"/>
+          </a:fontRef>
+        </p:style>
+        <p:txBody>
+          <a:bodyPr rtlCol="0" anchor="ctr"/>
+          <a:lstStyle/>
+          <a:p>
+            <a:pPr algn="ctr"/>
+            <a:r>
+              <a:rPr lang="en-US" dirty="0" smtClean="0"/>
+              <a:t>Usually a JSP page</a:t>
+            </a:r>
+            <a:endParaRPr lang="en-US" dirty="0"/>
+          </a:p>
+        </p:txBody>
+      </p:sp>
+    </p:spTree>
+    <p:extLst>
+      <p:ext uri="{BB962C8B-B14F-4D97-AF65-F5344CB8AC3E}">
+        <p14:creationId xmlns:p14="http://schemas.microsoft.com/office/powerpoint/2010/main" val="1290186735"/>
+      </p:ext>
+    </p:extLst>
+  </p:cSld>
+  <p:clrMapOvr>
+    <a:masterClrMapping/>
+  </p:clrMapOvr>
+  <p:timing>
+    <p:tnLst>
+      <p:par>
+        <p:cTn id="1" dur="indefinite" restart="never" nodeType="tmRoot"/>
+      </p:par>
+    </p:tnLst>
+  </p:timing>
+</p:sld>
+</file>
+
+<file path=ppt/slides/slide16.xml><?xml version="1.0" encoding="utf-8"?>
+<p:sld xmlns:a="http://schemas.openxmlformats.org/drawingml/2006/main" xmlns:r="http://schemas.openxmlformats.org/officeDocument/2006/relationships" xmlns:p="http://schemas.openxmlformats.org/presentationml/2006/main">
+  <p:cSld>
+    <p:spTree>
+      <p:nvGrpSpPr>
+        <p:cNvPr id="1" name=""/>
+        <p:cNvGrpSpPr/>
+        <p:nvPr/>
+      </p:nvGrpSpPr>
+      <p:grpSpPr>
+        <a:xfrm>
+          <a:off x="0" y="0"/>
+          <a:ext cx="0" cy="0"/>
+          <a:chOff x="0" y="0"/>
+          <a:chExt cx="0" cy="0"/>
+        </a:xfrm>
+      </p:grpSpPr>
+      <p:sp>
+        <p:nvSpPr>
+          <p:cNvPr id="10" name="TextBox 9"/>
+          <p:cNvSpPr txBox="1"/>
+          <p:nvPr/>
+        </p:nvSpPr>
+        <p:spPr>
+          <a:xfrm>
+            <a:off x="1752600" y="2209800"/>
+            <a:ext cx="5715000" cy="1754326"/>
+          </a:xfrm>
+          <a:prstGeom prst="rect">
+            <a:avLst/>
+          </a:prstGeom>
+          <a:noFill/>
+        </p:spPr>
+        <p:txBody>
+          <a:bodyPr wrap="square" rtlCol="0">
+            <a:spAutoFit/>
+          </a:bodyPr>
+          <a:lstStyle/>
+          <a:p>
+            <a:pPr algn="ctr"/>
+            <a:r>
+              <a:rPr lang="en-US" sz="5400" b="1" dirty="0" smtClean="0"/>
+              <a:t>THANK YOU FOR LISTENING!</a:t>
+            </a:r>
+            <a:endParaRPr lang="en-US" sz="5400" b="1" dirty="0"/>
+          </a:p>
+        </p:txBody>
+      </p:sp>
+    </p:spTree>
+    <p:extLst>
+      <p:ext uri="{BB962C8B-B14F-4D97-AF65-F5344CB8AC3E}">
+        <p14:creationId xmlns:p14="http://schemas.microsoft.com/office/powerpoint/2010/main" val="2360340079"/>
+      </p:ext>
+    </p:extLst>
+  </p:cSld>
+  <p:clrMapOvr>
+    <a:masterClrMapping/>
+  </p:clrMapOvr>
 </p:sld>
 </file>
 
@@ -3710,32 +5954,7 @@
       </p:grpSpPr>
       <p:sp>
         <p:nvSpPr>
-          <p:cNvPr id="2" name="Title 1"/>
-          <p:cNvSpPr>
-            <a:spLocks noGrp="1"/>
-          </p:cNvSpPr>
-          <p:nvPr>
-            <p:ph type="title"/>
-          </p:nvPr>
-        </p:nvSpPr>
-        <p:spPr/>
-        <p:txBody>
-          <a:bodyPr>
-            <a:normAutofit/>
-          </a:bodyPr>
-          <a:lstStyle/>
-          <a:p>
-            <a:r>
-              <a:rPr lang="en-US" dirty="0" smtClean="0"/>
-              <a:t>Concept</a:t>
-            </a:r>
-            <a:endParaRPr lang="en-US" dirty="0"/>
-          </a:p>
-        </p:txBody>
-      </p:sp>
-      <p:sp>
-        <p:nvSpPr>
-          <p:cNvPr id="3" name="Content Placeholder 2"/>
+          <p:cNvPr id="2" name="Content Placeholder 1"/>
           <p:cNvSpPr>
             <a:spLocks noGrp="1"/>
           </p:cNvSpPr>
@@ -3748,37 +5967,93 @@
           <a:bodyPr/>
           <a:lstStyle/>
           <a:p>
-            <a:r>
-              <a:rPr lang="en-US" b="1" dirty="0" smtClean="0"/>
+            <a:pPr marL="624078" indent="-514350">
+              <a:buFont typeface="+mj-lt"/>
+              <a:buAutoNum type="arabicPeriod"/>
+            </a:pPr>
+            <a:r>
+              <a:rPr lang="en-US" dirty="0" smtClean="0"/>
+              <a:t>Spring</a:t>
+            </a:r>
+            <a:endParaRPr lang="en-US" dirty="0" smtClean="0"/>
+          </a:p>
+          <a:p>
+            <a:pPr marL="624078" indent="-514350">
+              <a:buFont typeface="+mj-lt"/>
+              <a:buAutoNum type="arabicPeriod"/>
+            </a:pPr>
+            <a:r>
+              <a:rPr lang="en-US" dirty="0" smtClean="0"/>
+              <a:t>Spring AOP</a:t>
+            </a:r>
+          </a:p>
+          <a:p>
+            <a:pPr marL="624078" indent="-514350">
+              <a:buFont typeface="+mj-lt"/>
+              <a:buAutoNum type="arabicPeriod"/>
+            </a:pPr>
+            <a:r>
+              <a:rPr lang="en-US" dirty="0" smtClean="0"/>
+              <a:t>Spring Core</a:t>
+            </a:r>
+          </a:p>
+          <a:p>
+            <a:pPr marL="624078" indent="-514350">
+              <a:buFont typeface="+mj-lt"/>
+              <a:buAutoNum type="arabicPeriod"/>
+            </a:pPr>
+            <a:r>
+              <a:rPr lang="en-US" dirty="0" err="1" smtClean="0"/>
+              <a:t>IoC</a:t>
+            </a:r>
+            <a:endParaRPr lang="en-US" dirty="0" smtClean="0"/>
+          </a:p>
+          <a:p>
+            <a:pPr marL="624078" indent="-514350">
+              <a:buFont typeface="+mj-lt"/>
+              <a:buAutoNum type="arabicPeriod"/>
+            </a:pPr>
+            <a:r>
+              <a:rPr lang="en-US" dirty="0" smtClean="0"/>
+              <a:t>DI</a:t>
+            </a:r>
+          </a:p>
+          <a:p>
+            <a:pPr marL="624078" indent="-514350">
+              <a:buFont typeface="+mj-lt"/>
+              <a:buAutoNum type="arabicPeriod"/>
+            </a:pPr>
+            <a:r>
+              <a:rPr lang="en-US" dirty="0" smtClean="0"/>
               <a:t>Spring </a:t>
             </a:r>
             <a:r>
-              <a:rPr lang="en-US" dirty="0"/>
-              <a:t>is a </a:t>
-            </a:r>
-            <a:r>
-              <a:rPr lang="en-US" dirty="0" smtClean="0"/>
-              <a:t>framework </a:t>
-            </a:r>
-            <a:r>
-              <a:rPr lang="en-US" dirty="0"/>
-              <a:t>that provides infrastructural support for any applications including Java EE applications</a:t>
-            </a:r>
-            <a:r>
-              <a:rPr lang="en-US" dirty="0" smtClean="0"/>
-              <a:t>.</a:t>
-            </a:r>
-          </a:p>
-          <a:p>
-            <a:r>
-              <a:rPr lang="en-US" dirty="0"/>
-              <a:t>Spring is used for handling application’s infrastructure.</a:t>
-            </a:r>
-          </a:p>
-          <a:p>
-            <a:endParaRPr lang="en-US" dirty="0"/>
-          </a:p>
-          <a:p>
+              <a:rPr lang="en-US" dirty="0" smtClean="0"/>
+              <a:t>MVC</a:t>
+            </a:r>
+            <a:endParaRPr lang="en-US" dirty="0" smtClean="0"/>
+          </a:p>
+        </p:txBody>
+      </p:sp>
+      <p:sp>
+        <p:nvSpPr>
+          <p:cNvPr id="3" name="Title 2"/>
+          <p:cNvSpPr>
+            <a:spLocks noGrp="1"/>
+          </p:cNvSpPr>
+          <p:nvPr>
+            <p:ph type="title"/>
+          </p:nvPr>
+        </p:nvSpPr>
+        <p:spPr/>
+        <p:txBody>
+          <a:bodyPr/>
+          <a:lstStyle/>
+          <a:p>
+            <a:r>
+              <a:rPr lang="en-US" dirty="0" smtClean="0"/>
+              <a:t>Table of Content</a:t>
+            </a:r>
             <a:endParaRPr lang="en-US" dirty="0"/>
           </a:p>
         </p:txBody>
@@ -3786,7 +6061,7 @@
     </p:spTree>
     <p:extLst>
       <p:ext uri="{BB962C8B-B14F-4D97-AF65-F5344CB8AC3E}">
-        <p14:creationId xmlns:p14="http://schemas.microsoft.com/office/powerpoint/2010/main" val="2880226360"/>
+        <p14:creationId xmlns:p14="http://schemas.microsoft.com/office/powerpoint/2010/main" val="427198240"/>
       </p:ext>
     </p:extLst>
   </p:cSld>
@@ -3822,12 +6097,12 @@
       </p:grpSpPr>
       <p:sp>
         <p:nvSpPr>
-          <p:cNvPr id="2" name="Title 1"/>
-          <p:cNvSpPr>
-            <a:spLocks noGrp="1"/>
-          </p:cNvSpPr>
-          <p:nvPr>
-            <p:ph type="title"/>
+          <p:cNvPr id="2" name="Content Placeholder 1"/>
+          <p:cNvSpPr>
+            <a:spLocks noGrp="1"/>
+          </p:cNvSpPr>
+          <p:nvPr>
+            <p:ph idx="1"/>
           </p:nvPr>
         </p:nvSpPr>
         <p:spPr/>
@@ -3836,21 +6111,38 @@
           <a:lstStyle/>
           <a:p>
             <a:r>
-              <a:rPr lang="en-US" dirty="0" smtClean="0"/>
-              <a:t>Modules</a:t>
-            </a:r>
-            <a:endParaRPr lang="en-US" dirty="0"/>
-          </a:p>
-        </p:txBody>
-      </p:sp>
-      <p:sp>
-        <p:nvSpPr>
-          <p:cNvPr id="3" name="Content Placeholder 2"/>
-          <p:cNvSpPr>
-            <a:spLocks noGrp="1"/>
-          </p:cNvSpPr>
-          <p:nvPr>
-            <p:ph idx="1"/>
+              <a:rPr lang="en-US" b="1" dirty="0" smtClean="0"/>
+              <a:t>Spring framework (Spring) </a:t>
+            </a:r>
+            <a:r>
+              <a:rPr lang="en-US" dirty="0" smtClean="0"/>
+              <a:t>is a lightweight framework that provides </a:t>
+            </a:r>
+            <a:r>
+              <a:rPr lang="en-US" dirty="0"/>
+              <a:t>infrastructural </a:t>
+            </a:r>
+            <a:r>
+              <a:rPr lang="en-US" dirty="0" smtClean="0"/>
+              <a:t>support for any applications including Java EE applications.</a:t>
+            </a:r>
+          </a:p>
+          <a:p>
+            <a:r>
+              <a:rPr lang="en-US" dirty="0" smtClean="0"/>
+              <a:t>Spring is used for handling application’s infrastructure.</a:t>
+            </a:r>
+          </a:p>
+        </p:txBody>
+      </p:sp>
+      <p:sp>
+        <p:nvSpPr>
+          <p:cNvPr id="3" name="Title 2"/>
+          <p:cNvSpPr>
+            <a:spLocks noGrp="1"/>
+          </p:cNvSpPr>
+          <p:nvPr>
+            <p:ph type="title"/>
           </p:nvPr>
         </p:nvSpPr>
         <p:spPr/>
@@ -3860,43 +6152,7 @@
           <a:p>
             <a:r>
               <a:rPr lang="en-US" dirty="0" smtClean="0"/>
-              <a:t>Core Container (IoC and DI)</a:t>
-            </a:r>
-          </a:p>
-          <a:p>
-            <a:r>
-              <a:rPr lang="en-US" dirty="0" smtClean="0"/>
-              <a:t>Spring Context</a:t>
-            </a:r>
-          </a:p>
-          <a:p>
-            <a:r>
-              <a:rPr lang="en-US" dirty="0" smtClean="0"/>
-              <a:t>Sping AOP</a:t>
-            </a:r>
-          </a:p>
-          <a:p>
-            <a:r>
-              <a:rPr lang="en-US" dirty="0" smtClean="0"/>
-              <a:t>Spring DAO</a:t>
-            </a:r>
-          </a:p>
-          <a:p>
-            <a:r>
-              <a:rPr lang="en-US" dirty="0" smtClean="0"/>
-              <a:t>Spring ORM</a:t>
-            </a:r>
-          </a:p>
-          <a:p>
-            <a:r>
-              <a:rPr lang="en-US" dirty="0" smtClean="0"/>
-              <a:t>Sping Web module</a:t>
-            </a:r>
-          </a:p>
-          <a:p>
-            <a:r>
-              <a:rPr lang="en-US" dirty="0" smtClean="0"/>
-              <a:t>Spring MVC Framework</a:t>
+              <a:t>Spring</a:t>
             </a:r>
             <a:endParaRPr lang="en-US" dirty="0"/>
           </a:p>
@@ -3905,7 +6161,7 @@
     </p:spTree>
     <p:extLst>
       <p:ext uri="{BB962C8B-B14F-4D97-AF65-F5344CB8AC3E}">
-        <p14:creationId xmlns:p14="http://schemas.microsoft.com/office/powerpoint/2010/main" val="1162794026"/>
+        <p14:creationId xmlns:p14="http://schemas.microsoft.com/office/powerpoint/2010/main" val="4247118179"/>
       </p:ext>
     </p:extLst>
   </p:cSld>
@@ -3941,12 +6197,12 @@
       </p:grpSpPr>
       <p:sp>
         <p:nvSpPr>
-          <p:cNvPr id="2" name="Title 1"/>
-          <p:cNvSpPr>
-            <a:spLocks noGrp="1"/>
-          </p:cNvSpPr>
-          <p:nvPr>
-            <p:ph type="title"/>
+          <p:cNvPr id="2" name="Content Placeholder 1"/>
+          <p:cNvSpPr>
+            <a:spLocks noGrp="1"/>
+          </p:cNvSpPr>
+          <p:nvPr>
+            <p:ph idx="1"/>
           </p:nvPr>
         </p:nvSpPr>
         <p:spPr/>
@@ -3956,7 +6212,7 @@
           <a:p>
             <a:r>
               <a:rPr lang="en-US" dirty="0" smtClean="0"/>
-              <a:t>Core Container	</a:t>
+              <a:t>Spring’s architecture:</a:t>
             </a:r>
             <a:endParaRPr lang="en-US" dirty="0"/>
           </a:p>
@@ -3964,12 +6220,12 @@
       </p:sp>
       <p:sp>
         <p:nvSpPr>
-          <p:cNvPr id="3" name="Content Placeholder 2"/>
-          <p:cNvSpPr>
-            <a:spLocks noGrp="1"/>
-          </p:cNvSpPr>
-          <p:nvPr>
-            <p:ph idx="1"/>
+          <p:cNvPr id="3" name="Title 2"/>
+          <p:cNvSpPr>
+            <a:spLocks noGrp="1"/>
+          </p:cNvSpPr>
+          <p:nvPr>
+            <p:ph type="title"/>
           </p:nvPr>
         </p:nvSpPr>
         <p:spPr/>
@@ -3978,35 +6234,58 @@
           <a:lstStyle/>
           <a:p>
             <a:r>
-              <a:rPr lang="en-US" b="1" dirty="0"/>
-              <a:t>Inversion of Control (IoC) </a:t>
-            </a:r>
-            <a:r>
-              <a:rPr lang="en-US" dirty="0"/>
-              <a:t>is a design principle describes designs in which inverts control flow as compared to traditional procedural programming.</a:t>
-            </a:r>
-          </a:p>
-          <a:p>
-            <a:r>
-              <a:rPr lang="en-US" b="1" dirty="0" smtClean="0"/>
-              <a:t>Dependency Injection (DI) </a:t>
-            </a:r>
-            <a:r>
-              <a:rPr lang="en-US" dirty="0" smtClean="0"/>
-              <a:t>or </a:t>
-            </a:r>
-            <a:r>
-              <a:rPr lang="en-US" b="1" dirty="0" smtClean="0"/>
-              <a:t>Bean Wiring </a:t>
-            </a:r>
-            <a:endParaRPr lang="en-US" b="1" dirty="0"/>
-          </a:p>
-        </p:txBody>
-      </p:sp>
+              <a:rPr lang="en-US" dirty="0" smtClean="0"/>
+              <a:t>Spring</a:t>
+            </a:r>
+            <a:endParaRPr lang="en-US" dirty="0"/>
+          </a:p>
+        </p:txBody>
+      </p:sp>
+      <p:pic>
+        <p:nvPicPr>
+          <p:cNvPr id="1026" name="Picture 2" descr="C:\Users\HuanPM\Desktop\SpringArchit1.png"/>
+          <p:cNvPicPr>
+            <a:picLocks noChangeAspect="1" noChangeArrowheads="1"/>
+          </p:cNvPicPr>
+          <p:nvPr/>
+        </p:nvPicPr>
+        <p:blipFill>
+          <a:blip r:embed="rId2">
+            <a:extLst>
+              <a:ext uri="{28A0092B-C50C-407E-A947-70E740481C1C}">
+                <a14:useLocalDpi xmlns:a14="http://schemas.microsoft.com/office/drawing/2010/main" val="0"/>
+              </a:ext>
+            </a:extLst>
+          </a:blip>
+          <a:srcRect/>
+          <a:stretch>
+            <a:fillRect/>
+          </a:stretch>
+        </p:blipFill>
+        <p:spPr bwMode="auto">
+          <a:xfrm>
+            <a:off x="1828800" y="1905000"/>
+            <a:ext cx="5410200" cy="4263237"/>
+          </a:xfrm>
+          <a:prstGeom prst="rect">
+            <a:avLst/>
+          </a:prstGeom>
+          <a:noFill/>
+          <a:extLst>
+            <a:ext uri="{909E8E84-426E-40DD-AFC4-6F175D3DCCD1}">
+              <a14:hiddenFill xmlns:a14="http://schemas.microsoft.com/office/drawing/2010/main">
+                <a:solidFill>
+                  <a:srgbClr val="FFFFFF"/>
+                </a:solidFill>
+              </a14:hiddenFill>
+            </a:ext>
+          </a:extLst>
+        </p:spPr>
+      </p:pic>
     </p:spTree>
     <p:extLst>
       <p:ext uri="{BB962C8B-B14F-4D97-AF65-F5344CB8AC3E}">
-        <p14:creationId xmlns:p14="http://schemas.microsoft.com/office/powerpoint/2010/main" val="781366014"/>
+        <p14:creationId xmlns:p14="http://schemas.microsoft.com/office/powerpoint/2010/main" val="3659520627"/>
       </p:ext>
     </p:extLst>
   </p:cSld>
@@ -4040,69 +6319,9 @@
           <a:chExt cx="0" cy="0"/>
         </a:xfrm>
       </p:grpSpPr>
-      <p:sp>
-        <p:nvSpPr>
-          <p:cNvPr id="2" name="Title 1"/>
-          <p:cNvSpPr>
-            <a:spLocks noGrp="1"/>
-          </p:cNvSpPr>
-          <p:nvPr>
-            <p:ph type="title"/>
-          </p:nvPr>
-        </p:nvSpPr>
-        <p:spPr/>
-        <p:txBody>
-          <a:bodyPr/>
-          <a:lstStyle/>
-          <a:p>
-            <a:r>
-              <a:rPr lang="en-US" dirty="0" smtClean="0"/>
-              <a:t>Spring MVC</a:t>
-            </a:r>
-            <a:endParaRPr lang="en-US" dirty="0"/>
-          </a:p>
-        </p:txBody>
-      </p:sp>
-      <p:sp>
-        <p:nvSpPr>
-          <p:cNvPr id="3" name="Content Placeholder 2"/>
-          <p:cNvSpPr>
-            <a:spLocks noGrp="1"/>
-          </p:cNvSpPr>
-          <p:nvPr>
-            <p:ph idx="1"/>
-          </p:nvPr>
-        </p:nvSpPr>
-        <p:spPr/>
-        <p:txBody>
-          <a:bodyPr/>
-          <a:lstStyle/>
-          <a:p>
-            <a:r>
-              <a:rPr lang="en-US" b="1" dirty="0"/>
-              <a:t>Spring MVC</a:t>
-            </a:r>
-            <a:r>
-              <a:rPr lang="en-US" dirty="0"/>
-              <a:t>: a MVC framework designed around a front controller named </a:t>
-            </a:r>
-            <a:r>
-              <a:rPr lang="en-US" dirty="0" err="1"/>
-              <a:t>DispatcherServlet</a:t>
-            </a:r>
-            <a:r>
-              <a:rPr lang="en-US" dirty="0"/>
-              <a:t> that dispatches requests to handlers.</a:t>
-            </a:r>
-          </a:p>
-          <a:p>
-            <a:endParaRPr lang="en-US" dirty="0"/>
-          </a:p>
-        </p:txBody>
-      </p:sp>
       <p:pic>
         <p:nvPicPr>
-          <p:cNvPr id="4" name="Picture 3" descr="C:\Users\HuanPM\Desktop\mvc-architecture-12-638.jpg"/>
+          <p:cNvPr id="4098" name="Picture 2" descr="C:\Users\HuanPM\Desktop\AOP terms.jpg"/>
           <p:cNvPicPr>
             <a:picLocks noChangeAspect="1" noChangeArrowheads="1"/>
           </p:cNvPicPr>
@@ -4123,8 +6342,8 @@
         </p:blipFill>
         <p:spPr bwMode="auto">
           <a:xfrm>
-            <a:off x="1752600" y="3733800"/>
-            <a:ext cx="4886054" cy="2590800"/>
+            <a:off x="3651250" y="3733800"/>
+            <a:ext cx="5035550" cy="2971800"/>
           </a:xfrm>
           <a:prstGeom prst="rect">
             <a:avLst/>
@@ -4141,10 +6360,140 @@
           </a:extLst>
         </p:spPr>
       </p:pic>
+      <p:sp>
+        <p:nvSpPr>
+          <p:cNvPr id="2" name="Content Placeholder 1"/>
+          <p:cNvSpPr>
+            <a:spLocks noGrp="1"/>
+          </p:cNvSpPr>
+          <p:nvPr>
+            <p:ph idx="1"/>
+          </p:nvPr>
+        </p:nvSpPr>
+        <p:spPr/>
+        <p:txBody>
+          <a:bodyPr/>
+          <a:lstStyle/>
+          <a:p>
+            <a:r>
+              <a:rPr lang="en-US" dirty="0" smtClean="0"/>
+              <a:t>AOP (</a:t>
+            </a:r>
+            <a:r>
+              <a:rPr lang="en-US" b="1" dirty="0"/>
+              <a:t>Aspect-oriented </a:t>
+            </a:r>
+            <a:r>
+              <a:rPr lang="en-US" b="1" dirty="0" smtClean="0"/>
+              <a:t>programming)</a:t>
+            </a:r>
+            <a:r>
+              <a:rPr lang="en-US" dirty="0" smtClean="0"/>
+              <a:t>: </a:t>
+            </a:r>
+            <a:r>
+              <a:rPr lang="en-US" dirty="0"/>
+              <a:t>a programming </a:t>
+            </a:r>
+            <a:r>
+              <a:rPr lang="en-US" dirty="0" smtClean="0"/>
+              <a:t>paradigm that entails </a:t>
+            </a:r>
+            <a:r>
+              <a:rPr lang="en-US" dirty="0"/>
+              <a:t>breaking down program logic into distinct </a:t>
+            </a:r>
+            <a:r>
+              <a:rPr lang="en-US" dirty="0" smtClean="0"/>
+              <a:t>parts (called </a:t>
+            </a:r>
+            <a:r>
+              <a:rPr lang="en-US" dirty="0"/>
+              <a:t>concerns)</a:t>
+            </a:r>
+            <a:r>
+              <a:rPr lang="en-US" dirty="0" smtClean="0"/>
+              <a:t>.</a:t>
+            </a:r>
+          </a:p>
+          <a:p>
+            <a:r>
+              <a:rPr lang="en-US" dirty="0"/>
+              <a:t>Spring AOP module provides interceptors to intercept an </a:t>
+            </a:r>
+            <a:r>
+              <a:rPr lang="en-US" dirty="0" smtClean="0"/>
+              <a:t>application by:</a:t>
+            </a:r>
+          </a:p>
+          <a:p>
+            <a:pPr lvl="1"/>
+            <a:r>
+              <a:rPr lang="en-US" dirty="0" smtClean="0"/>
+              <a:t>Spring old style (</a:t>
+            </a:r>
+            <a:r>
+              <a:rPr lang="en-US" dirty="0" err="1" smtClean="0"/>
+              <a:t>dtd</a:t>
+            </a:r>
+            <a:r>
+              <a:rPr lang="en-US" dirty="0" smtClean="0"/>
+              <a:t> based).</a:t>
+            </a:r>
+          </a:p>
+          <a:p>
+            <a:pPr lvl="1"/>
+            <a:r>
+              <a:rPr lang="en-US" dirty="0" err="1" smtClean="0"/>
+              <a:t>AspectJ</a:t>
+            </a:r>
+            <a:endParaRPr lang="en-US" dirty="0" smtClean="0"/>
+          </a:p>
+          <a:p>
+            <a:pPr lvl="1"/>
+            <a:r>
+              <a:rPr lang="en-US" dirty="0" smtClean="0"/>
+              <a:t>Spring XML </a:t>
+            </a:r>
+            <a:r>
+              <a:rPr lang="en-US" dirty="0" smtClean="0"/>
+              <a:t>configuration</a:t>
+            </a:r>
+            <a:endParaRPr lang="en-US" dirty="0" smtClean="0"/>
+          </a:p>
+        </p:txBody>
+      </p:sp>
+      <p:sp>
+        <p:nvSpPr>
+          <p:cNvPr id="3" name="Title 2"/>
+          <p:cNvSpPr>
+            <a:spLocks noGrp="1"/>
+          </p:cNvSpPr>
+          <p:nvPr>
+            <p:ph type="title"/>
+          </p:nvPr>
+        </p:nvSpPr>
+        <p:spPr/>
+        <p:txBody>
+          <a:bodyPr/>
+          <a:lstStyle/>
+          <a:p>
+            <a:r>
+              <a:rPr lang="en-US" dirty="0" smtClean="0"/>
+              <a:t>Spring </a:t>
+            </a:r>
+            <a:r>
+              <a:rPr lang="en-US" dirty="0" smtClean="0"/>
+              <a:t>AOP</a:t>
+            </a:r>
+            <a:endParaRPr lang="en-US" dirty="0"/>
+          </a:p>
+        </p:txBody>
+      </p:sp>
     </p:spTree>
     <p:extLst>
       <p:ext uri="{BB962C8B-B14F-4D97-AF65-F5344CB8AC3E}">
-        <p14:creationId xmlns:p14="http://schemas.microsoft.com/office/powerpoint/2010/main" val="3682956404"/>
+        <p14:creationId xmlns:p14="http://schemas.microsoft.com/office/powerpoint/2010/main" val="403177181"/>
       </p:ext>
     </p:extLst>
   </p:cSld>
@@ -4173,7 +6522,77 @@
       </p:grpSpPr>
       <p:sp>
         <p:nvSpPr>
-          <p:cNvPr id="2" name="Title 1"/>
+          <p:cNvPr id="2" name="Content Placeholder 1"/>
+          <p:cNvSpPr>
+            <a:spLocks noGrp="1"/>
+          </p:cNvSpPr>
+          <p:nvPr>
+            <p:ph idx="1"/>
+          </p:nvPr>
+        </p:nvSpPr>
+        <p:spPr/>
+        <p:txBody>
+          <a:bodyPr>
+            <a:normAutofit/>
+          </a:bodyPr>
+          <a:lstStyle/>
+          <a:p>
+            <a:r>
+              <a:rPr lang="en-US" dirty="0" smtClean="0"/>
+              <a:t>Spring Core components:</a:t>
+            </a:r>
+          </a:p>
+          <a:p>
+            <a:pPr lvl="1"/>
+            <a:r>
+              <a:rPr lang="en-US" dirty="0" smtClean="0"/>
+              <a:t>Spring </a:t>
+            </a:r>
+            <a:r>
+              <a:rPr lang="en-US" dirty="0" err="1" smtClean="0"/>
+              <a:t>IoC</a:t>
+            </a:r>
+            <a:r>
+              <a:rPr lang="en-US" dirty="0" smtClean="0"/>
+              <a:t> container: </a:t>
+            </a:r>
+          </a:p>
+          <a:p>
+            <a:pPr lvl="1"/>
+            <a:r>
+              <a:rPr lang="en-US" dirty="0" smtClean="0"/>
+              <a:t>Spring Bean:</a:t>
+            </a:r>
+            <a:r>
+              <a:rPr lang="en-US" dirty="0"/>
+              <a:t> an object that is instantiated, assembled, and </a:t>
+            </a:r>
+            <a:r>
+              <a:rPr lang="en-US" dirty="0" smtClean="0"/>
+              <a:t>managed </a:t>
+            </a:r>
+            <a:r>
+              <a:rPr lang="en-US" dirty="0"/>
+              <a:t>by a Spring </a:t>
+            </a:r>
+            <a:r>
+              <a:rPr lang="en-US" dirty="0" err="1"/>
+              <a:t>IoC</a:t>
+            </a:r>
+            <a:r>
+              <a:rPr lang="en-US" dirty="0"/>
+              <a:t> </a:t>
+            </a:r>
+            <a:r>
+              <a:rPr lang="en-US" dirty="0" smtClean="0"/>
+              <a:t>container</a:t>
+            </a:r>
+          </a:p>
+        </p:txBody>
+      </p:sp>
+      <p:sp>
+        <p:nvSpPr>
+          <p:cNvPr id="3" name="Title 2"/>
           <p:cNvSpPr>
             <a:spLocks noGrp="1"/>
           </p:cNvSpPr>
@@ -4186,63 +6605,31 @@
           <a:bodyPr/>
           <a:lstStyle/>
           <a:p>
+            <a:r>
+              <a:rPr lang="en-US" dirty="0" smtClean="0"/>
+              <a:t>Spring Core</a:t>
+            </a:r>
             <a:endParaRPr lang="en-US" dirty="0"/>
           </a:p>
         </p:txBody>
       </p:sp>
-      <p:pic>
-        <p:nvPicPr>
-          <p:cNvPr id="4" name="Picture 5" descr="C:\Users\HuanPM\Desktop\spring-mvc-concepts-2.jpg"/>
-          <p:cNvPicPr>
-            <a:picLocks noGrp="1" noChangeAspect="1" noChangeArrowheads="1"/>
-          </p:cNvPicPr>
-          <p:nvPr>
-            <p:ph idx="1"/>
-          </p:nvPr>
-        </p:nvPicPr>
-        <p:blipFill>
-          <a:blip r:embed="rId2">
-            <a:extLst>
-              <a:ext uri="{28A0092B-C50C-407E-A947-70E740481C1C}">
-                <a14:useLocalDpi xmlns:a14="http://schemas.microsoft.com/office/drawing/2010/main" val="0"/>
-              </a:ext>
-            </a:extLst>
-          </a:blip>
-          <a:srcRect/>
-          <a:stretch>
-            <a:fillRect/>
-          </a:stretch>
-        </p:blipFill>
-        <p:spPr bwMode="auto">
-          <a:xfrm>
-            <a:off x="1225551" y="1600200"/>
-            <a:ext cx="5930897" cy="4525963"/>
-          </a:xfrm>
-          <a:prstGeom prst="rect">
-            <a:avLst/>
-          </a:prstGeom>
-          <a:noFill/>
-          <a:extLst>
-            <a:ext uri="{909E8E84-426E-40DD-AFC4-6F175D3DCCD1}">
-              <a14:hiddenFill xmlns:a14="http://schemas.microsoft.com/office/drawing/2010/main">
-                <a:solidFill>
-                  <a:srgbClr val="FFFFFF"/>
-                </a:solidFill>
-              </a14:hiddenFill>
-            </a:ext>
-          </a:extLst>
-        </p:spPr>
-      </p:pic>
     </p:spTree>
     <p:extLst>
       <p:ext uri="{BB962C8B-B14F-4D97-AF65-F5344CB8AC3E}">
-        <p14:creationId xmlns:p14="http://schemas.microsoft.com/office/powerpoint/2010/main" val="1240873110"/>
+        <p14:creationId xmlns:p14="http://schemas.microsoft.com/office/powerpoint/2010/main" val="1280600230"/>
       </p:ext>
     </p:extLst>
   </p:cSld>
   <p:clrMapOvr>
     <a:masterClrMapping/>
   </p:clrMapOvr>
+  <p:timing>
+    <p:tnLst>
+      <p:par>
+        <p:cTn id="1" dur="indefinite" restart="never" nodeType="tmRoot"/>
+      </p:par>
+    </p:tnLst>
+  </p:timing>
 </p:sld>
 </file>
 
@@ -4263,14 +6650,55 @@
           <a:chExt cx="0" cy="0"/>
         </a:xfrm>
       </p:grpSpPr>
-      <p:sp>
-        <p:nvSpPr>
-          <p:cNvPr id="2" name="Title 1"/>
-          <p:cNvSpPr>
-            <a:spLocks noGrp="1"/>
-          </p:cNvSpPr>
-          <p:nvPr>
-            <p:ph type="title"/>
+      <p:pic>
+        <p:nvPicPr>
+          <p:cNvPr id="1026" name="Picture 2" descr="C:\Users\HuanPM\Desktop\container-magic.png"/>
+          <p:cNvPicPr>
+            <a:picLocks noChangeAspect="1" noChangeArrowheads="1"/>
+          </p:cNvPicPr>
+          <p:nvPr/>
+        </p:nvPicPr>
+        <p:blipFill>
+          <a:blip r:embed="rId2">
+            <a:extLst>
+              <a:ext uri="{28A0092B-C50C-407E-A947-70E740481C1C}">
+                <a14:useLocalDpi xmlns:a14="http://schemas.microsoft.com/office/drawing/2010/main" val="0"/>
+              </a:ext>
+            </a:extLst>
+          </a:blip>
+          <a:srcRect/>
+          <a:stretch>
+            <a:fillRect/>
+          </a:stretch>
+        </p:blipFill>
+        <p:spPr bwMode="auto">
+          <a:xfrm>
+            <a:off x="4343400" y="1219200"/>
+            <a:ext cx="4743450" cy="2819400"/>
+          </a:xfrm>
+          <a:prstGeom prst="rect">
+            <a:avLst/>
+          </a:prstGeom>
+          <a:noFill/>
+          <a:extLst>
+            <a:ext uri="{909E8E84-426E-40DD-AFC4-6F175D3DCCD1}">
+              <a14:hiddenFill xmlns:a14="http://schemas.microsoft.com/office/drawing/2010/main">
+                <a:solidFill>
+                  <a:srgbClr val="FFFFFF"/>
+                </a:solidFill>
+              </a14:hiddenFill>
+            </a:ext>
+          </a:extLst>
+        </p:spPr>
+      </p:pic>
+      <p:sp>
+        <p:nvSpPr>
+          <p:cNvPr id="2" name="Content Placeholder 1"/>
+          <p:cNvSpPr>
+            <a:spLocks noGrp="1"/>
+          </p:cNvSpPr>
+          <p:nvPr>
+            <p:ph idx="1"/>
           </p:nvPr>
         </p:nvSpPr>
         <p:spPr/>
@@ -4278,54 +6706,119 @@
           <a:bodyPr/>
           <a:lstStyle/>
           <a:p>
-            <a:endParaRPr lang="en-US"/>
-          </a:p>
-        </p:txBody>
-      </p:sp>
-      <p:sp>
-        <p:nvSpPr>
-          <p:cNvPr id="3" name="Content Placeholder 2"/>
-          <p:cNvSpPr>
-            <a:spLocks noGrp="1"/>
-          </p:cNvSpPr>
-          <p:nvPr>
-            <p:ph idx="1"/>
+            <a:r>
+              <a:rPr lang="en-US" dirty="0" smtClean="0"/>
+              <a:t>The core of Spring framework.</a:t>
+            </a:r>
+          </a:p>
+          <a:p>
+            <a:r>
+              <a:rPr lang="en-US" dirty="0" smtClean="0"/>
+              <a:t>The </a:t>
+            </a:r>
+            <a:r>
+              <a:rPr lang="en-US" dirty="0"/>
+              <a:t>container will:</a:t>
+            </a:r>
+          </a:p>
+          <a:p>
+            <a:pPr lvl="1"/>
+            <a:r>
+              <a:rPr lang="en-US" dirty="0"/>
+              <a:t>Create the objects.</a:t>
+            </a:r>
+          </a:p>
+          <a:p>
+            <a:pPr lvl="1"/>
+            <a:r>
+              <a:rPr lang="en-US" dirty="0"/>
+              <a:t>Wire them together.</a:t>
+            </a:r>
+          </a:p>
+          <a:p>
+            <a:pPr lvl="1"/>
+            <a:r>
+              <a:rPr lang="en-US" dirty="0"/>
+              <a:t>Configure them.</a:t>
+            </a:r>
+          </a:p>
+          <a:p>
+            <a:pPr lvl="1"/>
+            <a:r>
+              <a:rPr lang="en-US" dirty="0"/>
+              <a:t>Manage their complete lifecycle.</a:t>
+            </a:r>
+          </a:p>
+          <a:p>
+            <a:r>
+              <a:rPr lang="en-US" dirty="0" smtClean="0"/>
+              <a:t>Spring provide 2 types of container:</a:t>
+            </a:r>
+          </a:p>
+          <a:p>
+            <a:pPr lvl="1"/>
+            <a:r>
+              <a:rPr lang="en-US" dirty="0" err="1"/>
+              <a:t>BeanFactory</a:t>
+            </a:r>
+            <a:r>
+              <a:rPr lang="en-US" dirty="0"/>
+              <a:t> container</a:t>
+            </a:r>
+          </a:p>
+          <a:p>
+            <a:pPr lvl="1"/>
+            <a:r>
+              <a:rPr lang="en-US" dirty="0" err="1"/>
+              <a:t>ApplicationContext</a:t>
+            </a:r>
+            <a:r>
+              <a:rPr lang="en-US" dirty="0"/>
+              <a:t> </a:t>
+            </a:r>
+            <a:r>
+              <a:rPr lang="en-US" dirty="0" smtClean="0"/>
+              <a:t>container</a:t>
+            </a:r>
+            <a:endParaRPr lang="en-US" dirty="0"/>
+          </a:p>
+        </p:txBody>
+      </p:sp>
+      <p:sp>
+        <p:nvSpPr>
+          <p:cNvPr id="3" name="Title 2"/>
+          <p:cNvSpPr>
+            <a:spLocks noGrp="1"/>
+          </p:cNvSpPr>
+          <p:nvPr>
+            <p:ph type="title"/>
           </p:nvPr>
         </p:nvSpPr>
         <p:spPr/>
         <p:txBody>
-          <a:bodyPr>
-            <a:normAutofit/>
-          </a:bodyPr>
+          <a:bodyPr/>
           <a:lstStyle/>
           <a:p>
-            <a:pPr marL="36576" indent="0" algn="ctr">
-              <a:buNone/>
-            </a:pPr>
-            <a:r>
-              <a:rPr lang="en-US" sz="4400" dirty="0" smtClean="0"/>
-              <a:t>THANK YOU</a:t>
-            </a:r>
-          </a:p>
-          <a:p>
-            <a:pPr marL="36576" indent="0" algn="ctr">
-              <a:buNone/>
-            </a:pPr>
-            <a:r>
-              <a:rPr lang="en-US" sz="4400" dirty="0" smtClean="0"/>
-              <a:t>FOR LISTENING</a:t>
-            </a:r>
-          </a:p>
-          <a:p>
-            <a:pPr algn="ctr"/>
-            <a:endParaRPr lang="en-US" sz="4400" dirty="0"/>
+            <a:r>
+              <a:rPr lang="en-US" dirty="0" smtClean="0"/>
+              <a:t>Spring </a:t>
+            </a:r>
+            <a:r>
+              <a:rPr lang="en-US" dirty="0" err="1" smtClean="0"/>
+              <a:t>IoC</a:t>
+            </a:r>
+            <a:r>
+              <a:rPr lang="en-US" dirty="0" smtClean="0"/>
+              <a:t> Container</a:t>
+            </a:r>
+            <a:endParaRPr lang="en-US" dirty="0"/>
           </a:p>
         </p:txBody>
       </p:sp>
     </p:spTree>
     <p:extLst>
       <p:ext uri="{BB962C8B-B14F-4D97-AF65-F5344CB8AC3E}">
-        <p14:creationId xmlns:p14="http://schemas.microsoft.com/office/powerpoint/2010/main" val="838409479"/>
+        <p14:creationId xmlns:p14="http://schemas.microsoft.com/office/powerpoint/2010/main" val="983649192"/>
       </p:ext>
     </p:extLst>
   </p:cSld>
@@ -4335,10 +6828,278 @@
 </p:sld>
 </file>
 
+<file path=ppt/slides/slide8.xml><?xml version="1.0" encoding="utf-8"?>
+<p:sld xmlns:a="http://schemas.openxmlformats.org/drawingml/2006/main" xmlns:r="http://schemas.openxmlformats.org/officeDocument/2006/relationships" xmlns:p="http://schemas.openxmlformats.org/presentationml/2006/main">
+  <p:cSld>
+    <p:spTree>
+      <p:nvGrpSpPr>
+        <p:cNvPr id="1" name=""/>
+        <p:cNvGrpSpPr/>
+        <p:nvPr/>
+      </p:nvGrpSpPr>
+      <p:grpSpPr>
+        <a:xfrm>
+          <a:off x="0" y="0"/>
+          <a:ext cx="0" cy="0"/>
+          <a:chOff x="0" y="0"/>
+          <a:chExt cx="0" cy="0"/>
+        </a:xfrm>
+      </p:grpSpPr>
+      <p:sp>
+        <p:nvSpPr>
+          <p:cNvPr id="2" name="Content Placeholder 1"/>
+          <p:cNvSpPr>
+            <a:spLocks noGrp="1"/>
+          </p:cNvSpPr>
+          <p:nvPr>
+            <p:ph idx="1"/>
+          </p:nvPr>
+        </p:nvSpPr>
+        <p:spPr/>
+        <p:txBody>
+          <a:bodyPr/>
+          <a:lstStyle/>
+          <a:p>
+            <a:r>
+              <a:rPr lang="en-US" b="1" dirty="0"/>
+              <a:t>Inversion of Control (</a:t>
+            </a:r>
+            <a:r>
+              <a:rPr lang="en-US" b="1" dirty="0" err="1"/>
+              <a:t>IoC</a:t>
+            </a:r>
+            <a:r>
+              <a:rPr lang="en-US" b="1" dirty="0"/>
+              <a:t>) </a:t>
+            </a:r>
+            <a:r>
+              <a:rPr lang="en-US" dirty="0"/>
+              <a:t>is a design principle describes designs in which </a:t>
+            </a:r>
+            <a:r>
+              <a:rPr lang="en-US" dirty="0" smtClean="0"/>
+              <a:t>inverts control </a:t>
+            </a:r>
+            <a:r>
+              <a:rPr lang="en-US" dirty="0"/>
+              <a:t>flow as compared to traditional </a:t>
+            </a:r>
+            <a:r>
+              <a:rPr lang="en-US" dirty="0" smtClean="0"/>
+              <a:t>procedural programming.</a:t>
+            </a:r>
+          </a:p>
+          <a:p>
+            <a:pPr lvl="1"/>
+            <a:r>
+              <a:rPr lang="en-US" dirty="0" smtClean="0"/>
+              <a:t>Traditional: application code =&gt; framework code.</a:t>
+            </a:r>
+          </a:p>
+          <a:p>
+            <a:pPr lvl="1"/>
+            <a:r>
+              <a:rPr lang="en-US" dirty="0" err="1" smtClean="0"/>
+              <a:t>IoC</a:t>
+            </a:r>
+            <a:r>
+              <a:rPr lang="en-US" dirty="0" smtClean="0"/>
+              <a:t>: framework code =&gt; application code.</a:t>
+            </a:r>
+            <a:endParaRPr lang="en-US" dirty="0"/>
+          </a:p>
+          <a:p>
+            <a:r>
+              <a:rPr lang="en-US" dirty="0" smtClean="0"/>
+              <a:t>IOC is used </a:t>
+            </a:r>
+            <a:r>
+              <a:rPr lang="en-US" dirty="0"/>
+              <a:t>to increase modularity of the program and make it </a:t>
+            </a:r>
+            <a:r>
+              <a:rPr lang="en-US" dirty="0" smtClean="0"/>
+              <a:t>extensible.</a:t>
+            </a:r>
+            <a:endParaRPr lang="en-US" dirty="0"/>
+          </a:p>
+        </p:txBody>
+      </p:sp>
+      <p:sp>
+        <p:nvSpPr>
+          <p:cNvPr id="3" name="Title 2"/>
+          <p:cNvSpPr>
+            <a:spLocks noGrp="1"/>
+          </p:cNvSpPr>
+          <p:nvPr>
+            <p:ph type="title"/>
+          </p:nvPr>
+        </p:nvSpPr>
+        <p:spPr/>
+        <p:txBody>
+          <a:bodyPr/>
+          <a:lstStyle/>
+          <a:p>
+            <a:r>
+              <a:rPr lang="en-US" dirty="0" smtClean="0"/>
+              <a:t>Inversion of Control</a:t>
+            </a:r>
+            <a:endParaRPr lang="en-US" dirty="0"/>
+          </a:p>
+        </p:txBody>
+      </p:sp>
+    </p:spTree>
+    <p:extLst>
+      <p:ext uri="{BB962C8B-B14F-4D97-AF65-F5344CB8AC3E}">
+        <p14:creationId xmlns:p14="http://schemas.microsoft.com/office/powerpoint/2010/main" val="2666727699"/>
+      </p:ext>
+    </p:extLst>
+  </p:cSld>
+  <p:clrMapOvr>
+    <a:masterClrMapping/>
+  </p:clrMapOvr>
+  <p:timing>
+    <p:tnLst>
+      <p:par>
+        <p:cTn id="1" dur="indefinite" restart="never" nodeType="tmRoot"/>
+      </p:par>
+    </p:tnLst>
+  </p:timing>
+</p:sld>
+</file>
+
+<file path=ppt/slides/slide9.xml><?xml version="1.0" encoding="utf-8"?>
+<p:sld xmlns:a="http://schemas.openxmlformats.org/drawingml/2006/main" xmlns:r="http://schemas.openxmlformats.org/officeDocument/2006/relationships" xmlns:p="http://schemas.openxmlformats.org/presentationml/2006/main">
+  <p:cSld>
+    <p:spTree>
+      <p:nvGrpSpPr>
+        <p:cNvPr id="1" name=""/>
+        <p:cNvGrpSpPr/>
+        <p:nvPr/>
+      </p:nvGrpSpPr>
+      <p:grpSpPr>
+        <a:xfrm>
+          <a:off x="0" y="0"/>
+          <a:ext cx="0" cy="0"/>
+          <a:chOff x="0" y="0"/>
+          <a:chExt cx="0" cy="0"/>
+        </a:xfrm>
+      </p:grpSpPr>
+      <p:sp>
+        <p:nvSpPr>
+          <p:cNvPr id="2" name="Content Placeholder 1"/>
+          <p:cNvSpPr>
+            <a:spLocks noGrp="1"/>
+          </p:cNvSpPr>
+          <p:nvPr>
+            <p:ph idx="1"/>
+          </p:nvPr>
+        </p:nvSpPr>
+        <p:spPr/>
+        <p:txBody>
+          <a:bodyPr/>
+          <a:lstStyle/>
+          <a:p>
+            <a:r>
+              <a:rPr lang="en-US" b="1" dirty="0" smtClean="0"/>
+              <a:t>Dependency Injection (DI): </a:t>
+            </a:r>
+            <a:r>
+              <a:rPr lang="en-US" dirty="0"/>
+              <a:t> a software design pattern that </a:t>
+            </a:r>
+            <a:r>
+              <a:rPr lang="en-US" dirty="0" smtClean="0"/>
+              <a:t>resolves dependencies from a program.</a:t>
+            </a:r>
+          </a:p>
+          <a:p>
+            <a:r>
+              <a:rPr lang="en-US" dirty="0" smtClean="0"/>
+              <a:t>In DI:</a:t>
+            </a:r>
+          </a:p>
+          <a:p>
+            <a:pPr lvl="1"/>
+            <a:r>
+              <a:rPr lang="en-US" dirty="0"/>
+              <a:t>Container </a:t>
+            </a:r>
+            <a:r>
+              <a:rPr lang="en-US" dirty="0" smtClean="0"/>
+              <a:t>injects dependencies to objects.</a:t>
+            </a:r>
+            <a:endParaRPr lang="en-US" dirty="0" smtClean="0"/>
+          </a:p>
+          <a:p>
+            <a:pPr lvl="1"/>
+            <a:r>
+              <a:rPr lang="en-US" dirty="0" smtClean="0"/>
+              <a:t>Low-level </a:t>
+            </a:r>
+            <a:r>
+              <a:rPr lang="en-US" dirty="0"/>
+              <a:t>modules (class) will be injected to high-level modules (</a:t>
+            </a:r>
+            <a:r>
+              <a:rPr lang="en-US" dirty="0" smtClean="0"/>
+              <a:t>interface</a:t>
+            </a:r>
+            <a:r>
+              <a:rPr lang="en-US" dirty="0" smtClean="0"/>
+              <a:t>).</a:t>
+            </a:r>
+            <a:endParaRPr lang="en-US" dirty="0" smtClean="0"/>
+          </a:p>
+        </p:txBody>
+      </p:sp>
+      <p:sp>
+        <p:nvSpPr>
+          <p:cNvPr id="3" name="Title 2"/>
+          <p:cNvSpPr>
+            <a:spLocks noGrp="1"/>
+          </p:cNvSpPr>
+          <p:nvPr>
+            <p:ph type="title"/>
+          </p:nvPr>
+        </p:nvSpPr>
+        <p:spPr/>
+        <p:txBody>
+          <a:bodyPr/>
+          <a:lstStyle/>
+          <a:p>
+            <a:r>
+              <a:rPr lang="en-US" dirty="0" smtClean="0"/>
+              <a:t>Dependency Injection</a:t>
+            </a:r>
+            <a:endParaRPr lang="en-US" dirty="0"/>
+          </a:p>
+        </p:txBody>
+      </p:sp>
+    </p:spTree>
+    <p:extLst>
+      <p:ext uri="{BB962C8B-B14F-4D97-AF65-F5344CB8AC3E}">
+        <p14:creationId xmlns:p14="http://schemas.microsoft.com/office/powerpoint/2010/main" val="3482522386"/>
+      </p:ext>
+    </p:extLst>
+  </p:cSld>
+  <p:clrMapOvr>
+    <a:masterClrMapping/>
+  </p:clrMapOvr>
+  <p:timing>
+    <p:tnLst>
+      <p:par>
+        <p:cTn id="1" dur="indefinite" restart="never" nodeType="tmRoot"/>
+      </p:par>
+    </p:tnLst>
+  </p:timing>
+</p:sld>
+</file>
+
 <file path=ppt/theme/theme1.xml><?xml version="1.0" encoding="utf-8"?>
-<a:theme xmlns:a="http://schemas.openxmlformats.org/drawingml/2006/main" name="Technic">
+<a:theme xmlns:a="http://schemas.openxmlformats.org/drawingml/2006/main" name="Concourse">
   <a:themeElements>
-    <a:clrScheme name="Technic">
+    <a:clrScheme name="Concourse">
       <a:dk1>
         <a:sysClr val="windowText" lastClr="000000"/>
       </a:dk1>
@@ -4346,46 +7107,46 @@
         <a:sysClr val="window" lastClr="FFFFFF"/>
       </a:lt1>
       <a:dk2>
-        <a:srgbClr val="3B3B3B"/>
+        <a:srgbClr val="464646"/>
       </a:dk2>
       <a:lt2>
-        <a:srgbClr val="D4D2D0"/>
+        <a:srgbClr val="DEF5FA"/>
       </a:lt2>
       <a:accent1>
-        <a:srgbClr val="6EA0B0"/>
+        <a:srgbClr val="2DA2BF"/>
       </a:accent1>
       <a:accent2>
-        <a:srgbClr val="CCAF0A"/>
+        <a:srgbClr val="DA1F28"/>
       </a:accent2>
       <a:accent3>
-        <a:srgbClr val="8D89A4"/>
+        <a:srgbClr val="EB641B"/>
       </a:accent3>
       <a:accent4>
-        <a:srgbClr val="748560"/>
+        <a:srgbClr val="39639D"/>
       </a:accent4>
       <a:accent5>
-        <a:srgbClr val="9E9273"/>
+        <a:srgbClr val="474B78"/>
       </a:accent5>
       <a:accent6>
-        <a:srgbClr val="7E848D"/>
+        <a:srgbClr val="7D3C4A"/>
       </a:accent6>
       <a:hlink>
-        <a:srgbClr val="00C8C3"/>
+        <a:srgbClr val="FF8119"/>
       </a:hlink>
       <a:folHlink>
-        <a:srgbClr val="A116E0"/>
+        <a:srgbClr val="44B9E8"/>
       </a:folHlink>
     </a:clrScheme>
-    <a:fontScheme name="Technic">
+    <a:fontScheme name="Concourse">
       <a:majorFont>
-        <a:latin typeface="Franklin Gothic Book"/>
+        <a:latin typeface="Lucida Sans Unicode"/>
         <a:ea typeface=""/>
         <a:cs typeface=""/>
         <a:font script="Jpan" typeface="ＭＳ Ｐゴシック"/>
-        <a:font script="Hang" typeface="HY견고딕"/>
-        <a:font script="Hans" typeface="宋体"/>
+        <a:font script="Hang" typeface="맑은 고딕"/>
+        <a:font script="Hans" typeface="黑体"/>
         <a:font script="Hant" typeface="微軟正黑體"/>
-        <a:font script="Arab" typeface="Tahoma"/>
+        <a:font script="Arab" typeface="Arial"/>
         <a:font script="Hebr" typeface="Arial"/>
         <a:font script="Thai" typeface="Cordia New"/>
         <a:font script="Ethi" typeface="Nyala"/>
@@ -4408,21 +7169,20 @@
         <a:font script="Laoo" typeface="DokChampa"/>
         <a:font script="Sinh" typeface="Iskoola Pota"/>
         <a:font script="Mong" typeface="Mongolian Baiti"/>
-        <a:font script="Viet" typeface="Arial"/>
         <a:font script="Uigh" typeface="Microsoft Uighur"/>
         <a:font script="Geor" typeface="Sylfaen"/>
       </a:majorFont>
       <a:minorFont>
-        <a:latin typeface="Arial"/>
+        <a:latin typeface="Lucida Sans Unicode"/>
         <a:ea typeface=""/>
         <a:cs typeface=""/>
-        <a:font script="Jpan" typeface="HGｺﾞｼｯｸM"/>
-        <a:font script="Hang" typeface="HY중고딕"/>
+        <a:font script="Jpan" typeface="ＭＳ Ｐゴシック"/>
+        <a:font script="Hang" typeface="맑은 고딕"/>
         <a:font script="Hans" typeface="黑体"/>
         <a:font script="Hant" typeface="微軟正黑體"/>
-        <a:font script="Arab" typeface="Tahoma"/>
-        <a:font script="Hebr" typeface="Levenim MT"/>
-        <a:font script="Thai" typeface="LilyUPC"/>
+        <a:font script="Arab" typeface="Arial"/>
+        <a:font script="Hebr" typeface="Arial"/>
+        <a:font script="Thai" typeface="Cordia New"/>
         <a:font script="Ethi" typeface="Nyala"/>
         <a:font script="Beng" typeface="Vrinda"/>
         <a:font script="Gujr" typeface="Shruti"/>
@@ -4443,12 +7203,11 @@
         <a:font script="Laoo" typeface="DokChampa"/>
         <a:font script="Sinh" typeface="Iskoola Pota"/>
         <a:font script="Mong" typeface="Mongolian Baiti"/>
-        <a:font script="Viet" typeface="Arial"/>
         <a:font script="Uigh" typeface="Microsoft Uighur"/>
         <a:font script="Geor" typeface="Sylfaen"/>
       </a:minorFont>
     </a:fontScheme>
-    <a:fmtScheme name="Technic">
+    <a:fmtScheme name="Concourse">
       <a:fillStyleLst>
         <a:solidFill>
           <a:schemeClr val="phClr"/>
@@ -4457,99 +7216,71 @@
           <a:gsLst>
             <a:gs pos="0">
               <a:schemeClr val="phClr">
-                <a:tint val="1000"/>
+                <a:tint val="62000"/>
+                <a:satMod val="180000"/>
               </a:schemeClr>
             </a:gs>
-            <a:gs pos="68000">
+            <a:gs pos="65000">
               <a:schemeClr val="phClr">
-                <a:tint val="77000"/>
-              </a:schemeClr>
-            </a:gs>
-            <a:gs pos="81000">
-              <a:schemeClr val="phClr">
-                <a:tint val="79000"/>
-              </a:schemeClr>
-            </a:gs>
-            <a:gs pos="86000">
-              <a:schemeClr val="phClr">
-                <a:tint val="73000"/>
+                <a:tint val="32000"/>
+                <a:satMod val="250000"/>
               </a:schemeClr>
             </a:gs>
             <a:gs pos="100000">
               <a:schemeClr val="phClr">
-                <a:tint val="35000"/>
+                <a:tint val="23000"/>
+                <a:satMod val="300000"/>
               </a:schemeClr>
             </a:gs>
           </a:gsLst>
-          <a:lin ang="5400000" scaled="1"/>
+          <a:lin ang="16200000" scaled="0"/>
         </a:gradFill>
         <a:gradFill rotWithShape="1">
           <a:gsLst>
             <a:gs pos="0">
               <a:schemeClr val="phClr">
-                <a:tint val="73000"/>
-                <a:satMod val="150000"/>
+                <a:shade val="15000"/>
+                <a:satMod val="180000"/>
               </a:schemeClr>
             </a:gs>
-            <a:gs pos="25000">
+            <a:gs pos="50000">
               <a:schemeClr val="phClr">
-                <a:tint val="96000"/>
-                <a:shade val="80000"/>
-                <a:satMod val="105000"/>
+                <a:shade val="45000"/>
+                <a:satMod val="170000"/>
               </a:schemeClr>
             </a:gs>
-            <a:gs pos="38000">
+            <a:gs pos="70000">
               <a:schemeClr val="phClr">
-                <a:tint val="96000"/>
-                <a:shade val="59000"/>
-                <a:satMod val="120000"/>
-              </a:schemeClr>
-            </a:gs>
-            <a:gs pos="55000">
-              <a:schemeClr val="phClr">
-                <a:shade val="57000"/>
-                <a:satMod val="120000"/>
-              </a:schemeClr>
-            </a:gs>
-            <a:gs pos="80000">
-              <a:schemeClr val="phClr">
-                <a:shade val="56000"/>
-                <a:satMod val="145000"/>
-              </a:schemeClr>
-            </a:gs>
-            <a:gs pos="88000">
-              <a:schemeClr val="phClr">
-                <a:shade val="63000"/>
-                <a:satMod val="160000"/>
+                <a:tint val="99000"/>
+                <a:shade val="65000"/>
+                <a:satMod val="155000"/>
               </a:schemeClr>
             </a:gs>
             <a:gs pos="100000">
               <a:schemeClr val="phClr">
-                <a:tint val="99555"/>
+                <a:tint val="95500"/>
+                <a:shade val="100000"/>
                 <a:satMod val="155000"/>
               </a:schemeClr>
             </a:gs>
           </a:gsLst>
-          <a:lin ang="5400000" scaled="1"/>
+          <a:lin ang="16200000" scaled="0"/>
         </a:gradFill>
       </a:fillStyleLst>
       <a:lnStyleLst>
         <a:ln w="9525" cap="flat" cmpd="sng" algn="ctr">
           <a:solidFill>
-            <a:schemeClr val="phClr">
-              <a:shade val="60000"/>
-              <a:satMod val="300000"/>
-            </a:schemeClr>
+            <a:schemeClr val="phClr"/>
           </a:solidFill>
           <a:prstDash val="solid"/>
         </a:ln>
-        <a:ln w="19050" cap="flat" cmpd="sng" algn="ctr">
+        <a:ln w="55000" cap="flat" cmpd="thickThin" algn="ctr">
           <a:solidFill>
             <a:schemeClr val="phClr"/>
           </a:solidFill>
           <a:prstDash val="solid"/>
         </a:ln>
-        <a:ln w="19050" cap="flat" cmpd="sng" algn="ctr">
+        <a:ln w="63500" cap="flat" cmpd="thickThin" algn="ctr">
           <a:solidFill>
             <a:schemeClr val="phClr"/>
           </a:solidFill>
@@ -4559,53 +7290,43 @@
       <a:effectStyleLst>
         <a:effectStyle>
           <a:effectLst>
-            <a:glow rad="63500">
-              <a:schemeClr val="phClr">
-                <a:tint val="30000"/>
-                <a:shade val="95000"/>
-                <a:satMod val="300000"/>
-                <a:alpha val="50000"/>
-              </a:schemeClr>
-            </a:glow>
+            <a:outerShdw blurRad="50800" dist="38100" dir="5400000" rotWithShape="0">
+              <a:srgbClr val="000000">
+                <a:alpha val="35000"/>
+              </a:srgbClr>
+            </a:outerShdw>
           </a:effectLst>
         </a:effectStyle>
         <a:effectStyle>
           <a:effectLst>
-            <a:glow rad="70000">
-              <a:schemeClr val="phClr">
-                <a:tint val="30000"/>
-                <a:shade val="95000"/>
-                <a:satMod val="300000"/>
-                <a:alpha val="50000"/>
-              </a:schemeClr>
-            </a:glow>
+            <a:outerShdw blurRad="50800" dist="38100" dir="5400000" rotWithShape="0">
+              <a:srgbClr val="000000">
+                <a:alpha val="35000"/>
+              </a:srgbClr>
+            </a:outerShdw>
           </a:effectLst>
         </a:effectStyle>
         <a:effectStyle>
           <a:effectLst>
-            <a:glow rad="76200">
-              <a:schemeClr val="phClr">
-                <a:tint val="30000"/>
-                <a:shade val="95000"/>
-                <a:satMod val="300000"/>
-                <a:alpha val="50000"/>
-              </a:schemeClr>
-            </a:glow>
+            <a:outerShdw blurRad="63500" dist="38100" dir="5400000" rotWithShape="0">
+              <a:srgbClr val="000000">
+                <a:alpha val="45000"/>
+              </a:srgbClr>
+            </a:outerShdw>
           </a:effectLst>
           <a:scene3d>
             <a:camera prst="orthographicFront" fov="0">
               <a:rot lat="0" lon="0" rev="0"/>
             </a:camera>
-            <a:lightRig rig="harsh" dir="t">
-              <a:rot lat="6000000" lon="6000000" rev="0"/>
+            <a:lightRig rig="glow" dir="t">
+              <a:rot lat="0" lon="0" rev="6360000"/>
             </a:lightRig>
           </a:scene3d>
-          <a:sp3d contourW="10000" prstMaterial="metal">
-            <a:bevelT w="20000" h="9000" prst="softRound"/>
+          <a:sp3d contourW="1000" prstMaterial="flat">
+            <a:bevelT w="95250" h="101600"/>
             <a:contourClr>
               <a:schemeClr val="phClr">
-                <a:shade val="30000"/>
-                <a:satMod val="200000"/>
+                <a:satMod val="300000"/>
               </a:schemeClr>
             </a:contourClr>
           </a:sp3d>
@@ -4619,44 +7340,41 @@
           <a:gsLst>
             <a:gs pos="0">
               <a:schemeClr val="phClr">
-                <a:shade val="40000"/>
-                <a:satMod val="150000"/>
+                <a:tint val="55000"/>
+                <a:satMod val="300000"/>
               </a:schemeClr>
             </a:gs>
-            <a:gs pos="30000">
+            <a:gs pos="40000">
               <a:schemeClr val="phClr">
-                <a:shade val="60000"/>
-                <a:satMod val="150000"/>
+                <a:tint val="65000"/>
+                <a:satMod val="300000"/>
               </a:schemeClr>
             </a:gs>
             <a:gs pos="100000">
               <a:schemeClr val="phClr">
-                <a:tint val="83000"/>
-                <a:satMod val="200000"/>
-              </a:schemeClr>
-            </a:gs>
-          </a:gsLst>
-          <a:lin ang="13000000" scaled="0"/>
-        </a:gradFill>
-        <a:gradFill rotWithShape="1">
-          <a:gsLst>
-            <a:gs pos="0">
-              <a:schemeClr val="phClr">
-                <a:tint val="78000"/>
-                <a:satMod val="220000"/>
-              </a:schemeClr>
-            </a:gs>
-            <a:gs pos="100000">
-              <a:schemeClr val="phClr">
-                <a:shade val="35000"/>
-                <a:satMod val="155000"/>
+                <a:shade val="65000"/>
+                <a:satMod val="300000"/>
               </a:schemeClr>
             </a:gs>
           </a:gsLst>
           <a:path path="circle">
-            <a:fillToRect l="60000" t="50000" r="40000" b="50000"/>
+            <a:fillToRect l="65000" b="98000"/>
           </a:path>
         </a:gradFill>
+        <a:blipFill>
+          <a:blip xmlns:r="http://schemas.openxmlformats.org/officeDocument/2006/relationships" r:embed="rId1">
+            <a:duotone>
+              <a:schemeClr val="phClr">
+                <a:shade val="60000"/>
+                <a:satMod val="110000"/>
+              </a:schemeClr>
+              <a:schemeClr val="phClr">
+                <a:tint val="95000"/>
+              </a:schemeClr>
+            </a:duotone>
+          </a:blip>
+          <a:tile tx="0" ty="0" sx="50000" sy="50000" flip="none" algn="tl"/>
+        </a:blipFill>
       </a:bgFillStyleLst>
     </a:fmtScheme>
   </a:themeElements>
